--- a/PowerPoint Presentation/EMPLOYEE MANAGEMENT SYSTEM.pptx
+++ b/PowerPoint Presentation/EMPLOYEE MANAGEMENT SYSTEM.pptx
@@ -5,7 +5,7 @@
     <p:sldMasterId id="2147483676" r:id="rId1"/>
   </p:sldMasterIdLst>
   <p:notesMasterIdLst>
-    <p:notesMasterId r:id="rId21"/>
+    <p:notesMasterId r:id="rId28"/>
   </p:notesMasterIdLst>
   <p:sldIdLst>
     <p:sldId id="264" r:id="rId2"/>
@@ -24,9 +24,16 @@
     <p:sldId id="287" r:id="rId15"/>
     <p:sldId id="286" r:id="rId16"/>
     <p:sldId id="288" r:id="rId17"/>
-    <p:sldId id="268" r:id="rId18"/>
-    <p:sldId id="282" r:id="rId19"/>
-    <p:sldId id="269" r:id="rId20"/>
+    <p:sldId id="289" r:id="rId18"/>
+    <p:sldId id="290" r:id="rId19"/>
+    <p:sldId id="291" r:id="rId20"/>
+    <p:sldId id="292" r:id="rId21"/>
+    <p:sldId id="294" r:id="rId22"/>
+    <p:sldId id="295" r:id="rId23"/>
+    <p:sldId id="293" r:id="rId24"/>
+    <p:sldId id="268" r:id="rId25"/>
+    <p:sldId id="282" r:id="rId26"/>
+    <p:sldId id="269" r:id="rId27"/>
   </p:sldIdLst>
   <p:sldSz cx="12192000" cy="6858000"/>
   <p:notesSz cx="6858000" cy="9144000"/>
@@ -125,7 +132,20 @@
       </a:defRPr>
     </a:lvl9pPr>
   </p:defaultTextStyle>
+  <p:extLst>
+    <p:ext uri="{EFAFB233-063F-42B5-8137-9DF3F51BA10A}">
+      <p15:sldGuideLst xmlns:p15="http://schemas.microsoft.com/office/powerpoint/2012/main"/>
+    </p:ext>
+  </p:extLst>
 </p:presentation>
+</file>
+
+<file path=ppt/revisionInfo.xml><?xml version="1.0" encoding="utf-8"?>
+<p1510:revInfo xmlns:a="http://schemas.openxmlformats.org/drawingml/2006/main" xmlns:r="http://schemas.openxmlformats.org/officeDocument/2006/relationships" xmlns:p1510="http://schemas.microsoft.com/office/powerpoint/2015/10/main">
+  <p1510:revLst>
+    <p1510:client id="{F812A025-3F9E-488A-87C5-B4D2F7A0DA6F}" v="20" dt="2025-01-03T03:51:28.220"/>
+  </p1510:revLst>
+</p1510:revInfo>
 </file>
 
 <file path=ppt/charts/chart1.xml><?xml version="1.0" encoding="utf-8"?>
@@ -668,6 +688,546 @@
 </c:chartSpace>
 </file>
 
+<file path=ppt/charts/chart5.xml><?xml version="1.0" encoding="utf-8"?>
+<c:chartSpace xmlns:c="http://schemas.openxmlformats.org/drawingml/2006/chart" xmlns:a="http://schemas.openxmlformats.org/drawingml/2006/main" xmlns:r="http://schemas.openxmlformats.org/officeDocument/2006/relationships" xmlns:c16r2="http://schemas.microsoft.com/office/drawing/2015/06/chart">
+  <c:date1904 val="0"/>
+  <c:lang val="en-US"/>
+  <c:roundedCorners val="1"/>
+  <c:style val="2"/>
+  <c:chart>
+    <c:autoTitleDeleted val="1"/>
+    <c:plotArea>
+      <c:layout/>
+      <c:doughnutChart>
+        <c:varyColors val="1"/>
+        <c:ser>
+          <c:idx val="0"/>
+          <c:order val="0"/>
+          <c:tx>
+            <c:strRef>
+              <c:f>Sheet1!$B$1</c:f>
+              <c:strCache>
+                <c:ptCount val="1"/>
+              </c:strCache>
+            </c:strRef>
+          </c:tx>
+          <c:spPr>
+            <a:solidFill>
+              <a:schemeClr val="accent1"/>
+            </a:solidFill>
+            <a:ln w="9525" cap="flat">
+              <a:solidFill>
+                <a:srgbClr val="F9F9F9"/>
+              </a:solidFill>
+              <a:prstDash val="solid"/>
+              <a:round/>
+            </a:ln>
+            <a:effectLst/>
+          </c:spPr>
+          <c:dPt>
+            <c:idx val="0"/>
+            <c:bubble3D val="0"/>
+            <c:spPr>
+              <a:solidFill>
+                <a:srgbClr val="000000"/>
+              </a:solidFill>
+              <a:effectLst/>
+            </c:spPr>
+            <c:extLst>
+              <c:ext xmlns:c16="http://schemas.microsoft.com/office/drawing/2014/chart" uri="{C3380CC4-5D6E-409C-BE32-E72D297353CC}">
+                <c16:uniqueId val="{00000001-CDCB-46E7-B743-BA50EA0ACB5F}"/>
+              </c:ext>
+            </c:extLst>
+          </c:dPt>
+          <c:dPt>
+            <c:idx val="1"/>
+            <c:bubble3D val="0"/>
+            <c:spPr>
+              <a:solidFill>
+                <a:srgbClr val="0958F7"/>
+              </a:solidFill>
+              <a:effectLst/>
+            </c:spPr>
+            <c:extLst>
+              <c:ext xmlns:c16="http://schemas.microsoft.com/office/drawing/2014/chart" uri="{C3380CC4-5D6E-409C-BE32-E72D297353CC}">
+                <c16:uniqueId val="{00000003-CDCB-46E7-B743-BA50EA0ACB5F}"/>
+              </c:ext>
+            </c:extLst>
+          </c:dPt>
+          <c:cat>
+            <c:strRef>
+              <c:f>Sheet1!$A$2:$A$3</c:f>
+              <c:strCache>
+                <c:ptCount val="2"/>
+                <c:pt idx="0">
+                  <c:v>Managers</c:v>
+                </c:pt>
+              </c:strCache>
+            </c:strRef>
+          </c:cat>
+          <c:val>
+            <c:numRef>
+              <c:f>Sheet1!$B$2:$B$3</c:f>
+              <c:numCache>
+                <c:formatCode>General</c:formatCode>
+                <c:ptCount val="2"/>
+                <c:pt idx="0">
+                  <c:v>0.4</c:v>
+                </c:pt>
+                <c:pt idx="1">
+                  <c:v>0.6</c:v>
+                </c:pt>
+              </c:numCache>
+            </c:numRef>
+          </c:val>
+          <c:extLst>
+            <c:ext xmlns:c16="http://schemas.microsoft.com/office/drawing/2014/chart" uri="{C3380CC4-5D6E-409C-BE32-E72D297353CC}">
+              <c16:uniqueId val="{00000004-CDCB-46E7-B743-BA50EA0ACB5F}"/>
+            </c:ext>
+          </c:extLst>
+        </c:ser>
+        <c:dLbls>
+          <c:showLegendKey val="0"/>
+          <c:showVal val="0"/>
+          <c:showCatName val="0"/>
+          <c:showSerName val="0"/>
+          <c:showPercent val="0"/>
+          <c:showBubbleSize val="0"/>
+          <c:showLeaderLines val="0"/>
+        </c:dLbls>
+        <c:firstSliceAng val="0"/>
+        <c:holeSize val="90"/>
+      </c:doughnutChart>
+      <c:spPr>
+        <a:noFill/>
+        <a:ln>
+          <a:noFill/>
+        </a:ln>
+        <a:effectLst/>
+      </c:spPr>
+    </c:plotArea>
+    <c:plotVisOnly val="1"/>
+    <c:dispBlanksAs val="span"/>
+    <c:showDLblsOverMax val="1"/>
+  </c:chart>
+  <c:spPr>
+    <a:noFill/>
+    <a:ln>
+      <a:noFill/>
+    </a:ln>
+    <a:effectLst/>
+  </c:spPr>
+  <c:externalData r:id="rId1">
+    <c:autoUpdate val="0"/>
+  </c:externalData>
+</c:chartSpace>
+</file>
+
+<file path=ppt/charts/chart6.xml><?xml version="1.0" encoding="utf-8"?>
+<c:chartSpace xmlns:c="http://schemas.openxmlformats.org/drawingml/2006/chart" xmlns:a="http://schemas.openxmlformats.org/drawingml/2006/main" xmlns:r="http://schemas.openxmlformats.org/officeDocument/2006/relationships" xmlns:c16r2="http://schemas.microsoft.com/office/drawing/2015/06/chart">
+  <c:date1904 val="0"/>
+  <c:lang val="en-US"/>
+  <c:roundedCorners val="1"/>
+  <c:style val="2"/>
+  <c:chart>
+    <c:autoTitleDeleted val="1"/>
+    <c:plotArea>
+      <c:layout/>
+      <c:doughnutChart>
+        <c:varyColors val="1"/>
+        <c:ser>
+          <c:idx val="0"/>
+          <c:order val="0"/>
+          <c:tx>
+            <c:strRef>
+              <c:f>Sheet1!$B$1</c:f>
+              <c:strCache>
+                <c:ptCount val="1"/>
+              </c:strCache>
+            </c:strRef>
+          </c:tx>
+          <c:spPr>
+            <a:solidFill>
+              <a:schemeClr val="accent1"/>
+            </a:solidFill>
+            <a:ln w="9525" cap="flat">
+              <a:solidFill>
+                <a:srgbClr val="F9F9F9"/>
+              </a:solidFill>
+              <a:prstDash val="solid"/>
+              <a:round/>
+            </a:ln>
+            <a:effectLst/>
+          </c:spPr>
+          <c:dPt>
+            <c:idx val="0"/>
+            <c:bubble3D val="0"/>
+            <c:spPr>
+              <a:solidFill>
+                <a:srgbClr val="000000"/>
+              </a:solidFill>
+              <a:effectLst/>
+            </c:spPr>
+            <c:extLst>
+              <c:ext xmlns:c16="http://schemas.microsoft.com/office/drawing/2014/chart" uri="{C3380CC4-5D6E-409C-BE32-E72D297353CC}">
+                <c16:uniqueId val="{00000001-2D5F-49E0-BE9E-C9BCAE6AF9AE}"/>
+              </c:ext>
+            </c:extLst>
+          </c:dPt>
+          <c:dPt>
+            <c:idx val="1"/>
+            <c:bubble3D val="0"/>
+            <c:spPr>
+              <a:solidFill>
+                <a:srgbClr val="0958F7"/>
+              </a:solidFill>
+              <a:effectLst/>
+            </c:spPr>
+            <c:extLst>
+              <c:ext xmlns:c16="http://schemas.microsoft.com/office/drawing/2014/chart" uri="{C3380CC4-5D6E-409C-BE32-E72D297353CC}">
+                <c16:uniqueId val="{00000003-2D5F-49E0-BE9E-C9BCAE6AF9AE}"/>
+              </c:ext>
+            </c:extLst>
+          </c:dPt>
+          <c:cat>
+            <c:strRef>
+              <c:f>Sheet1!$A$2:$A$3</c:f>
+              <c:strCache>
+                <c:ptCount val="2"/>
+                <c:pt idx="0">
+                  <c:v>HR</c:v>
+                </c:pt>
+              </c:strCache>
+            </c:strRef>
+          </c:cat>
+          <c:val>
+            <c:numRef>
+              <c:f>Sheet1!$B$2:$B$3</c:f>
+              <c:numCache>
+                <c:formatCode>General</c:formatCode>
+                <c:ptCount val="2"/>
+                <c:pt idx="0">
+                  <c:v>0.3</c:v>
+                </c:pt>
+                <c:pt idx="1">
+                  <c:v>0.7</c:v>
+                </c:pt>
+              </c:numCache>
+            </c:numRef>
+          </c:val>
+          <c:extLst>
+            <c:ext xmlns:c16="http://schemas.microsoft.com/office/drawing/2014/chart" uri="{C3380CC4-5D6E-409C-BE32-E72D297353CC}">
+              <c16:uniqueId val="{00000004-2D5F-49E0-BE9E-C9BCAE6AF9AE}"/>
+            </c:ext>
+          </c:extLst>
+        </c:ser>
+        <c:dLbls>
+          <c:showLegendKey val="0"/>
+          <c:showVal val="0"/>
+          <c:showCatName val="0"/>
+          <c:showSerName val="0"/>
+          <c:showPercent val="0"/>
+          <c:showBubbleSize val="0"/>
+          <c:showLeaderLines val="0"/>
+        </c:dLbls>
+        <c:firstSliceAng val="0"/>
+        <c:holeSize val="90"/>
+      </c:doughnutChart>
+      <c:spPr>
+        <a:noFill/>
+        <a:ln>
+          <a:noFill/>
+        </a:ln>
+        <a:effectLst/>
+      </c:spPr>
+    </c:plotArea>
+    <c:plotVisOnly val="1"/>
+    <c:dispBlanksAs val="span"/>
+    <c:showDLblsOverMax val="1"/>
+  </c:chart>
+  <c:spPr>
+    <a:noFill/>
+    <a:ln>
+      <a:noFill/>
+    </a:ln>
+    <a:effectLst/>
+  </c:spPr>
+  <c:externalData r:id="rId1">
+    <c:autoUpdate val="0"/>
+  </c:externalData>
+</c:chartSpace>
+</file>
+
+<file path=ppt/charts/chart7.xml><?xml version="1.0" encoding="utf-8"?>
+<c:chartSpace xmlns:c="http://schemas.openxmlformats.org/drawingml/2006/chart" xmlns:a="http://schemas.openxmlformats.org/drawingml/2006/main" xmlns:r="http://schemas.openxmlformats.org/officeDocument/2006/relationships" xmlns:c16r2="http://schemas.microsoft.com/office/drawing/2015/06/chart">
+  <c:date1904 val="0"/>
+  <c:lang val="en-US"/>
+  <c:roundedCorners val="1"/>
+  <c:style val="2"/>
+  <c:chart>
+    <c:autoTitleDeleted val="1"/>
+    <c:plotArea>
+      <c:layout/>
+      <c:doughnutChart>
+        <c:varyColors val="1"/>
+        <c:ser>
+          <c:idx val="0"/>
+          <c:order val="0"/>
+          <c:tx>
+            <c:strRef>
+              <c:f>Sheet1!$B$1</c:f>
+              <c:strCache>
+                <c:ptCount val="1"/>
+              </c:strCache>
+            </c:strRef>
+          </c:tx>
+          <c:spPr>
+            <a:solidFill>
+              <a:schemeClr val="accent1"/>
+            </a:solidFill>
+            <a:ln w="9525" cap="flat">
+              <a:solidFill>
+                <a:srgbClr val="F9F9F9"/>
+              </a:solidFill>
+              <a:prstDash val="solid"/>
+              <a:round/>
+            </a:ln>
+            <a:effectLst/>
+          </c:spPr>
+          <c:dPt>
+            <c:idx val="0"/>
+            <c:bubble3D val="0"/>
+            <c:spPr>
+              <a:solidFill>
+                <a:srgbClr val="000000"/>
+              </a:solidFill>
+              <a:effectLst/>
+            </c:spPr>
+            <c:extLst>
+              <c:ext xmlns:c16="http://schemas.microsoft.com/office/drawing/2014/chart" uri="{C3380CC4-5D6E-409C-BE32-E72D297353CC}">
+                <c16:uniqueId val="{00000001-24E1-48DE-91F2-3F37AF63516A}"/>
+              </c:ext>
+            </c:extLst>
+          </c:dPt>
+          <c:dPt>
+            <c:idx val="1"/>
+            <c:bubble3D val="0"/>
+            <c:spPr>
+              <a:solidFill>
+                <a:srgbClr val="0958F7"/>
+              </a:solidFill>
+              <a:effectLst/>
+            </c:spPr>
+            <c:extLst>
+              <c:ext xmlns:c16="http://schemas.microsoft.com/office/drawing/2014/chart" uri="{C3380CC4-5D6E-409C-BE32-E72D297353CC}">
+                <c16:uniqueId val="{00000003-24E1-48DE-91F2-3F37AF63516A}"/>
+              </c:ext>
+            </c:extLst>
+          </c:dPt>
+          <c:cat>
+            <c:strRef>
+              <c:f>Sheet1!$A$2:$A$3</c:f>
+              <c:strCache>
+                <c:ptCount val="2"/>
+                <c:pt idx="0">
+                  <c:v>Admins</c:v>
+                </c:pt>
+              </c:strCache>
+            </c:strRef>
+          </c:cat>
+          <c:val>
+            <c:numRef>
+              <c:f>Sheet1!$B$2:$B$3</c:f>
+              <c:numCache>
+                <c:formatCode>General</c:formatCode>
+                <c:ptCount val="2"/>
+                <c:pt idx="0">
+                  <c:v>0.2</c:v>
+                </c:pt>
+                <c:pt idx="1">
+                  <c:v>0.8</c:v>
+                </c:pt>
+              </c:numCache>
+            </c:numRef>
+          </c:val>
+          <c:extLst>
+            <c:ext xmlns:c16="http://schemas.microsoft.com/office/drawing/2014/chart" uri="{C3380CC4-5D6E-409C-BE32-E72D297353CC}">
+              <c16:uniqueId val="{00000004-24E1-48DE-91F2-3F37AF63516A}"/>
+            </c:ext>
+          </c:extLst>
+        </c:ser>
+        <c:dLbls>
+          <c:showLegendKey val="0"/>
+          <c:showVal val="0"/>
+          <c:showCatName val="0"/>
+          <c:showSerName val="0"/>
+          <c:showPercent val="0"/>
+          <c:showBubbleSize val="0"/>
+          <c:showLeaderLines val="0"/>
+        </c:dLbls>
+        <c:firstSliceAng val="0"/>
+        <c:holeSize val="90"/>
+      </c:doughnutChart>
+      <c:spPr>
+        <a:noFill/>
+        <a:ln>
+          <a:noFill/>
+        </a:ln>
+        <a:effectLst/>
+      </c:spPr>
+    </c:plotArea>
+    <c:plotVisOnly val="1"/>
+    <c:dispBlanksAs val="span"/>
+    <c:showDLblsOverMax val="1"/>
+  </c:chart>
+  <c:spPr>
+    <a:noFill/>
+    <a:ln>
+      <a:noFill/>
+    </a:ln>
+    <a:effectLst/>
+  </c:spPr>
+  <c:externalData r:id="rId1">
+    <c:autoUpdate val="0"/>
+  </c:externalData>
+</c:chartSpace>
+</file>
+
+<file path=ppt/charts/chart8.xml><?xml version="1.0" encoding="utf-8"?>
+<c:chartSpace xmlns:c="http://schemas.openxmlformats.org/drawingml/2006/chart" xmlns:a="http://schemas.openxmlformats.org/drawingml/2006/main" xmlns:r="http://schemas.openxmlformats.org/officeDocument/2006/relationships" xmlns:c16r2="http://schemas.microsoft.com/office/drawing/2015/06/chart">
+  <c:date1904 val="0"/>
+  <c:lang val="en-US"/>
+  <c:roundedCorners val="1"/>
+  <c:style val="2"/>
+  <c:chart>
+    <c:autoTitleDeleted val="1"/>
+    <c:plotArea>
+      <c:layout/>
+      <c:doughnutChart>
+        <c:varyColors val="1"/>
+        <c:ser>
+          <c:idx val="0"/>
+          <c:order val="0"/>
+          <c:tx>
+            <c:strRef>
+              <c:f>Sheet1!$B$1</c:f>
+              <c:strCache>
+                <c:ptCount val="1"/>
+              </c:strCache>
+            </c:strRef>
+          </c:tx>
+          <c:spPr>
+            <a:solidFill>
+              <a:schemeClr val="accent1"/>
+            </a:solidFill>
+            <a:ln w="9525" cap="flat">
+              <a:solidFill>
+                <a:srgbClr val="F9F9F9"/>
+              </a:solidFill>
+              <a:prstDash val="solid"/>
+              <a:round/>
+            </a:ln>
+            <a:effectLst/>
+          </c:spPr>
+          <c:dPt>
+            <c:idx val="0"/>
+            <c:bubble3D val="0"/>
+            <c:spPr>
+              <a:solidFill>
+                <a:srgbClr val="000000"/>
+              </a:solidFill>
+              <a:effectLst/>
+            </c:spPr>
+            <c:extLst>
+              <c:ext xmlns:c16="http://schemas.microsoft.com/office/drawing/2014/chart" uri="{C3380CC4-5D6E-409C-BE32-E72D297353CC}">
+                <c16:uniqueId val="{00000001-B86A-4A59-B7A8-079037FC2E12}"/>
+              </c:ext>
+            </c:extLst>
+          </c:dPt>
+          <c:dPt>
+            <c:idx val="1"/>
+            <c:bubble3D val="0"/>
+            <c:spPr>
+              <a:solidFill>
+                <a:srgbClr val="0958F7"/>
+              </a:solidFill>
+              <a:effectLst/>
+            </c:spPr>
+            <c:extLst>
+              <c:ext xmlns:c16="http://schemas.microsoft.com/office/drawing/2014/chart" uri="{C3380CC4-5D6E-409C-BE32-E72D297353CC}">
+                <c16:uniqueId val="{00000003-B86A-4A59-B7A8-079037FC2E12}"/>
+              </c:ext>
+            </c:extLst>
+          </c:dPt>
+          <c:cat>
+            <c:strRef>
+              <c:f>Sheet1!$A$2:$A$3</c:f>
+              <c:strCache>
+                <c:ptCount val="2"/>
+                <c:pt idx="0">
+                  <c:v>Employees</c:v>
+                </c:pt>
+              </c:strCache>
+            </c:strRef>
+          </c:cat>
+          <c:val>
+            <c:numRef>
+              <c:f>Sheet1!$B$2:$B$3</c:f>
+              <c:numCache>
+                <c:formatCode>General</c:formatCode>
+                <c:ptCount val="2"/>
+                <c:pt idx="0">
+                  <c:v>0.1</c:v>
+                </c:pt>
+                <c:pt idx="1">
+                  <c:v>0.9</c:v>
+                </c:pt>
+              </c:numCache>
+            </c:numRef>
+          </c:val>
+          <c:extLst>
+            <c:ext xmlns:c16="http://schemas.microsoft.com/office/drawing/2014/chart" uri="{C3380CC4-5D6E-409C-BE32-E72D297353CC}">
+              <c16:uniqueId val="{00000004-B86A-4A59-B7A8-079037FC2E12}"/>
+            </c:ext>
+          </c:extLst>
+        </c:ser>
+        <c:dLbls>
+          <c:showLegendKey val="0"/>
+          <c:showVal val="0"/>
+          <c:showCatName val="0"/>
+          <c:showSerName val="0"/>
+          <c:showPercent val="0"/>
+          <c:showBubbleSize val="0"/>
+          <c:showLeaderLines val="0"/>
+        </c:dLbls>
+        <c:firstSliceAng val="0"/>
+        <c:holeSize val="90"/>
+      </c:doughnutChart>
+      <c:spPr>
+        <a:noFill/>
+        <a:ln>
+          <a:noFill/>
+        </a:ln>
+        <a:effectLst/>
+      </c:spPr>
+    </c:plotArea>
+    <c:plotVisOnly val="1"/>
+    <c:dispBlanksAs val="span"/>
+    <c:showDLblsOverMax val="1"/>
+  </c:chart>
+  <c:spPr>
+    <a:noFill/>
+    <a:ln>
+      <a:noFill/>
+    </a:ln>
+    <a:effectLst/>
+  </c:spPr>
+  <c:externalData r:id="rId1">
+    <c:autoUpdate val="0"/>
+  </c:externalData>
+</c:chartSpace>
+</file>
+
 <file path=ppt/notesMasters/notesMaster1.xml><?xml version="1.0" encoding="utf-8"?>
 <p:notesMaster xmlns:a="http://schemas.openxmlformats.org/drawingml/2006/main" xmlns:r="http://schemas.openxmlformats.org/officeDocument/2006/relationships" xmlns:p="http://schemas.openxmlformats.org/presentationml/2006/main">
   <p:cSld>
@@ -750,7 +1310,7 @@
           <a:p>
             <a:fld id="{3B0093E8-5D9B-4DF6-8C20-CDDF7414E2C3}" type="datetimeFigureOut">
               <a:rPr lang="en-IN" smtClean="0"/>
-              <a:t>02-01-2025</a:t>
+              <a:t>03-01-2025</a:t>
             </a:fld>
             <a:endParaRPr lang="en-IN"/>
           </a:p>
@@ -1522,6 +2082,174 @@
 </p:notes>
 </file>
 
+<file path=ppt/notesSlides/notesSlide7.xml><?xml version="1.0" encoding="utf-8"?>
+<p:notes xmlns:a="http://schemas.openxmlformats.org/drawingml/2006/main" xmlns:r="http://schemas.openxmlformats.org/officeDocument/2006/relationships" xmlns:p="http://schemas.openxmlformats.org/presentationml/2006/main">
+  <p:cSld>
+    <p:spTree>
+      <p:nvGrpSpPr>
+        <p:cNvPr id="1" name=""/>
+        <p:cNvGrpSpPr/>
+        <p:nvPr/>
+      </p:nvGrpSpPr>
+      <p:grpSpPr>
+        <a:xfrm>
+          <a:off x="0" y="0"/>
+          <a:ext cx="0" cy="0"/>
+          <a:chOff x="0" y="0"/>
+          <a:chExt cx="0" cy="0"/>
+        </a:xfrm>
+      </p:grpSpPr>
+      <p:sp>
+        <p:nvSpPr>
+          <p:cNvPr id="2" name="Slide Image Placeholder 1"/>
+          <p:cNvSpPr>
+            <a:spLocks noGrp="1" noRot="1" noChangeAspect="1"/>
+          </p:cNvSpPr>
+          <p:nvPr>
+            <p:ph type="sldImg"/>
+          </p:nvPr>
+        </p:nvSpPr>
+        <p:spPr/>
+      </p:sp>
+      <p:sp>
+        <p:nvSpPr>
+          <p:cNvPr id="3" name="Notes Placeholder 2"/>
+          <p:cNvSpPr>
+            <a:spLocks noGrp="1"/>
+          </p:cNvSpPr>
+          <p:nvPr>
+            <p:ph type="body" idx="1"/>
+          </p:nvPr>
+        </p:nvSpPr>
+        <p:spPr/>
+        <p:txBody>
+          <a:bodyPr/>
+          <a:lstStyle/>
+          <a:p>
+            <a:endParaRPr lang="en-US" dirty="0"/>
+          </a:p>
+        </p:txBody>
+      </p:sp>
+      <p:sp>
+        <p:nvSpPr>
+          <p:cNvPr id="4" name="Slide Number Placeholder 3"/>
+          <p:cNvSpPr>
+            <a:spLocks noGrp="1"/>
+          </p:cNvSpPr>
+          <p:nvPr>
+            <p:ph type="sldNum" sz="quarter" idx="10"/>
+          </p:nvPr>
+        </p:nvSpPr>
+        <p:spPr/>
+        <p:txBody>
+          <a:bodyPr/>
+          <a:lstStyle/>
+          <a:p>
+            <a:fld id="{F7021451-1387-4CA6-816F-3879F97B5CBC}" type="slidenum">
+              <a:rPr lang="en-US"/>
+              <a:t>21</a:t>
+            </a:fld>
+            <a:endParaRPr lang="en-US"/>
+          </a:p>
+        </p:txBody>
+      </p:sp>
+    </p:spTree>
+    <p:extLst>
+      <p:ext uri="{BB962C8B-B14F-4D97-AF65-F5344CB8AC3E}">
+        <p14:creationId xmlns:p14="http://schemas.microsoft.com/office/powerpoint/2010/main" val="1024086991"/>
+      </p:ext>
+    </p:extLst>
+  </p:cSld>
+  <p:clrMapOvr>
+    <a:masterClrMapping/>
+  </p:clrMapOvr>
+</p:notes>
+</file>
+
+<file path=ppt/notesSlides/notesSlide8.xml><?xml version="1.0" encoding="utf-8"?>
+<p:notes xmlns:a="http://schemas.openxmlformats.org/drawingml/2006/main" xmlns:r="http://schemas.openxmlformats.org/officeDocument/2006/relationships" xmlns:p="http://schemas.openxmlformats.org/presentationml/2006/main">
+  <p:cSld>
+    <p:spTree>
+      <p:nvGrpSpPr>
+        <p:cNvPr id="1" name=""/>
+        <p:cNvGrpSpPr/>
+        <p:nvPr/>
+      </p:nvGrpSpPr>
+      <p:grpSpPr>
+        <a:xfrm>
+          <a:off x="0" y="0"/>
+          <a:ext cx="0" cy="0"/>
+          <a:chOff x="0" y="0"/>
+          <a:chExt cx="0" cy="0"/>
+        </a:xfrm>
+      </p:grpSpPr>
+      <p:sp>
+        <p:nvSpPr>
+          <p:cNvPr id="2" name="Slide Image Placeholder 1"/>
+          <p:cNvSpPr>
+            <a:spLocks noGrp="1" noRot="1" noChangeAspect="1"/>
+          </p:cNvSpPr>
+          <p:nvPr>
+            <p:ph type="sldImg"/>
+          </p:nvPr>
+        </p:nvSpPr>
+        <p:spPr/>
+      </p:sp>
+      <p:sp>
+        <p:nvSpPr>
+          <p:cNvPr id="3" name="Notes Placeholder 2"/>
+          <p:cNvSpPr>
+            <a:spLocks noGrp="1"/>
+          </p:cNvSpPr>
+          <p:nvPr>
+            <p:ph type="body" idx="1"/>
+          </p:nvPr>
+        </p:nvSpPr>
+        <p:spPr/>
+        <p:txBody>
+          <a:bodyPr/>
+          <a:lstStyle/>
+          <a:p>
+            <a:endParaRPr lang="en-US" dirty="0"/>
+          </a:p>
+        </p:txBody>
+      </p:sp>
+      <p:sp>
+        <p:nvSpPr>
+          <p:cNvPr id="4" name="Slide Number Placeholder 3"/>
+          <p:cNvSpPr>
+            <a:spLocks noGrp="1"/>
+          </p:cNvSpPr>
+          <p:nvPr>
+            <p:ph type="sldNum" sz="quarter" idx="10"/>
+          </p:nvPr>
+        </p:nvSpPr>
+        <p:spPr/>
+        <p:txBody>
+          <a:bodyPr/>
+          <a:lstStyle/>
+          <a:p>
+            <a:fld id="{F7021451-1387-4CA6-816F-3879F97B5CBC}" type="slidenum">
+              <a:rPr lang="en-US"/>
+              <a:t>22</a:t>
+            </a:fld>
+            <a:endParaRPr lang="en-US"/>
+          </a:p>
+        </p:txBody>
+      </p:sp>
+    </p:spTree>
+    <p:extLst>
+      <p:ext uri="{BB962C8B-B14F-4D97-AF65-F5344CB8AC3E}">
+        <p14:creationId xmlns:p14="http://schemas.microsoft.com/office/powerpoint/2010/main" val="1024086991"/>
+      </p:ext>
+    </p:extLst>
+  </p:cSld>
+  <p:clrMapOvr>
+    <a:masterClrMapping/>
+  </p:clrMapOvr>
+</p:notes>
+</file>
+
 <file path=ppt/slideLayouts/slideLayout1.xml><?xml version="1.0" encoding="utf-8"?>
 <p:sldLayout xmlns:a="http://schemas.openxmlformats.org/drawingml/2006/main" xmlns:r="http://schemas.openxmlformats.org/officeDocument/2006/relationships" xmlns:p="http://schemas.openxmlformats.org/presentationml/2006/main" preserve="1" userDrawn="1">
   <p:cSld name="Title">
@@ -4824,7 +5552,7 @@
           </a:prstGeom>
           <a:extLst>
             <a:ext uri="{C572A759-6A51-4108-AA02-DFA0A04FC94B}">
-              <ma14:wrappingTextBoxFlag xmlns="" xmlns:ma14="http://schemas.microsoft.com/office/mac/drawingml/2011/main" val="0"/>
+              <ma14:wrappingTextBoxFlag xmlns:ma14="http://schemas.microsoft.com/office/mac/drawingml/2011/main" xmlns="" val="0"/>
             </a:ext>
           </a:extLst>
         </p:spPr>
@@ -7680,19 +8408,31 @@
           <a:lstStyle/>
           <a:p>
             <a:r>
-              <a:rPr lang="en-US" sz="1600" dirty="0"/>
-              <a:t>NAME: Asif Kotla</a:t>
+              <a:rPr lang="en-US" sz="1600" b="1" dirty="0">
+                <a:solidFill>
+                  <a:schemeClr val="accent1"/>
+                </a:solidFill>
+              </a:rPr>
+              <a:t>NAME: ASIF KOTLA</a:t>
             </a:r>
             <a:r>
-              <a:rPr lang="en-US" dirty="0"/>
+              <a:rPr lang="en-US" b="1" dirty="0"/>
               <a:t>
 </a:t>
             </a:r>
             <a:r>
-              <a:rPr lang="en-US" sz="1600" dirty="0"/>
+              <a:rPr lang="en-US" sz="1600" b="1" dirty="0">
+                <a:solidFill>
+                  <a:schemeClr val="accent1"/>
+                </a:solidFill>
+              </a:rPr>
               <a:t>DATE: JANUARY - 2025</a:t>
             </a:r>
-            <a:endParaRPr lang="en-GB" sz="1600" dirty="0"/>
+            <a:endParaRPr lang="en-GB" sz="1600" b="1" dirty="0">
+              <a:solidFill>
+                <a:schemeClr val="accent1"/>
+              </a:solidFill>
+            </a:endParaRPr>
           </a:p>
         </p:txBody>
       </p:sp>
@@ -7739,6 +8479,60 @@
           </a:fontRef>
         </p:style>
       </p:cxnSp>
+      <p:sp>
+        <p:nvSpPr>
+          <p:cNvPr id="2" name="Rectangle 1">
+            <a:extLst>
+              <a:ext uri="{FF2B5EF4-FFF2-40B4-BE49-F238E27FC236}">
+                <a16:creationId xmlns:a16="http://schemas.microsoft.com/office/drawing/2014/main" id="{6814688C-728F-BAD5-BC6F-C8090BBF2689}"/>
+              </a:ext>
+            </a:extLst>
+          </p:cNvPr>
+          <p:cNvSpPr/>
+          <p:nvPr/>
+        </p:nvSpPr>
+        <p:spPr>
+          <a:xfrm>
+            <a:off x="9050867" y="6443133"/>
+            <a:ext cx="2269066" cy="355600"/>
+          </a:xfrm>
+          <a:prstGeom prst="rect">
+            <a:avLst/>
+          </a:prstGeom>
+          <a:solidFill>
+            <a:schemeClr val="bg1"/>
+          </a:solidFill>
+          <a:ln>
+            <a:solidFill>
+              <a:schemeClr val="bg1"/>
+            </a:solidFill>
+          </a:ln>
+        </p:spPr>
+        <p:style>
+          <a:lnRef idx="2">
+            <a:schemeClr val="accent1">
+              <a:shade val="15000"/>
+            </a:schemeClr>
+          </a:lnRef>
+          <a:fillRef idx="1">
+            <a:schemeClr val="accent1"/>
+          </a:fillRef>
+          <a:effectRef idx="0">
+            <a:schemeClr val="accent1"/>
+          </a:effectRef>
+          <a:fontRef idx="minor">
+            <a:schemeClr val="lt1"/>
+          </a:fontRef>
+        </p:style>
+        <p:txBody>
+          <a:bodyPr rtlCol="0" anchor="ctr"/>
+          <a:lstStyle/>
+          <a:p>
+            <a:pPr algn="ctr"/>
+            <a:endParaRPr lang="en-IN"/>
+          </a:p>
+        </p:txBody>
+      </p:sp>
     </p:spTree>
     <p:extLst>
       <p:ext uri="{BB962C8B-B14F-4D97-AF65-F5344CB8AC3E}">
@@ -7749,13 +8543,13 @@
   <p:clrMapOvr>
     <a:masterClrMapping/>
   </p:clrMapOvr>
-  <mc:AlternateContent xmlns:mc="http://schemas.openxmlformats.org/markup-compatibility/2006">
-    <mc:Choice xmlns:p159="http://schemas.microsoft.com/office/powerpoint/2015/09/main" Requires="p159">
+  <mc:AlternateContent xmlns:mc="http://schemas.openxmlformats.org/markup-compatibility/2006" xmlns:p159="http://schemas.microsoft.com/office/powerpoint/2015/09/main">
+    <mc:Choice Requires="p159">
       <p:transition xmlns:p14="http://schemas.microsoft.com/office/powerpoint/2010/main" spd="slow" p14:dur="2000" advTm="300000">
         <p159:morph option="byObject"/>
       </p:transition>
     </mc:Choice>
-    <mc:Fallback>
+    <mc:Fallback xmlns="">
       <p:transition spd="slow" advTm="300000">
         <p:fade/>
       </p:transition>
@@ -7799,8 +8593,8 @@
         </p:nvSpPr>
         <p:spPr>
           <a:xfrm>
-            <a:off x="587064" y="4078615"/>
-            <a:ext cx="8960219" cy="2253107"/>
+            <a:off x="493931" y="3947073"/>
+            <a:ext cx="8960219" cy="2635451"/>
           </a:xfrm>
         </p:spPr>
         <p:txBody>
@@ -7811,7 +8605,7 @@
           <a:p>
             <a:r>
               <a:rPr lang="en-GB" sz="7500" dirty="0"/>
-              <a:t>GENERATE REPORTS OVERVIEW</a:t>
+              <a:t>GENERATE REPORTS MODULE</a:t>
             </a:r>
           </a:p>
         </p:txBody>
@@ -7842,38 +8636,6 @@
               <a:t>GENERATE REPORTS OVERVIEW</a:t>
             </a:r>
             <a:endParaRPr lang="en-ID" dirty="0"/>
-          </a:p>
-        </p:txBody>
-      </p:sp>
-      <p:sp>
-        <p:nvSpPr>
-          <p:cNvPr id="7" name="Text Placeholder 6">
-            <a:extLst>
-              <a:ext uri="{FF2B5EF4-FFF2-40B4-BE49-F238E27FC236}">
-                <a16:creationId xmlns:a16="http://schemas.microsoft.com/office/drawing/2014/main" id="{0B66EC97-5F7F-F0A9-08D2-20C3527FB689}"/>
-              </a:ext>
-            </a:extLst>
-          </p:cNvPr>
-          <p:cNvSpPr>
-            <a:spLocks noGrp="1"/>
-          </p:cNvSpPr>
-          <p:nvPr>
-            <p:ph type="body" sz="quarter" idx="12"/>
-          </p:nvPr>
-        </p:nvSpPr>
-        <p:spPr/>
-        <p:txBody>
-          <a:bodyPr/>
-          <a:lstStyle/>
-          <a:p>
-            <a:r>
-              <a:rPr lang="en-GB" sz="2800" dirty="0">
-                <a:solidFill>
-                  <a:srgbClr val="00B0F0"/>
-                </a:solidFill>
-              </a:rPr>
-              <a:t>Report Generation Module</a:t>
-            </a:r>
           </a:p>
         </p:txBody>
       </p:sp>
@@ -7920,6 +8682,60 @@
           </a:fontRef>
         </p:style>
       </p:cxnSp>
+      <p:sp>
+        <p:nvSpPr>
+          <p:cNvPr id="2" name="Rectangle 1">
+            <a:extLst>
+              <a:ext uri="{FF2B5EF4-FFF2-40B4-BE49-F238E27FC236}">
+                <a16:creationId xmlns:a16="http://schemas.microsoft.com/office/drawing/2014/main" id="{CA893979-F947-3C4C-B2E0-0A5AE3BF9F2C}"/>
+              </a:ext>
+            </a:extLst>
+          </p:cNvPr>
+          <p:cNvSpPr/>
+          <p:nvPr/>
+        </p:nvSpPr>
+        <p:spPr>
+          <a:xfrm>
+            <a:off x="8974667" y="6443133"/>
+            <a:ext cx="2429933" cy="355600"/>
+          </a:xfrm>
+          <a:prstGeom prst="rect">
+            <a:avLst/>
+          </a:prstGeom>
+          <a:solidFill>
+            <a:schemeClr val="bg1"/>
+          </a:solidFill>
+          <a:ln>
+            <a:solidFill>
+              <a:schemeClr val="bg1"/>
+            </a:solidFill>
+          </a:ln>
+        </p:spPr>
+        <p:style>
+          <a:lnRef idx="2">
+            <a:schemeClr val="accent1">
+              <a:shade val="15000"/>
+            </a:schemeClr>
+          </a:lnRef>
+          <a:fillRef idx="1">
+            <a:schemeClr val="accent1"/>
+          </a:fillRef>
+          <a:effectRef idx="0">
+            <a:schemeClr val="accent1"/>
+          </a:effectRef>
+          <a:fontRef idx="minor">
+            <a:schemeClr val="lt1"/>
+          </a:fontRef>
+        </p:style>
+        <p:txBody>
+          <a:bodyPr rtlCol="0" anchor="ctr"/>
+          <a:lstStyle/>
+          <a:p>
+            <a:pPr algn="ctr"/>
+            <a:endParaRPr lang="en-IN"/>
+          </a:p>
+        </p:txBody>
+      </p:sp>
     </p:spTree>
     <p:extLst>
       <p:ext uri="{BB962C8B-B14F-4D97-AF65-F5344CB8AC3E}">
@@ -7930,13 +8746,13 @@
   <p:clrMapOvr>
     <a:masterClrMapping/>
   </p:clrMapOvr>
-  <mc:AlternateContent xmlns:mc="http://schemas.openxmlformats.org/markup-compatibility/2006">
-    <mc:Choice xmlns:p15="http://schemas.microsoft.com/office/powerpoint/2012/main" Requires="p15">
+  <mc:AlternateContent xmlns:mc="http://schemas.openxmlformats.org/markup-compatibility/2006" xmlns:p15="http://schemas.microsoft.com/office/powerpoint/2012/main">
+    <mc:Choice Requires="p15">
       <p:transition xmlns:p14="http://schemas.microsoft.com/office/powerpoint/2010/main" spd="slow" p14:dur="2000">
         <p15:prstTrans prst="prestige"/>
       </p:transition>
     </mc:Choice>
-    <mc:Fallback>
+    <mc:Fallback xmlns="">
       <p:transition spd="slow">
         <p:fade/>
       </p:transition>
@@ -8213,6 +9029,60 @@
           </a:p>
         </p:txBody>
       </p:sp>
+      <p:sp>
+        <p:nvSpPr>
+          <p:cNvPr id="5" name="Rectangle 4">
+            <a:extLst>
+              <a:ext uri="{FF2B5EF4-FFF2-40B4-BE49-F238E27FC236}">
+                <a16:creationId xmlns:a16="http://schemas.microsoft.com/office/drawing/2014/main" id="{A05127BD-0836-0655-24F1-3917B733E008}"/>
+              </a:ext>
+            </a:extLst>
+          </p:cNvPr>
+          <p:cNvSpPr/>
+          <p:nvPr/>
+        </p:nvSpPr>
+        <p:spPr>
+          <a:xfrm>
+            <a:off x="9042400" y="6527800"/>
+            <a:ext cx="2353733" cy="249599"/>
+          </a:xfrm>
+          <a:prstGeom prst="rect">
+            <a:avLst/>
+          </a:prstGeom>
+          <a:solidFill>
+            <a:schemeClr val="bg1"/>
+          </a:solidFill>
+          <a:ln>
+            <a:solidFill>
+              <a:schemeClr val="bg1"/>
+            </a:solidFill>
+          </a:ln>
+        </p:spPr>
+        <p:style>
+          <a:lnRef idx="2">
+            <a:schemeClr val="accent1">
+              <a:shade val="15000"/>
+            </a:schemeClr>
+          </a:lnRef>
+          <a:fillRef idx="1">
+            <a:schemeClr val="accent1"/>
+          </a:fillRef>
+          <a:effectRef idx="0">
+            <a:schemeClr val="accent1"/>
+          </a:effectRef>
+          <a:fontRef idx="minor">
+            <a:schemeClr val="lt1"/>
+          </a:fontRef>
+        </p:style>
+        <p:txBody>
+          <a:bodyPr rtlCol="0" anchor="ctr"/>
+          <a:lstStyle/>
+          <a:p>
+            <a:pPr algn="ctr"/>
+            <a:endParaRPr lang="en-IN"/>
+          </a:p>
+        </p:txBody>
+      </p:sp>
     </p:spTree>
     <p:extLst>
       <p:ext uri="{BB962C8B-B14F-4D97-AF65-F5344CB8AC3E}">
@@ -8223,13 +9093,13 @@
   <p:clrMapOvr>
     <a:masterClrMapping/>
   </p:clrMapOvr>
-  <mc:AlternateContent xmlns:mc="http://schemas.openxmlformats.org/markup-compatibility/2006">
-    <mc:Choice xmlns:p159="http://schemas.microsoft.com/office/powerpoint/2015/09/main" Requires="p159">
+  <mc:AlternateContent xmlns:mc="http://schemas.openxmlformats.org/markup-compatibility/2006" xmlns:p159="http://schemas.microsoft.com/office/powerpoint/2015/09/main">
+    <mc:Choice Requires="p159">
       <p:transition xmlns:p14="http://schemas.microsoft.com/office/powerpoint/2010/main" spd="slow" p14:dur="2000">
         <p159:morph option="byObject"/>
       </p:transition>
     </mc:Choice>
-    <mc:Fallback>
+    <mc:Fallback xmlns="">
       <p:transition spd="slow">
         <p:fade/>
       </p:transition>
@@ -9322,7 +10192,7 @@
           </a:prstGeom>
           <a:extLst>
             <a:ext uri="{C572A759-6A51-4108-AA02-DFA0A04FC94B}">
-              <ma14:wrappingTextBoxFlag xmlns="" xmlns:ma14="http://schemas.microsoft.com/office/mac/drawingml/2011/main" val="0"/>
+              <ma14:wrappingTextBoxFlag xmlns:ma14="http://schemas.microsoft.com/office/mac/drawingml/2011/main" xmlns="" val="0"/>
             </a:ext>
           </a:extLst>
         </p:spPr>
@@ -9445,18 +10315,72 @@
           </a:p>
         </p:txBody>
       </p:sp>
+      <p:sp>
+        <p:nvSpPr>
+          <p:cNvPr id="6" name="Rectangle 5">
+            <a:extLst>
+              <a:ext uri="{FF2B5EF4-FFF2-40B4-BE49-F238E27FC236}">
+                <a16:creationId xmlns:a16="http://schemas.microsoft.com/office/drawing/2014/main" id="{592256BE-E2F2-DA81-9985-A27F4E0174F6}"/>
+              </a:ext>
+            </a:extLst>
+          </p:cNvPr>
+          <p:cNvSpPr/>
+          <p:nvPr/>
+        </p:nvSpPr>
+        <p:spPr>
+          <a:xfrm>
+            <a:off x="9101667" y="6468533"/>
+            <a:ext cx="2201333" cy="355600"/>
+          </a:xfrm>
+          <a:prstGeom prst="rect">
+            <a:avLst/>
+          </a:prstGeom>
+          <a:solidFill>
+            <a:schemeClr val="bg1"/>
+          </a:solidFill>
+          <a:ln>
+            <a:solidFill>
+              <a:schemeClr val="bg1"/>
+            </a:solidFill>
+          </a:ln>
+        </p:spPr>
+        <p:style>
+          <a:lnRef idx="2">
+            <a:schemeClr val="accent1">
+              <a:shade val="15000"/>
+            </a:schemeClr>
+          </a:lnRef>
+          <a:fillRef idx="1">
+            <a:schemeClr val="accent1"/>
+          </a:fillRef>
+          <a:effectRef idx="0">
+            <a:schemeClr val="accent1"/>
+          </a:effectRef>
+          <a:fontRef idx="minor">
+            <a:schemeClr val="lt1"/>
+          </a:fontRef>
+        </p:style>
+        <p:txBody>
+          <a:bodyPr rtlCol="0" anchor="ctr"/>
+          <a:lstStyle/>
+          <a:p>
+            <a:pPr algn="ctr"/>
+            <a:endParaRPr lang="en-IN"/>
+          </a:p>
+        </p:txBody>
+      </p:sp>
     </p:spTree>
   </p:cSld>
   <p:clrMapOvr>
     <a:masterClrMapping/>
   </p:clrMapOvr>
-  <mc:AlternateContent xmlns:mc="http://schemas.openxmlformats.org/markup-compatibility/2006">
-    <mc:Choice xmlns:p14="http://schemas.microsoft.com/office/powerpoint/2010/main" Requires="p14">
+  <mc:AlternateContent xmlns:mc="http://schemas.openxmlformats.org/markup-compatibility/2006" xmlns:p14="http://schemas.microsoft.com/office/powerpoint/2010/main">
+    <mc:Choice Requires="p14">
       <p:transition spd="med" p14:dur="700">
         <p:fade/>
       </p:transition>
     </mc:Choice>
-    <mc:Fallback>
+    <mc:Fallback xmlns="">
       <p:transition spd="med">
         <p:fade/>
       </p:transition>
@@ -9709,6 +10633,60 @@
           </a:p>
         </p:txBody>
       </p:sp>
+      <p:sp>
+        <p:nvSpPr>
+          <p:cNvPr id="5" name="Rectangle 4">
+            <a:extLst>
+              <a:ext uri="{FF2B5EF4-FFF2-40B4-BE49-F238E27FC236}">
+                <a16:creationId xmlns:a16="http://schemas.microsoft.com/office/drawing/2014/main" id="{CF525A2D-903C-729F-5BA8-FF558A3F4B28}"/>
+              </a:ext>
+            </a:extLst>
+          </p:cNvPr>
+          <p:cNvSpPr/>
+          <p:nvPr/>
+        </p:nvSpPr>
+        <p:spPr>
+          <a:xfrm>
+            <a:off x="9093200" y="6499131"/>
+            <a:ext cx="2175933" cy="288000"/>
+          </a:xfrm>
+          <a:prstGeom prst="rect">
+            <a:avLst/>
+          </a:prstGeom>
+          <a:solidFill>
+            <a:schemeClr val="bg1"/>
+          </a:solidFill>
+          <a:ln>
+            <a:solidFill>
+              <a:schemeClr val="bg1"/>
+            </a:solidFill>
+          </a:ln>
+        </p:spPr>
+        <p:style>
+          <a:lnRef idx="2">
+            <a:schemeClr val="accent1">
+              <a:shade val="15000"/>
+            </a:schemeClr>
+          </a:lnRef>
+          <a:fillRef idx="1">
+            <a:schemeClr val="accent1"/>
+          </a:fillRef>
+          <a:effectRef idx="0">
+            <a:schemeClr val="accent1"/>
+          </a:effectRef>
+          <a:fontRef idx="minor">
+            <a:schemeClr val="lt1"/>
+          </a:fontRef>
+        </p:style>
+        <p:txBody>
+          <a:bodyPr rtlCol="0" anchor="ctr"/>
+          <a:lstStyle/>
+          <a:p>
+            <a:pPr algn="ctr"/>
+            <a:endParaRPr lang="en-IN"/>
+          </a:p>
+        </p:txBody>
+      </p:sp>
     </p:spTree>
     <p:extLst>
       <p:ext uri="{BB962C8B-B14F-4D97-AF65-F5344CB8AC3E}">
@@ -9719,13 +10697,13 @@
   <p:clrMapOvr>
     <a:masterClrMapping/>
   </p:clrMapOvr>
-  <mc:AlternateContent xmlns:mc="http://schemas.openxmlformats.org/markup-compatibility/2006">
-    <mc:Choice xmlns:p159="http://schemas.microsoft.com/office/powerpoint/2015/09/main" Requires="p159">
+  <mc:AlternateContent xmlns:mc="http://schemas.openxmlformats.org/markup-compatibility/2006" xmlns:p159="http://schemas.microsoft.com/office/powerpoint/2015/09/main">
+    <mc:Choice Requires="p159">
       <p:transition xmlns:p14="http://schemas.microsoft.com/office/powerpoint/2010/main" spd="slow" p14:dur="2000">
         <p159:morph option="byObject"/>
       </p:transition>
     </mc:Choice>
-    <mc:Fallback>
+    <mc:Fallback xmlns="">
       <p:transition spd="slow">
         <p:fade/>
       </p:transition>
@@ -10818,7 +11796,7 @@
           </a:prstGeom>
           <a:extLst>
             <a:ext uri="{C572A759-6A51-4108-AA02-DFA0A04FC94B}">
-              <ma14:wrappingTextBoxFlag xmlns="" xmlns:ma14="http://schemas.microsoft.com/office/mac/drawingml/2011/main" val="0"/>
+              <ma14:wrappingTextBoxFlag xmlns:ma14="http://schemas.microsoft.com/office/mac/drawingml/2011/main" xmlns="" val="0"/>
             </a:ext>
           </a:extLst>
         </p:spPr>
@@ -10941,6 +11919,60 @@
           </a:p>
         </p:txBody>
       </p:sp>
+      <p:sp>
+        <p:nvSpPr>
+          <p:cNvPr id="6" name="Rectangle 5">
+            <a:extLst>
+              <a:ext uri="{FF2B5EF4-FFF2-40B4-BE49-F238E27FC236}">
+                <a16:creationId xmlns:a16="http://schemas.microsoft.com/office/drawing/2014/main" id="{886E3584-FF4A-B808-3FBD-5CD847A7524E}"/>
+              </a:ext>
+            </a:extLst>
+          </p:cNvPr>
+          <p:cNvSpPr/>
+          <p:nvPr/>
+        </p:nvSpPr>
+        <p:spPr>
+          <a:xfrm>
+            <a:off x="9050867" y="6443133"/>
+            <a:ext cx="2269066" cy="355600"/>
+          </a:xfrm>
+          <a:prstGeom prst="rect">
+            <a:avLst/>
+          </a:prstGeom>
+          <a:solidFill>
+            <a:schemeClr val="bg1"/>
+          </a:solidFill>
+          <a:ln>
+            <a:solidFill>
+              <a:schemeClr val="bg1"/>
+            </a:solidFill>
+          </a:ln>
+        </p:spPr>
+        <p:style>
+          <a:lnRef idx="2">
+            <a:schemeClr val="accent1">
+              <a:shade val="15000"/>
+            </a:schemeClr>
+          </a:lnRef>
+          <a:fillRef idx="1">
+            <a:schemeClr val="accent1"/>
+          </a:fillRef>
+          <a:effectRef idx="0">
+            <a:schemeClr val="accent1"/>
+          </a:effectRef>
+          <a:fontRef idx="minor">
+            <a:schemeClr val="lt1"/>
+          </a:fontRef>
+        </p:style>
+        <p:txBody>
+          <a:bodyPr rtlCol="0" anchor="ctr"/>
+          <a:lstStyle/>
+          <a:p>
+            <a:pPr algn="ctr"/>
+            <a:endParaRPr lang="en-IN"/>
+          </a:p>
+        </p:txBody>
+      </p:sp>
     </p:spTree>
     <p:extLst>
       <p:ext uri="{BB962C8B-B14F-4D97-AF65-F5344CB8AC3E}">
@@ -10951,13 +11983,13 @@
   <p:clrMapOvr>
     <a:masterClrMapping/>
   </p:clrMapOvr>
-  <mc:AlternateContent xmlns:mc="http://schemas.openxmlformats.org/markup-compatibility/2006">
-    <mc:Choice xmlns:p14="http://schemas.microsoft.com/office/powerpoint/2010/main" Requires="p14">
+  <mc:AlternateContent xmlns:mc="http://schemas.openxmlformats.org/markup-compatibility/2006" xmlns:p14="http://schemas.microsoft.com/office/powerpoint/2010/main">
+    <mc:Choice Requires="p14">
       <p:transition spd="med" p14:dur="700">
         <p:fade/>
       </p:transition>
     </mc:Choice>
-    <mc:Fallback>
+    <mc:Fallback xmlns="">
       <p:transition spd="med">
         <p:fade/>
       </p:transition>
@@ -11234,6 +12266,60 @@
           </a:p>
         </p:txBody>
       </p:sp>
+      <p:sp>
+        <p:nvSpPr>
+          <p:cNvPr id="5" name="Rectangle 4">
+            <a:extLst>
+              <a:ext uri="{FF2B5EF4-FFF2-40B4-BE49-F238E27FC236}">
+                <a16:creationId xmlns:a16="http://schemas.microsoft.com/office/drawing/2014/main" id="{90BE6C16-4090-B76C-B7E6-96C0E970B412}"/>
+              </a:ext>
+            </a:extLst>
+          </p:cNvPr>
+          <p:cNvSpPr/>
+          <p:nvPr/>
+        </p:nvSpPr>
+        <p:spPr>
+          <a:xfrm>
+            <a:off x="9000067" y="6519333"/>
+            <a:ext cx="2278187" cy="249599"/>
+          </a:xfrm>
+          <a:prstGeom prst="rect">
+            <a:avLst/>
+          </a:prstGeom>
+          <a:solidFill>
+            <a:schemeClr val="bg1"/>
+          </a:solidFill>
+          <a:ln>
+            <a:solidFill>
+              <a:schemeClr val="bg1"/>
+            </a:solidFill>
+          </a:ln>
+        </p:spPr>
+        <p:style>
+          <a:lnRef idx="2">
+            <a:schemeClr val="accent1">
+              <a:shade val="15000"/>
+            </a:schemeClr>
+          </a:lnRef>
+          <a:fillRef idx="1">
+            <a:schemeClr val="accent1"/>
+          </a:fillRef>
+          <a:effectRef idx="0">
+            <a:schemeClr val="accent1"/>
+          </a:effectRef>
+          <a:fontRef idx="minor">
+            <a:schemeClr val="lt1"/>
+          </a:fontRef>
+        </p:style>
+        <p:txBody>
+          <a:bodyPr rtlCol="0" anchor="ctr"/>
+          <a:lstStyle/>
+          <a:p>
+            <a:pPr algn="ctr"/>
+            <a:endParaRPr lang="en-IN"/>
+          </a:p>
+        </p:txBody>
+      </p:sp>
     </p:spTree>
     <p:extLst>
       <p:ext uri="{BB962C8B-B14F-4D97-AF65-F5344CB8AC3E}">
@@ -11244,13 +12330,13 @@
   <p:clrMapOvr>
     <a:masterClrMapping/>
   </p:clrMapOvr>
-  <mc:AlternateContent xmlns:mc="http://schemas.openxmlformats.org/markup-compatibility/2006">
-    <mc:Choice xmlns:p159="http://schemas.microsoft.com/office/powerpoint/2015/09/main" Requires="p159">
+  <mc:AlternateContent xmlns:mc="http://schemas.openxmlformats.org/markup-compatibility/2006" xmlns:p159="http://schemas.microsoft.com/office/powerpoint/2015/09/main">
+    <mc:Choice Requires="p159">
       <p:transition xmlns:p14="http://schemas.microsoft.com/office/powerpoint/2010/main" spd="slow" p14:dur="2000">
         <p159:morph option="byObject"/>
       </p:transition>
     </mc:Choice>
-    <mc:Fallback>
+    <mc:Fallback xmlns="">
       <p:transition spd="slow">
         <p:fade/>
       </p:transition>
@@ -12490,7 +13576,7 @@
           </a:prstGeom>
           <a:extLst>
             <a:ext uri="{C572A759-6A51-4108-AA02-DFA0A04FC94B}">
-              <ma14:wrappingTextBoxFlag xmlns="" xmlns:ma14="http://schemas.microsoft.com/office/mac/drawingml/2011/main" val="0"/>
+              <ma14:wrappingTextBoxFlag xmlns:ma14="http://schemas.microsoft.com/office/mac/drawingml/2011/main" xmlns="" val="0"/>
             </a:ext>
           </a:extLst>
         </p:spPr>
@@ -12613,6 +13699,60 @@
           </a:p>
         </p:txBody>
       </p:sp>
+      <p:sp>
+        <p:nvSpPr>
+          <p:cNvPr id="6" name="Rectangle 5">
+            <a:extLst>
+              <a:ext uri="{FF2B5EF4-FFF2-40B4-BE49-F238E27FC236}">
+                <a16:creationId xmlns:a16="http://schemas.microsoft.com/office/drawing/2014/main" id="{3EACC407-187B-30B7-564D-4F2F3C5521A4}"/>
+              </a:ext>
+            </a:extLst>
+          </p:cNvPr>
+          <p:cNvSpPr/>
+          <p:nvPr/>
+        </p:nvSpPr>
+        <p:spPr>
+          <a:xfrm>
+            <a:off x="9050867" y="6460067"/>
+            <a:ext cx="2201333" cy="355600"/>
+          </a:xfrm>
+          <a:prstGeom prst="rect">
+            <a:avLst/>
+          </a:prstGeom>
+          <a:solidFill>
+            <a:schemeClr val="bg1"/>
+          </a:solidFill>
+          <a:ln>
+            <a:solidFill>
+              <a:schemeClr val="bg1"/>
+            </a:solidFill>
+          </a:ln>
+        </p:spPr>
+        <p:style>
+          <a:lnRef idx="2">
+            <a:schemeClr val="accent1">
+              <a:shade val="15000"/>
+            </a:schemeClr>
+          </a:lnRef>
+          <a:fillRef idx="1">
+            <a:schemeClr val="accent1"/>
+          </a:fillRef>
+          <a:effectRef idx="0">
+            <a:schemeClr val="accent1"/>
+          </a:effectRef>
+          <a:fontRef idx="minor">
+            <a:schemeClr val="lt1"/>
+          </a:fontRef>
+        </p:style>
+        <p:txBody>
+          <a:bodyPr rtlCol="0" anchor="ctr"/>
+          <a:lstStyle/>
+          <a:p>
+            <a:pPr algn="ctr"/>
+            <a:endParaRPr lang="en-IN"/>
+          </a:p>
+        </p:txBody>
+      </p:sp>
     </p:spTree>
     <p:extLst>
       <p:ext uri="{BB962C8B-B14F-4D97-AF65-F5344CB8AC3E}">
@@ -12623,13 +13763,13 @@
   <p:clrMapOvr>
     <a:masterClrMapping/>
   </p:clrMapOvr>
-  <mc:AlternateContent xmlns:mc="http://schemas.openxmlformats.org/markup-compatibility/2006">
-    <mc:Choice xmlns:p14="http://schemas.microsoft.com/office/powerpoint/2010/main" Requires="p14">
+  <mc:AlternateContent xmlns:mc="http://schemas.openxmlformats.org/markup-compatibility/2006" xmlns:p14="http://schemas.microsoft.com/office/powerpoint/2010/main">
+    <mc:Choice Requires="p14">
       <p:transition spd="med" p14:dur="700">
         <p:fade/>
       </p:transition>
     </mc:Choice>
-    <mc:Fallback>
+    <mc:Fallback xmlns="">
       <p:transition spd="med">
         <p:fade/>
       </p:transition>
@@ -12657,34 +13797,37 @@
       </p:grpSpPr>
       <p:sp>
         <p:nvSpPr>
-          <p:cNvPr id="2" name="Title 1">
-            <a:extLst>
-              <a:ext uri="{FF2B5EF4-FFF2-40B4-BE49-F238E27FC236}">
-                <a16:creationId xmlns:a16="http://schemas.microsoft.com/office/drawing/2014/main" id="{859AE4FE-EF6E-8590-C3E3-A9790738EBE0}"/>
-              </a:ext>
-            </a:extLst>
-          </p:cNvPr>
-          <p:cNvSpPr>
-            <a:spLocks noGrp="1"/>
-          </p:cNvSpPr>
-          <p:nvPr>
-            <p:ph type="title"/>
+          <p:cNvPr id="5" name="Title 4">
+            <a:extLst>
+              <a:ext uri="{FF2B5EF4-FFF2-40B4-BE49-F238E27FC236}">
+                <a16:creationId xmlns:a16="http://schemas.microsoft.com/office/drawing/2014/main" id="{93EDC587-F10B-50CB-7BC4-8A25EAC71F87}"/>
+              </a:ext>
+            </a:extLst>
+          </p:cNvPr>
+          <p:cNvSpPr>
+            <a:spLocks noGrp="1"/>
+          </p:cNvSpPr>
+          <p:nvPr>
+            <p:ph type="ctrTitle"/>
           </p:nvPr>
         </p:nvSpPr>
         <p:spPr>
           <a:xfrm>
-            <a:off x="677333" y="570115"/>
-            <a:ext cx="3245313" cy="5725248"/>
+            <a:off x="587064" y="4078615"/>
+            <a:ext cx="8960219" cy="2253107"/>
           </a:xfrm>
         </p:spPr>
         <p:txBody>
-          <a:bodyPr/>
+          <a:bodyPr anchor="t" anchorCtr="0">
+            <a:normAutofit/>
+          </a:bodyPr>
           <a:lstStyle/>
           <a:p>
             <a:r>
-              <a:rPr lang="en-IN" dirty="0"/>
-              <a:t>FUTURE ENHANCEMENTS</a:t>
+              <a:rPr lang="en-GB" sz="7500"/>
+              <a:t>TASK MODULE</a:t>
             </a:r>
+            <a:endParaRPr lang="en-GB" sz="7500" dirty="0"/>
           </a:p>
         </p:txBody>
       </p:sp>
@@ -12693,15 +13836,15 @@
           <p:cNvPr id="3" name="Footer Placeholder 2">
             <a:extLst>
               <a:ext uri="{FF2B5EF4-FFF2-40B4-BE49-F238E27FC236}">
-                <a16:creationId xmlns:a16="http://schemas.microsoft.com/office/drawing/2014/main" id="{70CCE845-F0BE-8B16-A163-D61AAB25866E}"/>
-              </a:ext>
-            </a:extLst>
-          </p:cNvPr>
-          <p:cNvSpPr>
-            <a:spLocks noGrp="1"/>
-          </p:cNvSpPr>
-          <p:nvPr>
-            <p:ph type="ftr" sz="quarter" idx="10"/>
+                <a16:creationId xmlns:a16="http://schemas.microsoft.com/office/drawing/2014/main" id="{EFAE6FB3-C75C-CB81-E565-57409D710736}"/>
+              </a:ext>
+            </a:extLst>
+          </p:cNvPr>
+          <p:cNvSpPr>
+            <a:spLocks noGrp="1"/>
+          </p:cNvSpPr>
+          <p:nvPr>
+            <p:ph type="ftr" sz="quarter" idx="11"/>
           </p:nvPr>
         </p:nvSpPr>
         <p:spPr/>
@@ -12711,200 +13854,122 @@
           <a:p>
             <a:r>
               <a:rPr lang="en-ID"/>
-              <a:t>EMPLOYEE MANAGEMENT SYSTEM</a:t>
+              <a:t>TASK MODULE</a:t>
             </a:r>
             <a:endParaRPr lang="en-ID" dirty="0"/>
           </a:p>
         </p:txBody>
       </p:sp>
-      <p:sp>
-        <p:nvSpPr>
-          <p:cNvPr id="4" name="Slide Number Placeholder 3">
-            <a:extLst>
-              <a:ext uri="{FF2B5EF4-FFF2-40B4-BE49-F238E27FC236}">
-                <a16:creationId xmlns:a16="http://schemas.microsoft.com/office/drawing/2014/main" id="{AC01BE7A-FBC5-7317-B223-B9508023BBDB}"/>
-              </a:ext>
-            </a:extLst>
-          </p:cNvPr>
-          <p:cNvSpPr>
-            <a:spLocks noGrp="1"/>
-          </p:cNvSpPr>
-          <p:nvPr>
-            <p:ph type="sldNum" sz="quarter" idx="11"/>
-          </p:nvPr>
-        </p:nvSpPr>
-        <p:spPr/>
-        <p:txBody>
-          <a:bodyPr/>
-          <a:lstStyle/>
-          <a:p>
-            <a:fld id="{CF6F24BE-8BEB-403A-BDCC-38E201D0662D}" type="slidenum">
-              <a:rPr lang="en-ID" smtClean="0"/>
-              <a:pPr/>
-              <a:t>17</a:t>
-            </a:fld>
-            <a:endParaRPr lang="en-ID" dirty="0"/>
-          </a:p>
-        </p:txBody>
-      </p:sp>
-      <p:pic>
-        <p:nvPicPr>
-          <p:cNvPr id="8" name="Picture Placeholder 7">
-            <a:extLst>
-              <a:ext uri="{FF2B5EF4-FFF2-40B4-BE49-F238E27FC236}">
-                <a16:creationId xmlns:a16="http://schemas.microsoft.com/office/drawing/2014/main" id="{646EF9E2-54F9-E6F5-B0C9-095E4BC0E012}"/>
-              </a:ext>
-            </a:extLst>
-          </p:cNvPr>
-          <p:cNvPicPr>
-            <a:picLocks noGrp="1" noChangeAspect="1"/>
-          </p:cNvPicPr>
-          <p:nvPr>
-            <p:ph type="pic" sz="quarter" idx="12"/>
-          </p:nvPr>
-        </p:nvPicPr>
-        <p:blipFill>
-          <a:blip r:embed="rId2"/>
-          <a:srcRect l="37633" r="37633"/>
-          <a:stretch>
-            <a:fillRect/>
-          </a:stretch>
-        </p:blipFill>
-        <p:spPr/>
-      </p:pic>
-      <p:sp>
-        <p:nvSpPr>
-          <p:cNvPr id="6" name="Text Placeholder 5">
-            <a:extLst>
-              <a:ext uri="{FF2B5EF4-FFF2-40B4-BE49-F238E27FC236}">
-                <a16:creationId xmlns:a16="http://schemas.microsoft.com/office/drawing/2014/main" id="{82D73621-5D14-EC42-4AF0-20E36D5BED97}"/>
-              </a:ext>
-            </a:extLst>
-          </p:cNvPr>
-          <p:cNvSpPr>
-            <a:spLocks noGrp="1"/>
-          </p:cNvSpPr>
-          <p:nvPr>
-            <p:ph type="body" sz="quarter" idx="13"/>
-          </p:nvPr>
-        </p:nvSpPr>
-        <p:spPr/>
-        <p:txBody>
-          <a:bodyPr/>
-          <a:lstStyle/>
-          <a:p>
-            <a:pPr marL="171450" indent="-171450">
-              <a:buFont typeface="Arial" panose="020B0604020202020204" pitchFamily="34" charset="0"/>
-              <a:buChar char="•"/>
-            </a:pPr>
-            <a:r>
-              <a:rPr lang="en-US" dirty="0"/>
-              <a:t>Enhancements include role-based access control for security, </a:t>
-            </a:r>
-          </a:p>
-          <a:p>
-            <a:pPr marL="171450" indent="-171450">
-              <a:buFont typeface="Arial" panose="020B0604020202020204" pitchFamily="34" charset="0"/>
-              <a:buChar char="•"/>
-            </a:pPr>
-            <a:r>
-              <a:rPr lang="en-US" dirty="0"/>
-              <a:t>cloud service integration,</a:t>
-            </a:r>
-          </a:p>
-          <a:p>
-            <a:pPr marL="171450" indent="-171450">
-              <a:buFont typeface="Arial" panose="020B0604020202020204" pitchFamily="34" charset="0"/>
-              <a:buChar char="•"/>
-            </a:pPr>
-            <a:r>
-              <a:rPr lang="en-US" dirty="0"/>
-              <a:t> and advanced analytics for better insights.</a:t>
-            </a:r>
-          </a:p>
-          <a:p>
-            <a:pPr marL="171450" indent="-171450">
-              <a:buFont typeface="Arial" panose="020B0604020202020204" pitchFamily="34" charset="0"/>
-              <a:buChar char="•"/>
-            </a:pPr>
-            <a:r>
-              <a:rPr lang="en-US" dirty="0"/>
-              <a:t>Migrate Console Application to Web Application using ASP.NET and MVC</a:t>
-            </a:r>
-          </a:p>
-          <a:p>
-            <a:pPr marL="171450" indent="-171450">
-              <a:buFont typeface="Arial" panose="020B0604020202020204" pitchFamily="34" charset="0"/>
-              <a:buChar char="•"/>
-            </a:pPr>
-            <a:r>
-              <a:rPr lang="en-US" dirty="0"/>
-              <a:t>Use WEB API for Notifications On Contact Numbers</a:t>
-            </a:r>
-          </a:p>
-          <a:p>
-            <a:pPr marL="171450" indent="-171450">
-              <a:buFont typeface="Arial" panose="020B0604020202020204" pitchFamily="34" charset="0"/>
-              <a:buChar char="•"/>
-            </a:pPr>
-            <a:r>
-              <a:rPr lang="en-US" dirty="0"/>
-              <a:t> Additional features like attendance tracking, Leave Management will be added.</a:t>
-            </a:r>
-            <a:endParaRPr lang="en-IN" dirty="0"/>
-          </a:p>
-        </p:txBody>
-      </p:sp>
-      <p:sp>
-        <p:nvSpPr>
-          <p:cNvPr id="7" name="Text Placeholder 6">
-            <a:extLst>
-              <a:ext uri="{FF2B5EF4-FFF2-40B4-BE49-F238E27FC236}">
-                <a16:creationId xmlns:a16="http://schemas.microsoft.com/office/drawing/2014/main" id="{C5BE18E7-6B4D-9616-426A-CC9C632B286C}"/>
-              </a:ext>
-            </a:extLst>
-          </p:cNvPr>
-          <p:cNvSpPr>
-            <a:spLocks noGrp="1"/>
-          </p:cNvSpPr>
-          <p:nvPr>
-            <p:ph type="body" sz="quarter" idx="14"/>
-          </p:nvPr>
-        </p:nvSpPr>
-        <p:spPr/>
-        <p:txBody>
-          <a:bodyPr/>
-          <a:lstStyle/>
-          <a:p>
-            <a:r>
-              <a:rPr lang="en-IN"/>
-              <a:t>PLANNED IMPROVEMENTS</a:t>
-            </a:r>
+      <p:cxnSp>
+        <p:nvCxnSpPr>
+          <p:cNvPr id="6" name="Straight Connector 5">
+            <a:extLst>
+              <a:ext uri="{FF2B5EF4-FFF2-40B4-BE49-F238E27FC236}">
+                <a16:creationId xmlns:a16="http://schemas.microsoft.com/office/drawing/2014/main" id="{5CE0C2E3-CA8C-11A5-4187-F0CF961435E7}"/>
+              </a:ext>
+            </a:extLst>
+          </p:cNvPr>
+          <p:cNvCxnSpPr>
+            <a:cxnSpLocks/>
+          </p:cNvCxnSpPr>
+          <p:nvPr/>
+        </p:nvCxnSpPr>
+        <p:spPr>
+          <a:xfrm>
+            <a:off x="694583" y="3947073"/>
+            <a:ext cx="1495047" cy="0"/>
+          </a:xfrm>
+          <a:prstGeom prst="line">
+            <a:avLst/>
+          </a:prstGeom>
+          <a:ln w="76200">
+            <a:solidFill>
+              <a:schemeClr val="accent1"/>
+            </a:solidFill>
+          </a:ln>
+        </p:spPr>
+        <p:style>
+          <a:lnRef idx="1">
+            <a:schemeClr val="accent1"/>
+          </a:lnRef>
+          <a:fillRef idx="0">
+            <a:schemeClr val="accent1"/>
+          </a:fillRef>
+          <a:effectRef idx="0">
+            <a:schemeClr val="accent1"/>
+          </a:effectRef>
+          <a:fontRef idx="minor">
+            <a:schemeClr val="tx1"/>
+          </a:fontRef>
+        </p:style>
+      </p:cxnSp>
+      <p:sp>
+        <p:nvSpPr>
+          <p:cNvPr id="8" name="Rectangle 7">
+            <a:extLst>
+              <a:ext uri="{FF2B5EF4-FFF2-40B4-BE49-F238E27FC236}">
+                <a16:creationId xmlns:a16="http://schemas.microsoft.com/office/drawing/2014/main" id="{25302070-B7FE-AA71-D803-9DCE85BE0D71}"/>
+              </a:ext>
+            </a:extLst>
+          </p:cNvPr>
+          <p:cNvSpPr/>
+          <p:nvPr/>
+        </p:nvSpPr>
+        <p:spPr>
+          <a:xfrm>
+            <a:off x="9110133" y="6502400"/>
+            <a:ext cx="2252134" cy="262467"/>
+          </a:xfrm>
+          <a:prstGeom prst="rect">
+            <a:avLst/>
+          </a:prstGeom>
+          <a:solidFill>
+            <a:schemeClr val="bg1"/>
+          </a:solidFill>
+          <a:ln>
+            <a:solidFill>
+              <a:schemeClr val="bg1"/>
+            </a:solidFill>
+          </a:ln>
+        </p:spPr>
+        <p:style>
+          <a:lnRef idx="2">
+            <a:schemeClr val="accent1">
+              <a:shade val="15000"/>
+            </a:schemeClr>
+          </a:lnRef>
+          <a:fillRef idx="1">
+            <a:schemeClr val="accent1"/>
+          </a:fillRef>
+          <a:effectRef idx="0">
+            <a:schemeClr val="accent1"/>
+          </a:effectRef>
+          <a:fontRef idx="minor">
+            <a:schemeClr val="lt1"/>
+          </a:fontRef>
+        </p:style>
+        <p:txBody>
+          <a:bodyPr rtlCol="0" anchor="ctr"/>
+          <a:lstStyle/>
+          <a:p>
+            <a:pPr algn="ctr"/>
+            <a:endParaRPr lang="en-IN"/>
           </a:p>
         </p:txBody>
       </p:sp>
     </p:spTree>
     <p:extLst>
       <p:ext uri="{BB962C8B-B14F-4D97-AF65-F5344CB8AC3E}">
-        <p14:creationId xmlns:p14="http://schemas.microsoft.com/office/powerpoint/2010/main" val="443294200"/>
+        <p14:creationId xmlns:p14="http://schemas.microsoft.com/office/powerpoint/2010/main" val="1157429235"/>
       </p:ext>
     </p:extLst>
   </p:cSld>
   <p:clrMapOvr>
     <a:masterClrMapping/>
   </p:clrMapOvr>
-  <mc:AlternateContent xmlns:mc="http://schemas.openxmlformats.org/markup-compatibility/2006">
-    <mc:Choice xmlns:p15="http://schemas.microsoft.com/office/powerpoint/2012/main" Requires="p15">
-      <p:transition xmlns:p14="http://schemas.microsoft.com/office/powerpoint/2010/main" spd="slow" p14:dur="2000">
-        <p15:prstTrans prst="fallOver"/>
-      </p:transition>
-    </mc:Choice>
-    <mc:Fallback>
-      <p:transition spd="slow">
-        <p:fade/>
-      </p:transition>
-    </mc:Fallback>
-  </mc:AlternateContent>
+  <p:transition spd="slow">
+    <p:push dir="u"/>
+  </p:transition>
 </p:sld>
 </file>
 
@@ -12930,7 +13995,7 @@
           <p:cNvPr id="2" name="Title 1">
             <a:extLst>
               <a:ext uri="{FF2B5EF4-FFF2-40B4-BE49-F238E27FC236}">
-                <a16:creationId xmlns:a16="http://schemas.microsoft.com/office/drawing/2014/main" id="{2F2A984A-6704-D604-CAFA-AA34DE96ECCA}"/>
+                <a16:creationId xmlns:a16="http://schemas.microsoft.com/office/drawing/2014/main" id="{03B09A3E-C08D-37C9-ADBD-6718B32BFB7F}"/>
               </a:ext>
             </a:extLst>
           </p:cNvPr>
@@ -12948,7 +14013,7 @@
           <a:p>
             <a:r>
               <a:rPr lang="en-IN"/>
-              <a:t>CONCLUSION</a:t>
+              <a:t>MODULE OVERVIEW</a:t>
             </a:r>
           </a:p>
         </p:txBody>
@@ -12958,7 +14023,7 @@
           <p:cNvPr id="3" name="Footer Placeholder 2">
             <a:extLst>
               <a:ext uri="{FF2B5EF4-FFF2-40B4-BE49-F238E27FC236}">
-                <a16:creationId xmlns:a16="http://schemas.microsoft.com/office/drawing/2014/main" id="{A6B2144B-B1F0-7007-87A7-0F770E6CFB1D}"/>
+                <a16:creationId xmlns:a16="http://schemas.microsoft.com/office/drawing/2014/main" id="{F989490B-810A-4450-0606-C30337164A67}"/>
               </a:ext>
             </a:extLst>
           </p:cNvPr>
@@ -12976,7 +14041,7 @@
           <a:p>
             <a:r>
               <a:rPr lang="en-ID"/>
-              <a:t>EMPLOYEE MANAGEMENT SYSTEM</a:t>
+              <a:t>TASK MODULE</a:t>
             </a:r>
             <a:endParaRPr lang="en-ID" dirty="0"/>
           </a:p>
@@ -12987,7 +14052,7 @@
           <p:cNvPr id="4" name="Slide Number Placeholder 3">
             <a:extLst>
               <a:ext uri="{FF2B5EF4-FFF2-40B4-BE49-F238E27FC236}">
-                <a16:creationId xmlns:a16="http://schemas.microsoft.com/office/drawing/2014/main" id="{A7936A61-D2B9-5BAA-137D-7FB881529512}"/>
+                <a16:creationId xmlns:a16="http://schemas.microsoft.com/office/drawing/2014/main" id="{27CB3ADE-4DBE-0BB9-54F2-2BEC51CF5AF0}"/>
               </a:ext>
             </a:extLst>
           </p:cNvPr>
@@ -13014,10 +14079,10 @@
       </p:sp>
       <p:pic>
         <p:nvPicPr>
-          <p:cNvPr id="8" name="Picture Placeholder 7">
-            <a:extLst>
-              <a:ext uri="{FF2B5EF4-FFF2-40B4-BE49-F238E27FC236}">
-                <a16:creationId xmlns:a16="http://schemas.microsoft.com/office/drawing/2014/main" id="{14988127-B402-D0D4-B497-0DA5708EA4BF}"/>
+          <p:cNvPr id="8" name="Picture Placeholder 7" descr="Calendar">
+            <a:extLst>
+              <a:ext uri="{FF2B5EF4-FFF2-40B4-BE49-F238E27FC236}">
+                <a16:creationId xmlns:a16="http://schemas.microsoft.com/office/drawing/2014/main" id="{C98479A1-D32C-A92E-8966-8C1AD3D1AB20}"/>
               </a:ext>
             </a:extLst>
           </p:cNvPr>
@@ -13029,11 +14094,15 @@
           </p:nvPr>
         </p:nvPicPr>
         <p:blipFill>
-          <a:blip r:embed="rId2"/>
-          <a:srcRect l="37633" r="37633"/>
-          <a:stretch>
-            <a:fillRect/>
-          </a:stretch>
+          <a:blip r:embed="rId2">
+            <a:extLst>
+              <a:ext uri="{28A0092B-C50C-407E-A947-70E740481C1C}">
+                <a14:useLocalDpi xmlns:a14="http://schemas.microsoft.com/office/drawing/2010/main" val="0"/>
+              </a:ext>
+            </a:extLst>
+          </a:blip>
+          <a:srcRect l="21823" r="21823"/>
+          <a:stretch/>
         </p:blipFill>
         <p:spPr/>
       </p:pic>
@@ -13042,7 +14111,7 @@
           <p:cNvPr id="6" name="Text Placeholder 5">
             <a:extLst>
               <a:ext uri="{FF2B5EF4-FFF2-40B4-BE49-F238E27FC236}">
-                <a16:creationId xmlns:a16="http://schemas.microsoft.com/office/drawing/2014/main" id="{728E4BF0-6434-CC1A-A197-1DAAB4DBEFC2}"/>
+                <a16:creationId xmlns:a16="http://schemas.microsoft.com/office/drawing/2014/main" id="{8EF76EBF-9870-D57C-F2E2-A8DF929ACC30}"/>
               </a:ext>
             </a:extLst>
           </p:cNvPr>
@@ -13060,7 +14129,7 @@
           <a:p>
             <a:r>
               <a:rPr lang="en-US"/>
-              <a:t>The Employee Management System simplifies record handling through features like CRUD operations and robust security. Email notifications streamline communication, while role-based dashboards enhance user access. Ultimately, it boosts workplace efficiency.</a:t>
+              <a:t>The Task Module streamlines task management processes within an organization. It allows for efficient task assignment, tracking, reporting, and management of responsibilities.</a:t>
             </a:r>
             <a:endParaRPr lang="en-IN"/>
           </a:p>
@@ -13071,15 +14140,15 @@
           <p:cNvPr id="7" name="Text Placeholder 6">
             <a:extLst>
               <a:ext uri="{FF2B5EF4-FFF2-40B4-BE49-F238E27FC236}">
-                <a16:creationId xmlns:a16="http://schemas.microsoft.com/office/drawing/2014/main" id="{E8499DD8-3891-7326-4305-E7A3088C4F06}"/>
-              </a:ext>
-            </a:extLst>
-          </p:cNvPr>
-          <p:cNvSpPr>
-            <a:spLocks noGrp="1"/>
-          </p:cNvSpPr>
-          <p:nvPr>
-            <p:ph type="body" sz="quarter" idx="14"/>
+                <a16:creationId xmlns:a16="http://schemas.microsoft.com/office/drawing/2014/main" id="{B3AF7E95-909E-2E32-5E56-28AF075EC14D}"/>
+              </a:ext>
+            </a:extLst>
+          </p:cNvPr>
+          <p:cNvSpPr>
+            <a:spLocks noGrp="1"/>
+          </p:cNvSpPr>
+          <p:nvPr>
+            <p:ph type="body" sz="quarter" idx="17"/>
           </p:nvPr>
         </p:nvSpPr>
         <p:spPr/>
@@ -13088,16 +14157,17 @@
           <a:lstStyle/>
           <a:p>
             <a:r>
-              <a:rPr lang="en-IN"/>
-              <a:t>RECAP OF MAIN POINTS</a:t>
+              <a:rPr lang="en-US"/>
+              <a:t>PURPOSE OF THE TASK MODULE</a:t>
             </a:r>
+            <a:endParaRPr lang="en-IN"/>
           </a:p>
         </p:txBody>
       </p:sp>
     </p:spTree>
     <p:extLst>
       <p:ext uri="{BB962C8B-B14F-4D97-AF65-F5344CB8AC3E}">
-        <p14:creationId xmlns:p14="http://schemas.microsoft.com/office/powerpoint/2010/main" val="916303498"/>
+        <p14:creationId xmlns:p14="http://schemas.microsoft.com/office/powerpoint/2010/main" val="5311232"/>
       </p:ext>
     </p:extLst>
   </p:cSld>
@@ -13105,9 +14175,9 @@
     <a:masterClrMapping/>
   </p:clrMapOvr>
   <mc:AlternateContent xmlns:mc="http://schemas.openxmlformats.org/markup-compatibility/2006">
-    <mc:Choice xmlns:p15="http://schemas.microsoft.com/office/powerpoint/2012/main" Requires="p15">
-      <p:transition xmlns:p14="http://schemas.microsoft.com/office/powerpoint/2010/main" spd="slow" p14:dur="1250">
-        <p15:prstTrans prst="peelOff"/>
+    <mc:Choice xmlns:p159="http://schemas.microsoft.com/office/powerpoint/2015/09/main" Requires="p159">
+      <p:transition xmlns:p14="http://schemas.microsoft.com/office/powerpoint/2010/main" spd="slow" p14:dur="2000">
+        <p159:morph option="byObject"/>
       </p:transition>
     </mc:Choice>
     <mc:Fallback>
@@ -13141,7 +14211,7 @@
           <p:cNvPr id="2" name="Title 1">
             <a:extLst>
               <a:ext uri="{FF2B5EF4-FFF2-40B4-BE49-F238E27FC236}">
-                <a16:creationId xmlns:a16="http://schemas.microsoft.com/office/drawing/2014/main" id="{41FDAFAA-D58E-EE7D-A59E-8BD7B0A8E90C}"/>
+                <a16:creationId xmlns:a16="http://schemas.microsoft.com/office/drawing/2014/main" id="{AF325D3B-18AE-A1ED-9C55-20A8E85895B9}"/>
               </a:ext>
             </a:extLst>
           </p:cNvPr>
@@ -13159,7 +14229,7 @@
           <a:p>
             <a:r>
               <a:rPr lang="en-IN"/>
-              <a:t>THANK YOU!</a:t>
+              <a:t>ROLES &amp; RESPONSIBILITIES</a:t>
             </a:r>
           </a:p>
         </p:txBody>
@@ -13169,7 +14239,7 @@
           <p:cNvPr id="3" name="Footer Placeholder 2">
             <a:extLst>
               <a:ext uri="{FF2B5EF4-FFF2-40B4-BE49-F238E27FC236}">
-                <a16:creationId xmlns:a16="http://schemas.microsoft.com/office/drawing/2014/main" id="{20B4671C-BB7A-5E06-2682-B237FAFE575B}"/>
+                <a16:creationId xmlns:a16="http://schemas.microsoft.com/office/drawing/2014/main" id="{5B8FF57F-5159-7CBA-928E-3281B0A01757}"/>
               </a:ext>
             </a:extLst>
           </p:cNvPr>
@@ -13187,7 +14257,7 @@
           <a:p>
             <a:r>
               <a:rPr lang="en-ID"/>
-              <a:t>EMPLOYEE MANAGEMENT SYSTEM</a:t>
+              <a:t>TASK MODULE</a:t>
             </a:r>
             <a:endParaRPr lang="en-ID" dirty="0"/>
           </a:p>
@@ -13198,7 +14268,7 @@
           <p:cNvPr id="4" name="Slide Number Placeholder 3">
             <a:extLst>
               <a:ext uri="{FF2B5EF4-FFF2-40B4-BE49-F238E27FC236}">
-                <a16:creationId xmlns:a16="http://schemas.microsoft.com/office/drawing/2014/main" id="{3D8391C5-7571-7FB5-6BB9-FB46C4C95444}"/>
+                <a16:creationId xmlns:a16="http://schemas.microsoft.com/office/drawing/2014/main" id="{A3D3A25F-632B-66A1-8B14-3445BA938624}"/>
               </a:ext>
             </a:extLst>
           </p:cNvPr>
@@ -13225,10 +14295,10 @@
       </p:sp>
       <p:pic>
         <p:nvPicPr>
-          <p:cNvPr id="8" name="Picture Placeholder 7">
-            <a:extLst>
-              <a:ext uri="{FF2B5EF4-FFF2-40B4-BE49-F238E27FC236}">
-                <a16:creationId xmlns:a16="http://schemas.microsoft.com/office/drawing/2014/main" id="{DDAE8BBE-49EA-819C-EC22-FE17AFF9FB10}"/>
+          <p:cNvPr id="11" name="Picture Placeholder 10">
+            <a:extLst>
+              <a:ext uri="{FF2B5EF4-FFF2-40B4-BE49-F238E27FC236}">
+                <a16:creationId xmlns:a16="http://schemas.microsoft.com/office/drawing/2014/main" id="{65B10728-EA6E-CE58-F976-D8617F1894B4}"/>
               </a:ext>
             </a:extLst>
           </p:cNvPr>
@@ -13241,79 +14311,214 @@
         </p:nvPicPr>
         <p:blipFill>
           <a:blip r:embed="rId2"/>
-          <a:srcRect l="31555" r="31555"/>
+          <a:srcRect l="15278" r="15278"/>
           <a:stretch>
             <a:fillRect/>
           </a:stretch>
         </p:blipFill>
         <p:spPr/>
       </p:pic>
-      <p:sp>
-        <p:nvSpPr>
-          <p:cNvPr id="6" name="Text Placeholder 5">
-            <a:extLst>
-              <a:ext uri="{FF2B5EF4-FFF2-40B4-BE49-F238E27FC236}">
-                <a16:creationId xmlns:a16="http://schemas.microsoft.com/office/drawing/2014/main" id="{F70D8E75-760E-301F-F3C0-28B5DFC38CFA}"/>
-              </a:ext>
-            </a:extLst>
-          </p:cNvPr>
-          <p:cNvSpPr>
-            <a:spLocks noGrp="1"/>
-          </p:cNvSpPr>
-          <p:nvPr>
-            <p:ph type="body" sz="quarter" idx="13"/>
-          </p:nvPr>
+      <p:pic>
+        <p:nvPicPr>
+          <p:cNvPr id="12" name="Picture Placeholder 11" descr="Businesspeople in a team meeting">
+            <a:extLst>
+              <a:ext uri="{FF2B5EF4-FFF2-40B4-BE49-F238E27FC236}">
+                <a16:creationId xmlns:a16="http://schemas.microsoft.com/office/drawing/2014/main" id="{E8D90ECD-D977-3819-6300-2A164C65F0DB}"/>
+              </a:ext>
+            </a:extLst>
+          </p:cNvPr>
+          <p:cNvPicPr>
+            <a:picLocks noGrp="1" noChangeAspect="1"/>
+          </p:cNvPicPr>
+          <p:nvPr>
+            <p:ph type="pic" sz="quarter" idx="14"/>
+          </p:nvPr>
+        </p:nvPicPr>
+        <p:blipFill>
+          <a:blip r:embed="rId3">
+            <a:extLst>
+              <a:ext uri="{28A0092B-C50C-407E-A947-70E740481C1C}">
+                <a14:useLocalDpi xmlns:a14="http://schemas.microsoft.com/office/drawing/2010/main" val="0"/>
+              </a:ext>
+            </a:extLst>
+          </a:blip>
+          <a:srcRect l="16675" r="16675"/>
+          <a:stretch/>
+        </p:blipFill>
+        <p:spPr/>
+      </p:pic>
+      <p:sp>
+        <p:nvSpPr>
+          <p:cNvPr id="7" name="Text Placeholder 6">
+            <a:extLst>
+              <a:ext uri="{FF2B5EF4-FFF2-40B4-BE49-F238E27FC236}">
+                <a16:creationId xmlns:a16="http://schemas.microsoft.com/office/drawing/2014/main" id="{A2D92831-E5B5-F819-88DA-41DED9C87DD4}"/>
+              </a:ext>
+            </a:extLst>
+          </p:cNvPr>
+          <p:cNvSpPr>
+            <a:spLocks noGrp="1"/>
+          </p:cNvSpPr>
+          <p:nvPr>
+            <p:ph type="body" sz="quarter" idx="15"/>
+          </p:nvPr>
+        </p:nvSpPr>
+        <p:spPr/>
+        <p:txBody>
+          <a:bodyPr/>
+          <a:lstStyle/>
+          <a:p>
+            <a:r>
+              <a:rPr lang="en-US"/>
+              <a:t>Managers can assign tasks to employees based on workload and skills. This ensures proper distribution of tasks and accountability.</a:t>
+            </a:r>
+            <a:endParaRPr lang="en-IN"/>
+          </a:p>
+        </p:txBody>
+      </p:sp>
+      <p:sp>
+        <p:nvSpPr>
+          <p:cNvPr id="8" name="Text Placeholder 7">
+            <a:extLst>
+              <a:ext uri="{FF2B5EF4-FFF2-40B4-BE49-F238E27FC236}">
+                <a16:creationId xmlns:a16="http://schemas.microsoft.com/office/drawing/2014/main" id="{45399024-D866-C3C9-5155-94727C782F74}"/>
+              </a:ext>
+            </a:extLst>
+          </p:cNvPr>
+          <p:cNvSpPr>
+            <a:spLocks noGrp="1"/>
+          </p:cNvSpPr>
+          <p:nvPr>
+            <p:ph type="body" sz="quarter" idx="16"/>
+          </p:nvPr>
+        </p:nvSpPr>
+        <p:spPr/>
+        <p:txBody>
+          <a:bodyPr/>
+          <a:lstStyle/>
+          <a:p>
+            <a:r>
+              <a:rPr lang="en-US"/>
+              <a:t>Employees can view assigned tasks with deadlines. They are empowered to update task statuses to reflect progress.</a:t>
+            </a:r>
+            <a:endParaRPr lang="en-IN"/>
+          </a:p>
+        </p:txBody>
+      </p:sp>
+      <p:sp>
+        <p:nvSpPr>
+          <p:cNvPr id="9" name="Text Placeholder 8">
+            <a:extLst>
+              <a:ext uri="{FF2B5EF4-FFF2-40B4-BE49-F238E27FC236}">
+                <a16:creationId xmlns:a16="http://schemas.microsoft.com/office/drawing/2014/main" id="{73FCF9A8-9D62-7A41-8396-794F6BAF2241}"/>
+              </a:ext>
+            </a:extLst>
+          </p:cNvPr>
+          <p:cNvSpPr>
+            <a:spLocks noGrp="1"/>
+          </p:cNvSpPr>
+          <p:nvPr>
+            <p:ph type="body" sz="quarter" idx="17"/>
+          </p:nvPr>
+        </p:nvSpPr>
+        <p:spPr/>
+        <p:txBody>
+          <a:bodyPr/>
+          <a:lstStyle/>
+          <a:p>
+            <a:r>
+              <a:rPr lang="en-IN"/>
+              <a:t>MANAGER'S ROLE</a:t>
+            </a:r>
+          </a:p>
+        </p:txBody>
+      </p:sp>
+      <p:sp>
+        <p:nvSpPr>
+          <p:cNvPr id="10" name="Text Placeholder 9">
+            <a:extLst>
+              <a:ext uri="{FF2B5EF4-FFF2-40B4-BE49-F238E27FC236}">
+                <a16:creationId xmlns:a16="http://schemas.microsoft.com/office/drawing/2014/main" id="{09F638D7-563F-C9CC-C552-C475C61B40BA}"/>
+              </a:ext>
+            </a:extLst>
+          </p:cNvPr>
+          <p:cNvSpPr>
+            <a:spLocks noGrp="1"/>
+          </p:cNvSpPr>
+          <p:nvPr>
+            <p:ph type="body" sz="quarter" idx="18"/>
+          </p:nvPr>
+        </p:nvSpPr>
+        <p:spPr/>
+        <p:txBody>
+          <a:bodyPr/>
+          <a:lstStyle/>
+          <a:p>
+            <a:r>
+              <a:rPr lang="en-IN"/>
+              <a:t>EMPLOYEE'S ROLE</a:t>
+            </a:r>
+          </a:p>
+        </p:txBody>
+      </p:sp>
+      <p:sp>
+        <p:nvSpPr>
+          <p:cNvPr id="13" name="Rectangle 12">
+            <a:extLst>
+              <a:ext uri="{FF2B5EF4-FFF2-40B4-BE49-F238E27FC236}">
+                <a16:creationId xmlns:a16="http://schemas.microsoft.com/office/drawing/2014/main" id="{84EDD5F7-9BBA-A60E-827D-F998CDCF7607}"/>
+              </a:ext>
+            </a:extLst>
+          </p:cNvPr>
+          <p:cNvSpPr/>
+          <p:nvPr/>
         </p:nvSpPr>
         <p:spPr>
           <a:xfrm>
-            <a:off x="4187687" y="2625933"/>
-            <a:ext cx="6780880" cy="3657600"/>
+            <a:off x="9067800" y="6502400"/>
+            <a:ext cx="2278187" cy="249599"/>
           </a:xfrm>
+          <a:prstGeom prst="rect">
+            <a:avLst/>
+          </a:prstGeom>
+          <a:solidFill>
+            <a:schemeClr val="bg1"/>
+          </a:solidFill>
+          <a:ln>
+            <a:solidFill>
+              <a:schemeClr val="bg1"/>
+            </a:solidFill>
+          </a:ln>
         </p:spPr>
-        <p:txBody>
-          <a:bodyPr/>
-          <a:lstStyle/>
-          <a:p>
-            <a:r>
-              <a:rPr lang="en-US"/>
-              <a:t>We appreciate your time sharing this presentation. Please feel free to ask any questions or provide feedback about the system and its functionalities.</a:t>
-            </a:r>
+        <p:style>
+          <a:lnRef idx="2">
+            <a:schemeClr val="accent1">
+              <a:shade val="15000"/>
+            </a:schemeClr>
+          </a:lnRef>
+          <a:fillRef idx="1">
+            <a:schemeClr val="accent1"/>
+          </a:fillRef>
+          <a:effectRef idx="0">
+            <a:schemeClr val="accent1"/>
+          </a:effectRef>
+          <a:fontRef idx="minor">
+            <a:schemeClr val="lt1"/>
+          </a:fontRef>
+        </p:style>
+        <p:txBody>
+          <a:bodyPr rtlCol="0" anchor="ctr"/>
+          <a:lstStyle/>
+          <a:p>
+            <a:pPr algn="ctr"/>
             <a:endParaRPr lang="en-IN"/>
-          </a:p>
-        </p:txBody>
-      </p:sp>
-      <p:sp>
-        <p:nvSpPr>
-          <p:cNvPr id="7" name="Text Placeholder 6">
-            <a:extLst>
-              <a:ext uri="{FF2B5EF4-FFF2-40B4-BE49-F238E27FC236}">
-                <a16:creationId xmlns:a16="http://schemas.microsoft.com/office/drawing/2014/main" id="{70BE57CE-0EF6-3453-6AF5-FC826DF92DA7}"/>
-              </a:ext>
-            </a:extLst>
-          </p:cNvPr>
-          <p:cNvSpPr>
-            <a:spLocks noGrp="1"/>
-          </p:cNvSpPr>
-          <p:nvPr>
-            <p:ph type="body" sz="quarter" idx="14"/>
-          </p:nvPr>
-        </p:nvSpPr>
-        <p:spPr/>
-        <p:txBody>
-          <a:bodyPr/>
-          <a:lstStyle/>
-          <a:p>
-            <a:r>
-              <a:rPr lang="en-IN"/>
-              <a:t>FEEDBACK AND QUESTIONS</a:t>
-            </a:r>
           </a:p>
         </p:txBody>
       </p:sp>
     </p:spTree>
     <p:extLst>
       <p:ext uri="{BB962C8B-B14F-4D97-AF65-F5344CB8AC3E}">
-        <p14:creationId xmlns:p14="http://schemas.microsoft.com/office/powerpoint/2010/main" val="2197463054"/>
+        <p14:creationId xmlns:p14="http://schemas.microsoft.com/office/powerpoint/2010/main" val="1666174133"/>
       </p:ext>
     </p:extLst>
   </p:cSld>
@@ -13321,13 +14526,13 @@
     <a:masterClrMapping/>
   </p:clrMapOvr>
   <mc:AlternateContent xmlns:mc="http://schemas.openxmlformats.org/markup-compatibility/2006">
-    <mc:Choice xmlns:p15="http://schemas.microsoft.com/office/powerpoint/2012/main" Requires="p15">
-      <p:transition xmlns:p14="http://schemas.microsoft.com/office/powerpoint/2010/main" spd="slow" p14:dur="2000" advTm="5000">
-        <p15:prstTrans prst="wind"/>
+    <mc:Choice xmlns:p14="http://schemas.microsoft.com/office/powerpoint/2010/main" Requires="p14">
+      <p:transition spd="slow" p14:dur="3400">
+        <p14:reveal/>
       </p:transition>
     </mc:Choice>
     <mc:Fallback>
-      <p:transition spd="slow" advTm="5000">
+      <p:transition spd="slow">
         <p:fade/>
       </p:transition>
     </mc:Fallback>
@@ -13536,13 +14741,13 @@
   <p:clrMapOvr>
     <a:masterClrMapping/>
   </p:clrMapOvr>
-  <mc:AlternateContent xmlns:mc="http://schemas.openxmlformats.org/markup-compatibility/2006">
-    <mc:Choice xmlns:p159="http://schemas.microsoft.com/office/powerpoint/2015/09/main" Requires="p159">
+  <mc:AlternateContent xmlns:mc="http://schemas.openxmlformats.org/markup-compatibility/2006" xmlns:p159="http://schemas.microsoft.com/office/powerpoint/2015/09/main">
+    <mc:Choice Requires="p159">
       <p:transition xmlns:p14="http://schemas.microsoft.com/office/powerpoint/2010/main" spd="slow" p14:dur="2000">
         <p159:morph option="byObject"/>
       </p:transition>
     </mc:Choice>
-    <mc:Fallback>
+    <mc:Fallback xmlns="">
       <p:transition spd="slow">
         <p:fade/>
       </p:transition>
@@ -13551,7 +14756,361 @@
 </p:sld>
 </file>
 
-<file path=ppt/slides/slide3.xml><?xml version="1.0" encoding="utf-8"?>
+<file path=ppt/slides/slide20.xml><?xml version="1.0" encoding="utf-8"?>
+<p:sld xmlns:a="http://schemas.openxmlformats.org/drawingml/2006/main" xmlns:r="http://schemas.openxmlformats.org/officeDocument/2006/relationships" xmlns:p="http://schemas.openxmlformats.org/presentationml/2006/main">
+  <p:cSld>
+    <p:spTree>
+      <p:nvGrpSpPr>
+        <p:cNvPr id="1" name=""/>
+        <p:cNvGrpSpPr/>
+        <p:nvPr/>
+      </p:nvGrpSpPr>
+      <p:grpSpPr>
+        <a:xfrm>
+          <a:off x="0" y="0"/>
+          <a:ext cx="0" cy="0"/>
+          <a:chOff x="0" y="0"/>
+          <a:chExt cx="0" cy="0"/>
+        </a:xfrm>
+      </p:grpSpPr>
+      <p:sp>
+        <p:nvSpPr>
+          <p:cNvPr id="2" name="Title 1">
+            <a:extLst>
+              <a:ext uri="{FF2B5EF4-FFF2-40B4-BE49-F238E27FC236}">
+                <a16:creationId xmlns:a16="http://schemas.microsoft.com/office/drawing/2014/main" id="{31F5498D-538F-3DA3-D346-2CC2F5A25EAF}"/>
+              </a:ext>
+            </a:extLst>
+          </p:cNvPr>
+          <p:cNvSpPr>
+            <a:spLocks noGrp="1"/>
+          </p:cNvSpPr>
+          <p:nvPr>
+            <p:ph type="title"/>
+          </p:nvPr>
+        </p:nvSpPr>
+        <p:spPr/>
+        <p:txBody>
+          <a:bodyPr/>
+          <a:lstStyle/>
+          <a:p>
+            <a:r>
+              <a:rPr lang="en-IN"/>
+              <a:t>TASK FEATURES</a:t>
+            </a:r>
+          </a:p>
+        </p:txBody>
+      </p:sp>
+      <p:sp>
+        <p:nvSpPr>
+          <p:cNvPr id="3" name="Footer Placeholder 2">
+            <a:extLst>
+              <a:ext uri="{FF2B5EF4-FFF2-40B4-BE49-F238E27FC236}">
+                <a16:creationId xmlns:a16="http://schemas.microsoft.com/office/drawing/2014/main" id="{8AF8F2DE-0EC7-C24C-57EC-3ECEB92FEAB6}"/>
+              </a:ext>
+            </a:extLst>
+          </p:cNvPr>
+          <p:cNvSpPr>
+            <a:spLocks noGrp="1"/>
+          </p:cNvSpPr>
+          <p:nvPr>
+            <p:ph type="ftr" sz="quarter" idx="10"/>
+          </p:nvPr>
+        </p:nvSpPr>
+        <p:spPr/>
+        <p:txBody>
+          <a:bodyPr/>
+          <a:lstStyle/>
+          <a:p>
+            <a:r>
+              <a:rPr lang="en-ID"/>
+              <a:t>TASK MODULE</a:t>
+            </a:r>
+            <a:endParaRPr lang="en-ID" dirty="0"/>
+          </a:p>
+        </p:txBody>
+      </p:sp>
+      <p:sp>
+        <p:nvSpPr>
+          <p:cNvPr id="4" name="Slide Number Placeholder 3">
+            <a:extLst>
+              <a:ext uri="{FF2B5EF4-FFF2-40B4-BE49-F238E27FC236}">
+                <a16:creationId xmlns:a16="http://schemas.microsoft.com/office/drawing/2014/main" id="{6EA5B627-34E9-2A42-D548-FFED74658F50}"/>
+              </a:ext>
+            </a:extLst>
+          </p:cNvPr>
+          <p:cNvSpPr>
+            <a:spLocks noGrp="1"/>
+          </p:cNvSpPr>
+          <p:nvPr>
+            <p:ph type="sldNum" sz="quarter" idx="11"/>
+          </p:nvPr>
+        </p:nvSpPr>
+        <p:spPr/>
+        <p:txBody>
+          <a:bodyPr/>
+          <a:lstStyle/>
+          <a:p>
+            <a:fld id="{CF6F24BE-8BEB-403A-BDCC-38E201D0662D}" type="slidenum">
+              <a:rPr lang="en-ID" smtClean="0"/>
+              <a:pPr/>
+              <a:t>20</a:t>
+            </a:fld>
+            <a:endParaRPr lang="en-ID"/>
+          </a:p>
+        </p:txBody>
+      </p:sp>
+      <p:sp>
+        <p:nvSpPr>
+          <p:cNvPr id="5" name="Text Placeholder 4">
+            <a:extLst>
+              <a:ext uri="{FF2B5EF4-FFF2-40B4-BE49-F238E27FC236}">
+                <a16:creationId xmlns:a16="http://schemas.microsoft.com/office/drawing/2014/main" id="{41C31E21-F843-44D7-496E-9B8542F08A14}"/>
+              </a:ext>
+            </a:extLst>
+          </p:cNvPr>
+          <p:cNvSpPr>
+            <a:spLocks noGrp="1"/>
+          </p:cNvSpPr>
+          <p:nvPr>
+            <p:ph type="body" sz="quarter" idx="13"/>
+          </p:nvPr>
+        </p:nvSpPr>
+        <p:spPr/>
+        <p:txBody>
+          <a:bodyPr/>
+          <a:lstStyle/>
+          <a:p>
+            <a:r>
+              <a:rPr lang="en-US"/>
+              <a:t>Managers can easily assign and track tasks, ensuring all employees have clear directives and necessary resources.</a:t>
+            </a:r>
+            <a:endParaRPr lang="en-IN"/>
+          </a:p>
+        </p:txBody>
+      </p:sp>
+      <p:sp>
+        <p:nvSpPr>
+          <p:cNvPr id="6" name="Text Placeholder 5">
+            <a:extLst>
+              <a:ext uri="{FF2B5EF4-FFF2-40B4-BE49-F238E27FC236}">
+                <a16:creationId xmlns:a16="http://schemas.microsoft.com/office/drawing/2014/main" id="{7C69B77D-9895-210A-64FF-9D85638B0845}"/>
+              </a:ext>
+            </a:extLst>
+          </p:cNvPr>
+          <p:cNvSpPr>
+            <a:spLocks noGrp="1"/>
+          </p:cNvSpPr>
+          <p:nvPr>
+            <p:ph type="body" sz="quarter" idx="14"/>
+          </p:nvPr>
+        </p:nvSpPr>
+        <p:spPr/>
+        <p:txBody>
+          <a:bodyPr/>
+          <a:lstStyle/>
+          <a:p>
+            <a:r>
+              <a:rPr lang="en-US"/>
+              <a:t>HR, managers, and admins can generate detailed reports on task deadlines, statuses, and overall progress, facilitating better oversight.</a:t>
+            </a:r>
+            <a:endParaRPr lang="en-IN"/>
+          </a:p>
+        </p:txBody>
+      </p:sp>
+      <p:sp>
+        <p:nvSpPr>
+          <p:cNvPr id="7" name="Text Placeholder 6">
+            <a:extLst>
+              <a:ext uri="{FF2B5EF4-FFF2-40B4-BE49-F238E27FC236}">
+                <a16:creationId xmlns:a16="http://schemas.microsoft.com/office/drawing/2014/main" id="{3C670D29-EAB2-E0F0-07E0-66F202CC0CBC}"/>
+              </a:ext>
+            </a:extLst>
+          </p:cNvPr>
+          <p:cNvSpPr>
+            <a:spLocks noGrp="1"/>
+          </p:cNvSpPr>
+          <p:nvPr>
+            <p:ph type="body" sz="quarter" idx="15"/>
+          </p:nvPr>
+        </p:nvSpPr>
+        <p:spPr/>
+        <p:txBody>
+          <a:bodyPr/>
+          <a:lstStyle/>
+          <a:p>
+            <a:r>
+              <a:rPr lang="en-IN"/>
+              <a:t>TASK ASSIGNMENT</a:t>
+            </a:r>
+          </a:p>
+        </p:txBody>
+      </p:sp>
+      <p:sp>
+        <p:nvSpPr>
+          <p:cNvPr id="8" name="Text Placeholder 7">
+            <a:extLst>
+              <a:ext uri="{FF2B5EF4-FFF2-40B4-BE49-F238E27FC236}">
+                <a16:creationId xmlns:a16="http://schemas.microsoft.com/office/drawing/2014/main" id="{E0F699DF-708D-F72C-AE36-6D61BA4B9565}"/>
+              </a:ext>
+            </a:extLst>
+          </p:cNvPr>
+          <p:cNvSpPr>
+            <a:spLocks noGrp="1"/>
+          </p:cNvSpPr>
+          <p:nvPr>
+            <p:ph type="body" sz="quarter" idx="16"/>
+          </p:nvPr>
+        </p:nvSpPr>
+        <p:spPr/>
+        <p:txBody>
+          <a:bodyPr/>
+          <a:lstStyle/>
+          <a:p>
+            <a:r>
+              <a:rPr lang="en-IN"/>
+              <a:t>REPORT GENERATION</a:t>
+            </a:r>
+          </a:p>
+        </p:txBody>
+      </p:sp>
+      <p:sp>
+        <p:nvSpPr>
+          <p:cNvPr id="9" name="Text Placeholder 8">
+            <a:extLst>
+              <a:ext uri="{FF2B5EF4-FFF2-40B4-BE49-F238E27FC236}">
+                <a16:creationId xmlns:a16="http://schemas.microsoft.com/office/drawing/2014/main" id="{464C3AA6-66B0-C201-2F3C-44A6DECA783F}"/>
+              </a:ext>
+            </a:extLst>
+          </p:cNvPr>
+          <p:cNvSpPr>
+            <a:spLocks noGrp="1"/>
+          </p:cNvSpPr>
+          <p:nvPr>
+            <p:ph type="body" sz="quarter" idx="17"/>
+          </p:nvPr>
+        </p:nvSpPr>
+        <p:spPr/>
+        <p:txBody>
+          <a:bodyPr/>
+          <a:lstStyle/>
+          <a:p>
+            <a:r>
+              <a:rPr lang="en-US"/>
+              <a:t>Employees can change task statuses to Pending or Completed, reflecting real-time progress and workflow efficiency.</a:t>
+            </a:r>
+            <a:endParaRPr lang="en-IN"/>
+          </a:p>
+        </p:txBody>
+      </p:sp>
+      <p:sp>
+        <p:nvSpPr>
+          <p:cNvPr id="10" name="Text Placeholder 9">
+            <a:extLst>
+              <a:ext uri="{FF2B5EF4-FFF2-40B4-BE49-F238E27FC236}">
+                <a16:creationId xmlns:a16="http://schemas.microsoft.com/office/drawing/2014/main" id="{FBC7F72A-0D85-3F57-02AE-7911ADF3356E}"/>
+              </a:ext>
+            </a:extLst>
+          </p:cNvPr>
+          <p:cNvSpPr>
+            <a:spLocks noGrp="1"/>
+          </p:cNvSpPr>
+          <p:nvPr>
+            <p:ph type="body" sz="quarter" idx="18"/>
+          </p:nvPr>
+        </p:nvSpPr>
+        <p:spPr/>
+        <p:txBody>
+          <a:bodyPr/>
+          <a:lstStyle/>
+          <a:p>
+            <a:r>
+              <a:rPr lang="en-IN"/>
+              <a:t>STATUS MANAGEMENT</a:t>
+            </a:r>
+          </a:p>
+        </p:txBody>
+      </p:sp>
+      <p:sp>
+        <p:nvSpPr>
+          <p:cNvPr id="11" name="Rectangle 10">
+            <a:extLst>
+              <a:ext uri="{FF2B5EF4-FFF2-40B4-BE49-F238E27FC236}">
+                <a16:creationId xmlns:a16="http://schemas.microsoft.com/office/drawing/2014/main" id="{FB3C2BA1-8147-A38F-E3F0-6CBB7551D79F}"/>
+              </a:ext>
+            </a:extLst>
+          </p:cNvPr>
+          <p:cNvSpPr/>
+          <p:nvPr/>
+        </p:nvSpPr>
+        <p:spPr>
+          <a:xfrm>
+            <a:off x="9033933" y="6460067"/>
+            <a:ext cx="2362200" cy="365125"/>
+          </a:xfrm>
+          <a:prstGeom prst="rect">
+            <a:avLst/>
+          </a:prstGeom>
+          <a:solidFill>
+            <a:schemeClr val="bg1"/>
+          </a:solidFill>
+          <a:ln>
+            <a:solidFill>
+              <a:schemeClr val="bg1"/>
+            </a:solidFill>
+          </a:ln>
+        </p:spPr>
+        <p:style>
+          <a:lnRef idx="2">
+            <a:schemeClr val="accent1">
+              <a:shade val="15000"/>
+            </a:schemeClr>
+          </a:lnRef>
+          <a:fillRef idx="1">
+            <a:schemeClr val="accent1"/>
+          </a:fillRef>
+          <a:effectRef idx="0">
+            <a:schemeClr val="accent1"/>
+          </a:effectRef>
+          <a:fontRef idx="minor">
+            <a:schemeClr val="lt1"/>
+          </a:fontRef>
+        </p:style>
+        <p:txBody>
+          <a:bodyPr rtlCol="0" anchor="ctr"/>
+          <a:lstStyle/>
+          <a:p>
+            <a:pPr algn="ctr"/>
+            <a:endParaRPr lang="en-IN"/>
+          </a:p>
+        </p:txBody>
+      </p:sp>
+    </p:spTree>
+    <p:extLst>
+      <p:ext uri="{BB962C8B-B14F-4D97-AF65-F5344CB8AC3E}">
+        <p14:creationId xmlns:p14="http://schemas.microsoft.com/office/powerpoint/2010/main" val="2774330564"/>
+      </p:ext>
+    </p:extLst>
+  </p:cSld>
+  <p:clrMapOvr>
+    <a:masterClrMapping/>
+  </p:clrMapOvr>
+  <mc:AlternateContent xmlns:mc="http://schemas.openxmlformats.org/markup-compatibility/2006">
+    <mc:Choice xmlns:p14="http://schemas.microsoft.com/office/powerpoint/2010/main" Requires="p14">
+      <p:transition spd="med" p14:dur="700">
+        <p:fade/>
+      </p:transition>
+    </mc:Choice>
+    <mc:Fallback>
+      <p:transition spd="med">
+        <p:fade/>
+      </p:transition>
+    </mc:Fallback>
+  </mc:AlternateContent>
+</p:sld>
+</file>
+
+<file path=ppt/slides/slide21.xml><?xml version="1.0" encoding="utf-8"?>
 <p:sld xmlns:a="http://schemas.openxmlformats.org/drawingml/2006/main" xmlns:r="http://schemas.openxmlformats.org/officeDocument/2006/relationships" xmlns:p="http://schemas.openxmlformats.org/presentationml/2006/main">
   <p:cSld name="Slide 1">
     <p:spTree>
@@ -13574,41 +15133,28 @@
           <p:cNvGraphicFramePr>
             <a:graphicFrameLocks noGrp="1"/>
           </p:cNvGraphicFramePr>
-          <p:nvPr>
-            <p:extLst>
-              <p:ext uri="{D42A27DB-BD31-4B8C-83A1-F6EECF244321}">
-                <p14:modId xmlns:p14="http://schemas.microsoft.com/office/powerpoint/2010/main" val="3845388350"/>
-              </p:ext>
-            </p:extLst>
-          </p:nvPr>
+          <p:nvPr/>
         </p:nvGraphicFramePr>
         <p:xfrm>
           <a:off x="646176" y="3291840"/>
-          <a:ext cx="10363200" cy="2438400"/>
+          <a:ext cx="10363200" cy="1798320"/>
         </p:xfrm>
         <a:graphic>
           <a:graphicData uri="http://schemas.openxmlformats.org/drawingml/2006/table">
             <a:tbl>
               <a:tblPr/>
               <a:tblGrid>
-                <a:gridCol w="3454400">
+                <a:gridCol w="5181600">
                   <a:extLst>
                     <a:ext uri="{9D8B030D-6E8A-4147-A177-3AD203B41FA5}">
                       <a16:colId xmlns:a16="http://schemas.microsoft.com/office/drawing/2014/main" val="20000"/>
                     </a:ext>
                   </a:extLst>
                 </a:gridCol>
-                <a:gridCol w="3454400">
+                <a:gridCol w="5181600">
                   <a:extLst>
                     <a:ext uri="{9D8B030D-6E8A-4147-A177-3AD203B41FA5}">
                       <a16:colId xmlns:a16="http://schemas.microsoft.com/office/drawing/2014/main" val="20001"/>
-                    </a:ext>
-                  </a:extLst>
-                </a:gridCol>
-                <a:gridCol w="3454400">
-                  <a:extLst>
-                    <a:ext uri="{9D8B030D-6E8A-4147-A177-3AD203B41FA5}">
-                      <a16:colId xmlns:a16="http://schemas.microsoft.com/office/drawing/2014/main" val="20002"/>
                     </a:ext>
                   </a:extLst>
                 </a:gridCol>
@@ -13631,7 +15177,7 @@
                           <a:ea typeface="Open Sans" pitchFamily="34" charset="-122"/>
                           <a:cs typeface="Open Sans" pitchFamily="34" charset="-120"/>
                         </a:rPr>
-                        <a:t>COMPONENT</a:t>
+                        <a:t>STATUS</a:t>
                       </a:r>
                       <a:endParaRPr lang="en-US" sz="1400" dirty="0">
                         <a:latin typeface="Open Sans" charset="0"/>
@@ -13644,76 +15190,6 @@
                     <a:lnL w="0" cap="flat" cmpd="sng" algn="ctr">
                       <a:solidFill>
                         <a:srgbClr val="666666"/>
-                      </a:solidFill>
-                      <a:prstDash val="sysDash"/>
-                      <a:round/>
-                      <a:headEnd type="none" w="med" len="med"/>
-                      <a:tailEnd type="none" w="med" len="med"/>
-                    </a:lnL>
-                    <a:lnR w="12700" cap="flat" cmpd="sng" algn="ctr">
-                      <a:solidFill>
-                        <a:srgbClr val="A6A6A6"/>
-                      </a:solidFill>
-                      <a:prstDash val="sysDash"/>
-                      <a:round/>
-                      <a:headEnd type="none" w="med" len="med"/>
-                      <a:tailEnd type="none" w="med" len="med"/>
-                    </a:lnR>
-                    <a:lnT w="0" cap="flat" cmpd="sng" algn="ctr">
-                      <a:solidFill>
-                        <a:srgbClr val="666666"/>
-                      </a:solidFill>
-                      <a:prstDash val="sysDash"/>
-                      <a:round/>
-                      <a:headEnd type="none" w="med" len="med"/>
-                      <a:tailEnd type="none" w="med" len="med"/>
-                    </a:lnT>
-                    <a:lnB w="12700" cap="flat" cmpd="sng" algn="ctr">
-                      <a:solidFill>
-                        <a:srgbClr val="A6A6A6"/>
-                      </a:solidFill>
-                      <a:prstDash val="sysDash"/>
-                      <a:round/>
-                      <a:headEnd type="none" w="med" len="med"/>
-                      <a:tailEnd type="none" w="med" len="med"/>
-                    </a:lnB>
-                    <a:solidFill>
-                      <a:srgbClr val="BFBFBF">
-                        <a:alpha val="0"/>
-                      </a:srgbClr>
-                    </a:solidFill>
-                  </a:tcPr>
-                </a:tc>
-                <a:tc>
-                  <a:txBody>
-                    <a:bodyPr/>
-                    <a:lstStyle/>
-                    <a:p>
-                      <a:pPr marL="0" indent="0">
-                        <a:buNone/>
-                      </a:pPr>
-                      <a:r>
-                        <a:rPr lang="en-US" sz="1400" b="1" dirty="0">
-                          <a:solidFill>
-                            <a:srgbClr val="000000"/>
-                          </a:solidFill>
-                          <a:latin typeface="Open Sans" pitchFamily="34" charset="0"/>
-                          <a:ea typeface="Open Sans" pitchFamily="34" charset="-122"/>
-                          <a:cs typeface="Open Sans" pitchFamily="34" charset="-120"/>
-                        </a:rPr>
-                        <a:t>TECHNOLOGY</a:t>
-                      </a:r>
-                      <a:endParaRPr lang="en-US" sz="1400" dirty="0">
-                        <a:latin typeface="Open Sans" charset="0"/>
-                        <a:ea typeface="Open Sans" charset="0"/>
-                        <a:cs typeface="Open Sans" charset="0"/>
-                      </a:endParaRPr>
-                    </a:p>
-                  </a:txBody>
-                  <a:tcPr marL="73152" marR="73152" marT="73152" marB="73152" anchor="ctr">
-                    <a:lnL w="12700" cap="flat" cmpd="sng" algn="ctr">
-                      <a:solidFill>
-                        <a:srgbClr val="A6A6A6"/>
                       </a:solidFill>
                       <a:prstDash val="sysDash"/>
                       <a:round/>
@@ -13848,7 +15324,7 @@
                           <a:ea typeface="Open Sans" pitchFamily="34" charset="-122"/>
                           <a:cs typeface="Open Sans" pitchFamily="34" charset="-120"/>
                         </a:rPr>
-                        <a:t>Programming Language</a:t>
+                        <a:t>In Progress</a:t>
                       </a:r>
                       <a:endParaRPr lang="en-US" sz="1400" dirty="0">
                         <a:latin typeface="Open Sans" charset="0"/>
@@ -13918,77 +15394,7 @@
                           <a:ea typeface="Open Sans" pitchFamily="34" charset="-122"/>
                           <a:cs typeface="Open Sans" pitchFamily="34" charset="-120"/>
                         </a:rPr>
-                        <a:t>C#</a:t>
-                      </a:r>
-                      <a:endParaRPr lang="en-US" sz="1400" dirty="0">
-                        <a:latin typeface="Open Sans" charset="0"/>
-                        <a:ea typeface="Open Sans" charset="0"/>
-                        <a:cs typeface="Open Sans" charset="0"/>
-                      </a:endParaRPr>
-                    </a:p>
-                  </a:txBody>
-                  <a:tcPr marL="73152" marR="73152" marT="73152" marB="73152" anchor="ctr">
-                    <a:lnL w="12700" cap="flat" cmpd="sng" algn="ctr">
-                      <a:solidFill>
-                        <a:srgbClr val="A6A6A6"/>
-                      </a:solidFill>
-                      <a:prstDash val="sysDash"/>
-                      <a:round/>
-                      <a:headEnd type="none" w="med" len="med"/>
-                      <a:tailEnd type="none" w="med" len="med"/>
-                    </a:lnL>
-                    <a:lnR w="12700" cap="flat" cmpd="sng" algn="ctr">
-                      <a:solidFill>
-                        <a:srgbClr val="A6A6A6"/>
-                      </a:solidFill>
-                      <a:prstDash val="sysDash"/>
-                      <a:round/>
-                      <a:headEnd type="none" w="med" len="med"/>
-                      <a:tailEnd type="none" w="med" len="med"/>
-                    </a:lnR>
-                    <a:lnT w="12700" cap="flat" cmpd="sng" algn="ctr">
-                      <a:solidFill>
-                        <a:srgbClr val="A6A6A6"/>
-                      </a:solidFill>
-                      <a:prstDash val="sysDash"/>
-                      <a:round/>
-                      <a:headEnd type="none" w="med" len="med"/>
-                      <a:tailEnd type="none" w="med" len="med"/>
-                    </a:lnT>
-                    <a:lnB w="12700" cap="flat" cmpd="sng" algn="ctr">
-                      <a:solidFill>
-                        <a:srgbClr val="A6A6A6"/>
-                      </a:solidFill>
-                      <a:prstDash val="sysDash"/>
-                      <a:round/>
-                      <a:headEnd type="none" w="med" len="med"/>
-                      <a:tailEnd type="none" w="med" len="med"/>
-                    </a:lnB>
-                    <a:solidFill>
-                      <a:srgbClr val="BFBFBF">
-                        <a:alpha val="0"/>
-                      </a:srgbClr>
-                    </a:solidFill>
-                  </a:tcPr>
-                </a:tc>
-                <a:tc>
-                  <a:txBody>
-                    <a:bodyPr/>
-                    <a:lstStyle/>
-                    <a:p>
-                      <a:pPr marL="0" indent="0">
-                        <a:buNone/>
-                      </a:pPr>
-                      <a:r>
-                        <a:rPr lang="en-US" sz="1400" dirty="0">
-                          <a:solidFill>
-                            <a:srgbClr val="232220"/>
-                          </a:solidFill>
-                          <a:latin typeface="Open Sans" pitchFamily="34" charset="0"/>
-                          <a:ea typeface="Open Sans" pitchFamily="34" charset="-122"/>
-                          <a:cs typeface="Open Sans" pitchFamily="34" charset="-120"/>
-                        </a:rPr>
-                        <a:t>Main language for backend development.</a:t>
+                        <a:t>Task is currently being worked on.</a:t>
                       </a:r>
                       <a:endParaRPr lang="en-US" sz="1400" dirty="0">
                         <a:latin typeface="Open Sans" charset="0"/>
@@ -14065,7 +15471,7 @@
                           <a:ea typeface="Open Sans" pitchFamily="34" charset="-122"/>
                           <a:cs typeface="Open Sans" pitchFamily="34" charset="-120"/>
                         </a:rPr>
-                        <a:t>Framework</a:t>
+                        <a:t>Pending</a:t>
                       </a:r>
                       <a:endParaRPr lang="en-US" sz="1400" dirty="0">
                         <a:latin typeface="Open Sans" charset="0"/>
@@ -14135,77 +15541,7 @@
                           <a:ea typeface="Open Sans" pitchFamily="34" charset="-122"/>
                           <a:cs typeface="Open Sans" pitchFamily="34" charset="-120"/>
                         </a:rPr>
-                        <a:t>Entity Framework</a:t>
-                      </a:r>
-                      <a:endParaRPr lang="en-US" sz="1400" dirty="0">
-                        <a:latin typeface="Open Sans" charset="0"/>
-                        <a:ea typeface="Open Sans" charset="0"/>
-                        <a:cs typeface="Open Sans" charset="0"/>
-                      </a:endParaRPr>
-                    </a:p>
-                  </a:txBody>
-                  <a:tcPr marL="73152" marR="73152" marT="73152" marB="73152" anchor="ctr">
-                    <a:lnL w="12700" cap="flat" cmpd="sng" algn="ctr">
-                      <a:solidFill>
-                        <a:srgbClr val="A6A6A6"/>
-                      </a:solidFill>
-                      <a:prstDash val="sysDash"/>
-                      <a:round/>
-                      <a:headEnd type="none" w="med" len="med"/>
-                      <a:tailEnd type="none" w="med" len="med"/>
-                    </a:lnL>
-                    <a:lnR w="12700" cap="flat" cmpd="sng" algn="ctr">
-                      <a:solidFill>
-                        <a:srgbClr val="A6A6A6"/>
-                      </a:solidFill>
-                      <a:prstDash val="sysDash"/>
-                      <a:round/>
-                      <a:headEnd type="none" w="med" len="med"/>
-                      <a:tailEnd type="none" w="med" len="med"/>
-                    </a:lnR>
-                    <a:lnT w="12700" cap="flat" cmpd="sng" algn="ctr">
-                      <a:solidFill>
-                        <a:srgbClr val="A6A6A6"/>
-                      </a:solidFill>
-                      <a:prstDash val="sysDash"/>
-                      <a:round/>
-                      <a:headEnd type="none" w="med" len="med"/>
-                      <a:tailEnd type="none" w="med" len="med"/>
-                    </a:lnT>
-                    <a:lnB w="12700" cap="flat" cmpd="sng" algn="ctr">
-                      <a:solidFill>
-                        <a:srgbClr val="A6A6A6"/>
-                      </a:solidFill>
-                      <a:prstDash val="sysDash"/>
-                      <a:round/>
-                      <a:headEnd type="none" w="med" len="med"/>
-                      <a:tailEnd type="none" w="med" len="med"/>
-                    </a:lnB>
-                    <a:solidFill>
-                      <a:srgbClr val="BFBFBF">
-                        <a:alpha val="0"/>
-                      </a:srgbClr>
-                    </a:solidFill>
-                  </a:tcPr>
-                </a:tc>
-                <a:tc>
-                  <a:txBody>
-                    <a:bodyPr/>
-                    <a:lstStyle/>
-                    <a:p>
-                      <a:pPr marL="0" indent="0">
-                        <a:buNone/>
-                      </a:pPr>
-                      <a:r>
-                        <a:rPr lang="en-US" sz="1400" dirty="0">
-                          <a:solidFill>
-                            <a:srgbClr val="232220"/>
-                          </a:solidFill>
-                          <a:latin typeface="Open Sans" pitchFamily="34" charset="0"/>
-                          <a:ea typeface="Open Sans" pitchFamily="34" charset="-122"/>
-                          <a:cs typeface="Open Sans" pitchFamily="34" charset="-120"/>
-                        </a:rPr>
-                        <a:t>Framework for Interaction With Data Base Seamlessly</a:t>
+                        <a:t>Task is assigned but not yet started.</a:t>
                       </a:r>
                       <a:endParaRPr lang="en-US" sz="1400" dirty="0">
                         <a:latin typeface="Open Sans" charset="0"/>
@@ -14282,7 +15618,7 @@
                           <a:ea typeface="Open Sans" pitchFamily="34" charset="-122"/>
                           <a:cs typeface="Open Sans" pitchFamily="34" charset="-120"/>
                         </a:rPr>
-                        <a:t>Database</a:t>
+                        <a:t>Completed</a:t>
                       </a:r>
                       <a:endParaRPr lang="en-US" sz="1400" dirty="0">
                         <a:latin typeface="Open Sans" charset="0"/>
@@ -14352,77 +15688,7 @@
                           <a:ea typeface="Open Sans" pitchFamily="34" charset="-122"/>
                           <a:cs typeface="Open Sans" pitchFamily="34" charset="-120"/>
                         </a:rPr>
-                        <a:t>SQL Server</a:t>
-                      </a:r>
-                      <a:endParaRPr lang="en-US" sz="1400" dirty="0">
-                        <a:latin typeface="Open Sans" charset="0"/>
-                        <a:ea typeface="Open Sans" charset="0"/>
-                        <a:cs typeface="Open Sans" charset="0"/>
-                      </a:endParaRPr>
-                    </a:p>
-                  </a:txBody>
-                  <a:tcPr marL="73152" marR="73152" marT="73152" marB="73152" anchor="ctr">
-                    <a:lnL w="12700" cap="flat" cmpd="sng" algn="ctr">
-                      <a:solidFill>
-                        <a:srgbClr val="A6A6A6"/>
-                      </a:solidFill>
-                      <a:prstDash val="sysDash"/>
-                      <a:round/>
-                      <a:headEnd type="none" w="med" len="med"/>
-                      <a:tailEnd type="none" w="med" len="med"/>
-                    </a:lnL>
-                    <a:lnR w="12700" cap="flat" cmpd="sng" algn="ctr">
-                      <a:solidFill>
-                        <a:srgbClr val="A6A6A6"/>
-                      </a:solidFill>
-                      <a:prstDash val="sysDash"/>
-                      <a:round/>
-                      <a:headEnd type="none" w="med" len="med"/>
-                      <a:tailEnd type="none" w="med" len="med"/>
-                    </a:lnR>
-                    <a:lnT w="12700" cap="flat" cmpd="sng" algn="ctr">
-                      <a:solidFill>
-                        <a:srgbClr val="A6A6A6"/>
-                      </a:solidFill>
-                      <a:prstDash val="sysDash"/>
-                      <a:round/>
-                      <a:headEnd type="none" w="med" len="med"/>
-                      <a:tailEnd type="none" w="med" len="med"/>
-                    </a:lnT>
-                    <a:lnB w="12700" cap="flat" cmpd="sng" algn="ctr">
-                      <a:solidFill>
-                        <a:srgbClr val="A6A6A6"/>
-                      </a:solidFill>
-                      <a:prstDash val="sysDash"/>
-                      <a:round/>
-                      <a:headEnd type="none" w="med" len="med"/>
-                      <a:tailEnd type="none" w="med" len="med"/>
-                    </a:lnB>
-                    <a:solidFill>
-                      <a:srgbClr val="BFBFBF">
-                        <a:alpha val="0"/>
-                      </a:srgbClr>
-                    </a:solidFill>
-                  </a:tcPr>
-                </a:tc>
-                <a:tc>
-                  <a:txBody>
-                    <a:bodyPr/>
-                    <a:lstStyle/>
-                    <a:p>
-                      <a:pPr marL="0" indent="0">
-                        <a:buNone/>
-                      </a:pPr>
-                      <a:r>
-                        <a:rPr lang="en-US" sz="1400" dirty="0">
-                          <a:solidFill>
-                            <a:srgbClr val="232220"/>
-                          </a:solidFill>
-                          <a:latin typeface="Open Sans" pitchFamily="34" charset="0"/>
-                          <a:ea typeface="Open Sans" pitchFamily="34" charset="-122"/>
-                          <a:cs typeface="Open Sans" pitchFamily="34" charset="-120"/>
-                        </a:rPr>
-                        <a:t>Relational database management system.</a:t>
+                        <a:t>Task has been finished and verified.</a:t>
                       </a:r>
                       <a:endParaRPr lang="en-US" sz="1400" dirty="0">
                         <a:latin typeface="Open Sans" charset="0"/>
@@ -14499,7 +15765,7 @@
                           <a:ea typeface="Open Sans" pitchFamily="34" charset="-122"/>
                           <a:cs typeface="Open Sans" pitchFamily="34" charset="-120"/>
                         </a:rPr>
-                        <a:t>Email Service</a:t>
+                        <a:t>Delayed</a:t>
                       </a:r>
                       <a:endParaRPr lang="en-US" sz="1400" dirty="0">
                         <a:latin typeface="Open Sans" charset="0"/>
@@ -14569,77 +15835,7 @@
                           <a:ea typeface="Open Sans" pitchFamily="34" charset="-122"/>
                           <a:cs typeface="Open Sans" pitchFamily="34" charset="-120"/>
                         </a:rPr>
-                        <a:t>SMTP Server</a:t>
-                      </a:r>
-                      <a:endParaRPr lang="en-US" sz="1400" dirty="0">
-                        <a:latin typeface="Open Sans" charset="0"/>
-                        <a:ea typeface="Open Sans" charset="0"/>
-                        <a:cs typeface="Open Sans" charset="0"/>
-                      </a:endParaRPr>
-                    </a:p>
-                  </a:txBody>
-                  <a:tcPr marL="73152" marR="73152" marT="73152" marB="73152" anchor="ctr">
-                    <a:lnL w="12700" cap="flat" cmpd="sng" algn="ctr">
-                      <a:solidFill>
-                        <a:srgbClr val="A6A6A6"/>
-                      </a:solidFill>
-                      <a:prstDash val="sysDash"/>
-                      <a:round/>
-                      <a:headEnd type="none" w="med" len="med"/>
-                      <a:tailEnd type="none" w="med" len="med"/>
-                    </a:lnL>
-                    <a:lnR w="12700" cap="flat" cmpd="sng" algn="ctr">
-                      <a:solidFill>
-                        <a:srgbClr val="A6A6A6"/>
-                      </a:solidFill>
-                      <a:prstDash val="sysDash"/>
-                      <a:round/>
-                      <a:headEnd type="none" w="med" len="med"/>
-                      <a:tailEnd type="none" w="med" len="med"/>
-                    </a:lnR>
-                    <a:lnT w="12700" cap="flat" cmpd="sng" algn="ctr">
-                      <a:solidFill>
-                        <a:srgbClr val="A6A6A6"/>
-                      </a:solidFill>
-                      <a:prstDash val="sysDash"/>
-                      <a:round/>
-                      <a:headEnd type="none" w="med" len="med"/>
-                      <a:tailEnd type="none" w="med" len="med"/>
-                    </a:lnT>
-                    <a:lnB w="0" cap="flat" cmpd="sng" algn="ctr">
-                      <a:solidFill>
-                        <a:srgbClr val="666666"/>
-                      </a:solidFill>
-                      <a:prstDash val="sysDash"/>
-                      <a:round/>
-                      <a:headEnd type="none" w="med" len="med"/>
-                      <a:tailEnd type="none" w="med" len="med"/>
-                    </a:lnB>
-                    <a:solidFill>
-                      <a:srgbClr val="BFBFBF">
-                        <a:alpha val="0"/>
-                      </a:srgbClr>
-                    </a:solidFill>
-                  </a:tcPr>
-                </a:tc>
-                <a:tc>
-                  <a:txBody>
-                    <a:bodyPr/>
-                    <a:lstStyle/>
-                    <a:p>
-                      <a:pPr marL="0" indent="0">
-                        <a:buNone/>
-                      </a:pPr>
-                      <a:r>
-                        <a:rPr lang="en-US" sz="1400" dirty="0">
-                          <a:solidFill>
-                            <a:srgbClr val="232220"/>
-                          </a:solidFill>
-                          <a:latin typeface="Open Sans" pitchFamily="34" charset="0"/>
-                          <a:ea typeface="Open Sans" pitchFamily="34" charset="-122"/>
-                          <a:cs typeface="Open Sans" pitchFamily="34" charset="-120"/>
-                        </a:rPr>
-                        <a:t>Used for handling email notifications.</a:t>
+                        <a:t>Task has not been completed by the deadline.</a:t>
                       </a:r>
                       <a:endParaRPr lang="en-US" sz="1400" dirty="0">
                         <a:latin typeface="Open Sans" charset="0"/>
@@ -14821,7 +16017,7 @@
               <a:rPr lang="en-US" sz="4400">
                 <a:latin typeface="Montserrat ExtraBold"/>
               </a:rPr>
-              <a:t>TECHNOLOGIES USED</a:t>
+              <a:t>TASK STATUS OPTIONS</a:t>
             </a:r>
             <a:endParaRPr lang="en-US" sz="4400" dirty="0">
               <a:latin typeface="Montserrat ExtraBold"/>
@@ -14968,7 +16164,7 @@
                 <a:ea typeface="Open Sans"/>
                 <a:cs typeface="Open Sans"/>
               </a:rPr>
-              <a:t>These technologies form the backbone of the Employee Management System, ensuring scalability and reliability. Their integration optimizes system performance and usability.</a:t>
+              <a:t>This table summarizes various task statuses along with their descriptions. Understanding these statuses is crucial for effective task management.</a:t>
             </a:r>
             <a:endParaRPr lang="en-US" sz="1400" dirty="0">
               <a:latin typeface="Open Sans"/>
@@ -15108,7 +16304,7 @@
                 <a:cs typeface="Open Sans"/>
               </a:rPr>
               <a:pPr algn="ctr"/>
-              <a:t>3</a:t>
+              <a:t>21</a:t>
             </a:fld>
             <a:endParaRPr lang="en-US" sz="1210">
               <a:solidFill>
@@ -15121,10 +16317,841 @@
           </a:p>
         </p:txBody>
       </p:sp>
+      <p:sp>
+        <p:nvSpPr>
+          <p:cNvPr id="6" name="Rectangle 5">
+            <a:extLst>
+              <a:ext uri="{FF2B5EF4-FFF2-40B4-BE49-F238E27FC236}">
+                <a16:creationId xmlns:a16="http://schemas.microsoft.com/office/drawing/2014/main" id="{74D17421-0283-4711-E892-1E4830F90E79}"/>
+              </a:ext>
+            </a:extLst>
+          </p:cNvPr>
+          <p:cNvSpPr/>
+          <p:nvPr/>
+        </p:nvSpPr>
+        <p:spPr>
+          <a:xfrm>
+            <a:off x="8991600" y="6460067"/>
+            <a:ext cx="2370667" cy="355600"/>
+          </a:xfrm>
+          <a:prstGeom prst="rect">
+            <a:avLst/>
+          </a:prstGeom>
+          <a:solidFill>
+            <a:schemeClr val="bg1"/>
+          </a:solidFill>
+          <a:ln>
+            <a:solidFill>
+              <a:schemeClr val="bg1"/>
+            </a:solidFill>
+          </a:ln>
+        </p:spPr>
+        <p:style>
+          <a:lnRef idx="2">
+            <a:schemeClr val="accent1">
+              <a:shade val="15000"/>
+            </a:schemeClr>
+          </a:lnRef>
+          <a:fillRef idx="1">
+            <a:schemeClr val="accent1"/>
+          </a:fillRef>
+          <a:effectRef idx="0">
+            <a:schemeClr val="accent1"/>
+          </a:effectRef>
+          <a:fontRef idx="minor">
+            <a:schemeClr val="lt1"/>
+          </a:fontRef>
+        </p:style>
+        <p:txBody>
+          <a:bodyPr rtlCol="0" anchor="ctr"/>
+          <a:lstStyle/>
+          <a:p>
+            <a:pPr algn="ctr"/>
+            <a:endParaRPr lang="en-IN"/>
+          </a:p>
+        </p:txBody>
+      </p:sp>
     </p:spTree>
     <p:extLst>
       <p:ext uri="{BB962C8B-B14F-4D97-AF65-F5344CB8AC3E}">
-        <p14:creationId xmlns:p14="http://schemas.microsoft.com/office/powerpoint/2010/main" val="1530733265"/>
+        <p14:creationId xmlns:p14="http://schemas.microsoft.com/office/powerpoint/2010/main" val="775947403"/>
+      </p:ext>
+    </p:extLst>
+  </p:cSld>
+  <p:clrMapOvr>
+    <a:masterClrMapping/>
+  </p:clrMapOvr>
+  <p:transition spd="slow">
+    <p:randomBar dir="vert"/>
+  </p:transition>
+</p:sld>
+</file>
+
+<file path=ppt/slides/slide22.xml><?xml version="1.0" encoding="utf-8"?>
+<p:sld xmlns:a="http://schemas.openxmlformats.org/drawingml/2006/main" xmlns:r="http://schemas.openxmlformats.org/officeDocument/2006/relationships" xmlns:p="http://schemas.openxmlformats.org/presentationml/2006/main">
+  <p:cSld name="Slide 1">
+    <p:spTree>
+      <p:nvGrpSpPr>
+        <p:cNvPr id="1" name=""/>
+        <p:cNvGrpSpPr/>
+        <p:nvPr/>
+      </p:nvGrpSpPr>
+      <p:grpSpPr>
+        <a:xfrm>
+          <a:off x="0" y="0"/>
+          <a:ext cx="0" cy="0"/>
+          <a:chOff x="0" y="0"/>
+          <a:chExt cx="0" cy="0"/>
+        </a:xfrm>
+      </p:grpSpPr>
+      <p:graphicFrame>
+        <p:nvGraphicFramePr>
+          <p:cNvPr id="2" name="Chart 0"/>
+          <p:cNvGraphicFramePr/>
+          <p:nvPr>
+            <p:extLst>
+              <p:ext uri="{D42A27DB-BD31-4B8C-83A1-F6EECF244321}">
+                <p14:modId xmlns:p14="http://schemas.microsoft.com/office/powerpoint/2010/main" val="1674561478"/>
+              </p:ext>
+            </p:extLst>
+          </p:nvPr>
+        </p:nvGraphicFramePr>
+        <p:xfrm>
+          <a:off x="749300" y="1727200"/>
+          <a:ext cx="2032000" cy="1676400"/>
+        </p:xfrm>
+        <a:graphic>
+          <a:graphicData uri="http://schemas.openxmlformats.org/drawingml/2006/chart">
+            <c:chart xmlns:c="http://schemas.openxmlformats.org/drawingml/2006/chart" xmlns:r="http://schemas.openxmlformats.org/officeDocument/2006/relationships" r:id="rId3"/>
+          </a:graphicData>
+        </a:graphic>
+      </p:graphicFrame>
+      <p:graphicFrame>
+        <p:nvGraphicFramePr>
+          <p:cNvPr id="3" name="Chart 1"/>
+          <p:cNvGraphicFramePr/>
+          <p:nvPr>
+            <p:extLst>
+              <p:ext uri="{D42A27DB-BD31-4B8C-83A1-F6EECF244321}">
+                <p14:modId xmlns:p14="http://schemas.microsoft.com/office/powerpoint/2010/main" val="1658032252"/>
+              </p:ext>
+            </p:extLst>
+          </p:nvPr>
+        </p:nvGraphicFramePr>
+        <p:xfrm>
+          <a:off x="8724900" y="1739900"/>
+          <a:ext cx="2032000" cy="1676400"/>
+        </p:xfrm>
+        <a:graphic>
+          <a:graphicData uri="http://schemas.openxmlformats.org/drawingml/2006/chart">
+            <c:chart xmlns:c="http://schemas.openxmlformats.org/drawingml/2006/chart" xmlns:r="http://schemas.openxmlformats.org/officeDocument/2006/relationships" r:id="rId4"/>
+          </a:graphicData>
+        </a:graphic>
+      </p:graphicFrame>
+      <p:graphicFrame>
+        <p:nvGraphicFramePr>
+          <p:cNvPr id="4" name="Chart 2"/>
+          <p:cNvGraphicFramePr/>
+          <p:nvPr>
+            <p:extLst>
+              <p:ext uri="{D42A27DB-BD31-4B8C-83A1-F6EECF244321}">
+                <p14:modId xmlns:p14="http://schemas.microsoft.com/office/powerpoint/2010/main" val="2477847157"/>
+              </p:ext>
+            </p:extLst>
+          </p:nvPr>
+        </p:nvGraphicFramePr>
+        <p:xfrm>
+          <a:off x="3365500" y="1739900"/>
+          <a:ext cx="2032000" cy="1676400"/>
+        </p:xfrm>
+        <a:graphic>
+          <a:graphicData uri="http://schemas.openxmlformats.org/drawingml/2006/chart">
+            <c:chart xmlns:c="http://schemas.openxmlformats.org/drawingml/2006/chart" xmlns:r="http://schemas.openxmlformats.org/officeDocument/2006/relationships" r:id="rId5"/>
+          </a:graphicData>
+        </a:graphic>
+      </p:graphicFrame>
+      <p:graphicFrame>
+        <p:nvGraphicFramePr>
+          <p:cNvPr id="5" name="Chart 3"/>
+          <p:cNvGraphicFramePr/>
+          <p:nvPr>
+            <p:extLst>
+              <p:ext uri="{D42A27DB-BD31-4B8C-83A1-F6EECF244321}">
+                <p14:modId xmlns:p14="http://schemas.microsoft.com/office/powerpoint/2010/main" val="1033395668"/>
+              </p:ext>
+            </p:extLst>
+          </p:nvPr>
+        </p:nvGraphicFramePr>
+        <p:xfrm>
+          <a:off x="6146800" y="1739900"/>
+          <a:ext cx="2032000" cy="1676400"/>
+        </p:xfrm>
+        <a:graphic>
+          <a:graphicData uri="http://schemas.openxmlformats.org/drawingml/2006/chart">
+            <c:chart xmlns:c="http://schemas.openxmlformats.org/drawingml/2006/chart" xmlns:r="http://schemas.openxmlformats.org/officeDocument/2006/relationships" r:id="rId6"/>
+          </a:graphicData>
+        </a:graphic>
+      </p:graphicFrame>
+      <p:sp>
+        <p:nvSpPr>
+          <p:cNvPr id="25" name="Slide Number Placeholder 0"/>
+          <p:cNvSpPr>
+            <a:spLocks noGrp="1"/>
+          </p:cNvSpPr>
+          <p:nvPr>
+            <p:ph type="sldNum" sz="quarter" idx="4294967295"/>
+          </p:nvPr>
+        </p:nvSpPr>
+        <p:spPr>
+          <a:xfrm>
+            <a:off x="11569700" y="6350000"/>
+            <a:ext cx="609600" cy="355600"/>
+          </a:xfrm>
+          <a:prstGeom prst="rect">
+            <a:avLst/>
+          </a:prstGeom>
+          <a:extLst>
+            <a:ext uri="{C572A759-6A51-4108-AA02-DFA0A04FC94B}">
+              <ma14:wrappingTextBoxFlag xmlns="" xmlns:ma14="http://schemas.microsoft.com/office/mac/drawingml/2011/main" val="0"/>
+            </a:ext>
+          </a:extLst>
+        </p:spPr>
+        <p:txBody>
+          <a:bodyPr anchor="ctr" anchorCtr="0"/>
+          <a:lstStyle>
+            <a:lvl1pPr marL="0" algn="l" defTabSz="1625519" rtl="0" eaLnBrk="1" latinLnBrk="0" hangingPunct="1">
+              <a:defRPr sz="3200" kern="1200">
+                <a:solidFill>
+                  <a:schemeClr val="tx1"/>
+                </a:solidFill>
+                <a:latin typeface="+mn-lt"/>
+                <a:ea typeface="+mn-ea"/>
+                <a:cs typeface="+mn-cs"/>
+              </a:defRPr>
+            </a:lvl1pPr>
+            <a:lvl2pPr marL="812760" algn="l" defTabSz="1625519" rtl="0" eaLnBrk="1" latinLnBrk="0" hangingPunct="1">
+              <a:defRPr sz="3200" kern="1200">
+                <a:solidFill>
+                  <a:schemeClr val="tx1"/>
+                </a:solidFill>
+                <a:latin typeface="+mn-lt"/>
+                <a:ea typeface="+mn-ea"/>
+                <a:cs typeface="+mn-cs"/>
+              </a:defRPr>
+            </a:lvl2pPr>
+            <a:lvl3pPr marL="1625519" algn="l" defTabSz="1625519" rtl="0" eaLnBrk="1" latinLnBrk="0" hangingPunct="1">
+              <a:defRPr sz="3200" kern="1200">
+                <a:solidFill>
+                  <a:schemeClr val="tx1"/>
+                </a:solidFill>
+                <a:latin typeface="+mn-lt"/>
+                <a:ea typeface="+mn-ea"/>
+                <a:cs typeface="+mn-cs"/>
+              </a:defRPr>
+            </a:lvl3pPr>
+            <a:lvl4pPr marL="2438278" algn="l" defTabSz="1625519" rtl="0" eaLnBrk="1" latinLnBrk="0" hangingPunct="1">
+              <a:defRPr sz="3200" kern="1200">
+                <a:solidFill>
+                  <a:schemeClr val="tx1"/>
+                </a:solidFill>
+                <a:latin typeface="+mn-lt"/>
+                <a:ea typeface="+mn-ea"/>
+                <a:cs typeface="+mn-cs"/>
+              </a:defRPr>
+            </a:lvl4pPr>
+            <a:lvl5pPr marL="3251037" algn="l" defTabSz="1625519" rtl="0" eaLnBrk="1" latinLnBrk="0" hangingPunct="1">
+              <a:defRPr sz="3200" kern="1200">
+                <a:solidFill>
+                  <a:schemeClr val="tx1"/>
+                </a:solidFill>
+                <a:latin typeface="+mn-lt"/>
+                <a:ea typeface="+mn-ea"/>
+                <a:cs typeface="+mn-cs"/>
+              </a:defRPr>
+            </a:lvl5pPr>
+            <a:lvl6pPr marL="4063797" algn="l" defTabSz="1625519" rtl="0" eaLnBrk="1" latinLnBrk="0" hangingPunct="1">
+              <a:defRPr sz="3200" kern="1200">
+                <a:solidFill>
+                  <a:schemeClr val="tx1"/>
+                </a:solidFill>
+                <a:latin typeface="+mn-lt"/>
+                <a:ea typeface="+mn-ea"/>
+                <a:cs typeface="+mn-cs"/>
+              </a:defRPr>
+            </a:lvl6pPr>
+            <a:lvl7pPr marL="4876557" algn="l" defTabSz="1625519" rtl="0" eaLnBrk="1" latinLnBrk="0" hangingPunct="1">
+              <a:defRPr sz="3200" kern="1200">
+                <a:solidFill>
+                  <a:schemeClr val="tx1"/>
+                </a:solidFill>
+                <a:latin typeface="+mn-lt"/>
+                <a:ea typeface="+mn-ea"/>
+                <a:cs typeface="+mn-cs"/>
+              </a:defRPr>
+            </a:lvl7pPr>
+            <a:lvl8pPr marL="5689315" algn="l" defTabSz="1625519" rtl="0" eaLnBrk="1" latinLnBrk="0" hangingPunct="1">
+              <a:defRPr sz="3200" kern="1200">
+                <a:solidFill>
+                  <a:schemeClr val="tx1"/>
+                </a:solidFill>
+                <a:latin typeface="+mn-lt"/>
+                <a:ea typeface="+mn-ea"/>
+                <a:cs typeface="+mn-cs"/>
+              </a:defRPr>
+            </a:lvl8pPr>
+            <a:lvl9pPr marL="6502075" algn="l" defTabSz="1625519" rtl="0" eaLnBrk="1" latinLnBrk="0" hangingPunct="1">
+              <a:defRPr sz="3200" kern="1200">
+                <a:solidFill>
+                  <a:schemeClr val="tx1"/>
+                </a:solidFill>
+                <a:latin typeface="+mn-lt"/>
+                <a:ea typeface="+mn-ea"/>
+                <a:cs typeface="+mn-cs"/>
+              </a:defRPr>
+            </a:lvl9pPr>
+          </a:lstStyle>
+          <a:p>
+            <a:pPr algn="ctr"/>
+            <a:fld id="{F7021451-1387-4CA6-816F-3879F97B5CBC}" type="slidenum">
+              <a:rPr lang="en-US" sz="1210">
+                <a:solidFill>
+                  <a:srgbClr val="FFFFFF"/>
+                </a:solidFill>
+                <a:latin typeface="Open Sans"/>
+                <a:ea typeface="Open Sans"/>
+                <a:cs typeface="Open Sans"/>
+              </a:rPr>
+              <a:pPr algn="ctr"/>
+              <a:t>22</a:t>
+            </a:fld>
+            <a:endParaRPr lang="en-US" sz="1210">
+              <a:solidFill>
+                <a:srgbClr val="FFFFFF"/>
+              </a:solidFill>
+              <a:latin typeface="Open Sans"/>
+              <a:ea typeface="Open Sans"/>
+              <a:cs typeface="Open Sans"/>
+            </a:endParaRPr>
+          </a:p>
+        </p:txBody>
+      </p:sp>
+      <p:sp>
+        <p:nvSpPr>
+          <p:cNvPr id="6" name="TextBox 5">
+            <a:extLst>
+              <a:ext uri="{FF2B5EF4-FFF2-40B4-BE49-F238E27FC236}">
+                <a16:creationId xmlns:a16="http://schemas.microsoft.com/office/drawing/2014/main" id="{FFAF0FFB-9CD4-4647-B677-C259F263BB05}"/>
+              </a:ext>
+            </a:extLst>
+          </p:cNvPr>
+          <p:cNvSpPr txBox="1"/>
+          <p:nvPr/>
+        </p:nvSpPr>
+        <p:spPr>
+          <a:xfrm>
+            <a:off x="596900" y="571500"/>
+            <a:ext cx="10363200" cy="952500"/>
+          </a:xfrm>
+          <a:prstGeom prst="rect">
+            <a:avLst/>
+          </a:prstGeom>
+          <a:noFill/>
+        </p:spPr>
+        <p:txBody>
+          <a:bodyPr vertOverflow="overflow" vert="horz" wrap="square" rtlCol="0" anchor="t" anchorCtr="0">
+            <a:spAutoFit/>
+          </a:bodyPr>
+          <a:lstStyle/>
+          <a:p>
+            <a:r>
+              <a:rPr lang="en-IN" sz="4400">
+                <a:latin typeface="Montserrat ExtraBold"/>
+              </a:rPr>
+              <a:t>REPORTING BY ROLE</a:t>
+            </a:r>
+          </a:p>
+        </p:txBody>
+      </p:sp>
+      <p:sp>
+        <p:nvSpPr>
+          <p:cNvPr id="7" name="TextBox 6">
+            <a:extLst>
+              <a:ext uri="{FF2B5EF4-FFF2-40B4-BE49-F238E27FC236}">
+                <a16:creationId xmlns:a16="http://schemas.microsoft.com/office/drawing/2014/main" id="{B37A86DC-25BC-498A-9A7F-F6A5A057BEED}"/>
+              </a:ext>
+            </a:extLst>
+          </p:cNvPr>
+          <p:cNvSpPr txBox="1"/>
+          <p:nvPr/>
+        </p:nvSpPr>
+        <p:spPr>
+          <a:xfrm>
+            <a:off x="1308100" y="2349500"/>
+            <a:ext cx="914400" cy="457200"/>
+          </a:xfrm>
+          <a:prstGeom prst="rect">
+            <a:avLst/>
+          </a:prstGeom>
+          <a:noFill/>
+        </p:spPr>
+        <p:txBody>
+          <a:bodyPr vertOverflow="overflow" vert="horz" wrap="square" rtlCol="0" anchor="ctr" anchorCtr="1">
+            <a:spAutoFit/>
+          </a:bodyPr>
+          <a:lstStyle/>
+          <a:p>
+            <a:pPr algn="ctr"/>
+            <a:r>
+              <a:rPr lang="en-IN" sz="2400">
+                <a:latin typeface="Montserrat ExtraBold"/>
+              </a:rPr>
+              <a:t>40%</a:t>
+            </a:r>
+          </a:p>
+        </p:txBody>
+      </p:sp>
+      <p:sp>
+        <p:nvSpPr>
+          <p:cNvPr id="8" name="TextBox 7">
+            <a:extLst>
+              <a:ext uri="{FF2B5EF4-FFF2-40B4-BE49-F238E27FC236}">
+                <a16:creationId xmlns:a16="http://schemas.microsoft.com/office/drawing/2014/main" id="{76D426EE-57D8-4BEB-A4F1-6B3CCA5F2A13}"/>
+              </a:ext>
+            </a:extLst>
+          </p:cNvPr>
+          <p:cNvSpPr txBox="1"/>
+          <p:nvPr/>
+        </p:nvSpPr>
+        <p:spPr>
+          <a:xfrm>
+            <a:off x="9283700" y="2349500"/>
+            <a:ext cx="914400" cy="457200"/>
+          </a:xfrm>
+          <a:prstGeom prst="rect">
+            <a:avLst/>
+          </a:prstGeom>
+          <a:noFill/>
+        </p:spPr>
+        <p:txBody>
+          <a:bodyPr vertOverflow="overflow" vert="horz" wrap="square" rtlCol="0" anchor="ctr" anchorCtr="1">
+            <a:spAutoFit/>
+          </a:bodyPr>
+          <a:lstStyle/>
+          <a:p>
+            <a:pPr algn="ctr"/>
+            <a:r>
+              <a:rPr lang="en-IN" sz="2400">
+                <a:latin typeface="Montserrat ExtraBold"/>
+              </a:rPr>
+              <a:t>30%</a:t>
+            </a:r>
+          </a:p>
+        </p:txBody>
+      </p:sp>
+      <p:sp>
+        <p:nvSpPr>
+          <p:cNvPr id="9" name="TextBox 8">
+            <a:extLst>
+              <a:ext uri="{FF2B5EF4-FFF2-40B4-BE49-F238E27FC236}">
+                <a16:creationId xmlns:a16="http://schemas.microsoft.com/office/drawing/2014/main" id="{60185A68-781D-4F48-8B99-57B9DAF6E74E}"/>
+              </a:ext>
+            </a:extLst>
+          </p:cNvPr>
+          <p:cNvSpPr txBox="1"/>
+          <p:nvPr/>
+        </p:nvSpPr>
+        <p:spPr>
+          <a:xfrm>
+            <a:off x="3911600" y="2349500"/>
+            <a:ext cx="914400" cy="457200"/>
+          </a:xfrm>
+          <a:prstGeom prst="rect">
+            <a:avLst/>
+          </a:prstGeom>
+          <a:noFill/>
+        </p:spPr>
+        <p:txBody>
+          <a:bodyPr vertOverflow="overflow" vert="horz" wrap="square" rtlCol="0" anchor="ctr" anchorCtr="1">
+            <a:spAutoFit/>
+          </a:bodyPr>
+          <a:lstStyle/>
+          <a:p>
+            <a:pPr algn="ctr"/>
+            <a:r>
+              <a:rPr lang="en-IN" sz="2400">
+                <a:latin typeface="Montserrat ExtraBold"/>
+              </a:rPr>
+              <a:t>20%</a:t>
+            </a:r>
+          </a:p>
+        </p:txBody>
+      </p:sp>
+      <p:sp>
+        <p:nvSpPr>
+          <p:cNvPr id="10" name="TextBox 9">
+            <a:extLst>
+              <a:ext uri="{FF2B5EF4-FFF2-40B4-BE49-F238E27FC236}">
+                <a16:creationId xmlns:a16="http://schemas.microsoft.com/office/drawing/2014/main" id="{A4A653FB-9A1D-4B18-9C97-9F1965E713E8}"/>
+              </a:ext>
+            </a:extLst>
+          </p:cNvPr>
+          <p:cNvSpPr txBox="1"/>
+          <p:nvPr/>
+        </p:nvSpPr>
+        <p:spPr>
+          <a:xfrm>
+            <a:off x="6692900" y="2349500"/>
+            <a:ext cx="914400" cy="457200"/>
+          </a:xfrm>
+          <a:prstGeom prst="rect">
+            <a:avLst/>
+          </a:prstGeom>
+          <a:noFill/>
+        </p:spPr>
+        <p:txBody>
+          <a:bodyPr vertOverflow="overflow" vert="horz" wrap="square" rtlCol="0" anchor="ctr" anchorCtr="1">
+            <a:spAutoFit/>
+          </a:bodyPr>
+          <a:lstStyle/>
+          <a:p>
+            <a:pPr algn="ctr"/>
+            <a:r>
+              <a:rPr lang="en-IN" sz="2400">
+                <a:latin typeface="Montserrat ExtraBold"/>
+              </a:rPr>
+              <a:t>10%</a:t>
+            </a:r>
+          </a:p>
+        </p:txBody>
+      </p:sp>
+      <p:sp>
+        <p:nvSpPr>
+          <p:cNvPr id="11" name="TextBox 10">
+            <a:extLst>
+              <a:ext uri="{FF2B5EF4-FFF2-40B4-BE49-F238E27FC236}">
+                <a16:creationId xmlns:a16="http://schemas.microsoft.com/office/drawing/2014/main" id="{FCD1EFBA-62C9-4AD4-811E-BC7193FABEC7}"/>
+              </a:ext>
+            </a:extLst>
+          </p:cNvPr>
+          <p:cNvSpPr txBox="1"/>
+          <p:nvPr/>
+        </p:nvSpPr>
+        <p:spPr>
+          <a:xfrm>
+            <a:off x="571500" y="3530600"/>
+            <a:ext cx="2387600" cy="482600"/>
+          </a:xfrm>
+          <a:prstGeom prst="rect">
+            <a:avLst/>
+          </a:prstGeom>
+          <a:noFill/>
+        </p:spPr>
+        <p:txBody>
+          <a:bodyPr vertOverflow="overflow" vert="horz" wrap="square" rtlCol="0" anchor="b" anchorCtr="1">
+            <a:spAutoFit/>
+          </a:bodyPr>
+          <a:lstStyle/>
+          <a:p>
+            <a:pPr algn="ctr"/>
+            <a:r>
+              <a:rPr lang="en-IN" sz="1250" b="1"/>
+              <a:t>MANAGERS</a:t>
+            </a:r>
+          </a:p>
+        </p:txBody>
+      </p:sp>
+      <p:sp>
+        <p:nvSpPr>
+          <p:cNvPr id="12" name="TextBox 11">
+            <a:extLst>
+              <a:ext uri="{FF2B5EF4-FFF2-40B4-BE49-F238E27FC236}">
+                <a16:creationId xmlns:a16="http://schemas.microsoft.com/office/drawing/2014/main" id="{C4CBC463-A705-4683-9D8C-E97CF76E5A3D}"/>
+              </a:ext>
+            </a:extLst>
+          </p:cNvPr>
+          <p:cNvSpPr txBox="1"/>
+          <p:nvPr/>
+        </p:nvSpPr>
+        <p:spPr>
+          <a:xfrm>
+            <a:off x="571500" y="4127500"/>
+            <a:ext cx="2387600" cy="2400300"/>
+          </a:xfrm>
+          <a:prstGeom prst="rect">
+            <a:avLst/>
+          </a:prstGeom>
+          <a:noFill/>
+        </p:spPr>
+        <p:txBody>
+          <a:bodyPr vertOverflow="overflow" vert="horz" wrap="square" rtlCol="0" anchor="t">
+            <a:spAutoFit/>
+          </a:bodyPr>
+          <a:lstStyle/>
+          <a:p>
+            <a:pPr algn="ctr"/>
+            <a:r>
+              <a:rPr lang="en-US" sz="1200">
+                <a:latin typeface="Open Sans"/>
+                <a:ea typeface="Open Sans"/>
+                <a:cs typeface="Open Sans"/>
+              </a:rPr>
+              <a:t>Managers have a 40% capability to generate reports on task status.</a:t>
+            </a:r>
+            <a:endParaRPr lang="en-IN" sz="1200">
+              <a:latin typeface="Open Sans"/>
+              <a:ea typeface="Open Sans"/>
+              <a:cs typeface="Open Sans"/>
+            </a:endParaRPr>
+          </a:p>
+        </p:txBody>
+      </p:sp>
+      <p:sp>
+        <p:nvSpPr>
+          <p:cNvPr id="13" name="TextBox 12">
+            <a:extLst>
+              <a:ext uri="{FF2B5EF4-FFF2-40B4-BE49-F238E27FC236}">
+                <a16:creationId xmlns:a16="http://schemas.microsoft.com/office/drawing/2014/main" id="{BE6B32D9-163E-4DAD-8CCB-1B8217B15C00}"/>
+              </a:ext>
+            </a:extLst>
+          </p:cNvPr>
+          <p:cNvSpPr txBox="1"/>
+          <p:nvPr/>
+        </p:nvSpPr>
+        <p:spPr>
+          <a:xfrm>
+            <a:off x="8547100" y="3530600"/>
+            <a:ext cx="2387600" cy="482600"/>
+          </a:xfrm>
+          <a:prstGeom prst="rect">
+            <a:avLst/>
+          </a:prstGeom>
+          <a:noFill/>
+        </p:spPr>
+        <p:txBody>
+          <a:bodyPr vertOverflow="overflow" vert="horz" wrap="square" rtlCol="0" anchor="b" anchorCtr="1">
+            <a:spAutoFit/>
+          </a:bodyPr>
+          <a:lstStyle/>
+          <a:p>
+            <a:pPr algn="ctr"/>
+            <a:r>
+              <a:rPr lang="en-IN" sz="1250" b="1"/>
+              <a:t>HR</a:t>
+            </a:r>
+          </a:p>
+        </p:txBody>
+      </p:sp>
+      <p:sp>
+        <p:nvSpPr>
+          <p:cNvPr id="14" name="TextBox 13">
+            <a:extLst>
+              <a:ext uri="{FF2B5EF4-FFF2-40B4-BE49-F238E27FC236}">
+                <a16:creationId xmlns:a16="http://schemas.microsoft.com/office/drawing/2014/main" id="{40B34389-88A4-454B-8018-43B49EDE963C}"/>
+              </a:ext>
+            </a:extLst>
+          </p:cNvPr>
+          <p:cNvSpPr txBox="1"/>
+          <p:nvPr/>
+        </p:nvSpPr>
+        <p:spPr>
+          <a:xfrm>
+            <a:off x="8547100" y="4127500"/>
+            <a:ext cx="2387600" cy="2400300"/>
+          </a:xfrm>
+          <a:prstGeom prst="rect">
+            <a:avLst/>
+          </a:prstGeom>
+          <a:noFill/>
+        </p:spPr>
+        <p:txBody>
+          <a:bodyPr vertOverflow="overflow" vert="horz" wrap="square" rtlCol="0" anchor="t">
+            <a:spAutoFit/>
+          </a:bodyPr>
+          <a:lstStyle/>
+          <a:p>
+            <a:pPr algn="ctr"/>
+            <a:r>
+              <a:rPr lang="en-US" sz="1200">
+                <a:latin typeface="Open Sans"/>
+                <a:ea typeface="Open Sans"/>
+                <a:cs typeface="Open Sans"/>
+              </a:rPr>
+              <a:t>HR possesses a 30% capability for generating reports related to tasks.</a:t>
+            </a:r>
+            <a:endParaRPr lang="en-IN" sz="1200">
+              <a:latin typeface="Open Sans"/>
+              <a:ea typeface="Open Sans"/>
+              <a:cs typeface="Open Sans"/>
+            </a:endParaRPr>
+          </a:p>
+        </p:txBody>
+      </p:sp>
+      <p:sp>
+        <p:nvSpPr>
+          <p:cNvPr id="15" name="TextBox 14">
+            <a:extLst>
+              <a:ext uri="{FF2B5EF4-FFF2-40B4-BE49-F238E27FC236}">
+                <a16:creationId xmlns:a16="http://schemas.microsoft.com/office/drawing/2014/main" id="{DF0E5796-60BC-4AA7-ABEB-3C85E30B0A21}"/>
+              </a:ext>
+            </a:extLst>
+          </p:cNvPr>
+          <p:cNvSpPr txBox="1"/>
+          <p:nvPr/>
+        </p:nvSpPr>
+        <p:spPr>
+          <a:xfrm>
+            <a:off x="3187700" y="3530600"/>
+            <a:ext cx="2387600" cy="482600"/>
+          </a:xfrm>
+          <a:prstGeom prst="rect">
+            <a:avLst/>
+          </a:prstGeom>
+          <a:noFill/>
+        </p:spPr>
+        <p:txBody>
+          <a:bodyPr vertOverflow="overflow" vert="horz" wrap="square" rtlCol="0" anchor="b" anchorCtr="1">
+            <a:spAutoFit/>
+          </a:bodyPr>
+          <a:lstStyle/>
+          <a:p>
+            <a:pPr algn="ctr"/>
+            <a:r>
+              <a:rPr lang="en-IN" sz="1250" b="1"/>
+              <a:t>ADMINS</a:t>
+            </a:r>
+          </a:p>
+        </p:txBody>
+      </p:sp>
+      <p:sp>
+        <p:nvSpPr>
+          <p:cNvPr id="16" name="TextBox 15">
+            <a:extLst>
+              <a:ext uri="{FF2B5EF4-FFF2-40B4-BE49-F238E27FC236}">
+                <a16:creationId xmlns:a16="http://schemas.microsoft.com/office/drawing/2014/main" id="{C5A67E8B-2E98-40BC-9AE3-21FAAEC4E3B1}"/>
+              </a:ext>
+            </a:extLst>
+          </p:cNvPr>
+          <p:cNvSpPr txBox="1"/>
+          <p:nvPr/>
+        </p:nvSpPr>
+        <p:spPr>
+          <a:xfrm>
+            <a:off x="3187700" y="4127500"/>
+            <a:ext cx="2387600" cy="2400300"/>
+          </a:xfrm>
+          <a:prstGeom prst="rect">
+            <a:avLst/>
+          </a:prstGeom>
+          <a:noFill/>
+        </p:spPr>
+        <p:txBody>
+          <a:bodyPr vertOverflow="overflow" vert="horz" wrap="square" rtlCol="0" anchor="t">
+            <a:spAutoFit/>
+          </a:bodyPr>
+          <a:lstStyle/>
+          <a:p>
+            <a:pPr algn="ctr"/>
+            <a:r>
+              <a:rPr lang="en-US" sz="1200">
+                <a:latin typeface="Open Sans"/>
+                <a:ea typeface="Open Sans"/>
+                <a:cs typeface="Open Sans"/>
+              </a:rPr>
+              <a:t>Admins can generate 20% of reports on the task module.</a:t>
+            </a:r>
+            <a:endParaRPr lang="en-IN" sz="1200">
+              <a:latin typeface="Open Sans"/>
+              <a:ea typeface="Open Sans"/>
+              <a:cs typeface="Open Sans"/>
+            </a:endParaRPr>
+          </a:p>
+        </p:txBody>
+      </p:sp>
+      <p:sp>
+        <p:nvSpPr>
+          <p:cNvPr id="17" name="TextBox 16">
+            <a:extLst>
+              <a:ext uri="{FF2B5EF4-FFF2-40B4-BE49-F238E27FC236}">
+                <a16:creationId xmlns:a16="http://schemas.microsoft.com/office/drawing/2014/main" id="{CF8AF9BC-44C9-42D9-917B-64C27AB708FF}"/>
+              </a:ext>
+            </a:extLst>
+          </p:cNvPr>
+          <p:cNvSpPr txBox="1"/>
+          <p:nvPr/>
+        </p:nvSpPr>
+        <p:spPr>
+          <a:xfrm>
+            <a:off x="5969000" y="3517900"/>
+            <a:ext cx="2387600" cy="482600"/>
+          </a:xfrm>
+          <a:prstGeom prst="rect">
+            <a:avLst/>
+          </a:prstGeom>
+          <a:noFill/>
+        </p:spPr>
+        <p:txBody>
+          <a:bodyPr vertOverflow="overflow" vert="horz" wrap="square" rtlCol="0" anchor="b" anchorCtr="1">
+            <a:spAutoFit/>
+          </a:bodyPr>
+          <a:lstStyle/>
+          <a:p>
+            <a:pPr algn="ctr"/>
+            <a:r>
+              <a:rPr lang="en-IN" sz="1250" b="1"/>
+              <a:t>EMPLOYEES</a:t>
+            </a:r>
+          </a:p>
+        </p:txBody>
+      </p:sp>
+      <p:sp>
+        <p:nvSpPr>
+          <p:cNvPr id="18" name="TextBox 17">
+            <a:extLst>
+              <a:ext uri="{FF2B5EF4-FFF2-40B4-BE49-F238E27FC236}">
+                <a16:creationId xmlns:a16="http://schemas.microsoft.com/office/drawing/2014/main" id="{EE2039BF-DC98-406E-897A-7D3660A972FF}"/>
+              </a:ext>
+            </a:extLst>
+          </p:cNvPr>
+          <p:cNvSpPr txBox="1"/>
+          <p:nvPr/>
+        </p:nvSpPr>
+        <p:spPr>
+          <a:xfrm>
+            <a:off x="5969000" y="4127500"/>
+            <a:ext cx="2387600" cy="2400300"/>
+          </a:xfrm>
+          <a:prstGeom prst="rect">
+            <a:avLst/>
+          </a:prstGeom>
+          <a:noFill/>
+        </p:spPr>
+        <p:txBody>
+          <a:bodyPr vertOverflow="overflow" vert="horz" wrap="square" rtlCol="0" anchor="t">
+            <a:spAutoFit/>
+          </a:bodyPr>
+          <a:lstStyle/>
+          <a:p>
+            <a:pPr algn="ctr"/>
+            <a:r>
+              <a:rPr lang="en-US" sz="1200">
+                <a:latin typeface="Open Sans"/>
+                <a:ea typeface="Open Sans"/>
+                <a:cs typeface="Open Sans"/>
+              </a:rPr>
+              <a:t>Employees have a 10% capability to generate their own task reports.</a:t>
+            </a:r>
+            <a:endParaRPr lang="en-IN" sz="1200">
+              <a:latin typeface="Open Sans"/>
+              <a:ea typeface="Open Sans"/>
+              <a:cs typeface="Open Sans"/>
+            </a:endParaRPr>
+          </a:p>
+        </p:txBody>
+      </p:sp>
+    </p:spTree>
+    <p:extLst>
+      <p:ext uri="{BB962C8B-B14F-4D97-AF65-F5344CB8AC3E}">
+        <p14:creationId xmlns:p14="http://schemas.microsoft.com/office/powerpoint/2010/main" val="2410903245"/>
       </p:ext>
     </p:extLst>
   </p:cSld>
@@ -15146,7 +17173,7 @@
 </p:sld>
 </file>
 
-<file path=ppt/slides/slide4.xml><?xml version="1.0" encoding="utf-8"?>
+<file path=ppt/slides/slide23.xml><?xml version="1.0" encoding="utf-8"?>
 <p:sld xmlns:a="http://schemas.openxmlformats.org/drawingml/2006/main" xmlns:r="http://schemas.openxmlformats.org/officeDocument/2006/relationships" xmlns:p="http://schemas.openxmlformats.org/presentationml/2006/main">
   <p:cSld>
     <p:spTree>
@@ -15168,7 +17195,7 @@
           <p:cNvPr id="2" name="Title 1">
             <a:extLst>
               <a:ext uri="{FF2B5EF4-FFF2-40B4-BE49-F238E27FC236}">
-                <a16:creationId xmlns:a16="http://schemas.microsoft.com/office/drawing/2014/main" id="{26D6C292-0DEC-714E-0EEB-15AB6CA58E04}"/>
+                <a16:creationId xmlns:a16="http://schemas.microsoft.com/office/drawing/2014/main" id="{9502F54D-C339-ABDA-945B-6122CA9D5E33}"/>
               </a:ext>
             </a:extLst>
           </p:cNvPr>
@@ -15186,7 +17213,7 @@
           <a:p>
             <a:r>
               <a:rPr lang="en-IN"/>
-              <a:t>SYSTEM ARCHITECTURE</a:t>
+              <a:t>MODULE BENEFITS</a:t>
             </a:r>
           </a:p>
         </p:txBody>
@@ -15196,7 +17223,7 @@
           <p:cNvPr id="3" name="Footer Placeholder 2">
             <a:extLst>
               <a:ext uri="{FF2B5EF4-FFF2-40B4-BE49-F238E27FC236}">
-                <a16:creationId xmlns:a16="http://schemas.microsoft.com/office/drawing/2014/main" id="{37AA5A9C-131A-61D3-0D80-FBCDC925A7EF}"/>
+                <a16:creationId xmlns:a16="http://schemas.microsoft.com/office/drawing/2014/main" id="{B70F96D9-F65B-3BB1-CB23-283E60818483}"/>
               </a:ext>
             </a:extLst>
           </p:cNvPr>
@@ -15214,7 +17241,7 @@
           <a:p>
             <a:r>
               <a:rPr lang="en-ID"/>
-              <a:t>EMPLOYEE MANAGEMENT SYSTEM</a:t>
+              <a:t>TASK MODULE</a:t>
             </a:r>
             <a:endParaRPr lang="en-ID" dirty="0"/>
           </a:p>
@@ -15225,7 +17252,7 @@
           <p:cNvPr id="4" name="Slide Number Placeholder 3">
             <a:extLst>
               <a:ext uri="{FF2B5EF4-FFF2-40B4-BE49-F238E27FC236}">
-                <a16:creationId xmlns:a16="http://schemas.microsoft.com/office/drawing/2014/main" id="{5994E344-92E0-1AF5-7FD8-CFEA032F6C45}"/>
+                <a16:creationId xmlns:a16="http://schemas.microsoft.com/office/drawing/2014/main" id="{FE425E0B-7DEB-551F-AA67-58FA4EB580FA}"/>
               </a:ext>
             </a:extLst>
           </p:cNvPr>
@@ -15244,18 +17271,43 @@
             <a:fld id="{CF6F24BE-8BEB-403A-BDCC-38E201D0662D}" type="slidenum">
               <a:rPr lang="en-ID" smtClean="0"/>
               <a:pPr/>
-              <a:t>4</a:t>
+              <a:t>23</a:t>
             </a:fld>
-            <a:endParaRPr lang="en-ID"/>
-          </a:p>
-        </p:txBody>
-      </p:sp>
-      <p:sp>
-        <p:nvSpPr>
-          <p:cNvPr id="5" name="Text Placeholder 4">
-            <a:extLst>
-              <a:ext uri="{FF2B5EF4-FFF2-40B4-BE49-F238E27FC236}">
-                <a16:creationId xmlns:a16="http://schemas.microsoft.com/office/drawing/2014/main" id="{D9E071DB-8F4F-082C-F447-AD2920410BBC}"/>
+            <a:endParaRPr lang="en-ID" dirty="0"/>
+          </a:p>
+        </p:txBody>
+      </p:sp>
+      <p:pic>
+        <p:nvPicPr>
+          <p:cNvPr id="8" name="Picture Placeholder 7">
+            <a:extLst>
+              <a:ext uri="{FF2B5EF4-FFF2-40B4-BE49-F238E27FC236}">
+                <a16:creationId xmlns:a16="http://schemas.microsoft.com/office/drawing/2014/main" id="{16CE5348-DA69-41E7-0C5C-892D26B95726}"/>
+              </a:ext>
+            </a:extLst>
+          </p:cNvPr>
+          <p:cNvPicPr>
+            <a:picLocks noGrp="1" noChangeAspect="1"/>
+          </p:cNvPicPr>
+          <p:nvPr>
+            <p:ph type="pic" sz="quarter" idx="12"/>
+          </p:nvPr>
+        </p:nvPicPr>
+        <p:blipFill>
+          <a:blip r:embed="rId2"/>
+          <a:srcRect l="25981" r="25981"/>
+          <a:stretch>
+            <a:fillRect/>
+          </a:stretch>
+        </p:blipFill>
+        <p:spPr/>
+      </p:pic>
+      <p:sp>
+        <p:nvSpPr>
+          <p:cNvPr id="6" name="Text Placeholder 5">
+            <a:extLst>
+              <a:ext uri="{FF2B5EF4-FFF2-40B4-BE49-F238E27FC236}">
+                <a16:creationId xmlns:a16="http://schemas.microsoft.com/office/drawing/2014/main" id="{22191CB4-EF38-8CC2-6665-672291C945E4}"/>
               </a:ext>
             </a:extLst>
           </p:cNvPr>
@@ -15272,19 +17324,19 @@
           <a:lstStyle/>
           <a:p>
             <a:r>
-              <a:rPr lang="en-US" dirty="0"/>
-              <a:t>Handles the data representation of All Data Tables. It defines how employee information is structured with other  Tables</a:t>
+              <a:rPr lang="en-US"/>
+              <a:t>The Task Module enhances productivity and accountability by clearly defining roles, streamlining task assignments, and enabling comprehensive reporting.</a:t>
             </a:r>
-            <a:endParaRPr lang="en-IN" dirty="0"/>
-          </a:p>
-        </p:txBody>
-      </p:sp>
-      <p:sp>
-        <p:nvSpPr>
-          <p:cNvPr id="6" name="Text Placeholder 5">
-            <a:extLst>
-              <a:ext uri="{FF2B5EF4-FFF2-40B4-BE49-F238E27FC236}">
-                <a16:creationId xmlns:a16="http://schemas.microsoft.com/office/drawing/2014/main" id="{E7E7CB6A-0A52-AFF4-BCD3-B317F2843A89}"/>
+            <a:endParaRPr lang="en-IN"/>
+          </a:p>
+        </p:txBody>
+      </p:sp>
+      <p:sp>
+        <p:nvSpPr>
+          <p:cNvPr id="7" name="Text Placeholder 6">
+            <a:extLst>
+              <a:ext uri="{FF2B5EF4-FFF2-40B4-BE49-F238E27FC236}">
+                <a16:creationId xmlns:a16="http://schemas.microsoft.com/office/drawing/2014/main" id="{64DF5538-6BB5-8F9F-BA5D-FF9C7C57258F}"/>
               </a:ext>
             </a:extLst>
           </p:cNvPr>
@@ -15293,35 +17345,6 @@
           </p:cNvSpPr>
           <p:nvPr>
             <p:ph type="body" sz="quarter" idx="14"/>
-          </p:nvPr>
-        </p:nvSpPr>
-        <p:spPr/>
-        <p:txBody>
-          <a:bodyPr/>
-          <a:lstStyle/>
-          <a:p>
-            <a:r>
-              <a:rPr lang="en-US" dirty="0"/>
-              <a:t>Contains the core application logic and workflows. This layer processes commands from the user interface.</a:t>
-            </a:r>
-            <a:endParaRPr lang="en-IN" dirty="0"/>
-          </a:p>
-        </p:txBody>
-      </p:sp>
-      <p:sp>
-        <p:nvSpPr>
-          <p:cNvPr id="7" name="Text Placeholder 6">
-            <a:extLst>
-              <a:ext uri="{FF2B5EF4-FFF2-40B4-BE49-F238E27FC236}">
-                <a16:creationId xmlns:a16="http://schemas.microsoft.com/office/drawing/2014/main" id="{755D20FA-DD37-BED2-D480-315F19B66EBB}"/>
-              </a:ext>
-            </a:extLst>
-          </p:cNvPr>
-          <p:cNvSpPr>
-            <a:spLocks noGrp="1"/>
-          </p:cNvSpPr>
-          <p:nvPr>
-            <p:ph type="body" sz="quarter" idx="15"/>
           </p:nvPr>
         </p:nvSpPr>
         <p:spPr/>
@@ -15331,122 +17354,82 @@
           <a:p>
             <a:r>
               <a:rPr lang="en-IN"/>
-              <a:t>MODEL LAYER</a:t>
+              <a:t>ORGANIZATIONAL EFFICIENCY</a:t>
             </a:r>
           </a:p>
         </p:txBody>
       </p:sp>
       <p:sp>
         <p:nvSpPr>
-          <p:cNvPr id="8" name="Text Placeholder 7">
-            <a:extLst>
-              <a:ext uri="{FF2B5EF4-FFF2-40B4-BE49-F238E27FC236}">
-                <a16:creationId xmlns:a16="http://schemas.microsoft.com/office/drawing/2014/main" id="{F9E8B213-000A-A081-A0BC-FDAA5A375561}"/>
-              </a:ext>
-            </a:extLst>
-          </p:cNvPr>
-          <p:cNvSpPr>
-            <a:spLocks noGrp="1"/>
-          </p:cNvSpPr>
-          <p:nvPr>
-            <p:ph type="body" sz="quarter" idx="16"/>
-          </p:nvPr>
-        </p:nvSpPr>
-        <p:spPr/>
-        <p:txBody>
-          <a:bodyPr/>
-          <a:lstStyle/>
-          <a:p>
-            <a:r>
-              <a:rPr lang="en-IN" dirty="0"/>
-              <a:t> LOGIC LAYER</a:t>
-            </a:r>
-          </a:p>
-        </p:txBody>
-      </p:sp>
-      <p:sp>
-        <p:nvSpPr>
-          <p:cNvPr id="9" name="Text Placeholder 8">
-            <a:extLst>
-              <a:ext uri="{FF2B5EF4-FFF2-40B4-BE49-F238E27FC236}">
-                <a16:creationId xmlns:a16="http://schemas.microsoft.com/office/drawing/2014/main" id="{8713B230-5355-C726-4B19-0E3A8A81B8BA}"/>
-              </a:ext>
-            </a:extLst>
-          </p:cNvPr>
-          <p:cNvSpPr>
-            <a:spLocks noGrp="1"/>
-          </p:cNvSpPr>
-          <p:nvPr>
-            <p:ph type="body" sz="quarter" idx="17"/>
-          </p:nvPr>
-        </p:nvSpPr>
-        <p:spPr/>
-        <p:txBody>
-          <a:bodyPr/>
-          <a:lstStyle/>
-          <a:p>
-            <a:r>
-              <a:rPr lang="en-US" dirty="0"/>
-              <a:t>Manages interactions with the SQL Server database. It uses Entity Framework Core for data operations.</a:t>
-            </a:r>
-            <a:endParaRPr lang="en-IN" dirty="0"/>
-          </a:p>
-        </p:txBody>
-      </p:sp>
-      <p:sp>
-        <p:nvSpPr>
-          <p:cNvPr id="10" name="Text Placeholder 9">
-            <a:extLst>
-              <a:ext uri="{FF2B5EF4-FFF2-40B4-BE49-F238E27FC236}">
-                <a16:creationId xmlns:a16="http://schemas.microsoft.com/office/drawing/2014/main" id="{AA2E58A0-18F4-3214-61F6-03297E09922F}"/>
-              </a:ext>
-            </a:extLst>
-          </p:cNvPr>
-          <p:cNvSpPr>
-            <a:spLocks noGrp="1"/>
-          </p:cNvSpPr>
-          <p:nvPr>
-            <p:ph type="body" sz="quarter" idx="18"/>
-          </p:nvPr>
-        </p:nvSpPr>
-        <p:spPr/>
-        <p:txBody>
-          <a:bodyPr/>
-          <a:lstStyle/>
-          <a:p>
-            <a:r>
-              <a:rPr lang="en-IN"/>
-              <a:t>DATA ACCESS LAYER</a:t>
-            </a:r>
+          <p:cNvPr id="9" name="Rectangle 8">
+            <a:extLst>
+              <a:ext uri="{FF2B5EF4-FFF2-40B4-BE49-F238E27FC236}">
+                <a16:creationId xmlns:a16="http://schemas.microsoft.com/office/drawing/2014/main" id="{85D7FB95-C2DF-89EE-8E6E-0DC16DFB89C3}"/>
+              </a:ext>
+            </a:extLst>
+          </p:cNvPr>
+          <p:cNvSpPr/>
+          <p:nvPr/>
+        </p:nvSpPr>
+        <p:spPr>
+          <a:xfrm>
+            <a:off x="9025467" y="6460067"/>
+            <a:ext cx="2429933" cy="365125"/>
+          </a:xfrm>
+          <a:prstGeom prst="rect">
+            <a:avLst/>
+          </a:prstGeom>
+          <a:solidFill>
+            <a:schemeClr val="bg1"/>
+          </a:solidFill>
+          <a:ln>
+            <a:solidFill>
+              <a:schemeClr val="bg1"/>
+            </a:solidFill>
+          </a:ln>
+        </p:spPr>
+        <p:style>
+          <a:lnRef idx="2">
+            <a:schemeClr val="accent1">
+              <a:shade val="15000"/>
+            </a:schemeClr>
+          </a:lnRef>
+          <a:fillRef idx="1">
+            <a:schemeClr val="accent1"/>
+          </a:fillRef>
+          <a:effectRef idx="0">
+            <a:schemeClr val="accent1"/>
+          </a:effectRef>
+          <a:fontRef idx="minor">
+            <a:schemeClr val="lt1"/>
+          </a:fontRef>
+        </p:style>
+        <p:txBody>
+          <a:bodyPr rtlCol="0" anchor="ctr"/>
+          <a:lstStyle/>
+          <a:p>
+            <a:pPr algn="ctr"/>
+            <a:endParaRPr lang="en-IN"/>
           </a:p>
         </p:txBody>
       </p:sp>
     </p:spTree>
     <p:extLst>
       <p:ext uri="{BB962C8B-B14F-4D97-AF65-F5344CB8AC3E}">
-        <p14:creationId xmlns:p14="http://schemas.microsoft.com/office/powerpoint/2010/main" val="3238500781"/>
+        <p14:creationId xmlns:p14="http://schemas.microsoft.com/office/powerpoint/2010/main" val="1345814236"/>
       </p:ext>
     </p:extLst>
   </p:cSld>
   <p:clrMapOvr>
     <a:masterClrMapping/>
   </p:clrMapOvr>
-  <mc:AlternateContent xmlns:mc="http://schemas.openxmlformats.org/markup-compatibility/2006">
-    <mc:Choice xmlns:p14="http://schemas.microsoft.com/office/powerpoint/2010/main" Requires="p14">
-      <p:transition spd="slow" p14:dur="3400">
-        <p14:reveal/>
-      </p:transition>
-    </mc:Choice>
-    <mc:Fallback>
-      <p:transition spd="slow">
-        <p:fade/>
-      </p:transition>
-    </mc:Fallback>
-  </mc:AlternateContent>
+  <p:transition spd="slow">
+    <p:push dir="u"/>
+  </p:transition>
 </p:sld>
 </file>
 
-<file path=ppt/slides/slide5.xml><?xml version="1.0" encoding="utf-8"?>
+<file path=ppt/slides/slide24.xml><?xml version="1.0" encoding="utf-8"?>
 <p:sld xmlns:a="http://schemas.openxmlformats.org/drawingml/2006/main" xmlns:r="http://schemas.openxmlformats.org/officeDocument/2006/relationships" xmlns:p="http://schemas.openxmlformats.org/presentationml/2006/main">
   <p:cSld>
     <p:spTree>
@@ -15468,7 +17451,7 @@
           <p:cNvPr id="2" name="Title 1">
             <a:extLst>
               <a:ext uri="{FF2B5EF4-FFF2-40B4-BE49-F238E27FC236}">
-                <a16:creationId xmlns:a16="http://schemas.microsoft.com/office/drawing/2014/main" id="{72DD4EC0-91EF-609E-7E01-CBAA9D7433B9}"/>
+                <a16:creationId xmlns:a16="http://schemas.microsoft.com/office/drawing/2014/main" id="{859AE4FE-EF6E-8590-C3E3-A9790738EBE0}"/>
               </a:ext>
             </a:extLst>
           </p:cNvPr>
@@ -15479,14 +17462,19 @@
             <p:ph type="title"/>
           </p:nvPr>
         </p:nvSpPr>
-        <p:spPr/>
+        <p:spPr>
+          <a:xfrm>
+            <a:off x="677333" y="570115"/>
+            <a:ext cx="3245313" cy="5725248"/>
+          </a:xfrm>
+        </p:spPr>
         <p:txBody>
           <a:bodyPr/>
           <a:lstStyle/>
           <a:p>
             <a:r>
-              <a:rPr lang="en-IN"/>
-              <a:t>KEY FEATURES</a:t>
+              <a:rPr lang="en-IN" dirty="0"/>
+              <a:t>FUTURE ENHANCEMENTS</a:t>
             </a:r>
           </a:p>
         </p:txBody>
@@ -15496,7 +17484,7 @@
           <p:cNvPr id="3" name="Footer Placeholder 2">
             <a:extLst>
               <a:ext uri="{FF2B5EF4-FFF2-40B4-BE49-F238E27FC236}">
-                <a16:creationId xmlns:a16="http://schemas.microsoft.com/office/drawing/2014/main" id="{4AA59062-BBF0-9BA8-8B90-98EEBB3B536C}"/>
+                <a16:creationId xmlns:a16="http://schemas.microsoft.com/office/drawing/2014/main" id="{70CCE845-F0BE-8B16-A163-D61AAB25866E}"/>
               </a:ext>
             </a:extLst>
           </p:cNvPr>
@@ -15525,7 +17513,7 @@
           <p:cNvPr id="4" name="Slide Number Placeholder 3">
             <a:extLst>
               <a:ext uri="{FF2B5EF4-FFF2-40B4-BE49-F238E27FC236}">
-                <a16:creationId xmlns:a16="http://schemas.microsoft.com/office/drawing/2014/main" id="{D4E5E959-C367-7C53-C5E5-A311EAB25BF6}"/>
+                <a16:creationId xmlns:a16="http://schemas.microsoft.com/office/drawing/2014/main" id="{AC01BE7A-FBC5-7317-B223-B9508023BBDB}"/>
               </a:ext>
             </a:extLst>
           </p:cNvPr>
@@ -15544,18 +17532,43 @@
             <a:fld id="{CF6F24BE-8BEB-403A-BDCC-38E201D0662D}" type="slidenum">
               <a:rPr lang="en-ID" smtClean="0"/>
               <a:pPr/>
-              <a:t>5</a:t>
+              <a:t>24</a:t>
             </a:fld>
-            <a:endParaRPr lang="en-ID"/>
-          </a:p>
-        </p:txBody>
-      </p:sp>
-      <p:sp>
-        <p:nvSpPr>
-          <p:cNvPr id="5" name="Text Placeholder 4">
-            <a:extLst>
-              <a:ext uri="{FF2B5EF4-FFF2-40B4-BE49-F238E27FC236}">
-                <a16:creationId xmlns:a16="http://schemas.microsoft.com/office/drawing/2014/main" id="{B7A38A1A-E1BB-8E14-FE1C-3427B1B74537}"/>
+            <a:endParaRPr lang="en-ID" dirty="0"/>
+          </a:p>
+        </p:txBody>
+      </p:sp>
+      <p:pic>
+        <p:nvPicPr>
+          <p:cNvPr id="8" name="Picture Placeholder 7">
+            <a:extLst>
+              <a:ext uri="{FF2B5EF4-FFF2-40B4-BE49-F238E27FC236}">
+                <a16:creationId xmlns:a16="http://schemas.microsoft.com/office/drawing/2014/main" id="{646EF9E2-54F9-E6F5-B0C9-095E4BC0E012}"/>
+              </a:ext>
+            </a:extLst>
+          </p:cNvPr>
+          <p:cNvPicPr>
+            <a:picLocks noGrp="1" noChangeAspect="1"/>
+          </p:cNvPicPr>
+          <p:nvPr>
+            <p:ph type="pic" sz="quarter" idx="12"/>
+          </p:nvPr>
+        </p:nvPicPr>
+        <p:blipFill>
+          <a:blip r:embed="rId2"/>
+          <a:srcRect l="37633" r="37633"/>
+          <a:stretch>
+            <a:fillRect/>
+          </a:stretch>
+        </p:blipFill>
+        <p:spPr/>
+      </p:pic>
+      <p:sp>
+        <p:nvSpPr>
+          <p:cNvPr id="6" name="Text Placeholder 5">
+            <a:extLst>
+              <a:ext uri="{FF2B5EF4-FFF2-40B4-BE49-F238E27FC236}">
+                <a16:creationId xmlns:a16="http://schemas.microsoft.com/office/drawing/2014/main" id="{82D73621-5D14-EC42-4AF0-20E36D5BED97}"/>
               </a:ext>
             </a:extLst>
           </p:cNvPr>
@@ -15571,20 +17584,74 @@
           <a:bodyPr/>
           <a:lstStyle/>
           <a:p>
+            <a:pPr marL="171450" indent="-171450">
+              <a:buFont typeface="Arial" panose="020B0604020202020204" pitchFamily="34" charset="0"/>
+              <a:buChar char="•"/>
+            </a:pPr>
             <a:r>
-              <a:rPr lang="en-US"/>
-              <a:t>Our system allows complete management of employee records. Users can add, update, view, and delete employee information seamlessly.</a:t>
+              <a:rPr lang="en-US" dirty="0"/>
+              <a:t>Enhancements include role-based access control for security, </a:t>
             </a:r>
-            <a:endParaRPr lang="en-IN"/>
-          </a:p>
-        </p:txBody>
-      </p:sp>
-      <p:sp>
-        <p:nvSpPr>
-          <p:cNvPr id="6" name="Text Placeholder 5">
-            <a:extLst>
-              <a:ext uri="{FF2B5EF4-FFF2-40B4-BE49-F238E27FC236}">
-                <a16:creationId xmlns:a16="http://schemas.microsoft.com/office/drawing/2014/main" id="{C58ECB54-27AC-74A3-EEC3-6790A779E250}"/>
+          </a:p>
+          <a:p>
+            <a:pPr marL="171450" indent="-171450">
+              <a:buFont typeface="Arial" panose="020B0604020202020204" pitchFamily="34" charset="0"/>
+              <a:buChar char="•"/>
+            </a:pPr>
+            <a:r>
+              <a:rPr lang="en-US" dirty="0"/>
+              <a:t>cloud service integration,</a:t>
+            </a:r>
+          </a:p>
+          <a:p>
+            <a:pPr marL="171450" indent="-171450">
+              <a:buFont typeface="Arial" panose="020B0604020202020204" pitchFamily="34" charset="0"/>
+              <a:buChar char="•"/>
+            </a:pPr>
+            <a:r>
+              <a:rPr lang="en-US" dirty="0"/>
+              <a:t> and advanced analytics for better insights.</a:t>
+            </a:r>
+          </a:p>
+          <a:p>
+            <a:pPr marL="171450" indent="-171450">
+              <a:buFont typeface="Arial" panose="020B0604020202020204" pitchFamily="34" charset="0"/>
+              <a:buChar char="•"/>
+            </a:pPr>
+            <a:r>
+              <a:rPr lang="en-US" dirty="0"/>
+              <a:t>Migrate Console Application to Web Application using ASP.NET and MVC</a:t>
+            </a:r>
+          </a:p>
+          <a:p>
+            <a:pPr marL="171450" indent="-171450">
+              <a:buFont typeface="Arial" panose="020B0604020202020204" pitchFamily="34" charset="0"/>
+              <a:buChar char="•"/>
+            </a:pPr>
+            <a:r>
+              <a:rPr lang="en-US" dirty="0"/>
+              <a:t>Use WEB API for Notifications On Contact Numbers</a:t>
+            </a:r>
+          </a:p>
+          <a:p>
+            <a:pPr marL="171450" indent="-171450">
+              <a:buFont typeface="Arial" panose="020B0604020202020204" pitchFamily="34" charset="0"/>
+              <a:buChar char="•"/>
+            </a:pPr>
+            <a:r>
+              <a:rPr lang="en-US" dirty="0"/>
+              <a:t> Additional features like attendance tracking, Leave Management will be added.</a:t>
+            </a:r>
+            <a:endParaRPr lang="en-IN" dirty="0"/>
+          </a:p>
+        </p:txBody>
+      </p:sp>
+      <p:sp>
+        <p:nvSpPr>
+          <p:cNvPr id="7" name="Text Placeholder 6">
+            <a:extLst>
+              <a:ext uri="{FF2B5EF4-FFF2-40B4-BE49-F238E27FC236}">
+                <a16:creationId xmlns:a16="http://schemas.microsoft.com/office/drawing/2014/main" id="{C5BE18E7-6B4D-9616-426A-CC9C632B286C}"/>
               </a:ext>
             </a:extLst>
           </p:cNvPr>
@@ -15593,35 +17660,6 @@
           </p:cNvSpPr>
           <p:nvPr>
             <p:ph type="body" sz="quarter" idx="14"/>
-          </p:nvPr>
-        </p:nvSpPr>
-        <p:spPr/>
-        <p:txBody>
-          <a:bodyPr/>
-          <a:lstStyle/>
-          <a:p>
-            <a:r>
-              <a:rPr lang="en-US"/>
-              <a:t>The system sends automated emails for important events. Notifications include password recovery links and alerts for new hires.</a:t>
-            </a:r>
-            <a:endParaRPr lang="en-IN"/>
-          </a:p>
-        </p:txBody>
-      </p:sp>
-      <p:sp>
-        <p:nvSpPr>
-          <p:cNvPr id="7" name="Text Placeholder 6">
-            <a:extLst>
-              <a:ext uri="{FF2B5EF4-FFF2-40B4-BE49-F238E27FC236}">
-                <a16:creationId xmlns:a16="http://schemas.microsoft.com/office/drawing/2014/main" id="{B579805D-6928-5D44-D624-0EF81F34B083}"/>
-              </a:ext>
-            </a:extLst>
-          </p:cNvPr>
-          <p:cNvSpPr>
-            <a:spLocks noGrp="1"/>
-          </p:cNvSpPr>
-          <p:nvPr>
-            <p:ph type="body" sz="quarter" idx="15"/>
           </p:nvPr>
         </p:nvSpPr>
         <p:spPr/>
@@ -15631,100 +17669,69 @@
           <a:p>
             <a:r>
               <a:rPr lang="en-IN"/>
-              <a:t>CRUD OPERATIONS</a:t>
+              <a:t>PLANNED IMPROVEMENTS</a:t>
             </a:r>
           </a:p>
         </p:txBody>
       </p:sp>
       <p:sp>
         <p:nvSpPr>
-          <p:cNvPr id="8" name="Text Placeholder 7">
-            <a:extLst>
-              <a:ext uri="{FF2B5EF4-FFF2-40B4-BE49-F238E27FC236}">
-                <a16:creationId xmlns:a16="http://schemas.microsoft.com/office/drawing/2014/main" id="{C340BBF0-F85D-2242-4D22-9FA9D40A537A}"/>
-              </a:ext>
-            </a:extLst>
-          </p:cNvPr>
-          <p:cNvSpPr>
-            <a:spLocks noGrp="1"/>
-          </p:cNvSpPr>
-          <p:nvPr>
-            <p:ph type="body" sz="quarter" idx="16"/>
-          </p:nvPr>
-        </p:nvSpPr>
-        <p:spPr/>
-        <p:txBody>
-          <a:bodyPr/>
-          <a:lstStyle/>
-          <a:p>
-            <a:r>
-              <a:rPr lang="en-IN"/>
-              <a:t>EMAIL NOTIFICATIONS</a:t>
-            </a:r>
-          </a:p>
-        </p:txBody>
-      </p:sp>
-      <p:sp>
-        <p:nvSpPr>
-          <p:cNvPr id="9" name="Text Placeholder 8">
-            <a:extLst>
-              <a:ext uri="{FF2B5EF4-FFF2-40B4-BE49-F238E27FC236}">
-                <a16:creationId xmlns:a16="http://schemas.microsoft.com/office/drawing/2014/main" id="{035D19FC-051F-5BC1-2303-6BE2C881664F}"/>
-              </a:ext>
-            </a:extLst>
-          </p:cNvPr>
-          <p:cNvSpPr>
-            <a:spLocks noGrp="1"/>
-          </p:cNvSpPr>
-          <p:nvPr>
-            <p:ph type="body" sz="quarter" idx="17"/>
-          </p:nvPr>
-        </p:nvSpPr>
-        <p:spPr/>
-        <p:txBody>
-          <a:bodyPr/>
-          <a:lstStyle/>
-          <a:p>
-            <a:r>
-              <a:rPr lang="en-US"/>
-              <a:t>Different roles access customized dashboards. Admins, managers, HR, and employees have unique views tailored to their functions.</a:t>
-            </a:r>
+          <p:cNvPr id="5" name="Rectangle 4">
+            <a:extLst>
+              <a:ext uri="{FF2B5EF4-FFF2-40B4-BE49-F238E27FC236}">
+                <a16:creationId xmlns:a16="http://schemas.microsoft.com/office/drawing/2014/main" id="{467EBCAF-9788-04DD-1256-3CB28CCCF222}"/>
+              </a:ext>
+            </a:extLst>
+          </p:cNvPr>
+          <p:cNvSpPr/>
+          <p:nvPr/>
+        </p:nvSpPr>
+        <p:spPr>
+          <a:xfrm>
+            <a:off x="9050867" y="6485467"/>
+            <a:ext cx="2294466" cy="365125"/>
+          </a:xfrm>
+          <a:prstGeom prst="rect">
+            <a:avLst/>
+          </a:prstGeom>
+          <a:solidFill>
+            <a:schemeClr val="bg1"/>
+          </a:solidFill>
+          <a:ln>
+            <a:solidFill>
+              <a:schemeClr val="bg1"/>
+            </a:solidFill>
+          </a:ln>
+        </p:spPr>
+        <p:style>
+          <a:lnRef idx="2">
+            <a:schemeClr val="accent1">
+              <a:shade val="15000"/>
+            </a:schemeClr>
+          </a:lnRef>
+          <a:fillRef idx="1">
+            <a:schemeClr val="accent1"/>
+          </a:fillRef>
+          <a:effectRef idx="0">
+            <a:schemeClr val="accent1"/>
+          </a:effectRef>
+          <a:fontRef idx="minor">
+            <a:schemeClr val="lt1"/>
+          </a:fontRef>
+        </p:style>
+        <p:txBody>
+          <a:bodyPr rtlCol="0" anchor="ctr"/>
+          <a:lstStyle/>
+          <a:p>
+            <a:pPr algn="ctr"/>
             <a:endParaRPr lang="en-IN"/>
-          </a:p>
-        </p:txBody>
-      </p:sp>
-      <p:sp>
-        <p:nvSpPr>
-          <p:cNvPr id="10" name="Text Placeholder 9">
-            <a:extLst>
-              <a:ext uri="{FF2B5EF4-FFF2-40B4-BE49-F238E27FC236}">
-                <a16:creationId xmlns:a16="http://schemas.microsoft.com/office/drawing/2014/main" id="{04BE4AF8-17B8-37C2-81C9-A7105599ECE3}"/>
-              </a:ext>
-            </a:extLst>
-          </p:cNvPr>
-          <p:cNvSpPr>
-            <a:spLocks noGrp="1"/>
-          </p:cNvSpPr>
-          <p:nvPr>
-            <p:ph type="body" sz="quarter" idx="18"/>
-          </p:nvPr>
-        </p:nvSpPr>
-        <p:spPr/>
-        <p:txBody>
-          <a:bodyPr/>
-          <a:lstStyle/>
-          <a:p>
-            <a:r>
-              <a:rPr lang="en-IN"/>
-              <a:t>ROLE-BASED DASHBOARDS</a:t>
-            </a:r>
           </a:p>
         </p:txBody>
       </p:sp>
     </p:spTree>
     <p:extLst>
       <p:ext uri="{BB962C8B-B14F-4D97-AF65-F5344CB8AC3E}">
-        <p14:creationId xmlns:p14="http://schemas.microsoft.com/office/powerpoint/2010/main" val="191083652"/>
+        <p14:creationId xmlns:p14="http://schemas.microsoft.com/office/powerpoint/2010/main" val="443294200"/>
       </p:ext>
     </p:extLst>
   </p:cSld>
@@ -15737,7 +17744,7 @@
 </p:sld>
 </file>
 
-<file path=ppt/slides/slide6.xml><?xml version="1.0" encoding="utf-8"?>
+<file path=ppt/slides/slide25.xml><?xml version="1.0" encoding="utf-8"?>
 <p:sld xmlns:a="http://schemas.openxmlformats.org/drawingml/2006/main" xmlns:r="http://schemas.openxmlformats.org/officeDocument/2006/relationships" xmlns:p="http://schemas.openxmlformats.org/presentationml/2006/main">
   <p:cSld>
     <p:spTree>
@@ -15759,7 +17766,7 @@
           <p:cNvPr id="2" name="Title 1">
             <a:extLst>
               <a:ext uri="{FF2B5EF4-FFF2-40B4-BE49-F238E27FC236}">
-                <a16:creationId xmlns:a16="http://schemas.microsoft.com/office/drawing/2014/main" id="{73B59719-A134-3EA9-2E72-C76B3F6E9147}"/>
+                <a16:creationId xmlns:a16="http://schemas.microsoft.com/office/drawing/2014/main" id="{2F2A984A-6704-D604-CAFA-AA34DE96ECCA}"/>
               </a:ext>
             </a:extLst>
           </p:cNvPr>
@@ -15777,7 +17784,7 @@
           <a:p>
             <a:r>
               <a:rPr lang="en-IN"/>
-              <a:t>SECURITY FEATURES</a:t>
+              <a:t>CONCLUSION</a:t>
             </a:r>
           </a:p>
         </p:txBody>
@@ -15787,7 +17794,7 @@
           <p:cNvPr id="3" name="Footer Placeholder 2">
             <a:extLst>
               <a:ext uri="{FF2B5EF4-FFF2-40B4-BE49-F238E27FC236}">
-                <a16:creationId xmlns:a16="http://schemas.microsoft.com/office/drawing/2014/main" id="{D15265EA-B5A9-1E4B-458A-06E7CA7C7692}"/>
+                <a16:creationId xmlns:a16="http://schemas.microsoft.com/office/drawing/2014/main" id="{A6B2144B-B1F0-7007-87A7-0F770E6CFB1D}"/>
               </a:ext>
             </a:extLst>
           </p:cNvPr>
@@ -15816,7 +17823,7 @@
           <p:cNvPr id="4" name="Slide Number Placeholder 3">
             <a:extLst>
               <a:ext uri="{FF2B5EF4-FFF2-40B4-BE49-F238E27FC236}">
-                <a16:creationId xmlns:a16="http://schemas.microsoft.com/office/drawing/2014/main" id="{0DFD0025-7568-27DA-34F2-BF180B2FEE23}"/>
+                <a16:creationId xmlns:a16="http://schemas.microsoft.com/office/drawing/2014/main" id="{A7936A61-D2B9-5BAA-137D-7FB881529512}"/>
               </a:ext>
             </a:extLst>
           </p:cNvPr>
@@ -15835,18 +17842,43 @@
             <a:fld id="{CF6F24BE-8BEB-403A-BDCC-38E201D0662D}" type="slidenum">
               <a:rPr lang="en-ID" smtClean="0"/>
               <a:pPr/>
-              <a:t>6</a:t>
+              <a:t>25</a:t>
             </a:fld>
-            <a:endParaRPr lang="en-ID"/>
-          </a:p>
-        </p:txBody>
-      </p:sp>
-      <p:sp>
-        <p:nvSpPr>
-          <p:cNvPr id="5" name="Text Placeholder 4">
-            <a:extLst>
-              <a:ext uri="{FF2B5EF4-FFF2-40B4-BE49-F238E27FC236}">
-                <a16:creationId xmlns:a16="http://schemas.microsoft.com/office/drawing/2014/main" id="{12C9B01F-6CE8-D2AE-7202-507E13A53335}"/>
+            <a:endParaRPr lang="en-ID" dirty="0"/>
+          </a:p>
+        </p:txBody>
+      </p:sp>
+      <p:pic>
+        <p:nvPicPr>
+          <p:cNvPr id="8" name="Picture Placeholder 7">
+            <a:extLst>
+              <a:ext uri="{FF2B5EF4-FFF2-40B4-BE49-F238E27FC236}">
+                <a16:creationId xmlns:a16="http://schemas.microsoft.com/office/drawing/2014/main" id="{14988127-B402-D0D4-B497-0DA5708EA4BF}"/>
+              </a:ext>
+            </a:extLst>
+          </p:cNvPr>
+          <p:cNvPicPr>
+            <a:picLocks noGrp="1" noChangeAspect="1"/>
+          </p:cNvPicPr>
+          <p:nvPr>
+            <p:ph type="pic" sz="quarter" idx="12"/>
+          </p:nvPr>
+        </p:nvPicPr>
+        <p:blipFill>
+          <a:blip r:embed="rId2"/>
+          <a:srcRect l="37633" r="37633"/>
+          <a:stretch>
+            <a:fillRect/>
+          </a:stretch>
+        </p:blipFill>
+        <p:spPr/>
+      </p:pic>
+      <p:sp>
+        <p:nvSpPr>
+          <p:cNvPr id="6" name="Text Placeholder 5">
+            <a:extLst>
+              <a:ext uri="{FF2B5EF4-FFF2-40B4-BE49-F238E27FC236}">
+                <a16:creationId xmlns:a16="http://schemas.microsoft.com/office/drawing/2014/main" id="{728E4BF0-6434-CC1A-A197-1DAAB4DBEFC2}"/>
               </a:ext>
             </a:extLst>
           </p:cNvPr>
@@ -15864,7 +17896,7 @@
           <a:p>
             <a:r>
               <a:rPr lang="en-US"/>
-              <a:t>The system ensures strong password policies to protect user accounts from unauthorized access. It encourages combining letters, numbers, and symbols.</a:t>
+              <a:t>The Employee Management System simplifies record handling through features like CRUD operations and robust security. Email notifications streamline communication, while role-based dashboards enhance user access. Ultimately, it boosts workplace efficiency.</a:t>
             </a:r>
             <a:endParaRPr lang="en-IN"/>
           </a:p>
@@ -15872,10 +17904,10 @@
       </p:sp>
       <p:sp>
         <p:nvSpPr>
-          <p:cNvPr id="6" name="Text Placeholder 5">
-            <a:extLst>
-              <a:ext uri="{FF2B5EF4-FFF2-40B4-BE49-F238E27FC236}">
-                <a16:creationId xmlns:a16="http://schemas.microsoft.com/office/drawing/2014/main" id="{3BE6785C-9B04-883C-C9F9-35E321409EF4}"/>
+          <p:cNvPr id="7" name="Text Placeholder 6">
+            <a:extLst>
+              <a:ext uri="{FF2B5EF4-FFF2-40B4-BE49-F238E27FC236}">
+                <a16:creationId xmlns:a16="http://schemas.microsoft.com/office/drawing/2014/main" id="{E8499DD8-3891-7326-4305-E7A3088C4F06}"/>
               </a:ext>
             </a:extLst>
           </p:cNvPr>
@@ -15884,35 +17916,6 @@
           </p:cNvSpPr>
           <p:nvPr>
             <p:ph type="body" sz="quarter" idx="14"/>
-          </p:nvPr>
-        </p:nvSpPr>
-        <p:spPr/>
-        <p:txBody>
-          <a:bodyPr/>
-          <a:lstStyle/>
-          <a:p>
-            <a:r>
-              <a:rPr lang="en-US"/>
-              <a:t>All passwords are hashed before storage, enhancing security. This means even if data is compromised, actual passwords remain protected.</a:t>
-            </a:r>
-            <a:endParaRPr lang="en-IN"/>
-          </a:p>
-        </p:txBody>
-      </p:sp>
-      <p:sp>
-        <p:nvSpPr>
-          <p:cNvPr id="7" name="Text Placeholder 6">
-            <a:extLst>
-              <a:ext uri="{FF2B5EF4-FFF2-40B4-BE49-F238E27FC236}">
-                <a16:creationId xmlns:a16="http://schemas.microsoft.com/office/drawing/2014/main" id="{2D9D2683-41FF-8B5C-0831-51A87996C35E}"/>
-              </a:ext>
-            </a:extLst>
-          </p:cNvPr>
-          <p:cNvSpPr>
-            <a:spLocks noGrp="1"/>
-          </p:cNvSpPr>
-          <p:nvPr>
-            <p:ph type="body" sz="quarter" idx="15"/>
           </p:nvPr>
         </p:nvSpPr>
         <p:spPr/>
@@ -15922,100 +17925,69 @@
           <a:p>
             <a:r>
               <a:rPr lang="en-IN"/>
-              <a:t>PASSWORD VALIDATION</a:t>
+              <a:t>RECAP OF MAIN POINTS</a:t>
             </a:r>
           </a:p>
         </p:txBody>
       </p:sp>
       <p:sp>
         <p:nvSpPr>
-          <p:cNvPr id="8" name="Text Placeholder 7">
-            <a:extLst>
-              <a:ext uri="{FF2B5EF4-FFF2-40B4-BE49-F238E27FC236}">
-                <a16:creationId xmlns:a16="http://schemas.microsoft.com/office/drawing/2014/main" id="{61C36F59-23B6-C510-EF7E-D615C0E03188}"/>
-              </a:ext>
-            </a:extLst>
-          </p:cNvPr>
-          <p:cNvSpPr>
-            <a:spLocks noGrp="1"/>
-          </p:cNvSpPr>
-          <p:nvPr>
-            <p:ph type="body" sz="quarter" idx="16"/>
-          </p:nvPr>
-        </p:nvSpPr>
-        <p:spPr/>
-        <p:txBody>
-          <a:bodyPr/>
-          <a:lstStyle/>
-          <a:p>
-            <a:r>
-              <a:rPr lang="en-IN"/>
-              <a:t>PASSWORD HASHING</a:t>
-            </a:r>
-          </a:p>
-        </p:txBody>
-      </p:sp>
-      <p:sp>
-        <p:nvSpPr>
-          <p:cNvPr id="9" name="Text Placeholder 8">
-            <a:extLst>
-              <a:ext uri="{FF2B5EF4-FFF2-40B4-BE49-F238E27FC236}">
-                <a16:creationId xmlns:a16="http://schemas.microsoft.com/office/drawing/2014/main" id="{8C79758F-7114-AAD4-1C8D-420BB266D88B}"/>
-              </a:ext>
-            </a:extLst>
-          </p:cNvPr>
-          <p:cNvSpPr>
-            <a:spLocks noGrp="1"/>
-          </p:cNvSpPr>
-          <p:nvPr>
-            <p:ph type="body" sz="quarter" idx="17"/>
-          </p:nvPr>
-        </p:nvSpPr>
-        <p:spPr/>
-        <p:txBody>
-          <a:bodyPr/>
-          <a:lstStyle/>
-          <a:p>
-            <a:r>
-              <a:rPr lang="en-US"/>
-              <a:t>When users log in, credentials are verified securely to prevent breaches. This process uses encryption and secure channels to strengthen user privacy.</a:t>
-            </a:r>
+          <p:cNvPr id="5" name="Rectangle 4">
+            <a:extLst>
+              <a:ext uri="{FF2B5EF4-FFF2-40B4-BE49-F238E27FC236}">
+                <a16:creationId xmlns:a16="http://schemas.microsoft.com/office/drawing/2014/main" id="{AD2F3A4D-F978-B3CA-48EE-A2BF6547E4C4}"/>
+              </a:ext>
+            </a:extLst>
+          </p:cNvPr>
+          <p:cNvSpPr/>
+          <p:nvPr/>
+        </p:nvSpPr>
+        <p:spPr>
+          <a:xfrm>
+            <a:off x="8983133" y="6451600"/>
+            <a:ext cx="2277534" cy="365125"/>
+          </a:xfrm>
+          <a:prstGeom prst="rect">
+            <a:avLst/>
+          </a:prstGeom>
+          <a:solidFill>
+            <a:schemeClr val="bg1"/>
+          </a:solidFill>
+          <a:ln>
+            <a:solidFill>
+              <a:schemeClr val="bg1"/>
+            </a:solidFill>
+          </a:ln>
+        </p:spPr>
+        <p:style>
+          <a:lnRef idx="2">
+            <a:schemeClr val="accent1">
+              <a:shade val="15000"/>
+            </a:schemeClr>
+          </a:lnRef>
+          <a:fillRef idx="1">
+            <a:schemeClr val="accent1"/>
+          </a:fillRef>
+          <a:effectRef idx="0">
+            <a:schemeClr val="accent1"/>
+          </a:effectRef>
+          <a:fontRef idx="minor">
+            <a:schemeClr val="lt1"/>
+          </a:fontRef>
+        </p:style>
+        <p:txBody>
+          <a:bodyPr rtlCol="0" anchor="ctr"/>
+          <a:lstStyle/>
+          <a:p>
+            <a:pPr algn="ctr"/>
             <a:endParaRPr lang="en-IN"/>
-          </a:p>
-        </p:txBody>
-      </p:sp>
-      <p:sp>
-        <p:nvSpPr>
-          <p:cNvPr id="10" name="Text Placeholder 9">
-            <a:extLst>
-              <a:ext uri="{FF2B5EF4-FFF2-40B4-BE49-F238E27FC236}">
-                <a16:creationId xmlns:a16="http://schemas.microsoft.com/office/drawing/2014/main" id="{D1B1351F-8F06-2F36-8776-4A7D6A2A090C}"/>
-              </a:ext>
-            </a:extLst>
-          </p:cNvPr>
-          <p:cNvSpPr>
-            <a:spLocks noGrp="1"/>
-          </p:cNvSpPr>
-          <p:nvPr>
-            <p:ph type="body" sz="quarter" idx="18"/>
-          </p:nvPr>
-        </p:nvSpPr>
-        <p:spPr/>
-        <p:txBody>
-          <a:bodyPr/>
-          <a:lstStyle/>
-          <a:p>
-            <a:r>
-              <a:rPr lang="en-IN"/>
-              <a:t>SECURE CREDENTIAL VERIFICATION</a:t>
-            </a:r>
           </a:p>
         </p:txBody>
       </p:sp>
     </p:spTree>
     <p:extLst>
       <p:ext uri="{BB962C8B-B14F-4D97-AF65-F5344CB8AC3E}">
-        <p14:creationId xmlns:p14="http://schemas.microsoft.com/office/powerpoint/2010/main" val="14235279"/>
+        <p14:creationId xmlns:p14="http://schemas.microsoft.com/office/powerpoint/2010/main" val="916303498"/>
       </p:ext>
     </p:extLst>
   </p:cSld>
@@ -16028,7 +18000,7 @@
 </p:sld>
 </file>
 
-<file path=ppt/slides/slide7.xml><?xml version="1.0" encoding="utf-8"?>
+<file path=ppt/slides/slide26.xml><?xml version="1.0" encoding="utf-8"?>
 <p:sld xmlns:a="http://schemas.openxmlformats.org/drawingml/2006/main" xmlns:r="http://schemas.openxmlformats.org/officeDocument/2006/relationships" xmlns:p="http://schemas.openxmlformats.org/presentationml/2006/main">
   <p:cSld>
     <p:spTree>
@@ -16050,7 +18022,7 @@
           <p:cNvPr id="2" name="Title 1">
             <a:extLst>
               <a:ext uri="{FF2B5EF4-FFF2-40B4-BE49-F238E27FC236}">
-                <a16:creationId xmlns:a16="http://schemas.microsoft.com/office/drawing/2014/main" id="{413F7E6B-3E7E-E1D7-B731-94A21144E9E0}"/>
+                <a16:creationId xmlns:a16="http://schemas.microsoft.com/office/drawing/2014/main" id="{41FDAFAA-D58E-EE7D-A59E-8BD7B0A8E90C}"/>
               </a:ext>
             </a:extLst>
           </p:cNvPr>
@@ -16068,7 +18040,7 @@
           <a:p>
             <a:r>
               <a:rPr lang="en-IN"/>
-              <a:t>EMAIL NOTIFICATIONS</a:t>
+              <a:t>THANK YOU!</a:t>
             </a:r>
           </a:p>
         </p:txBody>
@@ -16078,7 +18050,7 @@
           <p:cNvPr id="3" name="Footer Placeholder 2">
             <a:extLst>
               <a:ext uri="{FF2B5EF4-FFF2-40B4-BE49-F238E27FC236}">
-                <a16:creationId xmlns:a16="http://schemas.microsoft.com/office/drawing/2014/main" id="{F77BAACB-8A33-ACF4-5FAD-712CEA3638B6}"/>
+                <a16:creationId xmlns:a16="http://schemas.microsoft.com/office/drawing/2014/main" id="{20B4671C-BB7A-5E06-2682-B237FAFE575B}"/>
               </a:ext>
             </a:extLst>
           </p:cNvPr>
@@ -16107,7 +18079,7 @@
           <p:cNvPr id="4" name="Slide Number Placeholder 3">
             <a:extLst>
               <a:ext uri="{FF2B5EF4-FFF2-40B4-BE49-F238E27FC236}">
-                <a16:creationId xmlns:a16="http://schemas.microsoft.com/office/drawing/2014/main" id="{0FC58343-B3A7-E9D9-7088-72E06CE4036A}"/>
+                <a16:creationId xmlns:a16="http://schemas.microsoft.com/office/drawing/2014/main" id="{3D8391C5-7571-7FB5-6BB9-FB46C4C95444}"/>
               </a:ext>
             </a:extLst>
           </p:cNvPr>
@@ -16126,7 +18098,7 @@
             <a:fld id="{CF6F24BE-8BEB-403A-BDCC-38E201D0662D}" type="slidenum">
               <a:rPr lang="en-ID" smtClean="0"/>
               <a:pPr/>
-              <a:t>7</a:t>
+              <a:t>26</a:t>
             </a:fld>
             <a:endParaRPr lang="en-ID"/>
           </a:p>
@@ -16134,10 +18106,10 @@
       </p:sp>
       <p:pic>
         <p:nvPicPr>
-          <p:cNvPr id="11" name="Picture Placeholder 10">
-            <a:extLst>
-              <a:ext uri="{FF2B5EF4-FFF2-40B4-BE49-F238E27FC236}">
-                <a16:creationId xmlns:a16="http://schemas.microsoft.com/office/drawing/2014/main" id="{ECB14181-754F-B13A-E674-CF5A83A1AB5C}"/>
+          <p:cNvPr id="8" name="Picture Placeholder 7">
+            <a:extLst>
+              <a:ext uri="{FF2B5EF4-FFF2-40B4-BE49-F238E27FC236}">
+                <a16:creationId xmlns:a16="http://schemas.microsoft.com/office/drawing/2014/main" id="{DDAE8BBE-49EA-819C-EC22-FE17AFF9FB10}"/>
               </a:ext>
             </a:extLst>
           </p:cNvPr>
@@ -16150,62 +18122,42 @@
         </p:nvPicPr>
         <p:blipFill>
           <a:blip r:embed="rId2"/>
-          <a:srcRect l="16667" r="16667"/>
+          <a:srcRect l="31555" r="31555"/>
           <a:stretch>
             <a:fillRect/>
           </a:stretch>
         </p:blipFill>
         <p:spPr/>
       </p:pic>
-      <p:pic>
-        <p:nvPicPr>
-          <p:cNvPr id="12" name="Picture Placeholder 11">
-            <a:extLst>
-              <a:ext uri="{FF2B5EF4-FFF2-40B4-BE49-F238E27FC236}">
-                <a16:creationId xmlns:a16="http://schemas.microsoft.com/office/drawing/2014/main" id="{747E7359-680A-E7F0-0160-68F306771FEC}"/>
-              </a:ext>
-            </a:extLst>
-          </p:cNvPr>
-          <p:cNvPicPr>
-            <a:picLocks noGrp="1" noChangeAspect="1"/>
-          </p:cNvPicPr>
-          <p:nvPr>
-            <p:ph type="pic" sz="quarter" idx="14"/>
-          </p:nvPr>
-        </p:nvPicPr>
-        <p:blipFill>
-          <a:blip r:embed="rId3"/>
-          <a:srcRect l="16667" r="16667"/>
-          <a:stretch>
-            <a:fillRect/>
-          </a:stretch>
-        </p:blipFill>
-        <p:spPr/>
-      </p:pic>
-      <p:sp>
-        <p:nvSpPr>
-          <p:cNvPr id="7" name="Text Placeholder 6">
-            <a:extLst>
-              <a:ext uri="{FF2B5EF4-FFF2-40B4-BE49-F238E27FC236}">
-                <a16:creationId xmlns:a16="http://schemas.microsoft.com/office/drawing/2014/main" id="{4C7FD403-D521-4A64-0BD0-00BBE9F40C4C}"/>
-              </a:ext>
-            </a:extLst>
-          </p:cNvPr>
-          <p:cNvSpPr>
-            <a:spLocks noGrp="1"/>
-          </p:cNvSpPr>
-          <p:nvPr>
-            <p:ph type="body" sz="quarter" idx="15"/>
-          </p:nvPr>
-        </p:nvSpPr>
-        <p:spPr/>
+      <p:sp>
+        <p:nvSpPr>
+          <p:cNvPr id="6" name="Text Placeholder 5">
+            <a:extLst>
+              <a:ext uri="{FF2B5EF4-FFF2-40B4-BE49-F238E27FC236}">
+                <a16:creationId xmlns:a16="http://schemas.microsoft.com/office/drawing/2014/main" id="{F70D8E75-760E-301F-F3C0-28B5DFC38CFA}"/>
+              </a:ext>
+            </a:extLst>
+          </p:cNvPr>
+          <p:cNvSpPr>
+            <a:spLocks noGrp="1"/>
+          </p:cNvSpPr>
+          <p:nvPr>
+            <p:ph type="body" sz="quarter" idx="13"/>
+          </p:nvPr>
+        </p:nvSpPr>
+        <p:spPr>
+          <a:xfrm>
+            <a:off x="4187687" y="2625933"/>
+            <a:ext cx="6780880" cy="3657600"/>
+          </a:xfrm>
+        </p:spPr>
         <p:txBody>
           <a:bodyPr/>
           <a:lstStyle/>
           <a:p>
             <a:r>
               <a:rPr lang="en-US"/>
-              <a:t>Users can easily recover their passwords through email notifications that guide them through the process quickly and securely.</a:t>
+              <a:t>We appreciate your time sharing this presentation. Please feel free to ask any questions or provide feedback about the system and its functionalities.</a:t>
             </a:r>
             <a:endParaRPr lang="en-IN"/>
           </a:p>
@@ -16213,47 +18165,18 @@
       </p:sp>
       <p:sp>
         <p:nvSpPr>
-          <p:cNvPr id="8" name="Text Placeholder 7">
-            <a:extLst>
-              <a:ext uri="{FF2B5EF4-FFF2-40B4-BE49-F238E27FC236}">
-                <a16:creationId xmlns:a16="http://schemas.microsoft.com/office/drawing/2014/main" id="{32F9657B-EFD5-8F7F-00CC-77355C2A744C}"/>
-              </a:ext>
-            </a:extLst>
-          </p:cNvPr>
-          <p:cNvSpPr>
-            <a:spLocks noGrp="1"/>
-          </p:cNvSpPr>
-          <p:nvPr>
-            <p:ph type="body" sz="quarter" idx="16"/>
-          </p:nvPr>
-        </p:nvSpPr>
-        <p:spPr/>
-        <p:txBody>
-          <a:bodyPr/>
-          <a:lstStyle/>
-          <a:p>
-            <a:r>
-              <a:rPr lang="en-US"/>
-              <a:t>When a new employee joins, notifications are sent to relevant parties. This enhances collaboration and keeps everyone informed of changes.</a:t>
-            </a:r>
-            <a:endParaRPr lang="en-IN"/>
-          </a:p>
-        </p:txBody>
-      </p:sp>
-      <p:sp>
-        <p:nvSpPr>
-          <p:cNvPr id="9" name="Text Placeholder 8">
-            <a:extLst>
-              <a:ext uri="{FF2B5EF4-FFF2-40B4-BE49-F238E27FC236}">
-                <a16:creationId xmlns:a16="http://schemas.microsoft.com/office/drawing/2014/main" id="{013A4D2D-4D8B-70F6-7DDD-2F0385C7AFCF}"/>
-              </a:ext>
-            </a:extLst>
-          </p:cNvPr>
-          <p:cNvSpPr>
-            <a:spLocks noGrp="1"/>
-          </p:cNvSpPr>
-          <p:nvPr>
-            <p:ph type="body" sz="quarter" idx="17"/>
+          <p:cNvPr id="7" name="Text Placeholder 6">
+            <a:extLst>
+              <a:ext uri="{FF2B5EF4-FFF2-40B4-BE49-F238E27FC236}">
+                <a16:creationId xmlns:a16="http://schemas.microsoft.com/office/drawing/2014/main" id="{70BE57CE-0EF6-3453-6AF5-FC826DF92DA7}"/>
+              </a:ext>
+            </a:extLst>
+          </p:cNvPr>
+          <p:cNvSpPr>
+            <a:spLocks noGrp="1"/>
+          </p:cNvSpPr>
+          <p:nvPr>
+            <p:ph type="body" sz="quarter" idx="14"/>
           </p:nvPr>
         </p:nvSpPr>
         <p:spPr/>
@@ -16263,57 +18186,83 @@
           <a:p>
             <a:r>
               <a:rPr lang="en-IN"/>
-              <a:t>PASSWORD RECOVERY</a:t>
+              <a:t>FEEDBACK AND QUESTIONS</a:t>
             </a:r>
           </a:p>
         </p:txBody>
       </p:sp>
       <p:sp>
         <p:nvSpPr>
-          <p:cNvPr id="10" name="Text Placeholder 9">
-            <a:extLst>
-              <a:ext uri="{FF2B5EF4-FFF2-40B4-BE49-F238E27FC236}">
-                <a16:creationId xmlns:a16="http://schemas.microsoft.com/office/drawing/2014/main" id="{486F1F74-EEDD-757B-EB08-E041E41F3070}"/>
-              </a:ext>
-            </a:extLst>
-          </p:cNvPr>
-          <p:cNvSpPr>
-            <a:spLocks noGrp="1"/>
-          </p:cNvSpPr>
-          <p:nvPr>
-            <p:ph type="body" sz="quarter" idx="18"/>
-          </p:nvPr>
-        </p:nvSpPr>
-        <p:spPr/>
-        <p:txBody>
-          <a:bodyPr/>
-          <a:lstStyle/>
-          <a:p>
-            <a:r>
-              <a:rPr lang="en-IN"/>
-              <a:t>NEW HIRE ALERTS</a:t>
-            </a:r>
+          <p:cNvPr id="5" name="Rectangle 4">
+            <a:extLst>
+              <a:ext uri="{FF2B5EF4-FFF2-40B4-BE49-F238E27FC236}">
+                <a16:creationId xmlns:a16="http://schemas.microsoft.com/office/drawing/2014/main" id="{5699F7E7-01E5-67C4-FEFC-FB381C804EF9}"/>
+              </a:ext>
+            </a:extLst>
+          </p:cNvPr>
+          <p:cNvSpPr/>
+          <p:nvPr/>
+        </p:nvSpPr>
+        <p:spPr>
+          <a:xfrm>
+            <a:off x="9084733" y="6443133"/>
+            <a:ext cx="2328334" cy="365125"/>
+          </a:xfrm>
+          <a:prstGeom prst="rect">
+            <a:avLst/>
+          </a:prstGeom>
+          <a:solidFill>
+            <a:schemeClr val="bg1"/>
+          </a:solidFill>
+          <a:ln>
+            <a:solidFill>
+              <a:schemeClr val="bg1"/>
+            </a:solidFill>
+          </a:ln>
+        </p:spPr>
+        <p:style>
+          <a:lnRef idx="2">
+            <a:schemeClr val="accent1">
+              <a:shade val="15000"/>
+            </a:schemeClr>
+          </a:lnRef>
+          <a:fillRef idx="1">
+            <a:schemeClr val="accent1"/>
+          </a:fillRef>
+          <a:effectRef idx="0">
+            <a:schemeClr val="accent1"/>
+          </a:effectRef>
+          <a:fontRef idx="minor">
+            <a:schemeClr val="lt1"/>
+          </a:fontRef>
+        </p:style>
+        <p:txBody>
+          <a:bodyPr rtlCol="0" anchor="ctr"/>
+          <a:lstStyle/>
+          <a:p>
+            <a:pPr algn="ctr"/>
+            <a:endParaRPr lang="en-IN"/>
           </a:p>
         </p:txBody>
       </p:sp>
     </p:spTree>
     <p:extLst>
       <p:ext uri="{BB962C8B-B14F-4D97-AF65-F5344CB8AC3E}">
-        <p14:creationId xmlns:p14="http://schemas.microsoft.com/office/powerpoint/2010/main" val="1795154538"/>
+        <p14:creationId xmlns:p14="http://schemas.microsoft.com/office/powerpoint/2010/main" val="2197463054"/>
       </p:ext>
     </p:extLst>
   </p:cSld>
   <p:clrMapOvr>
     <a:masterClrMapping/>
   </p:clrMapOvr>
-  <mc:AlternateContent xmlns:mc="http://schemas.openxmlformats.org/markup-compatibility/2006">
-    <mc:Choice xmlns:p15="http://schemas.microsoft.com/office/powerpoint/2012/main" Requires="p15">
-      <p:transition xmlns:p14="http://schemas.microsoft.com/office/powerpoint/2010/main" spd="slow" p14:dur="2000">
-        <p15:prstTrans prst="drape"/>
+  <mc:AlternateContent xmlns:mc="http://schemas.openxmlformats.org/markup-compatibility/2006" xmlns:p15="http://schemas.microsoft.com/office/powerpoint/2012/main">
+    <mc:Choice Requires="p15">
+      <p:transition xmlns:p14="http://schemas.microsoft.com/office/powerpoint/2010/main" spd="slow" p14:dur="2000" advTm="5000">
+        <p15:prstTrans prst="wind"/>
       </p:transition>
     </mc:Choice>
-    <mc:Fallback>
-      <p:transition spd="slow">
+    <mc:Fallback xmlns="">
+      <p:transition spd="slow" advTm="5000">
         <p:fade/>
       </p:transition>
     </mc:Fallback>
@@ -16321,7 +18270,7 @@
 </p:sld>
 </file>
 
-<file path=ppt/slides/slide8.xml><?xml version="1.0" encoding="utf-8"?>
+<file path=ppt/slides/slide3.xml><?xml version="1.0" encoding="utf-8"?>
 <p:sld xmlns:a="http://schemas.openxmlformats.org/drawingml/2006/main" xmlns:r="http://schemas.openxmlformats.org/officeDocument/2006/relationships" xmlns:p="http://schemas.openxmlformats.org/presentationml/2006/main">
   <p:cSld name="Slide 1">
     <p:spTree>
@@ -16347,14 +18296,14 @@
           <p:nvPr>
             <p:extLst>
               <p:ext uri="{D42A27DB-BD31-4B8C-83A1-F6EECF244321}">
-                <p14:modId xmlns:p14="http://schemas.microsoft.com/office/powerpoint/2010/main" val="2415982596"/>
+                <p14:modId xmlns:p14="http://schemas.microsoft.com/office/powerpoint/2010/main" val="3845388350"/>
               </p:ext>
             </p:extLst>
           </p:nvPr>
         </p:nvGraphicFramePr>
         <p:xfrm>
           <a:off x="646176" y="3291840"/>
-          <a:ext cx="10363200" cy="2371344"/>
+          <a:ext cx="10363200" cy="2438400"/>
         </p:xfrm>
         <a:graphic>
           <a:graphicData uri="http://schemas.openxmlformats.org/drawingml/2006/table">
@@ -16383,7 +18332,7 @@
                   </a:extLst>
                 </a:gridCol>
               </a:tblGrid>
-              <a:tr h="252720">
+              <a:tr h="359664">
                 <a:tc>
                   <a:txBody>
                     <a:bodyPr/>
@@ -16401,7 +18350,7 @@
                           <a:ea typeface="Open Sans" pitchFamily="34" charset="-122"/>
                           <a:cs typeface="Open Sans" pitchFamily="34" charset="-120"/>
                         </a:rPr>
-                        <a:t>SEARCH CRITERION</a:t>
+                        <a:t>COMPONENT</a:t>
                       </a:r>
                       <a:endParaRPr lang="en-US" sz="1400" dirty="0">
                         <a:latin typeface="Open Sans" charset="0"/>
@@ -16414,6 +18363,76 @@
                     <a:lnL w="0" cap="flat" cmpd="sng" algn="ctr">
                       <a:solidFill>
                         <a:srgbClr val="666666"/>
+                      </a:solidFill>
+                      <a:prstDash val="sysDash"/>
+                      <a:round/>
+                      <a:headEnd type="none" w="med" len="med"/>
+                      <a:tailEnd type="none" w="med" len="med"/>
+                    </a:lnL>
+                    <a:lnR w="12700" cap="flat" cmpd="sng" algn="ctr">
+                      <a:solidFill>
+                        <a:srgbClr val="A6A6A6"/>
+                      </a:solidFill>
+                      <a:prstDash val="sysDash"/>
+                      <a:round/>
+                      <a:headEnd type="none" w="med" len="med"/>
+                      <a:tailEnd type="none" w="med" len="med"/>
+                    </a:lnR>
+                    <a:lnT w="0" cap="flat" cmpd="sng" algn="ctr">
+                      <a:solidFill>
+                        <a:srgbClr val="666666"/>
+                      </a:solidFill>
+                      <a:prstDash val="sysDash"/>
+                      <a:round/>
+                      <a:headEnd type="none" w="med" len="med"/>
+                      <a:tailEnd type="none" w="med" len="med"/>
+                    </a:lnT>
+                    <a:lnB w="12700" cap="flat" cmpd="sng" algn="ctr">
+                      <a:solidFill>
+                        <a:srgbClr val="A6A6A6"/>
+                      </a:solidFill>
+                      <a:prstDash val="sysDash"/>
+                      <a:round/>
+                      <a:headEnd type="none" w="med" len="med"/>
+                      <a:tailEnd type="none" w="med" len="med"/>
+                    </a:lnB>
+                    <a:solidFill>
+                      <a:srgbClr val="BFBFBF">
+                        <a:alpha val="0"/>
+                      </a:srgbClr>
+                    </a:solidFill>
+                  </a:tcPr>
+                </a:tc>
+                <a:tc>
+                  <a:txBody>
+                    <a:bodyPr/>
+                    <a:lstStyle/>
+                    <a:p>
+                      <a:pPr marL="0" indent="0">
+                        <a:buNone/>
+                      </a:pPr>
+                      <a:r>
+                        <a:rPr lang="en-US" sz="1400" b="1" dirty="0">
+                          <a:solidFill>
+                            <a:srgbClr val="000000"/>
+                          </a:solidFill>
+                          <a:latin typeface="Open Sans" pitchFamily="34" charset="0"/>
+                          <a:ea typeface="Open Sans" pitchFamily="34" charset="-122"/>
+                          <a:cs typeface="Open Sans" pitchFamily="34" charset="-120"/>
+                        </a:rPr>
+                        <a:t>TECHNOLOGY</a:t>
+                      </a:r>
+                      <a:endParaRPr lang="en-US" sz="1400" dirty="0">
+                        <a:latin typeface="Open Sans" charset="0"/>
+                        <a:ea typeface="Open Sans" charset="0"/>
+                        <a:cs typeface="Open Sans" charset="0"/>
+                      </a:endParaRPr>
+                    </a:p>
+                  </a:txBody>
+                  <a:tcPr marL="73152" marR="73152" marT="73152" marB="73152" anchor="ctr">
+                    <a:lnL w="12700" cap="flat" cmpd="sng" algn="ctr">
+                      <a:solidFill>
+                        <a:srgbClr val="A6A6A6"/>
                       </a:solidFill>
                       <a:prstDash val="sysDash"/>
                       <a:round/>
@@ -16490,76 +18509,6 @@
                       <a:headEnd type="none" w="med" len="med"/>
                       <a:tailEnd type="none" w="med" len="med"/>
                     </a:lnL>
-                    <a:lnR w="12700" cap="flat" cmpd="sng" algn="ctr">
-                      <a:solidFill>
-                        <a:srgbClr val="A6A6A6"/>
-                      </a:solidFill>
-                      <a:prstDash val="sysDash"/>
-                      <a:round/>
-                      <a:headEnd type="none" w="med" len="med"/>
-                      <a:tailEnd type="none" w="med" len="med"/>
-                    </a:lnR>
-                    <a:lnT w="0" cap="flat" cmpd="sng" algn="ctr">
-                      <a:solidFill>
-                        <a:srgbClr val="666666"/>
-                      </a:solidFill>
-                      <a:prstDash val="sysDash"/>
-                      <a:round/>
-                      <a:headEnd type="none" w="med" len="med"/>
-                      <a:tailEnd type="none" w="med" len="med"/>
-                    </a:lnT>
-                    <a:lnB w="12700" cap="flat" cmpd="sng" algn="ctr">
-                      <a:solidFill>
-                        <a:srgbClr val="A6A6A6"/>
-                      </a:solidFill>
-                      <a:prstDash val="sysDash"/>
-                      <a:round/>
-                      <a:headEnd type="none" w="med" len="med"/>
-                      <a:tailEnd type="none" w="med" len="med"/>
-                    </a:lnB>
-                    <a:solidFill>
-                      <a:srgbClr val="BFBFBF">
-                        <a:alpha val="0"/>
-                      </a:srgbClr>
-                    </a:solidFill>
-                  </a:tcPr>
-                </a:tc>
-                <a:tc>
-                  <a:txBody>
-                    <a:bodyPr/>
-                    <a:lstStyle/>
-                    <a:p>
-                      <a:pPr marL="0" indent="0">
-                        <a:buNone/>
-                      </a:pPr>
-                      <a:r>
-                        <a:rPr lang="en-US" sz="1400" b="1" dirty="0">
-                          <a:solidFill>
-                            <a:srgbClr val="000000"/>
-                          </a:solidFill>
-                          <a:latin typeface="Open Sans" pitchFamily="34" charset="0"/>
-                          <a:ea typeface="Open Sans" pitchFamily="34" charset="-122"/>
-                          <a:cs typeface="Open Sans" pitchFamily="34" charset="-120"/>
-                        </a:rPr>
-                        <a:t>EXAMPLE</a:t>
-                      </a:r>
-                      <a:endParaRPr lang="en-US" sz="1400" dirty="0">
-                        <a:latin typeface="Open Sans" charset="0"/>
-                        <a:ea typeface="Open Sans" charset="0"/>
-                        <a:cs typeface="Open Sans" charset="0"/>
-                      </a:endParaRPr>
-                    </a:p>
-                  </a:txBody>
-                  <a:tcPr marL="73152" marR="73152" marT="73152" marB="73152" anchor="ctr">
-                    <a:lnL w="12700" cap="flat" cmpd="sng" algn="ctr">
-                      <a:solidFill>
-                        <a:srgbClr val="A6A6A6"/>
-                      </a:solidFill>
-                      <a:prstDash val="sysDash"/>
-                      <a:round/>
-                      <a:headEnd type="none" w="med" len="med"/>
-                      <a:tailEnd type="none" w="med" len="med"/>
-                    </a:lnL>
                     <a:lnR w="0" cap="flat" cmpd="sng" algn="ctr">
                       <a:solidFill>
                         <a:srgbClr val="666666"/>
@@ -16600,7 +18549,7 @@
                   </a:ext>
                 </a:extLst>
               </a:tr>
-              <a:tr h="252720">
+              <a:tr h="359664">
                 <a:tc>
                   <a:txBody>
                     <a:bodyPr/>
@@ -16618,7 +18567,7 @@
                           <a:ea typeface="Open Sans" pitchFamily="34" charset="-122"/>
                           <a:cs typeface="Open Sans" pitchFamily="34" charset="-120"/>
                         </a:rPr>
-                        <a:t>ID</a:t>
+                        <a:t>Programming Language</a:t>
                       </a:r>
                       <a:endParaRPr lang="en-US" sz="1400" dirty="0">
                         <a:latin typeface="Open Sans" charset="0"/>
@@ -16688,7 +18637,7 @@
                           <a:ea typeface="Open Sans" pitchFamily="34" charset="-122"/>
                           <a:cs typeface="Open Sans" pitchFamily="34" charset="-120"/>
                         </a:rPr>
-                        <a:t>Unique identifier for each employee</a:t>
+                        <a:t>C#</a:t>
                       </a:r>
                       <a:endParaRPr lang="en-US" sz="1400" dirty="0">
                         <a:latin typeface="Open Sans" charset="0"/>
@@ -16758,7 +18707,7 @@
                           <a:ea typeface="Open Sans" pitchFamily="34" charset="-122"/>
                           <a:cs typeface="Open Sans" pitchFamily="34" charset="-120"/>
                         </a:rPr>
-                        <a:t>12345</a:t>
+                        <a:t>Main language for backend development.</a:t>
                       </a:r>
                       <a:endParaRPr lang="en-US" sz="1400" dirty="0">
                         <a:latin typeface="Open Sans" charset="0"/>
@@ -16817,7 +18766,7 @@
                   </a:ext>
                 </a:extLst>
               </a:tr>
-              <a:tr h="252720">
+              <a:tr h="359664">
                 <a:tc>
                   <a:txBody>
                     <a:bodyPr/>
@@ -16835,7 +18784,7 @@
                           <a:ea typeface="Open Sans" pitchFamily="34" charset="-122"/>
                           <a:cs typeface="Open Sans" pitchFamily="34" charset="-120"/>
                         </a:rPr>
-                        <a:t>Name</a:t>
+                        <a:t>Framework</a:t>
                       </a:r>
                       <a:endParaRPr lang="en-US" sz="1400" dirty="0">
                         <a:latin typeface="Open Sans" charset="0"/>
@@ -16905,7 +18854,7 @@
                           <a:ea typeface="Open Sans" pitchFamily="34" charset="-122"/>
                           <a:cs typeface="Open Sans" pitchFamily="34" charset="-120"/>
                         </a:rPr>
-                        <a:t>Search by employee’s full name</a:t>
+                        <a:t>Entity Framework</a:t>
                       </a:r>
                       <a:endParaRPr lang="en-US" sz="1400" dirty="0">
                         <a:latin typeface="Open Sans" charset="0"/>
@@ -16975,7 +18924,7 @@
                           <a:ea typeface="Open Sans" pitchFamily="34" charset="-122"/>
                           <a:cs typeface="Open Sans" pitchFamily="34" charset="-120"/>
                         </a:rPr>
-                        <a:t>John Doe</a:t>
+                        <a:t>Framework for Interaction With Data Base Seamlessly</a:t>
                       </a:r>
                       <a:endParaRPr lang="en-US" sz="1400" dirty="0">
                         <a:latin typeface="Open Sans" charset="0"/>
@@ -17034,7 +18983,7 @@
                   </a:ext>
                 </a:extLst>
               </a:tr>
-              <a:tr h="402639">
+              <a:tr h="359664">
                 <a:tc>
                   <a:txBody>
                     <a:bodyPr/>
@@ -17052,7 +19001,7 @@
                           <a:ea typeface="Open Sans" pitchFamily="34" charset="-122"/>
                           <a:cs typeface="Open Sans" pitchFamily="34" charset="-120"/>
                         </a:rPr>
-                        <a:t>Joining Date</a:t>
+                        <a:t>Database</a:t>
                       </a:r>
                       <a:endParaRPr lang="en-US" sz="1400" dirty="0">
                         <a:latin typeface="Open Sans" charset="0"/>
@@ -17122,7 +19071,7 @@
                           <a:ea typeface="Open Sans" pitchFamily="34" charset="-122"/>
                           <a:cs typeface="Open Sans" pitchFamily="34" charset="-120"/>
                         </a:rPr>
-                        <a:t>Find employees based on their start date</a:t>
+                        <a:t>SQL Server</a:t>
                       </a:r>
                       <a:endParaRPr lang="en-US" sz="1400" dirty="0">
                         <a:latin typeface="Open Sans" charset="0"/>
@@ -17192,7 +19141,7 @@
                           <a:ea typeface="Open Sans" pitchFamily="34" charset="-122"/>
                           <a:cs typeface="Open Sans" pitchFamily="34" charset="-120"/>
                         </a:rPr>
-                        <a:t>01/01/2020</a:t>
+                        <a:t>Relational database management system.</a:t>
                       </a:r>
                       <a:endParaRPr lang="en-US" sz="1400" dirty="0">
                         <a:latin typeface="Open Sans" charset="0"/>
@@ -17251,7 +19200,7 @@
                   </a:ext>
                 </a:extLst>
               </a:tr>
-              <a:tr h="252720">
+              <a:tr h="359664">
                 <a:tc>
                   <a:txBody>
                     <a:bodyPr/>
@@ -17269,7 +19218,7 @@
                           <a:ea typeface="Open Sans" pitchFamily="34" charset="-122"/>
                           <a:cs typeface="Open Sans" pitchFamily="34" charset="-120"/>
                         </a:rPr>
-                        <a:t>Role</a:t>
+                        <a:t>Email Service</a:t>
                       </a:r>
                       <a:endParaRPr lang="en-US" sz="1400" dirty="0">
                         <a:latin typeface="Open Sans" charset="0"/>
@@ -17306,9 +19255,9 @@
                       <a:headEnd type="none" w="med" len="med"/>
                       <a:tailEnd type="none" w="med" len="med"/>
                     </a:lnT>
-                    <a:lnB w="12700" cap="flat" cmpd="sng" algn="ctr">
-                      <a:solidFill>
-                        <a:srgbClr val="A6A6A6"/>
+                    <a:lnB w="0" cap="flat" cmpd="sng" algn="ctr">
+                      <a:solidFill>
+                        <a:srgbClr val="666666"/>
                       </a:solidFill>
                       <a:prstDash val="sysDash"/>
                       <a:round/>
@@ -17339,7 +19288,7 @@
                           <a:ea typeface="Open Sans" pitchFamily="34" charset="-122"/>
                           <a:cs typeface="Open Sans" pitchFamily="34" charset="-120"/>
                         </a:rPr>
-                        <a:t>Filter employees based on job title</a:t>
+                        <a:t>SMTP Server</a:t>
                       </a:r>
                       <a:endParaRPr lang="en-US" sz="1400" dirty="0">
                         <a:latin typeface="Open Sans" charset="0"/>
@@ -17376,9 +19325,9 @@
                       <a:headEnd type="none" w="med" len="med"/>
                       <a:tailEnd type="none" w="med" len="med"/>
                     </a:lnT>
-                    <a:lnB w="12700" cap="flat" cmpd="sng" algn="ctr">
-                      <a:solidFill>
-                        <a:srgbClr val="A6A6A6"/>
+                    <a:lnB w="0" cap="flat" cmpd="sng" algn="ctr">
+                      <a:solidFill>
+                        <a:srgbClr val="666666"/>
                       </a:solidFill>
                       <a:prstDash val="sysDash"/>
                       <a:round/>
@@ -17409,7 +19358,7 @@
                           <a:ea typeface="Open Sans" pitchFamily="34" charset="-122"/>
                           <a:cs typeface="Open Sans" pitchFamily="34" charset="-120"/>
                         </a:rPr>
-                        <a:t>Manager</a:t>
+                        <a:t>Used for handling email notifications.</a:t>
                       </a:r>
                       <a:endParaRPr lang="en-US" sz="1400" dirty="0">
                         <a:latin typeface="Open Sans" charset="0"/>
@@ -17446,9 +19395,9 @@
                       <a:headEnd type="none" w="med" len="med"/>
                       <a:tailEnd type="none" w="med" len="med"/>
                     </a:lnT>
-                    <a:lnB w="12700" cap="flat" cmpd="sng" algn="ctr">
-                      <a:solidFill>
-                        <a:srgbClr val="A6A6A6"/>
+                    <a:lnB w="0" cap="flat" cmpd="sng" algn="ctr">
+                      <a:solidFill>
+                        <a:srgbClr val="666666"/>
                       </a:solidFill>
                       <a:prstDash val="sysDash"/>
                       <a:round/>
@@ -17465,223 +19414,6 @@
                 <a:extLst>
                   <a:ext uri="{0D108BD9-81ED-4DB2-BD59-A6C34878D82A}">
                     <a16:rowId xmlns:a16="http://schemas.microsoft.com/office/drawing/2014/main" val="10004"/>
-                  </a:ext>
-                </a:extLst>
-              </a:tr>
-              <a:tr h="252720">
-                <a:tc>
-                  <a:txBody>
-                    <a:bodyPr/>
-                    <a:lstStyle/>
-                    <a:p>
-                      <a:pPr marL="0" indent="0">
-                        <a:buNone/>
-                      </a:pPr>
-                      <a:r>
-                        <a:rPr lang="en-US" sz="1400" dirty="0">
-                          <a:solidFill>
-                            <a:srgbClr val="232220"/>
-                          </a:solidFill>
-                          <a:latin typeface="Open Sans" pitchFamily="34" charset="0"/>
-                          <a:ea typeface="Open Sans" pitchFamily="34" charset="-122"/>
-                          <a:cs typeface="Open Sans" pitchFamily="34" charset="-120"/>
-                        </a:rPr>
-                        <a:t>Department</a:t>
-                      </a:r>
-                      <a:endParaRPr lang="en-US" sz="1400" dirty="0">
-                        <a:latin typeface="Open Sans" charset="0"/>
-                        <a:ea typeface="Open Sans" charset="0"/>
-                        <a:cs typeface="Open Sans" charset="0"/>
-                      </a:endParaRPr>
-                    </a:p>
-                  </a:txBody>
-                  <a:tcPr marL="73152" marR="73152" marT="73152" marB="73152" anchor="ctr">
-                    <a:lnL w="0" cap="flat" cmpd="sng" algn="ctr">
-                      <a:solidFill>
-                        <a:srgbClr val="666666"/>
-                      </a:solidFill>
-                      <a:prstDash val="sysDash"/>
-                      <a:round/>
-                      <a:headEnd type="none" w="med" len="med"/>
-                      <a:tailEnd type="none" w="med" len="med"/>
-                    </a:lnL>
-                    <a:lnR w="12700" cap="flat" cmpd="sng" algn="ctr">
-                      <a:solidFill>
-                        <a:srgbClr val="A6A6A6"/>
-                      </a:solidFill>
-                      <a:prstDash val="sysDash"/>
-                      <a:round/>
-                      <a:headEnd type="none" w="med" len="med"/>
-                      <a:tailEnd type="none" w="med" len="med"/>
-                    </a:lnR>
-                    <a:lnT w="12700" cap="flat" cmpd="sng" algn="ctr">
-                      <a:solidFill>
-                        <a:srgbClr val="A6A6A6"/>
-                      </a:solidFill>
-                      <a:prstDash val="sysDash"/>
-                      <a:round/>
-                      <a:headEnd type="none" w="med" len="med"/>
-                      <a:tailEnd type="none" w="med" len="med"/>
-                    </a:lnT>
-                    <a:lnB w="0" cap="flat" cmpd="sng" algn="ctr">
-                      <a:solidFill>
-                        <a:srgbClr val="666666"/>
-                      </a:solidFill>
-                      <a:prstDash val="sysDash"/>
-                      <a:round/>
-                      <a:headEnd type="none" w="med" len="med"/>
-                      <a:tailEnd type="none" w="med" len="med"/>
-                    </a:lnB>
-                    <a:solidFill>
-                      <a:srgbClr val="BFBFBF">
-                        <a:alpha val="0"/>
-                      </a:srgbClr>
-                    </a:solidFill>
-                  </a:tcPr>
-                </a:tc>
-                <a:tc>
-                  <a:txBody>
-                    <a:bodyPr/>
-                    <a:lstStyle/>
-                    <a:p>
-                      <a:pPr marL="0" indent="0">
-                        <a:buNone/>
-                      </a:pPr>
-                      <a:r>
-                        <a:rPr lang="en-US" sz="1400" dirty="0">
-                          <a:solidFill>
-                            <a:srgbClr val="232220"/>
-                          </a:solidFill>
-                          <a:latin typeface="Open Sans" pitchFamily="34" charset="0"/>
-                          <a:ea typeface="Open Sans" pitchFamily="34" charset="-122"/>
-                          <a:cs typeface="Open Sans" pitchFamily="34" charset="-120"/>
-                        </a:rPr>
-                        <a:t>Search employees by department</a:t>
-                      </a:r>
-                      <a:endParaRPr lang="en-US" sz="1400" dirty="0">
-                        <a:latin typeface="Open Sans" charset="0"/>
-                        <a:ea typeface="Open Sans" charset="0"/>
-                        <a:cs typeface="Open Sans" charset="0"/>
-                      </a:endParaRPr>
-                    </a:p>
-                  </a:txBody>
-                  <a:tcPr marL="73152" marR="73152" marT="73152" marB="73152" anchor="ctr">
-                    <a:lnL w="12700" cap="flat" cmpd="sng" algn="ctr">
-                      <a:solidFill>
-                        <a:srgbClr val="A6A6A6"/>
-                      </a:solidFill>
-                      <a:prstDash val="sysDash"/>
-                      <a:round/>
-                      <a:headEnd type="none" w="med" len="med"/>
-                      <a:tailEnd type="none" w="med" len="med"/>
-                    </a:lnL>
-                    <a:lnR w="12700" cap="flat" cmpd="sng" algn="ctr">
-                      <a:solidFill>
-                        <a:srgbClr val="A6A6A6"/>
-                      </a:solidFill>
-                      <a:prstDash val="sysDash"/>
-                      <a:round/>
-                      <a:headEnd type="none" w="med" len="med"/>
-                      <a:tailEnd type="none" w="med" len="med"/>
-                    </a:lnR>
-                    <a:lnT w="12700" cap="flat" cmpd="sng" algn="ctr">
-                      <a:solidFill>
-                        <a:srgbClr val="A6A6A6"/>
-                      </a:solidFill>
-                      <a:prstDash val="sysDash"/>
-                      <a:round/>
-                      <a:headEnd type="none" w="med" len="med"/>
-                      <a:tailEnd type="none" w="med" len="med"/>
-                    </a:lnT>
-                    <a:lnB w="0" cap="flat" cmpd="sng" algn="ctr">
-                      <a:solidFill>
-                        <a:srgbClr val="666666"/>
-                      </a:solidFill>
-                      <a:prstDash val="sysDash"/>
-                      <a:round/>
-                      <a:headEnd type="none" w="med" len="med"/>
-                      <a:tailEnd type="none" w="med" len="med"/>
-                    </a:lnB>
-                    <a:solidFill>
-                      <a:srgbClr val="BFBFBF">
-                        <a:alpha val="0"/>
-                      </a:srgbClr>
-                    </a:solidFill>
-                  </a:tcPr>
-                </a:tc>
-                <a:tc>
-                  <a:txBody>
-                    <a:bodyPr/>
-                    <a:lstStyle/>
-                    <a:p>
-                      <a:pPr marL="0" indent="0">
-                        <a:buNone/>
-                      </a:pPr>
-                      <a:r>
-                        <a:rPr lang="en-US" sz="1400" dirty="0">
-                          <a:solidFill>
-                            <a:srgbClr val="232220"/>
-                          </a:solidFill>
-                          <a:latin typeface="Open Sans" pitchFamily="34" charset="0"/>
-                          <a:ea typeface="Open Sans" pitchFamily="34" charset="-122"/>
-                          <a:cs typeface="Open Sans" pitchFamily="34" charset="-120"/>
-                        </a:rPr>
-                        <a:t>Sales</a:t>
-                      </a:r>
-                      <a:endParaRPr lang="en-US" sz="1400" dirty="0">
-                        <a:latin typeface="Open Sans" charset="0"/>
-                        <a:ea typeface="Open Sans" charset="0"/>
-                        <a:cs typeface="Open Sans" charset="0"/>
-                      </a:endParaRPr>
-                    </a:p>
-                  </a:txBody>
-                  <a:tcPr marL="73152" marR="73152" marT="73152" marB="73152" anchor="ctr">
-                    <a:lnL w="12700" cap="flat" cmpd="sng" algn="ctr">
-                      <a:solidFill>
-                        <a:srgbClr val="A6A6A6"/>
-                      </a:solidFill>
-                      <a:prstDash val="sysDash"/>
-                      <a:round/>
-                      <a:headEnd type="none" w="med" len="med"/>
-                      <a:tailEnd type="none" w="med" len="med"/>
-                    </a:lnL>
-                    <a:lnR w="0" cap="flat" cmpd="sng" algn="ctr">
-                      <a:solidFill>
-                        <a:srgbClr val="666666"/>
-                      </a:solidFill>
-                      <a:prstDash val="sysDash"/>
-                      <a:round/>
-                      <a:headEnd type="none" w="med" len="med"/>
-                      <a:tailEnd type="none" w="med" len="med"/>
-                    </a:lnR>
-                    <a:lnT w="12700" cap="flat" cmpd="sng" algn="ctr">
-                      <a:solidFill>
-                        <a:srgbClr val="A6A6A6"/>
-                      </a:solidFill>
-                      <a:prstDash val="sysDash"/>
-                      <a:round/>
-                      <a:headEnd type="none" w="med" len="med"/>
-                      <a:tailEnd type="none" w="med" len="med"/>
-                    </a:lnT>
-                    <a:lnB w="0" cap="flat" cmpd="sng" algn="ctr">
-                      <a:solidFill>
-                        <a:srgbClr val="666666"/>
-                      </a:solidFill>
-                      <a:prstDash val="sysDash"/>
-                      <a:round/>
-                      <a:headEnd type="none" w="med" len="med"/>
-                      <a:tailEnd type="none" w="med" len="med"/>
-                    </a:lnB>
-                    <a:solidFill>
-                      <a:srgbClr val="BFBFBF">
-                        <a:alpha val="0"/>
-                      </a:srgbClr>
-                    </a:solidFill>
-                  </a:tcPr>
-                </a:tc>
-                <a:extLst>
-                  <a:ext uri="{0D108BD9-81ED-4DB2-BD59-A6C34878D82A}">
-                    <a16:rowId xmlns:a16="http://schemas.microsoft.com/office/drawing/2014/main" val="10005"/>
                   </a:ext>
                 </a:extLst>
               </a:tr>
@@ -17808,7 +19540,7 @@
               <a:rPr lang="en-US" sz="4400">
                 <a:latin typeface="Montserrat ExtraBold"/>
               </a:rPr>
-              <a:t>SEARCH FUNCTIONALITY</a:t>
+              <a:t>TECHNOLOGIES USED</a:t>
             </a:r>
             <a:endParaRPr lang="en-US" sz="4400" dirty="0">
               <a:latin typeface="Montserrat ExtraBold"/>
@@ -17955,7 +19687,7 @@
                 <a:ea typeface="Open Sans"/>
                 <a:cs typeface="Open Sans"/>
               </a:rPr>
-              <a:t>This table summarizes the search options available to enhance user experience. It allows users to efficiently locate employee information with specific criteria.</a:t>
+              <a:t>These technologies form the backbone of the Employee Management System, ensuring scalability and reliability. Their integration optimizes system performance and usability.</a:t>
             </a:r>
             <a:endParaRPr lang="en-US" sz="1400" dirty="0">
               <a:latin typeface="Open Sans"/>
@@ -17985,7 +19717,7 @@
           </a:prstGeom>
           <a:extLst>
             <a:ext uri="{C572A759-6A51-4108-AA02-DFA0A04FC94B}">
-              <ma14:wrappingTextBoxFlag xmlns="" xmlns:ma14="http://schemas.microsoft.com/office/mac/drawingml/2011/main" val="0"/>
+              <ma14:wrappingTextBoxFlag xmlns:ma14="http://schemas.microsoft.com/office/mac/drawingml/2011/main" xmlns="" val="0"/>
             </a:ext>
           </a:extLst>
         </p:spPr>
@@ -18095,7 +19827,7 @@
                 <a:cs typeface="Open Sans"/>
               </a:rPr>
               <a:pPr algn="ctr"/>
-              <a:t>8</a:t>
+              <a:t>3</a:t>
             </a:fld>
             <a:endParaRPr lang="en-US" sz="1210">
               <a:solidFill>
@@ -18108,23 +19840,431 @@
           </a:p>
         </p:txBody>
       </p:sp>
+      <p:sp>
+        <p:nvSpPr>
+          <p:cNvPr id="6" name="Rectangle 5">
+            <a:extLst>
+              <a:ext uri="{FF2B5EF4-FFF2-40B4-BE49-F238E27FC236}">
+                <a16:creationId xmlns:a16="http://schemas.microsoft.com/office/drawing/2014/main" id="{7ADAC357-8A70-B267-C0B1-D66D87012A8D}"/>
+              </a:ext>
+            </a:extLst>
+          </p:cNvPr>
+          <p:cNvSpPr/>
+          <p:nvPr/>
+        </p:nvSpPr>
+        <p:spPr>
+          <a:xfrm>
+            <a:off x="9076267" y="6434667"/>
+            <a:ext cx="2252133" cy="355600"/>
+          </a:xfrm>
+          <a:prstGeom prst="rect">
+            <a:avLst/>
+          </a:prstGeom>
+          <a:solidFill>
+            <a:schemeClr val="bg1"/>
+          </a:solidFill>
+          <a:ln>
+            <a:solidFill>
+              <a:schemeClr val="bg1"/>
+            </a:solidFill>
+          </a:ln>
+        </p:spPr>
+        <p:style>
+          <a:lnRef idx="2">
+            <a:schemeClr val="accent1">
+              <a:shade val="15000"/>
+            </a:schemeClr>
+          </a:lnRef>
+          <a:fillRef idx="1">
+            <a:schemeClr val="accent1"/>
+          </a:fillRef>
+          <a:effectRef idx="0">
+            <a:schemeClr val="accent1"/>
+          </a:effectRef>
+          <a:fontRef idx="minor">
+            <a:schemeClr val="lt1"/>
+          </a:fontRef>
+        </p:style>
+        <p:txBody>
+          <a:bodyPr rtlCol="0" anchor="ctr"/>
+          <a:lstStyle/>
+          <a:p>
+            <a:pPr algn="ctr"/>
+            <a:endParaRPr lang="en-IN"/>
+          </a:p>
+        </p:txBody>
+      </p:sp>
     </p:spTree>
     <p:extLst>
       <p:ext uri="{BB962C8B-B14F-4D97-AF65-F5344CB8AC3E}">
-        <p14:creationId xmlns:p14="http://schemas.microsoft.com/office/powerpoint/2010/main" val="3033208314"/>
+        <p14:creationId xmlns:p14="http://schemas.microsoft.com/office/powerpoint/2010/main" val="1530733265"/>
       </p:ext>
     </p:extLst>
   </p:cSld>
   <p:clrMapOvr>
     <a:masterClrMapping/>
   </p:clrMapOvr>
-  <mc:AlternateContent xmlns:mc="http://schemas.openxmlformats.org/markup-compatibility/2006">
-    <mc:Choice xmlns:p15="http://schemas.microsoft.com/office/powerpoint/2012/main" Requires="p15">
-      <p:transition xmlns:p14="http://schemas.microsoft.com/office/powerpoint/2010/main" spd="slow" p14:dur="1250">
-        <p15:prstTrans prst="peelOff"/>
+  <mc:AlternateContent xmlns:mc="http://schemas.openxmlformats.org/markup-compatibility/2006" xmlns:p14="http://schemas.microsoft.com/office/powerpoint/2010/main">
+    <mc:Choice Requires="p14">
+      <p:transition spd="med" p14:dur="700">
+        <p:fade/>
       </p:transition>
     </mc:Choice>
-    <mc:Fallback>
+    <mc:Fallback xmlns="">
+      <p:transition spd="med">
+        <p:fade/>
+      </p:transition>
+    </mc:Fallback>
+  </mc:AlternateContent>
+</p:sld>
+</file>
+
+<file path=ppt/slides/slide4.xml><?xml version="1.0" encoding="utf-8"?>
+<p:sld xmlns:a="http://schemas.openxmlformats.org/drawingml/2006/main" xmlns:r="http://schemas.openxmlformats.org/officeDocument/2006/relationships" xmlns:p="http://schemas.openxmlformats.org/presentationml/2006/main">
+  <p:cSld>
+    <p:spTree>
+      <p:nvGrpSpPr>
+        <p:cNvPr id="1" name=""/>
+        <p:cNvGrpSpPr/>
+        <p:nvPr/>
+      </p:nvGrpSpPr>
+      <p:grpSpPr>
+        <a:xfrm>
+          <a:off x="0" y="0"/>
+          <a:ext cx="0" cy="0"/>
+          <a:chOff x="0" y="0"/>
+          <a:chExt cx="0" cy="0"/>
+        </a:xfrm>
+      </p:grpSpPr>
+      <p:sp>
+        <p:nvSpPr>
+          <p:cNvPr id="2" name="Title 1">
+            <a:extLst>
+              <a:ext uri="{FF2B5EF4-FFF2-40B4-BE49-F238E27FC236}">
+                <a16:creationId xmlns:a16="http://schemas.microsoft.com/office/drawing/2014/main" id="{26D6C292-0DEC-714E-0EEB-15AB6CA58E04}"/>
+              </a:ext>
+            </a:extLst>
+          </p:cNvPr>
+          <p:cNvSpPr>
+            <a:spLocks noGrp="1"/>
+          </p:cNvSpPr>
+          <p:nvPr>
+            <p:ph type="title"/>
+          </p:nvPr>
+        </p:nvSpPr>
+        <p:spPr/>
+        <p:txBody>
+          <a:bodyPr/>
+          <a:lstStyle/>
+          <a:p>
+            <a:r>
+              <a:rPr lang="en-IN"/>
+              <a:t>SYSTEM ARCHITECTURE</a:t>
+            </a:r>
+          </a:p>
+        </p:txBody>
+      </p:sp>
+      <p:sp>
+        <p:nvSpPr>
+          <p:cNvPr id="3" name="Footer Placeholder 2">
+            <a:extLst>
+              <a:ext uri="{FF2B5EF4-FFF2-40B4-BE49-F238E27FC236}">
+                <a16:creationId xmlns:a16="http://schemas.microsoft.com/office/drawing/2014/main" id="{37AA5A9C-131A-61D3-0D80-FBCDC925A7EF}"/>
+              </a:ext>
+            </a:extLst>
+          </p:cNvPr>
+          <p:cNvSpPr>
+            <a:spLocks noGrp="1"/>
+          </p:cNvSpPr>
+          <p:nvPr>
+            <p:ph type="ftr" sz="quarter" idx="10"/>
+          </p:nvPr>
+        </p:nvSpPr>
+        <p:spPr/>
+        <p:txBody>
+          <a:bodyPr/>
+          <a:lstStyle/>
+          <a:p>
+            <a:r>
+              <a:rPr lang="en-ID"/>
+              <a:t>EMPLOYEE MANAGEMENT SYSTEM</a:t>
+            </a:r>
+            <a:endParaRPr lang="en-ID" dirty="0"/>
+          </a:p>
+        </p:txBody>
+      </p:sp>
+      <p:sp>
+        <p:nvSpPr>
+          <p:cNvPr id="4" name="Slide Number Placeholder 3">
+            <a:extLst>
+              <a:ext uri="{FF2B5EF4-FFF2-40B4-BE49-F238E27FC236}">
+                <a16:creationId xmlns:a16="http://schemas.microsoft.com/office/drawing/2014/main" id="{5994E344-92E0-1AF5-7FD8-CFEA032F6C45}"/>
+              </a:ext>
+            </a:extLst>
+          </p:cNvPr>
+          <p:cNvSpPr>
+            <a:spLocks noGrp="1"/>
+          </p:cNvSpPr>
+          <p:nvPr>
+            <p:ph type="sldNum" sz="quarter" idx="11"/>
+          </p:nvPr>
+        </p:nvSpPr>
+        <p:spPr/>
+        <p:txBody>
+          <a:bodyPr/>
+          <a:lstStyle/>
+          <a:p>
+            <a:fld id="{CF6F24BE-8BEB-403A-BDCC-38E201D0662D}" type="slidenum">
+              <a:rPr lang="en-ID" smtClean="0"/>
+              <a:pPr/>
+              <a:t>4</a:t>
+            </a:fld>
+            <a:endParaRPr lang="en-ID"/>
+          </a:p>
+        </p:txBody>
+      </p:sp>
+      <p:sp>
+        <p:nvSpPr>
+          <p:cNvPr id="5" name="Text Placeholder 4">
+            <a:extLst>
+              <a:ext uri="{FF2B5EF4-FFF2-40B4-BE49-F238E27FC236}">
+                <a16:creationId xmlns:a16="http://schemas.microsoft.com/office/drawing/2014/main" id="{D9E071DB-8F4F-082C-F447-AD2920410BBC}"/>
+              </a:ext>
+            </a:extLst>
+          </p:cNvPr>
+          <p:cNvSpPr>
+            <a:spLocks noGrp="1"/>
+          </p:cNvSpPr>
+          <p:nvPr>
+            <p:ph type="body" sz="quarter" idx="13"/>
+          </p:nvPr>
+        </p:nvSpPr>
+        <p:spPr/>
+        <p:txBody>
+          <a:bodyPr/>
+          <a:lstStyle/>
+          <a:p>
+            <a:r>
+              <a:rPr lang="en-US" dirty="0"/>
+              <a:t>Handles the data representation of All Data Tables. It defines how employee information is structured with other  Tables</a:t>
+            </a:r>
+            <a:endParaRPr lang="en-IN" dirty="0"/>
+          </a:p>
+        </p:txBody>
+      </p:sp>
+      <p:sp>
+        <p:nvSpPr>
+          <p:cNvPr id="6" name="Text Placeholder 5">
+            <a:extLst>
+              <a:ext uri="{FF2B5EF4-FFF2-40B4-BE49-F238E27FC236}">
+                <a16:creationId xmlns:a16="http://schemas.microsoft.com/office/drawing/2014/main" id="{E7E7CB6A-0A52-AFF4-BCD3-B317F2843A89}"/>
+              </a:ext>
+            </a:extLst>
+          </p:cNvPr>
+          <p:cNvSpPr>
+            <a:spLocks noGrp="1"/>
+          </p:cNvSpPr>
+          <p:nvPr>
+            <p:ph type="body" sz="quarter" idx="14"/>
+          </p:nvPr>
+        </p:nvSpPr>
+        <p:spPr/>
+        <p:txBody>
+          <a:bodyPr/>
+          <a:lstStyle/>
+          <a:p>
+            <a:r>
+              <a:rPr lang="en-US" dirty="0"/>
+              <a:t>Contains the core application logic and workflows. This layer processes commands from the user interface.</a:t>
+            </a:r>
+            <a:endParaRPr lang="en-IN" dirty="0"/>
+          </a:p>
+        </p:txBody>
+      </p:sp>
+      <p:sp>
+        <p:nvSpPr>
+          <p:cNvPr id="7" name="Text Placeholder 6">
+            <a:extLst>
+              <a:ext uri="{FF2B5EF4-FFF2-40B4-BE49-F238E27FC236}">
+                <a16:creationId xmlns:a16="http://schemas.microsoft.com/office/drawing/2014/main" id="{755D20FA-DD37-BED2-D480-315F19B66EBB}"/>
+              </a:ext>
+            </a:extLst>
+          </p:cNvPr>
+          <p:cNvSpPr>
+            <a:spLocks noGrp="1"/>
+          </p:cNvSpPr>
+          <p:nvPr>
+            <p:ph type="body" sz="quarter" idx="15"/>
+          </p:nvPr>
+        </p:nvSpPr>
+        <p:spPr/>
+        <p:txBody>
+          <a:bodyPr/>
+          <a:lstStyle/>
+          <a:p>
+            <a:r>
+              <a:rPr lang="en-IN"/>
+              <a:t>MODEL LAYER</a:t>
+            </a:r>
+          </a:p>
+        </p:txBody>
+      </p:sp>
+      <p:sp>
+        <p:nvSpPr>
+          <p:cNvPr id="8" name="Text Placeholder 7">
+            <a:extLst>
+              <a:ext uri="{FF2B5EF4-FFF2-40B4-BE49-F238E27FC236}">
+                <a16:creationId xmlns:a16="http://schemas.microsoft.com/office/drawing/2014/main" id="{F9E8B213-000A-A081-A0BC-FDAA5A375561}"/>
+              </a:ext>
+            </a:extLst>
+          </p:cNvPr>
+          <p:cNvSpPr>
+            <a:spLocks noGrp="1"/>
+          </p:cNvSpPr>
+          <p:nvPr>
+            <p:ph type="body" sz="quarter" idx="16"/>
+          </p:nvPr>
+        </p:nvSpPr>
+        <p:spPr/>
+        <p:txBody>
+          <a:bodyPr/>
+          <a:lstStyle/>
+          <a:p>
+            <a:r>
+              <a:rPr lang="en-IN" dirty="0"/>
+              <a:t> LOGIC LAYER</a:t>
+            </a:r>
+          </a:p>
+        </p:txBody>
+      </p:sp>
+      <p:sp>
+        <p:nvSpPr>
+          <p:cNvPr id="9" name="Text Placeholder 8">
+            <a:extLst>
+              <a:ext uri="{FF2B5EF4-FFF2-40B4-BE49-F238E27FC236}">
+                <a16:creationId xmlns:a16="http://schemas.microsoft.com/office/drawing/2014/main" id="{8713B230-5355-C726-4B19-0E3A8A81B8BA}"/>
+              </a:ext>
+            </a:extLst>
+          </p:cNvPr>
+          <p:cNvSpPr>
+            <a:spLocks noGrp="1"/>
+          </p:cNvSpPr>
+          <p:nvPr>
+            <p:ph type="body" sz="quarter" idx="17"/>
+          </p:nvPr>
+        </p:nvSpPr>
+        <p:spPr/>
+        <p:txBody>
+          <a:bodyPr/>
+          <a:lstStyle/>
+          <a:p>
+            <a:r>
+              <a:rPr lang="en-US" dirty="0"/>
+              <a:t>Manages interactions with the SQL Server database. It uses Entity Framework Core for data operations.</a:t>
+            </a:r>
+            <a:endParaRPr lang="en-IN" dirty="0"/>
+          </a:p>
+        </p:txBody>
+      </p:sp>
+      <p:sp>
+        <p:nvSpPr>
+          <p:cNvPr id="10" name="Text Placeholder 9">
+            <a:extLst>
+              <a:ext uri="{FF2B5EF4-FFF2-40B4-BE49-F238E27FC236}">
+                <a16:creationId xmlns:a16="http://schemas.microsoft.com/office/drawing/2014/main" id="{AA2E58A0-18F4-3214-61F6-03297E09922F}"/>
+              </a:ext>
+            </a:extLst>
+          </p:cNvPr>
+          <p:cNvSpPr>
+            <a:spLocks noGrp="1"/>
+          </p:cNvSpPr>
+          <p:nvPr>
+            <p:ph type="body" sz="quarter" idx="18"/>
+          </p:nvPr>
+        </p:nvSpPr>
+        <p:spPr/>
+        <p:txBody>
+          <a:bodyPr/>
+          <a:lstStyle/>
+          <a:p>
+            <a:r>
+              <a:rPr lang="en-IN"/>
+              <a:t>DATA ACCESS LAYER</a:t>
+            </a:r>
+          </a:p>
+        </p:txBody>
+      </p:sp>
+      <p:sp>
+        <p:nvSpPr>
+          <p:cNvPr id="11" name="Rectangle 10">
+            <a:extLst>
+              <a:ext uri="{FF2B5EF4-FFF2-40B4-BE49-F238E27FC236}">
+                <a16:creationId xmlns:a16="http://schemas.microsoft.com/office/drawing/2014/main" id="{8BFB317C-4E99-9C5A-CDAA-986E96DB4D29}"/>
+              </a:ext>
+            </a:extLst>
+          </p:cNvPr>
+          <p:cNvSpPr/>
+          <p:nvPr/>
+        </p:nvSpPr>
+        <p:spPr>
+          <a:xfrm>
+            <a:off x="9017000" y="6451600"/>
+            <a:ext cx="2370667" cy="365125"/>
+          </a:xfrm>
+          <a:prstGeom prst="rect">
+            <a:avLst/>
+          </a:prstGeom>
+          <a:solidFill>
+            <a:schemeClr val="bg1"/>
+          </a:solidFill>
+          <a:ln>
+            <a:solidFill>
+              <a:schemeClr val="bg1"/>
+            </a:solidFill>
+          </a:ln>
+        </p:spPr>
+        <p:style>
+          <a:lnRef idx="2">
+            <a:schemeClr val="accent1">
+              <a:shade val="15000"/>
+            </a:schemeClr>
+          </a:lnRef>
+          <a:fillRef idx="1">
+            <a:schemeClr val="accent1"/>
+          </a:fillRef>
+          <a:effectRef idx="0">
+            <a:schemeClr val="accent1"/>
+          </a:effectRef>
+          <a:fontRef idx="minor">
+            <a:schemeClr val="lt1"/>
+          </a:fontRef>
+        </p:style>
+        <p:txBody>
+          <a:bodyPr rtlCol="0" anchor="ctr"/>
+          <a:lstStyle/>
+          <a:p>
+            <a:pPr algn="ctr"/>
+            <a:endParaRPr lang="en-IN"/>
+          </a:p>
+        </p:txBody>
+      </p:sp>
+    </p:spTree>
+    <p:extLst>
+      <p:ext uri="{BB962C8B-B14F-4D97-AF65-F5344CB8AC3E}">
+        <p14:creationId xmlns:p14="http://schemas.microsoft.com/office/powerpoint/2010/main" val="3238500781"/>
+      </p:ext>
+    </p:extLst>
+  </p:cSld>
+  <p:clrMapOvr>
+    <a:masterClrMapping/>
+  </p:clrMapOvr>
+  <mc:AlternateContent xmlns:mc="http://schemas.openxmlformats.org/markup-compatibility/2006" xmlns:p14="http://schemas.microsoft.com/office/powerpoint/2010/main">
+    <mc:Choice Requires="p14">
+      <p:transition spd="slow" p14:dur="3400">
+        <p14:reveal/>
+      </p:transition>
+    </mc:Choice>
+    <mc:Fallback xmlns="">
       <p:transition spd="slow">
         <p:fade/>
       </p:transition>
@@ -18133,7 +20273,1044 @@
 </p:sld>
 </file>
 
-<file path=ppt/slides/slide9.xml><?xml version="1.0" encoding="utf-8"?>
+<file path=ppt/slides/slide5.xml><?xml version="1.0" encoding="utf-8"?>
+<p:sld xmlns:a="http://schemas.openxmlformats.org/drawingml/2006/main" xmlns:r="http://schemas.openxmlformats.org/officeDocument/2006/relationships" xmlns:p="http://schemas.openxmlformats.org/presentationml/2006/main">
+  <p:cSld>
+    <p:spTree>
+      <p:nvGrpSpPr>
+        <p:cNvPr id="1" name=""/>
+        <p:cNvGrpSpPr/>
+        <p:nvPr/>
+      </p:nvGrpSpPr>
+      <p:grpSpPr>
+        <a:xfrm>
+          <a:off x="0" y="0"/>
+          <a:ext cx="0" cy="0"/>
+          <a:chOff x="0" y="0"/>
+          <a:chExt cx="0" cy="0"/>
+        </a:xfrm>
+      </p:grpSpPr>
+      <p:sp>
+        <p:nvSpPr>
+          <p:cNvPr id="2" name="Title 1">
+            <a:extLst>
+              <a:ext uri="{FF2B5EF4-FFF2-40B4-BE49-F238E27FC236}">
+                <a16:creationId xmlns:a16="http://schemas.microsoft.com/office/drawing/2014/main" id="{72DD4EC0-91EF-609E-7E01-CBAA9D7433B9}"/>
+              </a:ext>
+            </a:extLst>
+          </p:cNvPr>
+          <p:cNvSpPr>
+            <a:spLocks noGrp="1"/>
+          </p:cNvSpPr>
+          <p:nvPr>
+            <p:ph type="title"/>
+          </p:nvPr>
+        </p:nvSpPr>
+        <p:spPr/>
+        <p:txBody>
+          <a:bodyPr/>
+          <a:lstStyle/>
+          <a:p>
+            <a:r>
+              <a:rPr lang="en-IN"/>
+              <a:t>KEY FEATURES</a:t>
+            </a:r>
+          </a:p>
+        </p:txBody>
+      </p:sp>
+      <p:sp>
+        <p:nvSpPr>
+          <p:cNvPr id="3" name="Footer Placeholder 2">
+            <a:extLst>
+              <a:ext uri="{FF2B5EF4-FFF2-40B4-BE49-F238E27FC236}">
+                <a16:creationId xmlns:a16="http://schemas.microsoft.com/office/drawing/2014/main" id="{4AA59062-BBF0-9BA8-8B90-98EEBB3B536C}"/>
+              </a:ext>
+            </a:extLst>
+          </p:cNvPr>
+          <p:cNvSpPr>
+            <a:spLocks noGrp="1"/>
+          </p:cNvSpPr>
+          <p:nvPr>
+            <p:ph type="ftr" sz="quarter" idx="10"/>
+          </p:nvPr>
+        </p:nvSpPr>
+        <p:spPr/>
+        <p:txBody>
+          <a:bodyPr/>
+          <a:lstStyle/>
+          <a:p>
+            <a:r>
+              <a:rPr lang="en-ID"/>
+              <a:t>EMPLOYEE MANAGEMENT SYSTEM</a:t>
+            </a:r>
+            <a:endParaRPr lang="en-ID" dirty="0"/>
+          </a:p>
+        </p:txBody>
+      </p:sp>
+      <p:sp>
+        <p:nvSpPr>
+          <p:cNvPr id="4" name="Slide Number Placeholder 3">
+            <a:extLst>
+              <a:ext uri="{FF2B5EF4-FFF2-40B4-BE49-F238E27FC236}">
+                <a16:creationId xmlns:a16="http://schemas.microsoft.com/office/drawing/2014/main" id="{D4E5E959-C367-7C53-C5E5-A311EAB25BF6}"/>
+              </a:ext>
+            </a:extLst>
+          </p:cNvPr>
+          <p:cNvSpPr>
+            <a:spLocks noGrp="1"/>
+          </p:cNvSpPr>
+          <p:nvPr>
+            <p:ph type="sldNum" sz="quarter" idx="11"/>
+          </p:nvPr>
+        </p:nvSpPr>
+        <p:spPr/>
+        <p:txBody>
+          <a:bodyPr/>
+          <a:lstStyle/>
+          <a:p>
+            <a:fld id="{CF6F24BE-8BEB-403A-BDCC-38E201D0662D}" type="slidenum">
+              <a:rPr lang="en-ID" smtClean="0"/>
+              <a:pPr/>
+              <a:t>5</a:t>
+            </a:fld>
+            <a:endParaRPr lang="en-ID"/>
+          </a:p>
+        </p:txBody>
+      </p:sp>
+      <p:sp>
+        <p:nvSpPr>
+          <p:cNvPr id="5" name="Text Placeholder 4">
+            <a:extLst>
+              <a:ext uri="{FF2B5EF4-FFF2-40B4-BE49-F238E27FC236}">
+                <a16:creationId xmlns:a16="http://schemas.microsoft.com/office/drawing/2014/main" id="{B7A38A1A-E1BB-8E14-FE1C-3427B1B74537}"/>
+              </a:ext>
+            </a:extLst>
+          </p:cNvPr>
+          <p:cNvSpPr>
+            <a:spLocks noGrp="1"/>
+          </p:cNvSpPr>
+          <p:nvPr>
+            <p:ph type="body" sz="quarter" idx="13"/>
+          </p:nvPr>
+        </p:nvSpPr>
+        <p:spPr/>
+        <p:txBody>
+          <a:bodyPr/>
+          <a:lstStyle/>
+          <a:p>
+            <a:r>
+              <a:rPr lang="en-US"/>
+              <a:t>Our system allows complete management of employee records. Users can add, update, view, and delete employee information seamlessly.</a:t>
+            </a:r>
+            <a:endParaRPr lang="en-IN"/>
+          </a:p>
+        </p:txBody>
+      </p:sp>
+      <p:sp>
+        <p:nvSpPr>
+          <p:cNvPr id="6" name="Text Placeholder 5">
+            <a:extLst>
+              <a:ext uri="{FF2B5EF4-FFF2-40B4-BE49-F238E27FC236}">
+                <a16:creationId xmlns:a16="http://schemas.microsoft.com/office/drawing/2014/main" id="{C58ECB54-27AC-74A3-EEC3-6790A779E250}"/>
+              </a:ext>
+            </a:extLst>
+          </p:cNvPr>
+          <p:cNvSpPr>
+            <a:spLocks noGrp="1"/>
+          </p:cNvSpPr>
+          <p:nvPr>
+            <p:ph type="body" sz="quarter" idx="14"/>
+          </p:nvPr>
+        </p:nvSpPr>
+        <p:spPr/>
+        <p:txBody>
+          <a:bodyPr/>
+          <a:lstStyle/>
+          <a:p>
+            <a:r>
+              <a:rPr lang="en-US"/>
+              <a:t>The system sends automated emails for important events. Notifications include password recovery links and alerts for new hires.</a:t>
+            </a:r>
+            <a:endParaRPr lang="en-IN"/>
+          </a:p>
+        </p:txBody>
+      </p:sp>
+      <p:sp>
+        <p:nvSpPr>
+          <p:cNvPr id="7" name="Text Placeholder 6">
+            <a:extLst>
+              <a:ext uri="{FF2B5EF4-FFF2-40B4-BE49-F238E27FC236}">
+                <a16:creationId xmlns:a16="http://schemas.microsoft.com/office/drawing/2014/main" id="{B579805D-6928-5D44-D624-0EF81F34B083}"/>
+              </a:ext>
+            </a:extLst>
+          </p:cNvPr>
+          <p:cNvSpPr>
+            <a:spLocks noGrp="1"/>
+          </p:cNvSpPr>
+          <p:nvPr>
+            <p:ph type="body" sz="quarter" idx="15"/>
+          </p:nvPr>
+        </p:nvSpPr>
+        <p:spPr/>
+        <p:txBody>
+          <a:bodyPr/>
+          <a:lstStyle/>
+          <a:p>
+            <a:r>
+              <a:rPr lang="en-IN"/>
+              <a:t>CRUD OPERATIONS</a:t>
+            </a:r>
+          </a:p>
+        </p:txBody>
+      </p:sp>
+      <p:sp>
+        <p:nvSpPr>
+          <p:cNvPr id="8" name="Text Placeholder 7">
+            <a:extLst>
+              <a:ext uri="{FF2B5EF4-FFF2-40B4-BE49-F238E27FC236}">
+                <a16:creationId xmlns:a16="http://schemas.microsoft.com/office/drawing/2014/main" id="{C340BBF0-F85D-2242-4D22-9FA9D40A537A}"/>
+              </a:ext>
+            </a:extLst>
+          </p:cNvPr>
+          <p:cNvSpPr>
+            <a:spLocks noGrp="1"/>
+          </p:cNvSpPr>
+          <p:nvPr>
+            <p:ph type="body" sz="quarter" idx="16"/>
+          </p:nvPr>
+        </p:nvSpPr>
+        <p:spPr/>
+        <p:txBody>
+          <a:bodyPr/>
+          <a:lstStyle/>
+          <a:p>
+            <a:r>
+              <a:rPr lang="en-IN"/>
+              <a:t>EMAIL NOTIFICATIONS</a:t>
+            </a:r>
+          </a:p>
+        </p:txBody>
+      </p:sp>
+      <p:sp>
+        <p:nvSpPr>
+          <p:cNvPr id="9" name="Text Placeholder 8">
+            <a:extLst>
+              <a:ext uri="{FF2B5EF4-FFF2-40B4-BE49-F238E27FC236}">
+                <a16:creationId xmlns:a16="http://schemas.microsoft.com/office/drawing/2014/main" id="{035D19FC-051F-5BC1-2303-6BE2C881664F}"/>
+              </a:ext>
+            </a:extLst>
+          </p:cNvPr>
+          <p:cNvSpPr>
+            <a:spLocks noGrp="1"/>
+          </p:cNvSpPr>
+          <p:nvPr>
+            <p:ph type="body" sz="quarter" idx="17"/>
+          </p:nvPr>
+        </p:nvSpPr>
+        <p:spPr/>
+        <p:txBody>
+          <a:bodyPr/>
+          <a:lstStyle/>
+          <a:p>
+            <a:r>
+              <a:rPr lang="en-US"/>
+              <a:t>Different roles access customized dashboards. Admins, managers, HR, and employees have unique views tailored to their functions.</a:t>
+            </a:r>
+            <a:endParaRPr lang="en-IN"/>
+          </a:p>
+        </p:txBody>
+      </p:sp>
+      <p:sp>
+        <p:nvSpPr>
+          <p:cNvPr id="10" name="Text Placeholder 9">
+            <a:extLst>
+              <a:ext uri="{FF2B5EF4-FFF2-40B4-BE49-F238E27FC236}">
+                <a16:creationId xmlns:a16="http://schemas.microsoft.com/office/drawing/2014/main" id="{04BE4AF8-17B8-37C2-81C9-A7105599ECE3}"/>
+              </a:ext>
+            </a:extLst>
+          </p:cNvPr>
+          <p:cNvSpPr>
+            <a:spLocks noGrp="1"/>
+          </p:cNvSpPr>
+          <p:nvPr>
+            <p:ph type="body" sz="quarter" idx="18"/>
+          </p:nvPr>
+        </p:nvSpPr>
+        <p:spPr/>
+        <p:txBody>
+          <a:bodyPr/>
+          <a:lstStyle/>
+          <a:p>
+            <a:r>
+              <a:rPr lang="en-IN"/>
+              <a:t>ROLE-BASED DASHBOARDS</a:t>
+            </a:r>
+          </a:p>
+        </p:txBody>
+      </p:sp>
+      <p:sp>
+        <p:nvSpPr>
+          <p:cNvPr id="11" name="Rectangle 10">
+            <a:extLst>
+              <a:ext uri="{FF2B5EF4-FFF2-40B4-BE49-F238E27FC236}">
+                <a16:creationId xmlns:a16="http://schemas.microsoft.com/office/drawing/2014/main" id="{8DD2457A-3489-6AF6-B6C9-F34D933B0993}"/>
+              </a:ext>
+            </a:extLst>
+          </p:cNvPr>
+          <p:cNvSpPr/>
+          <p:nvPr/>
+        </p:nvSpPr>
+        <p:spPr>
+          <a:xfrm>
+            <a:off x="9067800" y="6356351"/>
+            <a:ext cx="2269067" cy="501649"/>
+          </a:xfrm>
+          <a:prstGeom prst="rect">
+            <a:avLst/>
+          </a:prstGeom>
+          <a:solidFill>
+            <a:schemeClr val="bg1"/>
+          </a:solidFill>
+          <a:ln>
+            <a:solidFill>
+              <a:schemeClr val="bg1"/>
+            </a:solidFill>
+          </a:ln>
+        </p:spPr>
+        <p:style>
+          <a:lnRef idx="2">
+            <a:schemeClr val="accent1">
+              <a:shade val="15000"/>
+            </a:schemeClr>
+          </a:lnRef>
+          <a:fillRef idx="1">
+            <a:schemeClr val="accent1"/>
+          </a:fillRef>
+          <a:effectRef idx="0">
+            <a:schemeClr val="accent1"/>
+          </a:effectRef>
+          <a:fontRef idx="minor">
+            <a:schemeClr val="lt1"/>
+          </a:fontRef>
+        </p:style>
+        <p:txBody>
+          <a:bodyPr rtlCol="0" anchor="ctr"/>
+          <a:lstStyle/>
+          <a:p>
+            <a:pPr algn="ctr"/>
+            <a:endParaRPr lang="en-IN"/>
+          </a:p>
+        </p:txBody>
+      </p:sp>
+    </p:spTree>
+    <p:extLst>
+      <p:ext uri="{BB962C8B-B14F-4D97-AF65-F5344CB8AC3E}">
+        <p14:creationId xmlns:p14="http://schemas.microsoft.com/office/powerpoint/2010/main" val="191083652"/>
+      </p:ext>
+    </p:extLst>
+  </p:cSld>
+  <p:clrMapOvr>
+    <a:masterClrMapping/>
+  </p:clrMapOvr>
+  <p:transition spd="slow">
+    <p:randomBar dir="vert"/>
+  </p:transition>
+</p:sld>
+</file>
+
+<file path=ppt/slides/slide6.xml><?xml version="1.0" encoding="utf-8"?>
+<p:sld xmlns:a="http://schemas.openxmlformats.org/drawingml/2006/main" xmlns:r="http://schemas.openxmlformats.org/officeDocument/2006/relationships" xmlns:p="http://schemas.openxmlformats.org/presentationml/2006/main">
+  <p:cSld>
+    <p:spTree>
+      <p:nvGrpSpPr>
+        <p:cNvPr id="1" name=""/>
+        <p:cNvGrpSpPr/>
+        <p:nvPr/>
+      </p:nvGrpSpPr>
+      <p:grpSpPr>
+        <a:xfrm>
+          <a:off x="0" y="0"/>
+          <a:ext cx="0" cy="0"/>
+          <a:chOff x="0" y="0"/>
+          <a:chExt cx="0" cy="0"/>
+        </a:xfrm>
+      </p:grpSpPr>
+      <p:sp>
+        <p:nvSpPr>
+          <p:cNvPr id="2" name="Title 1">
+            <a:extLst>
+              <a:ext uri="{FF2B5EF4-FFF2-40B4-BE49-F238E27FC236}">
+                <a16:creationId xmlns:a16="http://schemas.microsoft.com/office/drawing/2014/main" id="{73B59719-A134-3EA9-2E72-C76B3F6E9147}"/>
+              </a:ext>
+            </a:extLst>
+          </p:cNvPr>
+          <p:cNvSpPr>
+            <a:spLocks noGrp="1"/>
+          </p:cNvSpPr>
+          <p:nvPr>
+            <p:ph type="title"/>
+          </p:nvPr>
+        </p:nvSpPr>
+        <p:spPr/>
+        <p:txBody>
+          <a:bodyPr/>
+          <a:lstStyle/>
+          <a:p>
+            <a:r>
+              <a:rPr lang="en-IN"/>
+              <a:t>SECURITY FEATURES</a:t>
+            </a:r>
+          </a:p>
+        </p:txBody>
+      </p:sp>
+      <p:sp>
+        <p:nvSpPr>
+          <p:cNvPr id="3" name="Footer Placeholder 2">
+            <a:extLst>
+              <a:ext uri="{FF2B5EF4-FFF2-40B4-BE49-F238E27FC236}">
+                <a16:creationId xmlns:a16="http://schemas.microsoft.com/office/drawing/2014/main" id="{D15265EA-B5A9-1E4B-458A-06E7CA7C7692}"/>
+              </a:ext>
+            </a:extLst>
+          </p:cNvPr>
+          <p:cNvSpPr>
+            <a:spLocks noGrp="1"/>
+          </p:cNvSpPr>
+          <p:nvPr>
+            <p:ph type="ftr" sz="quarter" idx="10"/>
+          </p:nvPr>
+        </p:nvSpPr>
+        <p:spPr/>
+        <p:txBody>
+          <a:bodyPr/>
+          <a:lstStyle/>
+          <a:p>
+            <a:r>
+              <a:rPr lang="en-ID"/>
+              <a:t>EMPLOYEE MANAGEMENT SYSTEM</a:t>
+            </a:r>
+            <a:endParaRPr lang="en-ID" dirty="0"/>
+          </a:p>
+        </p:txBody>
+      </p:sp>
+      <p:sp>
+        <p:nvSpPr>
+          <p:cNvPr id="4" name="Slide Number Placeholder 3">
+            <a:extLst>
+              <a:ext uri="{FF2B5EF4-FFF2-40B4-BE49-F238E27FC236}">
+                <a16:creationId xmlns:a16="http://schemas.microsoft.com/office/drawing/2014/main" id="{0DFD0025-7568-27DA-34F2-BF180B2FEE23}"/>
+              </a:ext>
+            </a:extLst>
+          </p:cNvPr>
+          <p:cNvSpPr>
+            <a:spLocks noGrp="1"/>
+          </p:cNvSpPr>
+          <p:nvPr>
+            <p:ph type="sldNum" sz="quarter" idx="11"/>
+          </p:nvPr>
+        </p:nvSpPr>
+        <p:spPr/>
+        <p:txBody>
+          <a:bodyPr/>
+          <a:lstStyle/>
+          <a:p>
+            <a:fld id="{CF6F24BE-8BEB-403A-BDCC-38E201D0662D}" type="slidenum">
+              <a:rPr lang="en-ID" smtClean="0"/>
+              <a:pPr/>
+              <a:t>6</a:t>
+            </a:fld>
+            <a:endParaRPr lang="en-ID"/>
+          </a:p>
+        </p:txBody>
+      </p:sp>
+      <p:sp>
+        <p:nvSpPr>
+          <p:cNvPr id="5" name="Text Placeholder 4">
+            <a:extLst>
+              <a:ext uri="{FF2B5EF4-FFF2-40B4-BE49-F238E27FC236}">
+                <a16:creationId xmlns:a16="http://schemas.microsoft.com/office/drawing/2014/main" id="{12C9B01F-6CE8-D2AE-7202-507E13A53335}"/>
+              </a:ext>
+            </a:extLst>
+          </p:cNvPr>
+          <p:cNvSpPr>
+            <a:spLocks noGrp="1"/>
+          </p:cNvSpPr>
+          <p:nvPr>
+            <p:ph type="body" sz="quarter" idx="13"/>
+          </p:nvPr>
+        </p:nvSpPr>
+        <p:spPr/>
+        <p:txBody>
+          <a:bodyPr/>
+          <a:lstStyle/>
+          <a:p>
+            <a:r>
+              <a:rPr lang="en-US"/>
+              <a:t>The system ensures strong password policies to protect user accounts from unauthorized access. It encourages combining letters, numbers, and symbols.</a:t>
+            </a:r>
+            <a:endParaRPr lang="en-IN"/>
+          </a:p>
+        </p:txBody>
+      </p:sp>
+      <p:sp>
+        <p:nvSpPr>
+          <p:cNvPr id="6" name="Text Placeholder 5">
+            <a:extLst>
+              <a:ext uri="{FF2B5EF4-FFF2-40B4-BE49-F238E27FC236}">
+                <a16:creationId xmlns:a16="http://schemas.microsoft.com/office/drawing/2014/main" id="{3BE6785C-9B04-883C-C9F9-35E321409EF4}"/>
+              </a:ext>
+            </a:extLst>
+          </p:cNvPr>
+          <p:cNvSpPr>
+            <a:spLocks noGrp="1"/>
+          </p:cNvSpPr>
+          <p:nvPr>
+            <p:ph type="body" sz="quarter" idx="14"/>
+          </p:nvPr>
+        </p:nvSpPr>
+        <p:spPr/>
+        <p:txBody>
+          <a:bodyPr/>
+          <a:lstStyle/>
+          <a:p>
+            <a:r>
+              <a:rPr lang="en-US"/>
+              <a:t>All passwords are hashed before storage, enhancing security. This means even if data is compromised, actual passwords remain protected.</a:t>
+            </a:r>
+            <a:endParaRPr lang="en-IN"/>
+          </a:p>
+        </p:txBody>
+      </p:sp>
+      <p:sp>
+        <p:nvSpPr>
+          <p:cNvPr id="7" name="Text Placeholder 6">
+            <a:extLst>
+              <a:ext uri="{FF2B5EF4-FFF2-40B4-BE49-F238E27FC236}">
+                <a16:creationId xmlns:a16="http://schemas.microsoft.com/office/drawing/2014/main" id="{2D9D2683-41FF-8B5C-0831-51A87996C35E}"/>
+              </a:ext>
+            </a:extLst>
+          </p:cNvPr>
+          <p:cNvSpPr>
+            <a:spLocks noGrp="1"/>
+          </p:cNvSpPr>
+          <p:nvPr>
+            <p:ph type="body" sz="quarter" idx="15"/>
+          </p:nvPr>
+        </p:nvSpPr>
+        <p:spPr/>
+        <p:txBody>
+          <a:bodyPr/>
+          <a:lstStyle/>
+          <a:p>
+            <a:r>
+              <a:rPr lang="en-IN"/>
+              <a:t>PASSWORD VALIDATION</a:t>
+            </a:r>
+          </a:p>
+        </p:txBody>
+      </p:sp>
+      <p:sp>
+        <p:nvSpPr>
+          <p:cNvPr id="8" name="Text Placeholder 7">
+            <a:extLst>
+              <a:ext uri="{FF2B5EF4-FFF2-40B4-BE49-F238E27FC236}">
+                <a16:creationId xmlns:a16="http://schemas.microsoft.com/office/drawing/2014/main" id="{61C36F59-23B6-C510-EF7E-D615C0E03188}"/>
+              </a:ext>
+            </a:extLst>
+          </p:cNvPr>
+          <p:cNvSpPr>
+            <a:spLocks noGrp="1"/>
+          </p:cNvSpPr>
+          <p:nvPr>
+            <p:ph type="body" sz="quarter" idx="16"/>
+          </p:nvPr>
+        </p:nvSpPr>
+        <p:spPr/>
+        <p:txBody>
+          <a:bodyPr/>
+          <a:lstStyle/>
+          <a:p>
+            <a:r>
+              <a:rPr lang="en-IN"/>
+              <a:t>PASSWORD HASHING</a:t>
+            </a:r>
+          </a:p>
+        </p:txBody>
+      </p:sp>
+      <p:sp>
+        <p:nvSpPr>
+          <p:cNvPr id="9" name="Text Placeholder 8">
+            <a:extLst>
+              <a:ext uri="{FF2B5EF4-FFF2-40B4-BE49-F238E27FC236}">
+                <a16:creationId xmlns:a16="http://schemas.microsoft.com/office/drawing/2014/main" id="{8C79758F-7114-AAD4-1C8D-420BB266D88B}"/>
+              </a:ext>
+            </a:extLst>
+          </p:cNvPr>
+          <p:cNvSpPr>
+            <a:spLocks noGrp="1"/>
+          </p:cNvSpPr>
+          <p:nvPr>
+            <p:ph type="body" sz="quarter" idx="17"/>
+          </p:nvPr>
+        </p:nvSpPr>
+        <p:spPr/>
+        <p:txBody>
+          <a:bodyPr/>
+          <a:lstStyle/>
+          <a:p>
+            <a:r>
+              <a:rPr lang="en-US"/>
+              <a:t>When users log in, credentials are verified securely to prevent breaches. This process uses encryption and secure channels to strengthen user privacy.</a:t>
+            </a:r>
+            <a:endParaRPr lang="en-IN"/>
+          </a:p>
+        </p:txBody>
+      </p:sp>
+      <p:sp>
+        <p:nvSpPr>
+          <p:cNvPr id="10" name="Text Placeholder 9">
+            <a:extLst>
+              <a:ext uri="{FF2B5EF4-FFF2-40B4-BE49-F238E27FC236}">
+                <a16:creationId xmlns:a16="http://schemas.microsoft.com/office/drawing/2014/main" id="{D1B1351F-8F06-2F36-8776-4A7D6A2A090C}"/>
+              </a:ext>
+            </a:extLst>
+          </p:cNvPr>
+          <p:cNvSpPr>
+            <a:spLocks noGrp="1"/>
+          </p:cNvSpPr>
+          <p:nvPr>
+            <p:ph type="body" sz="quarter" idx="18"/>
+          </p:nvPr>
+        </p:nvSpPr>
+        <p:spPr/>
+        <p:txBody>
+          <a:bodyPr/>
+          <a:lstStyle/>
+          <a:p>
+            <a:r>
+              <a:rPr lang="en-IN"/>
+              <a:t>SECURE CREDENTIAL VERIFICATION</a:t>
+            </a:r>
+          </a:p>
+        </p:txBody>
+      </p:sp>
+      <p:sp>
+        <p:nvSpPr>
+          <p:cNvPr id="11" name="Rectangle 10">
+            <a:extLst>
+              <a:ext uri="{FF2B5EF4-FFF2-40B4-BE49-F238E27FC236}">
+                <a16:creationId xmlns:a16="http://schemas.microsoft.com/office/drawing/2014/main" id="{5C7F3C42-F75F-302D-A797-3FADF4DA0F89}"/>
+              </a:ext>
+            </a:extLst>
+          </p:cNvPr>
+          <p:cNvSpPr/>
+          <p:nvPr/>
+        </p:nvSpPr>
+        <p:spPr>
+          <a:xfrm>
+            <a:off x="9017000" y="6468533"/>
+            <a:ext cx="2345267" cy="365125"/>
+          </a:xfrm>
+          <a:prstGeom prst="rect">
+            <a:avLst/>
+          </a:prstGeom>
+          <a:solidFill>
+            <a:schemeClr val="bg1"/>
+          </a:solidFill>
+          <a:ln>
+            <a:solidFill>
+              <a:schemeClr val="bg1"/>
+            </a:solidFill>
+          </a:ln>
+        </p:spPr>
+        <p:style>
+          <a:lnRef idx="2">
+            <a:schemeClr val="accent1">
+              <a:shade val="15000"/>
+            </a:schemeClr>
+          </a:lnRef>
+          <a:fillRef idx="1">
+            <a:schemeClr val="accent1"/>
+          </a:fillRef>
+          <a:effectRef idx="0">
+            <a:schemeClr val="accent1"/>
+          </a:effectRef>
+          <a:fontRef idx="minor">
+            <a:schemeClr val="lt1"/>
+          </a:fontRef>
+        </p:style>
+        <p:txBody>
+          <a:bodyPr rtlCol="0" anchor="ctr"/>
+          <a:lstStyle/>
+          <a:p>
+            <a:pPr algn="ctr"/>
+            <a:endParaRPr lang="en-IN"/>
+          </a:p>
+        </p:txBody>
+      </p:sp>
+    </p:spTree>
+    <p:extLst>
+      <p:ext uri="{BB962C8B-B14F-4D97-AF65-F5344CB8AC3E}">
+        <p14:creationId xmlns:p14="http://schemas.microsoft.com/office/powerpoint/2010/main" val="14235279"/>
+      </p:ext>
+    </p:extLst>
+  </p:cSld>
+  <p:clrMapOvr>
+    <a:masterClrMapping/>
+  </p:clrMapOvr>
+  <p:transition spd="slow">
+    <p:randomBar dir="vert"/>
+  </p:transition>
+</p:sld>
+</file>
+
+<file path=ppt/slides/slide7.xml><?xml version="1.0" encoding="utf-8"?>
+<p:sld xmlns:a="http://schemas.openxmlformats.org/drawingml/2006/main" xmlns:r="http://schemas.openxmlformats.org/officeDocument/2006/relationships" xmlns:p="http://schemas.openxmlformats.org/presentationml/2006/main">
+  <p:cSld>
+    <p:spTree>
+      <p:nvGrpSpPr>
+        <p:cNvPr id="1" name=""/>
+        <p:cNvGrpSpPr/>
+        <p:nvPr/>
+      </p:nvGrpSpPr>
+      <p:grpSpPr>
+        <a:xfrm>
+          <a:off x="0" y="0"/>
+          <a:ext cx="0" cy="0"/>
+          <a:chOff x="0" y="0"/>
+          <a:chExt cx="0" cy="0"/>
+        </a:xfrm>
+      </p:grpSpPr>
+      <p:sp>
+        <p:nvSpPr>
+          <p:cNvPr id="2" name="Title 1">
+            <a:extLst>
+              <a:ext uri="{FF2B5EF4-FFF2-40B4-BE49-F238E27FC236}">
+                <a16:creationId xmlns:a16="http://schemas.microsoft.com/office/drawing/2014/main" id="{413F7E6B-3E7E-E1D7-B731-94A21144E9E0}"/>
+              </a:ext>
+            </a:extLst>
+          </p:cNvPr>
+          <p:cNvSpPr>
+            <a:spLocks noGrp="1"/>
+          </p:cNvSpPr>
+          <p:nvPr>
+            <p:ph type="title"/>
+          </p:nvPr>
+        </p:nvSpPr>
+        <p:spPr/>
+        <p:txBody>
+          <a:bodyPr/>
+          <a:lstStyle/>
+          <a:p>
+            <a:r>
+              <a:rPr lang="en-IN"/>
+              <a:t>EMAIL NOTIFICATIONS</a:t>
+            </a:r>
+          </a:p>
+        </p:txBody>
+      </p:sp>
+      <p:sp>
+        <p:nvSpPr>
+          <p:cNvPr id="3" name="Footer Placeholder 2">
+            <a:extLst>
+              <a:ext uri="{FF2B5EF4-FFF2-40B4-BE49-F238E27FC236}">
+                <a16:creationId xmlns:a16="http://schemas.microsoft.com/office/drawing/2014/main" id="{F77BAACB-8A33-ACF4-5FAD-712CEA3638B6}"/>
+              </a:ext>
+            </a:extLst>
+          </p:cNvPr>
+          <p:cNvSpPr>
+            <a:spLocks noGrp="1"/>
+          </p:cNvSpPr>
+          <p:nvPr>
+            <p:ph type="ftr" sz="quarter" idx="10"/>
+          </p:nvPr>
+        </p:nvSpPr>
+        <p:spPr/>
+        <p:txBody>
+          <a:bodyPr/>
+          <a:lstStyle/>
+          <a:p>
+            <a:r>
+              <a:rPr lang="en-ID"/>
+              <a:t>EMPLOYEE MANAGEMENT SYSTEM</a:t>
+            </a:r>
+            <a:endParaRPr lang="en-ID" dirty="0"/>
+          </a:p>
+        </p:txBody>
+      </p:sp>
+      <p:sp>
+        <p:nvSpPr>
+          <p:cNvPr id="4" name="Slide Number Placeholder 3">
+            <a:extLst>
+              <a:ext uri="{FF2B5EF4-FFF2-40B4-BE49-F238E27FC236}">
+                <a16:creationId xmlns:a16="http://schemas.microsoft.com/office/drawing/2014/main" id="{0FC58343-B3A7-E9D9-7088-72E06CE4036A}"/>
+              </a:ext>
+            </a:extLst>
+          </p:cNvPr>
+          <p:cNvSpPr>
+            <a:spLocks noGrp="1"/>
+          </p:cNvSpPr>
+          <p:nvPr>
+            <p:ph type="sldNum" sz="quarter" idx="11"/>
+          </p:nvPr>
+        </p:nvSpPr>
+        <p:spPr/>
+        <p:txBody>
+          <a:bodyPr/>
+          <a:lstStyle/>
+          <a:p>
+            <a:fld id="{CF6F24BE-8BEB-403A-BDCC-38E201D0662D}" type="slidenum">
+              <a:rPr lang="en-ID" smtClean="0"/>
+              <a:pPr/>
+              <a:t>7</a:t>
+            </a:fld>
+            <a:endParaRPr lang="en-ID"/>
+          </a:p>
+        </p:txBody>
+      </p:sp>
+      <p:pic>
+        <p:nvPicPr>
+          <p:cNvPr id="11" name="Picture Placeholder 10">
+            <a:extLst>
+              <a:ext uri="{FF2B5EF4-FFF2-40B4-BE49-F238E27FC236}">
+                <a16:creationId xmlns:a16="http://schemas.microsoft.com/office/drawing/2014/main" id="{ECB14181-754F-B13A-E674-CF5A83A1AB5C}"/>
+              </a:ext>
+            </a:extLst>
+          </p:cNvPr>
+          <p:cNvPicPr>
+            <a:picLocks noGrp="1" noChangeAspect="1"/>
+          </p:cNvPicPr>
+          <p:nvPr>
+            <p:ph type="pic" sz="quarter" idx="12"/>
+          </p:nvPr>
+        </p:nvPicPr>
+        <p:blipFill>
+          <a:blip r:embed="rId2"/>
+          <a:srcRect l="16667" r="16667"/>
+          <a:stretch>
+            <a:fillRect/>
+          </a:stretch>
+        </p:blipFill>
+        <p:spPr/>
+      </p:pic>
+      <p:pic>
+        <p:nvPicPr>
+          <p:cNvPr id="12" name="Picture Placeholder 11">
+            <a:extLst>
+              <a:ext uri="{FF2B5EF4-FFF2-40B4-BE49-F238E27FC236}">
+                <a16:creationId xmlns:a16="http://schemas.microsoft.com/office/drawing/2014/main" id="{747E7359-680A-E7F0-0160-68F306771FEC}"/>
+              </a:ext>
+            </a:extLst>
+          </p:cNvPr>
+          <p:cNvPicPr>
+            <a:picLocks noGrp="1" noChangeAspect="1"/>
+          </p:cNvPicPr>
+          <p:nvPr>
+            <p:ph type="pic" sz="quarter" idx="14"/>
+          </p:nvPr>
+        </p:nvPicPr>
+        <p:blipFill>
+          <a:blip r:embed="rId3"/>
+          <a:srcRect l="16667" r="16667"/>
+          <a:stretch>
+            <a:fillRect/>
+          </a:stretch>
+        </p:blipFill>
+        <p:spPr/>
+      </p:pic>
+      <p:sp>
+        <p:nvSpPr>
+          <p:cNvPr id="7" name="Text Placeholder 6">
+            <a:extLst>
+              <a:ext uri="{FF2B5EF4-FFF2-40B4-BE49-F238E27FC236}">
+                <a16:creationId xmlns:a16="http://schemas.microsoft.com/office/drawing/2014/main" id="{4C7FD403-D521-4A64-0BD0-00BBE9F40C4C}"/>
+              </a:ext>
+            </a:extLst>
+          </p:cNvPr>
+          <p:cNvSpPr>
+            <a:spLocks noGrp="1"/>
+          </p:cNvSpPr>
+          <p:nvPr>
+            <p:ph type="body" sz="quarter" idx="15"/>
+          </p:nvPr>
+        </p:nvSpPr>
+        <p:spPr/>
+        <p:txBody>
+          <a:bodyPr/>
+          <a:lstStyle/>
+          <a:p>
+            <a:r>
+              <a:rPr lang="en-US"/>
+              <a:t>Users can easily recover their passwords through email notifications that guide them through the process quickly and securely.</a:t>
+            </a:r>
+            <a:endParaRPr lang="en-IN"/>
+          </a:p>
+        </p:txBody>
+      </p:sp>
+      <p:sp>
+        <p:nvSpPr>
+          <p:cNvPr id="8" name="Text Placeholder 7">
+            <a:extLst>
+              <a:ext uri="{FF2B5EF4-FFF2-40B4-BE49-F238E27FC236}">
+                <a16:creationId xmlns:a16="http://schemas.microsoft.com/office/drawing/2014/main" id="{32F9657B-EFD5-8F7F-00CC-77355C2A744C}"/>
+              </a:ext>
+            </a:extLst>
+          </p:cNvPr>
+          <p:cNvSpPr>
+            <a:spLocks noGrp="1"/>
+          </p:cNvSpPr>
+          <p:nvPr>
+            <p:ph type="body" sz="quarter" idx="16"/>
+          </p:nvPr>
+        </p:nvSpPr>
+        <p:spPr/>
+        <p:txBody>
+          <a:bodyPr/>
+          <a:lstStyle/>
+          <a:p>
+            <a:r>
+              <a:rPr lang="en-US"/>
+              <a:t>When a new employee joins, notifications are sent to relevant parties. This enhances collaboration and keeps everyone informed of changes.</a:t>
+            </a:r>
+            <a:endParaRPr lang="en-IN"/>
+          </a:p>
+        </p:txBody>
+      </p:sp>
+      <p:sp>
+        <p:nvSpPr>
+          <p:cNvPr id="9" name="Text Placeholder 8">
+            <a:extLst>
+              <a:ext uri="{FF2B5EF4-FFF2-40B4-BE49-F238E27FC236}">
+                <a16:creationId xmlns:a16="http://schemas.microsoft.com/office/drawing/2014/main" id="{013A4D2D-4D8B-70F6-7DDD-2F0385C7AFCF}"/>
+              </a:ext>
+            </a:extLst>
+          </p:cNvPr>
+          <p:cNvSpPr>
+            <a:spLocks noGrp="1"/>
+          </p:cNvSpPr>
+          <p:nvPr>
+            <p:ph type="body" sz="quarter" idx="17"/>
+          </p:nvPr>
+        </p:nvSpPr>
+        <p:spPr/>
+        <p:txBody>
+          <a:bodyPr/>
+          <a:lstStyle/>
+          <a:p>
+            <a:r>
+              <a:rPr lang="en-IN"/>
+              <a:t>PASSWORD RECOVERY</a:t>
+            </a:r>
+          </a:p>
+        </p:txBody>
+      </p:sp>
+      <p:sp>
+        <p:nvSpPr>
+          <p:cNvPr id="10" name="Text Placeholder 9">
+            <a:extLst>
+              <a:ext uri="{FF2B5EF4-FFF2-40B4-BE49-F238E27FC236}">
+                <a16:creationId xmlns:a16="http://schemas.microsoft.com/office/drawing/2014/main" id="{486F1F74-EEDD-757B-EB08-E041E41F3070}"/>
+              </a:ext>
+            </a:extLst>
+          </p:cNvPr>
+          <p:cNvSpPr>
+            <a:spLocks noGrp="1"/>
+          </p:cNvSpPr>
+          <p:nvPr>
+            <p:ph type="body" sz="quarter" idx="18"/>
+          </p:nvPr>
+        </p:nvSpPr>
+        <p:spPr/>
+        <p:txBody>
+          <a:bodyPr/>
+          <a:lstStyle/>
+          <a:p>
+            <a:r>
+              <a:rPr lang="en-IN"/>
+              <a:t>NEW HIRE ALERTS</a:t>
+            </a:r>
+          </a:p>
+        </p:txBody>
+      </p:sp>
+      <p:sp>
+        <p:nvSpPr>
+          <p:cNvPr id="5" name="Rectangle 4">
+            <a:extLst>
+              <a:ext uri="{FF2B5EF4-FFF2-40B4-BE49-F238E27FC236}">
+                <a16:creationId xmlns:a16="http://schemas.microsoft.com/office/drawing/2014/main" id="{81B15FFE-FEB3-AC84-504A-A688F8D69BBF}"/>
+              </a:ext>
+            </a:extLst>
+          </p:cNvPr>
+          <p:cNvSpPr/>
+          <p:nvPr/>
+        </p:nvSpPr>
+        <p:spPr>
+          <a:xfrm>
+            <a:off x="8974667" y="6519333"/>
+            <a:ext cx="2438400" cy="249599"/>
+          </a:xfrm>
+          <a:prstGeom prst="rect">
+            <a:avLst/>
+          </a:prstGeom>
+          <a:solidFill>
+            <a:schemeClr val="bg1"/>
+          </a:solidFill>
+          <a:ln>
+            <a:solidFill>
+              <a:schemeClr val="bg1"/>
+            </a:solidFill>
+          </a:ln>
+        </p:spPr>
+        <p:style>
+          <a:lnRef idx="2">
+            <a:schemeClr val="accent1">
+              <a:shade val="15000"/>
+            </a:schemeClr>
+          </a:lnRef>
+          <a:fillRef idx="1">
+            <a:schemeClr val="accent1"/>
+          </a:fillRef>
+          <a:effectRef idx="0">
+            <a:schemeClr val="accent1"/>
+          </a:effectRef>
+          <a:fontRef idx="minor">
+            <a:schemeClr val="lt1"/>
+          </a:fontRef>
+        </p:style>
+        <p:txBody>
+          <a:bodyPr rtlCol="0" anchor="ctr"/>
+          <a:lstStyle/>
+          <a:p>
+            <a:pPr algn="ctr"/>
+            <a:endParaRPr lang="en-IN"/>
+          </a:p>
+        </p:txBody>
+      </p:sp>
+    </p:spTree>
+    <p:extLst>
+      <p:ext uri="{BB962C8B-B14F-4D97-AF65-F5344CB8AC3E}">
+        <p14:creationId xmlns:p14="http://schemas.microsoft.com/office/powerpoint/2010/main" val="1795154538"/>
+      </p:ext>
+    </p:extLst>
+  </p:cSld>
+  <p:clrMapOvr>
+    <a:masterClrMapping/>
+  </p:clrMapOvr>
+  <mc:AlternateContent xmlns:mc="http://schemas.openxmlformats.org/markup-compatibility/2006" xmlns:p15="http://schemas.microsoft.com/office/powerpoint/2012/main">
+    <mc:Choice Requires="p15">
+      <p:transition xmlns:p14="http://schemas.microsoft.com/office/powerpoint/2010/main" spd="slow" p14:dur="2000">
+        <p15:prstTrans prst="drape"/>
+      </p:transition>
+    </mc:Choice>
+    <mc:Fallback xmlns="">
+      <p:transition spd="slow">
+        <p:fade/>
+      </p:transition>
+    </mc:Fallback>
+  </mc:AlternateContent>
+</p:sld>
+</file>
+
+<file path=ppt/slides/slide8.xml><?xml version="1.0" encoding="utf-8"?>
 <p:sld xmlns:a="http://schemas.openxmlformats.org/drawingml/2006/main" xmlns:r="http://schemas.openxmlformats.org/officeDocument/2006/relationships" xmlns:p="http://schemas.openxmlformats.org/presentationml/2006/main">
   <p:cSld name="Slide 1">
     <p:spTree>
@@ -18152,92 +21329,1631 @@
       </p:grpSpPr>
       <p:graphicFrame>
         <p:nvGraphicFramePr>
-          <p:cNvPr id="2" name="Chart 0"/>
-          <p:cNvGraphicFramePr/>
+          <p:cNvPr id="2" name="Table 0"/>
+          <p:cNvGraphicFramePr>
+            <a:graphicFrameLocks noGrp="1"/>
+          </p:cNvGraphicFramePr>
           <p:nvPr>
             <p:extLst>
               <p:ext uri="{D42A27DB-BD31-4B8C-83A1-F6EECF244321}">
-                <p14:modId xmlns:p14="http://schemas.microsoft.com/office/powerpoint/2010/main" val="1904091150"/>
+                <p14:modId xmlns:p14="http://schemas.microsoft.com/office/powerpoint/2010/main" val="2415982596"/>
               </p:ext>
             </p:extLst>
           </p:nvPr>
         </p:nvGraphicFramePr>
         <p:xfrm>
-          <a:off x="749300" y="1727200"/>
-          <a:ext cx="2032000" cy="1676400"/>
+          <a:off x="646176" y="3291840"/>
+          <a:ext cx="10363200" cy="2371344"/>
         </p:xfrm>
         <a:graphic>
-          <a:graphicData uri="http://schemas.openxmlformats.org/drawingml/2006/chart">
-            <c:chart xmlns:c="http://schemas.openxmlformats.org/drawingml/2006/chart" xmlns:r="http://schemas.openxmlformats.org/officeDocument/2006/relationships" r:id="rId3"/>
+          <a:graphicData uri="http://schemas.openxmlformats.org/drawingml/2006/table">
+            <a:tbl>
+              <a:tblPr/>
+              <a:tblGrid>
+                <a:gridCol w="3454400">
+                  <a:extLst>
+                    <a:ext uri="{9D8B030D-6E8A-4147-A177-3AD203B41FA5}">
+                      <a16:colId xmlns:a16="http://schemas.microsoft.com/office/drawing/2014/main" val="20000"/>
+                    </a:ext>
+                  </a:extLst>
+                </a:gridCol>
+                <a:gridCol w="3454400">
+                  <a:extLst>
+                    <a:ext uri="{9D8B030D-6E8A-4147-A177-3AD203B41FA5}">
+                      <a16:colId xmlns:a16="http://schemas.microsoft.com/office/drawing/2014/main" val="20001"/>
+                    </a:ext>
+                  </a:extLst>
+                </a:gridCol>
+                <a:gridCol w="3454400">
+                  <a:extLst>
+                    <a:ext uri="{9D8B030D-6E8A-4147-A177-3AD203B41FA5}">
+                      <a16:colId xmlns:a16="http://schemas.microsoft.com/office/drawing/2014/main" val="20002"/>
+                    </a:ext>
+                  </a:extLst>
+                </a:gridCol>
+              </a:tblGrid>
+              <a:tr h="252720">
+                <a:tc>
+                  <a:txBody>
+                    <a:bodyPr/>
+                    <a:lstStyle/>
+                    <a:p>
+                      <a:pPr marL="0" indent="0">
+                        <a:buNone/>
+                      </a:pPr>
+                      <a:r>
+                        <a:rPr lang="en-US" sz="1400" b="1" dirty="0">
+                          <a:solidFill>
+                            <a:srgbClr val="000000"/>
+                          </a:solidFill>
+                          <a:latin typeface="Open Sans" pitchFamily="34" charset="0"/>
+                          <a:ea typeface="Open Sans" pitchFamily="34" charset="-122"/>
+                          <a:cs typeface="Open Sans" pitchFamily="34" charset="-120"/>
+                        </a:rPr>
+                        <a:t>SEARCH CRITERION</a:t>
+                      </a:r>
+                      <a:endParaRPr lang="en-US" sz="1400" dirty="0">
+                        <a:latin typeface="Open Sans" charset="0"/>
+                        <a:ea typeface="Open Sans" charset="0"/>
+                        <a:cs typeface="Open Sans" charset="0"/>
+                      </a:endParaRPr>
+                    </a:p>
+                  </a:txBody>
+                  <a:tcPr marL="73152" marR="73152" marT="73152" marB="73152" anchor="ctr">
+                    <a:lnL w="0" cap="flat" cmpd="sng" algn="ctr">
+                      <a:solidFill>
+                        <a:srgbClr val="666666"/>
+                      </a:solidFill>
+                      <a:prstDash val="sysDash"/>
+                      <a:round/>
+                      <a:headEnd type="none" w="med" len="med"/>
+                      <a:tailEnd type="none" w="med" len="med"/>
+                    </a:lnL>
+                    <a:lnR w="12700" cap="flat" cmpd="sng" algn="ctr">
+                      <a:solidFill>
+                        <a:srgbClr val="A6A6A6"/>
+                      </a:solidFill>
+                      <a:prstDash val="sysDash"/>
+                      <a:round/>
+                      <a:headEnd type="none" w="med" len="med"/>
+                      <a:tailEnd type="none" w="med" len="med"/>
+                    </a:lnR>
+                    <a:lnT w="0" cap="flat" cmpd="sng" algn="ctr">
+                      <a:solidFill>
+                        <a:srgbClr val="666666"/>
+                      </a:solidFill>
+                      <a:prstDash val="sysDash"/>
+                      <a:round/>
+                      <a:headEnd type="none" w="med" len="med"/>
+                      <a:tailEnd type="none" w="med" len="med"/>
+                    </a:lnT>
+                    <a:lnB w="12700" cap="flat" cmpd="sng" algn="ctr">
+                      <a:solidFill>
+                        <a:srgbClr val="A6A6A6"/>
+                      </a:solidFill>
+                      <a:prstDash val="sysDash"/>
+                      <a:round/>
+                      <a:headEnd type="none" w="med" len="med"/>
+                      <a:tailEnd type="none" w="med" len="med"/>
+                    </a:lnB>
+                    <a:solidFill>
+                      <a:srgbClr val="BFBFBF">
+                        <a:alpha val="0"/>
+                      </a:srgbClr>
+                    </a:solidFill>
+                  </a:tcPr>
+                </a:tc>
+                <a:tc>
+                  <a:txBody>
+                    <a:bodyPr/>
+                    <a:lstStyle/>
+                    <a:p>
+                      <a:pPr marL="0" indent="0">
+                        <a:buNone/>
+                      </a:pPr>
+                      <a:r>
+                        <a:rPr lang="en-US" sz="1400" b="1" dirty="0">
+                          <a:solidFill>
+                            <a:srgbClr val="000000"/>
+                          </a:solidFill>
+                          <a:latin typeface="Open Sans" pitchFamily="34" charset="0"/>
+                          <a:ea typeface="Open Sans" pitchFamily="34" charset="-122"/>
+                          <a:cs typeface="Open Sans" pitchFamily="34" charset="-120"/>
+                        </a:rPr>
+                        <a:t>DESCRIPTION</a:t>
+                      </a:r>
+                      <a:endParaRPr lang="en-US" sz="1400" dirty="0">
+                        <a:latin typeface="Open Sans" charset="0"/>
+                        <a:ea typeface="Open Sans" charset="0"/>
+                        <a:cs typeface="Open Sans" charset="0"/>
+                      </a:endParaRPr>
+                    </a:p>
+                  </a:txBody>
+                  <a:tcPr marL="73152" marR="73152" marT="73152" marB="73152" anchor="ctr">
+                    <a:lnL w="12700" cap="flat" cmpd="sng" algn="ctr">
+                      <a:solidFill>
+                        <a:srgbClr val="A6A6A6"/>
+                      </a:solidFill>
+                      <a:prstDash val="sysDash"/>
+                      <a:round/>
+                      <a:headEnd type="none" w="med" len="med"/>
+                      <a:tailEnd type="none" w="med" len="med"/>
+                    </a:lnL>
+                    <a:lnR w="12700" cap="flat" cmpd="sng" algn="ctr">
+                      <a:solidFill>
+                        <a:srgbClr val="A6A6A6"/>
+                      </a:solidFill>
+                      <a:prstDash val="sysDash"/>
+                      <a:round/>
+                      <a:headEnd type="none" w="med" len="med"/>
+                      <a:tailEnd type="none" w="med" len="med"/>
+                    </a:lnR>
+                    <a:lnT w="0" cap="flat" cmpd="sng" algn="ctr">
+                      <a:solidFill>
+                        <a:srgbClr val="666666"/>
+                      </a:solidFill>
+                      <a:prstDash val="sysDash"/>
+                      <a:round/>
+                      <a:headEnd type="none" w="med" len="med"/>
+                      <a:tailEnd type="none" w="med" len="med"/>
+                    </a:lnT>
+                    <a:lnB w="12700" cap="flat" cmpd="sng" algn="ctr">
+                      <a:solidFill>
+                        <a:srgbClr val="A6A6A6"/>
+                      </a:solidFill>
+                      <a:prstDash val="sysDash"/>
+                      <a:round/>
+                      <a:headEnd type="none" w="med" len="med"/>
+                      <a:tailEnd type="none" w="med" len="med"/>
+                    </a:lnB>
+                    <a:solidFill>
+                      <a:srgbClr val="BFBFBF">
+                        <a:alpha val="0"/>
+                      </a:srgbClr>
+                    </a:solidFill>
+                  </a:tcPr>
+                </a:tc>
+                <a:tc>
+                  <a:txBody>
+                    <a:bodyPr/>
+                    <a:lstStyle/>
+                    <a:p>
+                      <a:pPr marL="0" indent="0">
+                        <a:buNone/>
+                      </a:pPr>
+                      <a:r>
+                        <a:rPr lang="en-US" sz="1400" b="1" dirty="0">
+                          <a:solidFill>
+                            <a:srgbClr val="000000"/>
+                          </a:solidFill>
+                          <a:latin typeface="Open Sans" pitchFamily="34" charset="0"/>
+                          <a:ea typeface="Open Sans" pitchFamily="34" charset="-122"/>
+                          <a:cs typeface="Open Sans" pitchFamily="34" charset="-120"/>
+                        </a:rPr>
+                        <a:t>EXAMPLE</a:t>
+                      </a:r>
+                      <a:endParaRPr lang="en-US" sz="1400" dirty="0">
+                        <a:latin typeface="Open Sans" charset="0"/>
+                        <a:ea typeface="Open Sans" charset="0"/>
+                        <a:cs typeface="Open Sans" charset="0"/>
+                      </a:endParaRPr>
+                    </a:p>
+                  </a:txBody>
+                  <a:tcPr marL="73152" marR="73152" marT="73152" marB="73152" anchor="ctr">
+                    <a:lnL w="12700" cap="flat" cmpd="sng" algn="ctr">
+                      <a:solidFill>
+                        <a:srgbClr val="A6A6A6"/>
+                      </a:solidFill>
+                      <a:prstDash val="sysDash"/>
+                      <a:round/>
+                      <a:headEnd type="none" w="med" len="med"/>
+                      <a:tailEnd type="none" w="med" len="med"/>
+                    </a:lnL>
+                    <a:lnR w="0" cap="flat" cmpd="sng" algn="ctr">
+                      <a:solidFill>
+                        <a:srgbClr val="666666"/>
+                      </a:solidFill>
+                      <a:prstDash val="sysDash"/>
+                      <a:round/>
+                      <a:headEnd type="none" w="med" len="med"/>
+                      <a:tailEnd type="none" w="med" len="med"/>
+                    </a:lnR>
+                    <a:lnT w="0" cap="flat" cmpd="sng" algn="ctr">
+                      <a:solidFill>
+                        <a:srgbClr val="666666"/>
+                      </a:solidFill>
+                      <a:prstDash val="sysDash"/>
+                      <a:round/>
+                      <a:headEnd type="none" w="med" len="med"/>
+                      <a:tailEnd type="none" w="med" len="med"/>
+                    </a:lnT>
+                    <a:lnB w="12700" cap="flat" cmpd="sng" algn="ctr">
+                      <a:solidFill>
+                        <a:srgbClr val="A6A6A6"/>
+                      </a:solidFill>
+                      <a:prstDash val="sysDash"/>
+                      <a:round/>
+                      <a:headEnd type="none" w="med" len="med"/>
+                      <a:tailEnd type="none" w="med" len="med"/>
+                    </a:lnB>
+                    <a:solidFill>
+                      <a:srgbClr val="BFBFBF">
+                        <a:alpha val="0"/>
+                      </a:srgbClr>
+                    </a:solidFill>
+                  </a:tcPr>
+                </a:tc>
+                <a:extLst>
+                  <a:ext uri="{0D108BD9-81ED-4DB2-BD59-A6C34878D82A}">
+                    <a16:rowId xmlns:a16="http://schemas.microsoft.com/office/drawing/2014/main" val="10000"/>
+                  </a:ext>
+                </a:extLst>
+              </a:tr>
+              <a:tr h="252720">
+                <a:tc>
+                  <a:txBody>
+                    <a:bodyPr/>
+                    <a:lstStyle/>
+                    <a:p>
+                      <a:pPr marL="0" indent="0">
+                        <a:buNone/>
+                      </a:pPr>
+                      <a:r>
+                        <a:rPr lang="en-US" sz="1400" dirty="0">
+                          <a:solidFill>
+                            <a:srgbClr val="232220"/>
+                          </a:solidFill>
+                          <a:latin typeface="Open Sans" pitchFamily="34" charset="0"/>
+                          <a:ea typeface="Open Sans" pitchFamily="34" charset="-122"/>
+                          <a:cs typeface="Open Sans" pitchFamily="34" charset="-120"/>
+                        </a:rPr>
+                        <a:t>ID</a:t>
+                      </a:r>
+                      <a:endParaRPr lang="en-US" sz="1400" dirty="0">
+                        <a:latin typeface="Open Sans" charset="0"/>
+                        <a:ea typeface="Open Sans" charset="0"/>
+                        <a:cs typeface="Open Sans" charset="0"/>
+                      </a:endParaRPr>
+                    </a:p>
+                  </a:txBody>
+                  <a:tcPr marL="73152" marR="73152" marT="73152" marB="73152" anchor="ctr">
+                    <a:lnL w="0" cap="flat" cmpd="sng" algn="ctr">
+                      <a:solidFill>
+                        <a:srgbClr val="666666"/>
+                      </a:solidFill>
+                      <a:prstDash val="sysDash"/>
+                      <a:round/>
+                      <a:headEnd type="none" w="med" len="med"/>
+                      <a:tailEnd type="none" w="med" len="med"/>
+                    </a:lnL>
+                    <a:lnR w="12700" cap="flat" cmpd="sng" algn="ctr">
+                      <a:solidFill>
+                        <a:srgbClr val="A6A6A6"/>
+                      </a:solidFill>
+                      <a:prstDash val="sysDash"/>
+                      <a:round/>
+                      <a:headEnd type="none" w="med" len="med"/>
+                      <a:tailEnd type="none" w="med" len="med"/>
+                    </a:lnR>
+                    <a:lnT w="12700" cap="flat" cmpd="sng" algn="ctr">
+                      <a:solidFill>
+                        <a:srgbClr val="A6A6A6"/>
+                      </a:solidFill>
+                      <a:prstDash val="sysDash"/>
+                      <a:round/>
+                      <a:headEnd type="none" w="med" len="med"/>
+                      <a:tailEnd type="none" w="med" len="med"/>
+                    </a:lnT>
+                    <a:lnB w="12700" cap="flat" cmpd="sng" algn="ctr">
+                      <a:solidFill>
+                        <a:srgbClr val="A6A6A6"/>
+                      </a:solidFill>
+                      <a:prstDash val="sysDash"/>
+                      <a:round/>
+                      <a:headEnd type="none" w="med" len="med"/>
+                      <a:tailEnd type="none" w="med" len="med"/>
+                    </a:lnB>
+                    <a:solidFill>
+                      <a:srgbClr val="BFBFBF">
+                        <a:alpha val="0"/>
+                      </a:srgbClr>
+                    </a:solidFill>
+                  </a:tcPr>
+                </a:tc>
+                <a:tc>
+                  <a:txBody>
+                    <a:bodyPr/>
+                    <a:lstStyle/>
+                    <a:p>
+                      <a:pPr marL="0" indent="0">
+                        <a:buNone/>
+                      </a:pPr>
+                      <a:r>
+                        <a:rPr lang="en-US" sz="1400" dirty="0">
+                          <a:solidFill>
+                            <a:srgbClr val="232220"/>
+                          </a:solidFill>
+                          <a:latin typeface="Open Sans" pitchFamily="34" charset="0"/>
+                          <a:ea typeface="Open Sans" pitchFamily="34" charset="-122"/>
+                          <a:cs typeface="Open Sans" pitchFamily="34" charset="-120"/>
+                        </a:rPr>
+                        <a:t>Unique identifier for each employee</a:t>
+                      </a:r>
+                      <a:endParaRPr lang="en-US" sz="1400" dirty="0">
+                        <a:latin typeface="Open Sans" charset="0"/>
+                        <a:ea typeface="Open Sans" charset="0"/>
+                        <a:cs typeface="Open Sans" charset="0"/>
+                      </a:endParaRPr>
+                    </a:p>
+                  </a:txBody>
+                  <a:tcPr marL="73152" marR="73152" marT="73152" marB="73152" anchor="ctr">
+                    <a:lnL w="12700" cap="flat" cmpd="sng" algn="ctr">
+                      <a:solidFill>
+                        <a:srgbClr val="A6A6A6"/>
+                      </a:solidFill>
+                      <a:prstDash val="sysDash"/>
+                      <a:round/>
+                      <a:headEnd type="none" w="med" len="med"/>
+                      <a:tailEnd type="none" w="med" len="med"/>
+                    </a:lnL>
+                    <a:lnR w="12700" cap="flat" cmpd="sng" algn="ctr">
+                      <a:solidFill>
+                        <a:srgbClr val="A6A6A6"/>
+                      </a:solidFill>
+                      <a:prstDash val="sysDash"/>
+                      <a:round/>
+                      <a:headEnd type="none" w="med" len="med"/>
+                      <a:tailEnd type="none" w="med" len="med"/>
+                    </a:lnR>
+                    <a:lnT w="12700" cap="flat" cmpd="sng" algn="ctr">
+                      <a:solidFill>
+                        <a:srgbClr val="A6A6A6"/>
+                      </a:solidFill>
+                      <a:prstDash val="sysDash"/>
+                      <a:round/>
+                      <a:headEnd type="none" w="med" len="med"/>
+                      <a:tailEnd type="none" w="med" len="med"/>
+                    </a:lnT>
+                    <a:lnB w="12700" cap="flat" cmpd="sng" algn="ctr">
+                      <a:solidFill>
+                        <a:srgbClr val="A6A6A6"/>
+                      </a:solidFill>
+                      <a:prstDash val="sysDash"/>
+                      <a:round/>
+                      <a:headEnd type="none" w="med" len="med"/>
+                      <a:tailEnd type="none" w="med" len="med"/>
+                    </a:lnB>
+                    <a:solidFill>
+                      <a:srgbClr val="BFBFBF">
+                        <a:alpha val="0"/>
+                      </a:srgbClr>
+                    </a:solidFill>
+                  </a:tcPr>
+                </a:tc>
+                <a:tc>
+                  <a:txBody>
+                    <a:bodyPr/>
+                    <a:lstStyle/>
+                    <a:p>
+                      <a:pPr marL="0" indent="0">
+                        <a:buNone/>
+                      </a:pPr>
+                      <a:r>
+                        <a:rPr lang="en-US" sz="1400" dirty="0">
+                          <a:solidFill>
+                            <a:srgbClr val="232220"/>
+                          </a:solidFill>
+                          <a:latin typeface="Open Sans" pitchFamily="34" charset="0"/>
+                          <a:ea typeface="Open Sans" pitchFamily="34" charset="-122"/>
+                          <a:cs typeface="Open Sans" pitchFamily="34" charset="-120"/>
+                        </a:rPr>
+                        <a:t>12345</a:t>
+                      </a:r>
+                      <a:endParaRPr lang="en-US" sz="1400" dirty="0">
+                        <a:latin typeface="Open Sans" charset="0"/>
+                        <a:ea typeface="Open Sans" charset="0"/>
+                        <a:cs typeface="Open Sans" charset="0"/>
+                      </a:endParaRPr>
+                    </a:p>
+                  </a:txBody>
+                  <a:tcPr marL="73152" marR="73152" marT="73152" marB="73152" anchor="ctr">
+                    <a:lnL w="12700" cap="flat" cmpd="sng" algn="ctr">
+                      <a:solidFill>
+                        <a:srgbClr val="A6A6A6"/>
+                      </a:solidFill>
+                      <a:prstDash val="sysDash"/>
+                      <a:round/>
+                      <a:headEnd type="none" w="med" len="med"/>
+                      <a:tailEnd type="none" w="med" len="med"/>
+                    </a:lnL>
+                    <a:lnR w="0" cap="flat" cmpd="sng" algn="ctr">
+                      <a:solidFill>
+                        <a:srgbClr val="666666"/>
+                      </a:solidFill>
+                      <a:prstDash val="sysDash"/>
+                      <a:round/>
+                      <a:headEnd type="none" w="med" len="med"/>
+                      <a:tailEnd type="none" w="med" len="med"/>
+                    </a:lnR>
+                    <a:lnT w="12700" cap="flat" cmpd="sng" algn="ctr">
+                      <a:solidFill>
+                        <a:srgbClr val="A6A6A6"/>
+                      </a:solidFill>
+                      <a:prstDash val="sysDash"/>
+                      <a:round/>
+                      <a:headEnd type="none" w="med" len="med"/>
+                      <a:tailEnd type="none" w="med" len="med"/>
+                    </a:lnT>
+                    <a:lnB w="12700" cap="flat" cmpd="sng" algn="ctr">
+                      <a:solidFill>
+                        <a:srgbClr val="A6A6A6"/>
+                      </a:solidFill>
+                      <a:prstDash val="sysDash"/>
+                      <a:round/>
+                      <a:headEnd type="none" w="med" len="med"/>
+                      <a:tailEnd type="none" w="med" len="med"/>
+                    </a:lnB>
+                    <a:solidFill>
+                      <a:srgbClr val="BFBFBF">
+                        <a:alpha val="0"/>
+                      </a:srgbClr>
+                    </a:solidFill>
+                  </a:tcPr>
+                </a:tc>
+                <a:extLst>
+                  <a:ext uri="{0D108BD9-81ED-4DB2-BD59-A6C34878D82A}">
+                    <a16:rowId xmlns:a16="http://schemas.microsoft.com/office/drawing/2014/main" val="10001"/>
+                  </a:ext>
+                </a:extLst>
+              </a:tr>
+              <a:tr h="252720">
+                <a:tc>
+                  <a:txBody>
+                    <a:bodyPr/>
+                    <a:lstStyle/>
+                    <a:p>
+                      <a:pPr marL="0" indent="0">
+                        <a:buNone/>
+                      </a:pPr>
+                      <a:r>
+                        <a:rPr lang="en-US" sz="1400" dirty="0">
+                          <a:solidFill>
+                            <a:srgbClr val="232220"/>
+                          </a:solidFill>
+                          <a:latin typeface="Open Sans" pitchFamily="34" charset="0"/>
+                          <a:ea typeface="Open Sans" pitchFamily="34" charset="-122"/>
+                          <a:cs typeface="Open Sans" pitchFamily="34" charset="-120"/>
+                        </a:rPr>
+                        <a:t>Name</a:t>
+                      </a:r>
+                      <a:endParaRPr lang="en-US" sz="1400" dirty="0">
+                        <a:latin typeface="Open Sans" charset="0"/>
+                        <a:ea typeface="Open Sans" charset="0"/>
+                        <a:cs typeface="Open Sans" charset="0"/>
+                      </a:endParaRPr>
+                    </a:p>
+                  </a:txBody>
+                  <a:tcPr marL="73152" marR="73152" marT="73152" marB="73152" anchor="ctr">
+                    <a:lnL w="0" cap="flat" cmpd="sng" algn="ctr">
+                      <a:solidFill>
+                        <a:srgbClr val="666666"/>
+                      </a:solidFill>
+                      <a:prstDash val="sysDash"/>
+                      <a:round/>
+                      <a:headEnd type="none" w="med" len="med"/>
+                      <a:tailEnd type="none" w="med" len="med"/>
+                    </a:lnL>
+                    <a:lnR w="12700" cap="flat" cmpd="sng" algn="ctr">
+                      <a:solidFill>
+                        <a:srgbClr val="A6A6A6"/>
+                      </a:solidFill>
+                      <a:prstDash val="sysDash"/>
+                      <a:round/>
+                      <a:headEnd type="none" w="med" len="med"/>
+                      <a:tailEnd type="none" w="med" len="med"/>
+                    </a:lnR>
+                    <a:lnT w="12700" cap="flat" cmpd="sng" algn="ctr">
+                      <a:solidFill>
+                        <a:srgbClr val="A6A6A6"/>
+                      </a:solidFill>
+                      <a:prstDash val="sysDash"/>
+                      <a:round/>
+                      <a:headEnd type="none" w="med" len="med"/>
+                      <a:tailEnd type="none" w="med" len="med"/>
+                    </a:lnT>
+                    <a:lnB w="12700" cap="flat" cmpd="sng" algn="ctr">
+                      <a:solidFill>
+                        <a:srgbClr val="A6A6A6"/>
+                      </a:solidFill>
+                      <a:prstDash val="sysDash"/>
+                      <a:round/>
+                      <a:headEnd type="none" w="med" len="med"/>
+                      <a:tailEnd type="none" w="med" len="med"/>
+                    </a:lnB>
+                    <a:solidFill>
+                      <a:srgbClr val="BFBFBF">
+                        <a:alpha val="0"/>
+                      </a:srgbClr>
+                    </a:solidFill>
+                  </a:tcPr>
+                </a:tc>
+                <a:tc>
+                  <a:txBody>
+                    <a:bodyPr/>
+                    <a:lstStyle/>
+                    <a:p>
+                      <a:pPr marL="0" indent="0">
+                        <a:buNone/>
+                      </a:pPr>
+                      <a:r>
+                        <a:rPr lang="en-US" sz="1400" dirty="0">
+                          <a:solidFill>
+                            <a:srgbClr val="232220"/>
+                          </a:solidFill>
+                          <a:latin typeface="Open Sans" pitchFamily="34" charset="0"/>
+                          <a:ea typeface="Open Sans" pitchFamily="34" charset="-122"/>
+                          <a:cs typeface="Open Sans" pitchFamily="34" charset="-120"/>
+                        </a:rPr>
+                        <a:t>Search by employee’s full name</a:t>
+                      </a:r>
+                      <a:endParaRPr lang="en-US" sz="1400" dirty="0">
+                        <a:latin typeface="Open Sans" charset="0"/>
+                        <a:ea typeface="Open Sans" charset="0"/>
+                        <a:cs typeface="Open Sans" charset="0"/>
+                      </a:endParaRPr>
+                    </a:p>
+                  </a:txBody>
+                  <a:tcPr marL="73152" marR="73152" marT="73152" marB="73152" anchor="ctr">
+                    <a:lnL w="12700" cap="flat" cmpd="sng" algn="ctr">
+                      <a:solidFill>
+                        <a:srgbClr val="A6A6A6"/>
+                      </a:solidFill>
+                      <a:prstDash val="sysDash"/>
+                      <a:round/>
+                      <a:headEnd type="none" w="med" len="med"/>
+                      <a:tailEnd type="none" w="med" len="med"/>
+                    </a:lnL>
+                    <a:lnR w="12700" cap="flat" cmpd="sng" algn="ctr">
+                      <a:solidFill>
+                        <a:srgbClr val="A6A6A6"/>
+                      </a:solidFill>
+                      <a:prstDash val="sysDash"/>
+                      <a:round/>
+                      <a:headEnd type="none" w="med" len="med"/>
+                      <a:tailEnd type="none" w="med" len="med"/>
+                    </a:lnR>
+                    <a:lnT w="12700" cap="flat" cmpd="sng" algn="ctr">
+                      <a:solidFill>
+                        <a:srgbClr val="A6A6A6"/>
+                      </a:solidFill>
+                      <a:prstDash val="sysDash"/>
+                      <a:round/>
+                      <a:headEnd type="none" w="med" len="med"/>
+                      <a:tailEnd type="none" w="med" len="med"/>
+                    </a:lnT>
+                    <a:lnB w="12700" cap="flat" cmpd="sng" algn="ctr">
+                      <a:solidFill>
+                        <a:srgbClr val="A6A6A6"/>
+                      </a:solidFill>
+                      <a:prstDash val="sysDash"/>
+                      <a:round/>
+                      <a:headEnd type="none" w="med" len="med"/>
+                      <a:tailEnd type="none" w="med" len="med"/>
+                    </a:lnB>
+                    <a:solidFill>
+                      <a:srgbClr val="BFBFBF">
+                        <a:alpha val="0"/>
+                      </a:srgbClr>
+                    </a:solidFill>
+                  </a:tcPr>
+                </a:tc>
+                <a:tc>
+                  <a:txBody>
+                    <a:bodyPr/>
+                    <a:lstStyle/>
+                    <a:p>
+                      <a:pPr marL="0" indent="0">
+                        <a:buNone/>
+                      </a:pPr>
+                      <a:r>
+                        <a:rPr lang="en-US" sz="1400" dirty="0">
+                          <a:solidFill>
+                            <a:srgbClr val="232220"/>
+                          </a:solidFill>
+                          <a:latin typeface="Open Sans" pitchFamily="34" charset="0"/>
+                          <a:ea typeface="Open Sans" pitchFamily="34" charset="-122"/>
+                          <a:cs typeface="Open Sans" pitchFamily="34" charset="-120"/>
+                        </a:rPr>
+                        <a:t>John Doe</a:t>
+                      </a:r>
+                      <a:endParaRPr lang="en-US" sz="1400" dirty="0">
+                        <a:latin typeface="Open Sans" charset="0"/>
+                        <a:ea typeface="Open Sans" charset="0"/>
+                        <a:cs typeface="Open Sans" charset="0"/>
+                      </a:endParaRPr>
+                    </a:p>
+                  </a:txBody>
+                  <a:tcPr marL="73152" marR="73152" marT="73152" marB="73152" anchor="ctr">
+                    <a:lnL w="12700" cap="flat" cmpd="sng" algn="ctr">
+                      <a:solidFill>
+                        <a:srgbClr val="A6A6A6"/>
+                      </a:solidFill>
+                      <a:prstDash val="sysDash"/>
+                      <a:round/>
+                      <a:headEnd type="none" w="med" len="med"/>
+                      <a:tailEnd type="none" w="med" len="med"/>
+                    </a:lnL>
+                    <a:lnR w="0" cap="flat" cmpd="sng" algn="ctr">
+                      <a:solidFill>
+                        <a:srgbClr val="666666"/>
+                      </a:solidFill>
+                      <a:prstDash val="sysDash"/>
+                      <a:round/>
+                      <a:headEnd type="none" w="med" len="med"/>
+                      <a:tailEnd type="none" w="med" len="med"/>
+                    </a:lnR>
+                    <a:lnT w="12700" cap="flat" cmpd="sng" algn="ctr">
+                      <a:solidFill>
+                        <a:srgbClr val="A6A6A6"/>
+                      </a:solidFill>
+                      <a:prstDash val="sysDash"/>
+                      <a:round/>
+                      <a:headEnd type="none" w="med" len="med"/>
+                      <a:tailEnd type="none" w="med" len="med"/>
+                    </a:lnT>
+                    <a:lnB w="12700" cap="flat" cmpd="sng" algn="ctr">
+                      <a:solidFill>
+                        <a:srgbClr val="A6A6A6"/>
+                      </a:solidFill>
+                      <a:prstDash val="sysDash"/>
+                      <a:round/>
+                      <a:headEnd type="none" w="med" len="med"/>
+                      <a:tailEnd type="none" w="med" len="med"/>
+                    </a:lnB>
+                    <a:solidFill>
+                      <a:srgbClr val="BFBFBF">
+                        <a:alpha val="0"/>
+                      </a:srgbClr>
+                    </a:solidFill>
+                  </a:tcPr>
+                </a:tc>
+                <a:extLst>
+                  <a:ext uri="{0D108BD9-81ED-4DB2-BD59-A6C34878D82A}">
+                    <a16:rowId xmlns:a16="http://schemas.microsoft.com/office/drawing/2014/main" val="10002"/>
+                  </a:ext>
+                </a:extLst>
+              </a:tr>
+              <a:tr h="402639">
+                <a:tc>
+                  <a:txBody>
+                    <a:bodyPr/>
+                    <a:lstStyle/>
+                    <a:p>
+                      <a:pPr marL="0" indent="0">
+                        <a:buNone/>
+                      </a:pPr>
+                      <a:r>
+                        <a:rPr lang="en-US" sz="1400" dirty="0">
+                          <a:solidFill>
+                            <a:srgbClr val="232220"/>
+                          </a:solidFill>
+                          <a:latin typeface="Open Sans" pitchFamily="34" charset="0"/>
+                          <a:ea typeface="Open Sans" pitchFamily="34" charset="-122"/>
+                          <a:cs typeface="Open Sans" pitchFamily="34" charset="-120"/>
+                        </a:rPr>
+                        <a:t>Joining Date</a:t>
+                      </a:r>
+                      <a:endParaRPr lang="en-US" sz="1400" dirty="0">
+                        <a:latin typeface="Open Sans" charset="0"/>
+                        <a:ea typeface="Open Sans" charset="0"/>
+                        <a:cs typeface="Open Sans" charset="0"/>
+                      </a:endParaRPr>
+                    </a:p>
+                  </a:txBody>
+                  <a:tcPr marL="73152" marR="73152" marT="73152" marB="73152" anchor="ctr">
+                    <a:lnL w="0" cap="flat" cmpd="sng" algn="ctr">
+                      <a:solidFill>
+                        <a:srgbClr val="666666"/>
+                      </a:solidFill>
+                      <a:prstDash val="sysDash"/>
+                      <a:round/>
+                      <a:headEnd type="none" w="med" len="med"/>
+                      <a:tailEnd type="none" w="med" len="med"/>
+                    </a:lnL>
+                    <a:lnR w="12700" cap="flat" cmpd="sng" algn="ctr">
+                      <a:solidFill>
+                        <a:srgbClr val="A6A6A6"/>
+                      </a:solidFill>
+                      <a:prstDash val="sysDash"/>
+                      <a:round/>
+                      <a:headEnd type="none" w="med" len="med"/>
+                      <a:tailEnd type="none" w="med" len="med"/>
+                    </a:lnR>
+                    <a:lnT w="12700" cap="flat" cmpd="sng" algn="ctr">
+                      <a:solidFill>
+                        <a:srgbClr val="A6A6A6"/>
+                      </a:solidFill>
+                      <a:prstDash val="sysDash"/>
+                      <a:round/>
+                      <a:headEnd type="none" w="med" len="med"/>
+                      <a:tailEnd type="none" w="med" len="med"/>
+                    </a:lnT>
+                    <a:lnB w="12700" cap="flat" cmpd="sng" algn="ctr">
+                      <a:solidFill>
+                        <a:srgbClr val="A6A6A6"/>
+                      </a:solidFill>
+                      <a:prstDash val="sysDash"/>
+                      <a:round/>
+                      <a:headEnd type="none" w="med" len="med"/>
+                      <a:tailEnd type="none" w="med" len="med"/>
+                    </a:lnB>
+                    <a:solidFill>
+                      <a:srgbClr val="BFBFBF">
+                        <a:alpha val="0"/>
+                      </a:srgbClr>
+                    </a:solidFill>
+                  </a:tcPr>
+                </a:tc>
+                <a:tc>
+                  <a:txBody>
+                    <a:bodyPr/>
+                    <a:lstStyle/>
+                    <a:p>
+                      <a:pPr marL="0" indent="0">
+                        <a:buNone/>
+                      </a:pPr>
+                      <a:r>
+                        <a:rPr lang="en-US" sz="1400" dirty="0">
+                          <a:solidFill>
+                            <a:srgbClr val="232220"/>
+                          </a:solidFill>
+                          <a:latin typeface="Open Sans" pitchFamily="34" charset="0"/>
+                          <a:ea typeface="Open Sans" pitchFamily="34" charset="-122"/>
+                          <a:cs typeface="Open Sans" pitchFamily="34" charset="-120"/>
+                        </a:rPr>
+                        <a:t>Find employees based on their start date</a:t>
+                      </a:r>
+                      <a:endParaRPr lang="en-US" sz="1400" dirty="0">
+                        <a:latin typeface="Open Sans" charset="0"/>
+                        <a:ea typeface="Open Sans" charset="0"/>
+                        <a:cs typeface="Open Sans" charset="0"/>
+                      </a:endParaRPr>
+                    </a:p>
+                  </a:txBody>
+                  <a:tcPr marL="73152" marR="73152" marT="73152" marB="73152" anchor="ctr">
+                    <a:lnL w="12700" cap="flat" cmpd="sng" algn="ctr">
+                      <a:solidFill>
+                        <a:srgbClr val="A6A6A6"/>
+                      </a:solidFill>
+                      <a:prstDash val="sysDash"/>
+                      <a:round/>
+                      <a:headEnd type="none" w="med" len="med"/>
+                      <a:tailEnd type="none" w="med" len="med"/>
+                    </a:lnL>
+                    <a:lnR w="12700" cap="flat" cmpd="sng" algn="ctr">
+                      <a:solidFill>
+                        <a:srgbClr val="A6A6A6"/>
+                      </a:solidFill>
+                      <a:prstDash val="sysDash"/>
+                      <a:round/>
+                      <a:headEnd type="none" w="med" len="med"/>
+                      <a:tailEnd type="none" w="med" len="med"/>
+                    </a:lnR>
+                    <a:lnT w="12700" cap="flat" cmpd="sng" algn="ctr">
+                      <a:solidFill>
+                        <a:srgbClr val="A6A6A6"/>
+                      </a:solidFill>
+                      <a:prstDash val="sysDash"/>
+                      <a:round/>
+                      <a:headEnd type="none" w="med" len="med"/>
+                      <a:tailEnd type="none" w="med" len="med"/>
+                    </a:lnT>
+                    <a:lnB w="12700" cap="flat" cmpd="sng" algn="ctr">
+                      <a:solidFill>
+                        <a:srgbClr val="A6A6A6"/>
+                      </a:solidFill>
+                      <a:prstDash val="sysDash"/>
+                      <a:round/>
+                      <a:headEnd type="none" w="med" len="med"/>
+                      <a:tailEnd type="none" w="med" len="med"/>
+                    </a:lnB>
+                    <a:solidFill>
+                      <a:srgbClr val="BFBFBF">
+                        <a:alpha val="0"/>
+                      </a:srgbClr>
+                    </a:solidFill>
+                  </a:tcPr>
+                </a:tc>
+                <a:tc>
+                  <a:txBody>
+                    <a:bodyPr/>
+                    <a:lstStyle/>
+                    <a:p>
+                      <a:pPr marL="0" indent="0">
+                        <a:buNone/>
+                      </a:pPr>
+                      <a:r>
+                        <a:rPr lang="en-US" sz="1400" dirty="0">
+                          <a:solidFill>
+                            <a:srgbClr val="232220"/>
+                          </a:solidFill>
+                          <a:latin typeface="Open Sans" pitchFamily="34" charset="0"/>
+                          <a:ea typeface="Open Sans" pitchFamily="34" charset="-122"/>
+                          <a:cs typeface="Open Sans" pitchFamily="34" charset="-120"/>
+                        </a:rPr>
+                        <a:t>01/01/2020</a:t>
+                      </a:r>
+                      <a:endParaRPr lang="en-US" sz="1400" dirty="0">
+                        <a:latin typeface="Open Sans" charset="0"/>
+                        <a:ea typeface="Open Sans" charset="0"/>
+                        <a:cs typeface="Open Sans" charset="0"/>
+                      </a:endParaRPr>
+                    </a:p>
+                  </a:txBody>
+                  <a:tcPr marL="73152" marR="73152" marT="73152" marB="73152" anchor="ctr">
+                    <a:lnL w="12700" cap="flat" cmpd="sng" algn="ctr">
+                      <a:solidFill>
+                        <a:srgbClr val="A6A6A6"/>
+                      </a:solidFill>
+                      <a:prstDash val="sysDash"/>
+                      <a:round/>
+                      <a:headEnd type="none" w="med" len="med"/>
+                      <a:tailEnd type="none" w="med" len="med"/>
+                    </a:lnL>
+                    <a:lnR w="0" cap="flat" cmpd="sng" algn="ctr">
+                      <a:solidFill>
+                        <a:srgbClr val="666666"/>
+                      </a:solidFill>
+                      <a:prstDash val="sysDash"/>
+                      <a:round/>
+                      <a:headEnd type="none" w="med" len="med"/>
+                      <a:tailEnd type="none" w="med" len="med"/>
+                    </a:lnR>
+                    <a:lnT w="12700" cap="flat" cmpd="sng" algn="ctr">
+                      <a:solidFill>
+                        <a:srgbClr val="A6A6A6"/>
+                      </a:solidFill>
+                      <a:prstDash val="sysDash"/>
+                      <a:round/>
+                      <a:headEnd type="none" w="med" len="med"/>
+                      <a:tailEnd type="none" w="med" len="med"/>
+                    </a:lnT>
+                    <a:lnB w="12700" cap="flat" cmpd="sng" algn="ctr">
+                      <a:solidFill>
+                        <a:srgbClr val="A6A6A6"/>
+                      </a:solidFill>
+                      <a:prstDash val="sysDash"/>
+                      <a:round/>
+                      <a:headEnd type="none" w="med" len="med"/>
+                      <a:tailEnd type="none" w="med" len="med"/>
+                    </a:lnB>
+                    <a:solidFill>
+                      <a:srgbClr val="BFBFBF">
+                        <a:alpha val="0"/>
+                      </a:srgbClr>
+                    </a:solidFill>
+                  </a:tcPr>
+                </a:tc>
+                <a:extLst>
+                  <a:ext uri="{0D108BD9-81ED-4DB2-BD59-A6C34878D82A}">
+                    <a16:rowId xmlns:a16="http://schemas.microsoft.com/office/drawing/2014/main" val="10003"/>
+                  </a:ext>
+                </a:extLst>
+              </a:tr>
+              <a:tr h="252720">
+                <a:tc>
+                  <a:txBody>
+                    <a:bodyPr/>
+                    <a:lstStyle/>
+                    <a:p>
+                      <a:pPr marL="0" indent="0">
+                        <a:buNone/>
+                      </a:pPr>
+                      <a:r>
+                        <a:rPr lang="en-US" sz="1400" dirty="0">
+                          <a:solidFill>
+                            <a:srgbClr val="232220"/>
+                          </a:solidFill>
+                          <a:latin typeface="Open Sans" pitchFamily="34" charset="0"/>
+                          <a:ea typeface="Open Sans" pitchFamily="34" charset="-122"/>
+                          <a:cs typeface="Open Sans" pitchFamily="34" charset="-120"/>
+                        </a:rPr>
+                        <a:t>Role</a:t>
+                      </a:r>
+                      <a:endParaRPr lang="en-US" sz="1400" dirty="0">
+                        <a:latin typeface="Open Sans" charset="0"/>
+                        <a:ea typeface="Open Sans" charset="0"/>
+                        <a:cs typeface="Open Sans" charset="0"/>
+                      </a:endParaRPr>
+                    </a:p>
+                  </a:txBody>
+                  <a:tcPr marL="73152" marR="73152" marT="73152" marB="73152" anchor="ctr">
+                    <a:lnL w="0" cap="flat" cmpd="sng" algn="ctr">
+                      <a:solidFill>
+                        <a:srgbClr val="666666"/>
+                      </a:solidFill>
+                      <a:prstDash val="sysDash"/>
+                      <a:round/>
+                      <a:headEnd type="none" w="med" len="med"/>
+                      <a:tailEnd type="none" w="med" len="med"/>
+                    </a:lnL>
+                    <a:lnR w="12700" cap="flat" cmpd="sng" algn="ctr">
+                      <a:solidFill>
+                        <a:srgbClr val="A6A6A6"/>
+                      </a:solidFill>
+                      <a:prstDash val="sysDash"/>
+                      <a:round/>
+                      <a:headEnd type="none" w="med" len="med"/>
+                      <a:tailEnd type="none" w="med" len="med"/>
+                    </a:lnR>
+                    <a:lnT w="12700" cap="flat" cmpd="sng" algn="ctr">
+                      <a:solidFill>
+                        <a:srgbClr val="A6A6A6"/>
+                      </a:solidFill>
+                      <a:prstDash val="sysDash"/>
+                      <a:round/>
+                      <a:headEnd type="none" w="med" len="med"/>
+                      <a:tailEnd type="none" w="med" len="med"/>
+                    </a:lnT>
+                    <a:lnB w="12700" cap="flat" cmpd="sng" algn="ctr">
+                      <a:solidFill>
+                        <a:srgbClr val="A6A6A6"/>
+                      </a:solidFill>
+                      <a:prstDash val="sysDash"/>
+                      <a:round/>
+                      <a:headEnd type="none" w="med" len="med"/>
+                      <a:tailEnd type="none" w="med" len="med"/>
+                    </a:lnB>
+                    <a:solidFill>
+                      <a:srgbClr val="BFBFBF">
+                        <a:alpha val="0"/>
+                      </a:srgbClr>
+                    </a:solidFill>
+                  </a:tcPr>
+                </a:tc>
+                <a:tc>
+                  <a:txBody>
+                    <a:bodyPr/>
+                    <a:lstStyle/>
+                    <a:p>
+                      <a:pPr marL="0" indent="0">
+                        <a:buNone/>
+                      </a:pPr>
+                      <a:r>
+                        <a:rPr lang="en-US" sz="1400" dirty="0">
+                          <a:solidFill>
+                            <a:srgbClr val="232220"/>
+                          </a:solidFill>
+                          <a:latin typeface="Open Sans" pitchFamily="34" charset="0"/>
+                          <a:ea typeface="Open Sans" pitchFamily="34" charset="-122"/>
+                          <a:cs typeface="Open Sans" pitchFamily="34" charset="-120"/>
+                        </a:rPr>
+                        <a:t>Filter employees based on job title</a:t>
+                      </a:r>
+                      <a:endParaRPr lang="en-US" sz="1400" dirty="0">
+                        <a:latin typeface="Open Sans" charset="0"/>
+                        <a:ea typeface="Open Sans" charset="0"/>
+                        <a:cs typeface="Open Sans" charset="0"/>
+                      </a:endParaRPr>
+                    </a:p>
+                  </a:txBody>
+                  <a:tcPr marL="73152" marR="73152" marT="73152" marB="73152" anchor="ctr">
+                    <a:lnL w="12700" cap="flat" cmpd="sng" algn="ctr">
+                      <a:solidFill>
+                        <a:srgbClr val="A6A6A6"/>
+                      </a:solidFill>
+                      <a:prstDash val="sysDash"/>
+                      <a:round/>
+                      <a:headEnd type="none" w="med" len="med"/>
+                      <a:tailEnd type="none" w="med" len="med"/>
+                    </a:lnL>
+                    <a:lnR w="12700" cap="flat" cmpd="sng" algn="ctr">
+                      <a:solidFill>
+                        <a:srgbClr val="A6A6A6"/>
+                      </a:solidFill>
+                      <a:prstDash val="sysDash"/>
+                      <a:round/>
+                      <a:headEnd type="none" w="med" len="med"/>
+                      <a:tailEnd type="none" w="med" len="med"/>
+                    </a:lnR>
+                    <a:lnT w="12700" cap="flat" cmpd="sng" algn="ctr">
+                      <a:solidFill>
+                        <a:srgbClr val="A6A6A6"/>
+                      </a:solidFill>
+                      <a:prstDash val="sysDash"/>
+                      <a:round/>
+                      <a:headEnd type="none" w="med" len="med"/>
+                      <a:tailEnd type="none" w="med" len="med"/>
+                    </a:lnT>
+                    <a:lnB w="12700" cap="flat" cmpd="sng" algn="ctr">
+                      <a:solidFill>
+                        <a:srgbClr val="A6A6A6"/>
+                      </a:solidFill>
+                      <a:prstDash val="sysDash"/>
+                      <a:round/>
+                      <a:headEnd type="none" w="med" len="med"/>
+                      <a:tailEnd type="none" w="med" len="med"/>
+                    </a:lnB>
+                    <a:solidFill>
+                      <a:srgbClr val="BFBFBF">
+                        <a:alpha val="0"/>
+                      </a:srgbClr>
+                    </a:solidFill>
+                  </a:tcPr>
+                </a:tc>
+                <a:tc>
+                  <a:txBody>
+                    <a:bodyPr/>
+                    <a:lstStyle/>
+                    <a:p>
+                      <a:pPr marL="0" indent="0">
+                        <a:buNone/>
+                      </a:pPr>
+                      <a:r>
+                        <a:rPr lang="en-US" sz="1400" dirty="0">
+                          <a:solidFill>
+                            <a:srgbClr val="232220"/>
+                          </a:solidFill>
+                          <a:latin typeface="Open Sans" pitchFamily="34" charset="0"/>
+                          <a:ea typeface="Open Sans" pitchFamily="34" charset="-122"/>
+                          <a:cs typeface="Open Sans" pitchFamily="34" charset="-120"/>
+                        </a:rPr>
+                        <a:t>Manager</a:t>
+                      </a:r>
+                      <a:endParaRPr lang="en-US" sz="1400" dirty="0">
+                        <a:latin typeface="Open Sans" charset="0"/>
+                        <a:ea typeface="Open Sans" charset="0"/>
+                        <a:cs typeface="Open Sans" charset="0"/>
+                      </a:endParaRPr>
+                    </a:p>
+                  </a:txBody>
+                  <a:tcPr marL="73152" marR="73152" marT="73152" marB="73152" anchor="ctr">
+                    <a:lnL w="12700" cap="flat" cmpd="sng" algn="ctr">
+                      <a:solidFill>
+                        <a:srgbClr val="A6A6A6"/>
+                      </a:solidFill>
+                      <a:prstDash val="sysDash"/>
+                      <a:round/>
+                      <a:headEnd type="none" w="med" len="med"/>
+                      <a:tailEnd type="none" w="med" len="med"/>
+                    </a:lnL>
+                    <a:lnR w="0" cap="flat" cmpd="sng" algn="ctr">
+                      <a:solidFill>
+                        <a:srgbClr val="666666"/>
+                      </a:solidFill>
+                      <a:prstDash val="sysDash"/>
+                      <a:round/>
+                      <a:headEnd type="none" w="med" len="med"/>
+                      <a:tailEnd type="none" w="med" len="med"/>
+                    </a:lnR>
+                    <a:lnT w="12700" cap="flat" cmpd="sng" algn="ctr">
+                      <a:solidFill>
+                        <a:srgbClr val="A6A6A6"/>
+                      </a:solidFill>
+                      <a:prstDash val="sysDash"/>
+                      <a:round/>
+                      <a:headEnd type="none" w="med" len="med"/>
+                      <a:tailEnd type="none" w="med" len="med"/>
+                    </a:lnT>
+                    <a:lnB w="12700" cap="flat" cmpd="sng" algn="ctr">
+                      <a:solidFill>
+                        <a:srgbClr val="A6A6A6"/>
+                      </a:solidFill>
+                      <a:prstDash val="sysDash"/>
+                      <a:round/>
+                      <a:headEnd type="none" w="med" len="med"/>
+                      <a:tailEnd type="none" w="med" len="med"/>
+                    </a:lnB>
+                    <a:solidFill>
+                      <a:srgbClr val="BFBFBF">
+                        <a:alpha val="0"/>
+                      </a:srgbClr>
+                    </a:solidFill>
+                  </a:tcPr>
+                </a:tc>
+                <a:extLst>
+                  <a:ext uri="{0D108BD9-81ED-4DB2-BD59-A6C34878D82A}">
+                    <a16:rowId xmlns:a16="http://schemas.microsoft.com/office/drawing/2014/main" val="10004"/>
+                  </a:ext>
+                </a:extLst>
+              </a:tr>
+              <a:tr h="252720">
+                <a:tc>
+                  <a:txBody>
+                    <a:bodyPr/>
+                    <a:lstStyle/>
+                    <a:p>
+                      <a:pPr marL="0" indent="0">
+                        <a:buNone/>
+                      </a:pPr>
+                      <a:r>
+                        <a:rPr lang="en-US" sz="1400" dirty="0">
+                          <a:solidFill>
+                            <a:srgbClr val="232220"/>
+                          </a:solidFill>
+                          <a:latin typeface="Open Sans" pitchFamily="34" charset="0"/>
+                          <a:ea typeface="Open Sans" pitchFamily="34" charset="-122"/>
+                          <a:cs typeface="Open Sans" pitchFamily="34" charset="-120"/>
+                        </a:rPr>
+                        <a:t>Department</a:t>
+                      </a:r>
+                      <a:endParaRPr lang="en-US" sz="1400" dirty="0">
+                        <a:latin typeface="Open Sans" charset="0"/>
+                        <a:ea typeface="Open Sans" charset="0"/>
+                        <a:cs typeface="Open Sans" charset="0"/>
+                      </a:endParaRPr>
+                    </a:p>
+                  </a:txBody>
+                  <a:tcPr marL="73152" marR="73152" marT="73152" marB="73152" anchor="ctr">
+                    <a:lnL w="0" cap="flat" cmpd="sng" algn="ctr">
+                      <a:solidFill>
+                        <a:srgbClr val="666666"/>
+                      </a:solidFill>
+                      <a:prstDash val="sysDash"/>
+                      <a:round/>
+                      <a:headEnd type="none" w="med" len="med"/>
+                      <a:tailEnd type="none" w="med" len="med"/>
+                    </a:lnL>
+                    <a:lnR w="12700" cap="flat" cmpd="sng" algn="ctr">
+                      <a:solidFill>
+                        <a:srgbClr val="A6A6A6"/>
+                      </a:solidFill>
+                      <a:prstDash val="sysDash"/>
+                      <a:round/>
+                      <a:headEnd type="none" w="med" len="med"/>
+                      <a:tailEnd type="none" w="med" len="med"/>
+                    </a:lnR>
+                    <a:lnT w="12700" cap="flat" cmpd="sng" algn="ctr">
+                      <a:solidFill>
+                        <a:srgbClr val="A6A6A6"/>
+                      </a:solidFill>
+                      <a:prstDash val="sysDash"/>
+                      <a:round/>
+                      <a:headEnd type="none" w="med" len="med"/>
+                      <a:tailEnd type="none" w="med" len="med"/>
+                    </a:lnT>
+                    <a:lnB w="0" cap="flat" cmpd="sng" algn="ctr">
+                      <a:solidFill>
+                        <a:srgbClr val="666666"/>
+                      </a:solidFill>
+                      <a:prstDash val="sysDash"/>
+                      <a:round/>
+                      <a:headEnd type="none" w="med" len="med"/>
+                      <a:tailEnd type="none" w="med" len="med"/>
+                    </a:lnB>
+                    <a:solidFill>
+                      <a:srgbClr val="BFBFBF">
+                        <a:alpha val="0"/>
+                      </a:srgbClr>
+                    </a:solidFill>
+                  </a:tcPr>
+                </a:tc>
+                <a:tc>
+                  <a:txBody>
+                    <a:bodyPr/>
+                    <a:lstStyle/>
+                    <a:p>
+                      <a:pPr marL="0" indent="0">
+                        <a:buNone/>
+                      </a:pPr>
+                      <a:r>
+                        <a:rPr lang="en-US" sz="1400" dirty="0">
+                          <a:solidFill>
+                            <a:srgbClr val="232220"/>
+                          </a:solidFill>
+                          <a:latin typeface="Open Sans" pitchFamily="34" charset="0"/>
+                          <a:ea typeface="Open Sans" pitchFamily="34" charset="-122"/>
+                          <a:cs typeface="Open Sans" pitchFamily="34" charset="-120"/>
+                        </a:rPr>
+                        <a:t>Search employees by department</a:t>
+                      </a:r>
+                      <a:endParaRPr lang="en-US" sz="1400" dirty="0">
+                        <a:latin typeface="Open Sans" charset="0"/>
+                        <a:ea typeface="Open Sans" charset="0"/>
+                        <a:cs typeface="Open Sans" charset="0"/>
+                      </a:endParaRPr>
+                    </a:p>
+                  </a:txBody>
+                  <a:tcPr marL="73152" marR="73152" marT="73152" marB="73152" anchor="ctr">
+                    <a:lnL w="12700" cap="flat" cmpd="sng" algn="ctr">
+                      <a:solidFill>
+                        <a:srgbClr val="A6A6A6"/>
+                      </a:solidFill>
+                      <a:prstDash val="sysDash"/>
+                      <a:round/>
+                      <a:headEnd type="none" w="med" len="med"/>
+                      <a:tailEnd type="none" w="med" len="med"/>
+                    </a:lnL>
+                    <a:lnR w="12700" cap="flat" cmpd="sng" algn="ctr">
+                      <a:solidFill>
+                        <a:srgbClr val="A6A6A6"/>
+                      </a:solidFill>
+                      <a:prstDash val="sysDash"/>
+                      <a:round/>
+                      <a:headEnd type="none" w="med" len="med"/>
+                      <a:tailEnd type="none" w="med" len="med"/>
+                    </a:lnR>
+                    <a:lnT w="12700" cap="flat" cmpd="sng" algn="ctr">
+                      <a:solidFill>
+                        <a:srgbClr val="A6A6A6"/>
+                      </a:solidFill>
+                      <a:prstDash val="sysDash"/>
+                      <a:round/>
+                      <a:headEnd type="none" w="med" len="med"/>
+                      <a:tailEnd type="none" w="med" len="med"/>
+                    </a:lnT>
+                    <a:lnB w="0" cap="flat" cmpd="sng" algn="ctr">
+                      <a:solidFill>
+                        <a:srgbClr val="666666"/>
+                      </a:solidFill>
+                      <a:prstDash val="sysDash"/>
+                      <a:round/>
+                      <a:headEnd type="none" w="med" len="med"/>
+                      <a:tailEnd type="none" w="med" len="med"/>
+                    </a:lnB>
+                    <a:solidFill>
+                      <a:srgbClr val="BFBFBF">
+                        <a:alpha val="0"/>
+                      </a:srgbClr>
+                    </a:solidFill>
+                  </a:tcPr>
+                </a:tc>
+                <a:tc>
+                  <a:txBody>
+                    <a:bodyPr/>
+                    <a:lstStyle/>
+                    <a:p>
+                      <a:pPr marL="0" indent="0">
+                        <a:buNone/>
+                      </a:pPr>
+                      <a:r>
+                        <a:rPr lang="en-US" sz="1400" dirty="0">
+                          <a:solidFill>
+                            <a:srgbClr val="232220"/>
+                          </a:solidFill>
+                          <a:latin typeface="Open Sans" pitchFamily="34" charset="0"/>
+                          <a:ea typeface="Open Sans" pitchFamily="34" charset="-122"/>
+                          <a:cs typeface="Open Sans" pitchFamily="34" charset="-120"/>
+                        </a:rPr>
+                        <a:t>Sales</a:t>
+                      </a:r>
+                      <a:endParaRPr lang="en-US" sz="1400" dirty="0">
+                        <a:latin typeface="Open Sans" charset="0"/>
+                        <a:ea typeface="Open Sans" charset="0"/>
+                        <a:cs typeface="Open Sans" charset="0"/>
+                      </a:endParaRPr>
+                    </a:p>
+                  </a:txBody>
+                  <a:tcPr marL="73152" marR="73152" marT="73152" marB="73152" anchor="ctr">
+                    <a:lnL w="12700" cap="flat" cmpd="sng" algn="ctr">
+                      <a:solidFill>
+                        <a:srgbClr val="A6A6A6"/>
+                      </a:solidFill>
+                      <a:prstDash val="sysDash"/>
+                      <a:round/>
+                      <a:headEnd type="none" w="med" len="med"/>
+                      <a:tailEnd type="none" w="med" len="med"/>
+                    </a:lnL>
+                    <a:lnR w="0" cap="flat" cmpd="sng" algn="ctr">
+                      <a:solidFill>
+                        <a:srgbClr val="666666"/>
+                      </a:solidFill>
+                      <a:prstDash val="sysDash"/>
+                      <a:round/>
+                      <a:headEnd type="none" w="med" len="med"/>
+                      <a:tailEnd type="none" w="med" len="med"/>
+                    </a:lnR>
+                    <a:lnT w="12700" cap="flat" cmpd="sng" algn="ctr">
+                      <a:solidFill>
+                        <a:srgbClr val="A6A6A6"/>
+                      </a:solidFill>
+                      <a:prstDash val="sysDash"/>
+                      <a:round/>
+                      <a:headEnd type="none" w="med" len="med"/>
+                      <a:tailEnd type="none" w="med" len="med"/>
+                    </a:lnT>
+                    <a:lnB w="0" cap="flat" cmpd="sng" algn="ctr">
+                      <a:solidFill>
+                        <a:srgbClr val="666666"/>
+                      </a:solidFill>
+                      <a:prstDash val="sysDash"/>
+                      <a:round/>
+                      <a:headEnd type="none" w="med" len="med"/>
+                      <a:tailEnd type="none" w="med" len="med"/>
+                    </a:lnB>
+                    <a:solidFill>
+                      <a:srgbClr val="BFBFBF">
+                        <a:alpha val="0"/>
+                      </a:srgbClr>
+                    </a:solidFill>
+                  </a:tcPr>
+                </a:tc>
+                <a:extLst>
+                  <a:ext uri="{0D108BD9-81ED-4DB2-BD59-A6C34878D82A}">
+                    <a16:rowId xmlns:a16="http://schemas.microsoft.com/office/drawing/2014/main" val="10005"/>
+                  </a:ext>
+                </a:extLst>
+              </a:tr>
+            </a:tbl>
           </a:graphicData>
         </a:graphic>
       </p:graphicFrame>
-      <p:graphicFrame>
-        <p:nvGraphicFramePr>
-          <p:cNvPr id="3" name="Chart 1"/>
-          <p:cNvGraphicFramePr/>
-          <p:nvPr>
-            <p:extLst>
-              <p:ext uri="{D42A27DB-BD31-4B8C-83A1-F6EECF244321}">
-                <p14:modId xmlns:p14="http://schemas.microsoft.com/office/powerpoint/2010/main" val="2800536879"/>
-              </p:ext>
-            </p:extLst>
-          </p:nvPr>
-        </p:nvGraphicFramePr>
-        <p:xfrm>
-          <a:off x="8724900" y="1739900"/>
-          <a:ext cx="2032000" cy="1676400"/>
-        </p:xfrm>
-        <a:graphic>
-          <a:graphicData uri="http://schemas.openxmlformats.org/drawingml/2006/chart">
-            <c:chart xmlns:c="http://schemas.openxmlformats.org/drawingml/2006/chart" xmlns:r="http://schemas.openxmlformats.org/officeDocument/2006/relationships" r:id="rId4"/>
-          </a:graphicData>
-        </a:graphic>
-      </p:graphicFrame>
-      <p:graphicFrame>
-        <p:nvGraphicFramePr>
-          <p:cNvPr id="4" name="Chart 2"/>
-          <p:cNvGraphicFramePr/>
-          <p:nvPr>
-            <p:extLst>
-              <p:ext uri="{D42A27DB-BD31-4B8C-83A1-F6EECF244321}">
-                <p14:modId xmlns:p14="http://schemas.microsoft.com/office/powerpoint/2010/main" val="1234362392"/>
-              </p:ext>
-            </p:extLst>
-          </p:nvPr>
-        </p:nvGraphicFramePr>
-        <p:xfrm>
-          <a:off x="3365500" y="1739900"/>
-          <a:ext cx="2032000" cy="1676400"/>
-        </p:xfrm>
-        <a:graphic>
-          <a:graphicData uri="http://schemas.openxmlformats.org/drawingml/2006/chart">
-            <c:chart xmlns:c="http://schemas.openxmlformats.org/drawingml/2006/chart" xmlns:r="http://schemas.openxmlformats.org/officeDocument/2006/relationships" r:id="rId5"/>
-          </a:graphicData>
-        </a:graphic>
-      </p:graphicFrame>
-      <p:graphicFrame>
-        <p:nvGraphicFramePr>
-          <p:cNvPr id="5" name="Chart 3"/>
-          <p:cNvGraphicFramePr/>
-          <p:nvPr>
-            <p:extLst>
-              <p:ext uri="{D42A27DB-BD31-4B8C-83A1-F6EECF244321}">
-                <p14:modId xmlns:p14="http://schemas.microsoft.com/office/powerpoint/2010/main" val="3725301785"/>
-              </p:ext>
-            </p:extLst>
-          </p:nvPr>
-        </p:nvGraphicFramePr>
-        <p:xfrm>
-          <a:off x="6146800" y="1739900"/>
-          <a:ext cx="2032000" cy="1676400"/>
-        </p:xfrm>
-        <a:graphic>
-          <a:graphicData uri="http://schemas.openxmlformats.org/drawingml/2006/chart">
-            <c:chart xmlns:c="http://schemas.openxmlformats.org/drawingml/2006/chart" xmlns:r="http://schemas.openxmlformats.org/officeDocument/2006/relationships" r:id="rId6"/>
-          </a:graphicData>
-        </a:graphic>
-      </p:graphicFrame>
+      <p:sp>
+        <p:nvSpPr>
+          <p:cNvPr id="3" name="Text 0"/>
+          <p:cNvSpPr/>
+          <p:nvPr/>
+        </p:nvSpPr>
+        <p:spPr>
+          <a:xfrm>
+            <a:off x="596900" y="571500"/>
+            <a:ext cx="10363200" cy="952500"/>
+          </a:xfrm>
+          <a:prstGeom prst="rect">
+            <a:avLst/>
+          </a:prstGeom>
+          <a:noFill/>
+          <a:ln/>
+        </p:spPr>
+        <p:txBody>
+          <a:bodyPr wrap="square" rtlCol="0" anchor="t" anchorCtr="0"/>
+          <a:lstStyle>
+            <a:lvl1pPr marL="0" algn="l" defTabSz="1219170" rtl="0" eaLnBrk="1" latinLnBrk="0" hangingPunct="1">
+              <a:defRPr sz="2400" kern="1200">
+                <a:solidFill>
+                  <a:schemeClr val="tx1"/>
+                </a:solidFill>
+                <a:latin typeface="+mn-lt"/>
+                <a:ea typeface="+mn-ea"/>
+                <a:cs typeface="+mn-cs"/>
+              </a:defRPr>
+            </a:lvl1pPr>
+            <a:lvl2pPr marL="609585" algn="l" defTabSz="1219170" rtl="0" eaLnBrk="1" latinLnBrk="0" hangingPunct="1">
+              <a:defRPr sz="2400" kern="1200">
+                <a:solidFill>
+                  <a:schemeClr val="tx1"/>
+                </a:solidFill>
+                <a:latin typeface="+mn-lt"/>
+                <a:ea typeface="+mn-ea"/>
+                <a:cs typeface="+mn-cs"/>
+              </a:defRPr>
+            </a:lvl2pPr>
+            <a:lvl3pPr marL="1219170" algn="l" defTabSz="1219170" rtl="0" eaLnBrk="1" latinLnBrk="0" hangingPunct="1">
+              <a:defRPr sz="2400" kern="1200">
+                <a:solidFill>
+                  <a:schemeClr val="tx1"/>
+                </a:solidFill>
+                <a:latin typeface="+mn-lt"/>
+                <a:ea typeface="+mn-ea"/>
+                <a:cs typeface="+mn-cs"/>
+              </a:defRPr>
+            </a:lvl3pPr>
+            <a:lvl4pPr marL="1828754" algn="l" defTabSz="1219170" rtl="0" eaLnBrk="1" latinLnBrk="0" hangingPunct="1">
+              <a:defRPr sz="2400" kern="1200">
+                <a:solidFill>
+                  <a:schemeClr val="tx1"/>
+                </a:solidFill>
+                <a:latin typeface="+mn-lt"/>
+                <a:ea typeface="+mn-ea"/>
+                <a:cs typeface="+mn-cs"/>
+              </a:defRPr>
+            </a:lvl4pPr>
+            <a:lvl5pPr marL="2438339" algn="l" defTabSz="1219170" rtl="0" eaLnBrk="1" latinLnBrk="0" hangingPunct="1">
+              <a:defRPr sz="2400" kern="1200">
+                <a:solidFill>
+                  <a:schemeClr val="tx1"/>
+                </a:solidFill>
+                <a:latin typeface="+mn-lt"/>
+                <a:ea typeface="+mn-ea"/>
+                <a:cs typeface="+mn-cs"/>
+              </a:defRPr>
+            </a:lvl5pPr>
+            <a:lvl6pPr marL="3047924" algn="l" defTabSz="1219170" rtl="0" eaLnBrk="1" latinLnBrk="0" hangingPunct="1">
+              <a:defRPr sz="2400" kern="1200">
+                <a:solidFill>
+                  <a:schemeClr val="tx1"/>
+                </a:solidFill>
+                <a:latin typeface="+mn-lt"/>
+                <a:ea typeface="+mn-ea"/>
+                <a:cs typeface="+mn-cs"/>
+              </a:defRPr>
+            </a:lvl6pPr>
+            <a:lvl7pPr marL="3657509" algn="l" defTabSz="1219170" rtl="0" eaLnBrk="1" latinLnBrk="0" hangingPunct="1">
+              <a:defRPr sz="2400" kern="1200">
+                <a:solidFill>
+                  <a:schemeClr val="tx1"/>
+                </a:solidFill>
+                <a:latin typeface="+mn-lt"/>
+                <a:ea typeface="+mn-ea"/>
+                <a:cs typeface="+mn-cs"/>
+              </a:defRPr>
+            </a:lvl7pPr>
+            <a:lvl8pPr marL="4267093" algn="l" defTabSz="1219170" rtl="0" eaLnBrk="1" latinLnBrk="0" hangingPunct="1">
+              <a:defRPr sz="2400" kern="1200">
+                <a:solidFill>
+                  <a:schemeClr val="tx1"/>
+                </a:solidFill>
+                <a:latin typeface="+mn-lt"/>
+                <a:ea typeface="+mn-ea"/>
+                <a:cs typeface="+mn-cs"/>
+              </a:defRPr>
+            </a:lvl8pPr>
+            <a:lvl9pPr marL="4876678" algn="l" defTabSz="1219170" rtl="0" eaLnBrk="1" latinLnBrk="0" hangingPunct="1">
+              <a:defRPr sz="2400" kern="1200">
+                <a:solidFill>
+                  <a:schemeClr val="tx1"/>
+                </a:solidFill>
+                <a:latin typeface="+mn-lt"/>
+                <a:ea typeface="+mn-ea"/>
+                <a:cs typeface="+mn-cs"/>
+              </a:defRPr>
+            </a:lvl9pPr>
+          </a:lstStyle>
+          <a:p>
+            <a:pPr marL="0" indent="0">
+              <a:buNone/>
+            </a:pPr>
+            <a:r>
+              <a:rPr lang="en-US" sz="4400">
+                <a:latin typeface="Montserrat ExtraBold"/>
+              </a:rPr>
+              <a:t>SEARCH FUNCTIONALITY</a:t>
+            </a:r>
+            <a:endParaRPr lang="en-US" sz="4400" dirty="0">
+              <a:latin typeface="Montserrat ExtraBold"/>
+            </a:endParaRPr>
+          </a:p>
+        </p:txBody>
+      </p:sp>
+      <p:sp>
+        <p:nvSpPr>
+          <p:cNvPr id="4" name="Shape 1"/>
+          <p:cNvSpPr/>
+          <p:nvPr/>
+        </p:nvSpPr>
+        <p:spPr>
+          <a:xfrm>
+            <a:off x="1219200" y="1219200"/>
+            <a:ext cx="1219200" cy="1219200"/>
+          </a:xfrm>
+          <a:prstGeom prst="line">
+            <a:avLst/>
+          </a:prstGeom>
+          <a:noFill/>
+          <a:ln/>
+        </p:spPr>
+      </p:sp>
+      <p:sp>
+        <p:nvSpPr>
+          <p:cNvPr id="5" name="Text 2"/>
+          <p:cNvSpPr/>
+          <p:nvPr/>
+        </p:nvSpPr>
+        <p:spPr>
+          <a:xfrm>
+            <a:off x="660400" y="1574800"/>
+            <a:ext cx="6032500" cy="787400"/>
+          </a:xfrm>
+          <a:prstGeom prst="rect">
+            <a:avLst/>
+          </a:prstGeom>
+          <a:noFill/>
+          <a:ln/>
+        </p:spPr>
+        <p:txBody>
+          <a:bodyPr wrap="square" rtlCol="0" anchor="ctr"/>
+          <a:lstStyle>
+            <a:lvl1pPr marL="0" algn="l" defTabSz="1219170" rtl="0" eaLnBrk="1" latinLnBrk="0" hangingPunct="1">
+              <a:defRPr sz="2400" kern="1200">
+                <a:solidFill>
+                  <a:schemeClr val="tx1"/>
+                </a:solidFill>
+                <a:latin typeface="+mn-lt"/>
+                <a:ea typeface="+mn-ea"/>
+                <a:cs typeface="+mn-cs"/>
+              </a:defRPr>
+            </a:lvl1pPr>
+            <a:lvl2pPr marL="609585" algn="l" defTabSz="1219170" rtl="0" eaLnBrk="1" latinLnBrk="0" hangingPunct="1">
+              <a:defRPr sz="2400" kern="1200">
+                <a:solidFill>
+                  <a:schemeClr val="tx1"/>
+                </a:solidFill>
+                <a:latin typeface="+mn-lt"/>
+                <a:ea typeface="+mn-ea"/>
+                <a:cs typeface="+mn-cs"/>
+              </a:defRPr>
+            </a:lvl2pPr>
+            <a:lvl3pPr marL="1219170" algn="l" defTabSz="1219170" rtl="0" eaLnBrk="1" latinLnBrk="0" hangingPunct="1">
+              <a:defRPr sz="2400" kern="1200">
+                <a:solidFill>
+                  <a:schemeClr val="tx1"/>
+                </a:solidFill>
+                <a:latin typeface="+mn-lt"/>
+                <a:ea typeface="+mn-ea"/>
+                <a:cs typeface="+mn-cs"/>
+              </a:defRPr>
+            </a:lvl3pPr>
+            <a:lvl4pPr marL="1828754" algn="l" defTabSz="1219170" rtl="0" eaLnBrk="1" latinLnBrk="0" hangingPunct="1">
+              <a:defRPr sz="2400" kern="1200">
+                <a:solidFill>
+                  <a:schemeClr val="tx1"/>
+                </a:solidFill>
+                <a:latin typeface="+mn-lt"/>
+                <a:ea typeface="+mn-ea"/>
+                <a:cs typeface="+mn-cs"/>
+              </a:defRPr>
+            </a:lvl4pPr>
+            <a:lvl5pPr marL="2438339" algn="l" defTabSz="1219170" rtl="0" eaLnBrk="1" latinLnBrk="0" hangingPunct="1">
+              <a:defRPr sz="2400" kern="1200">
+                <a:solidFill>
+                  <a:schemeClr val="tx1"/>
+                </a:solidFill>
+                <a:latin typeface="+mn-lt"/>
+                <a:ea typeface="+mn-ea"/>
+                <a:cs typeface="+mn-cs"/>
+              </a:defRPr>
+            </a:lvl5pPr>
+            <a:lvl6pPr marL="3047924" algn="l" defTabSz="1219170" rtl="0" eaLnBrk="1" latinLnBrk="0" hangingPunct="1">
+              <a:defRPr sz="2400" kern="1200">
+                <a:solidFill>
+                  <a:schemeClr val="tx1"/>
+                </a:solidFill>
+                <a:latin typeface="+mn-lt"/>
+                <a:ea typeface="+mn-ea"/>
+                <a:cs typeface="+mn-cs"/>
+              </a:defRPr>
+            </a:lvl6pPr>
+            <a:lvl7pPr marL="3657509" algn="l" defTabSz="1219170" rtl="0" eaLnBrk="1" latinLnBrk="0" hangingPunct="1">
+              <a:defRPr sz="2400" kern="1200">
+                <a:solidFill>
+                  <a:schemeClr val="tx1"/>
+                </a:solidFill>
+                <a:latin typeface="+mn-lt"/>
+                <a:ea typeface="+mn-ea"/>
+                <a:cs typeface="+mn-cs"/>
+              </a:defRPr>
+            </a:lvl7pPr>
+            <a:lvl8pPr marL="4267093" algn="l" defTabSz="1219170" rtl="0" eaLnBrk="1" latinLnBrk="0" hangingPunct="1">
+              <a:defRPr sz="2400" kern="1200">
+                <a:solidFill>
+                  <a:schemeClr val="tx1"/>
+                </a:solidFill>
+                <a:latin typeface="+mn-lt"/>
+                <a:ea typeface="+mn-ea"/>
+                <a:cs typeface="+mn-cs"/>
+              </a:defRPr>
+            </a:lvl8pPr>
+            <a:lvl9pPr marL="4876678" algn="l" defTabSz="1219170" rtl="0" eaLnBrk="1" latinLnBrk="0" hangingPunct="1">
+              <a:defRPr sz="2400" kern="1200">
+                <a:solidFill>
+                  <a:schemeClr val="tx1"/>
+                </a:solidFill>
+                <a:latin typeface="+mn-lt"/>
+                <a:ea typeface="+mn-ea"/>
+                <a:cs typeface="+mn-cs"/>
+              </a:defRPr>
+            </a:lvl9pPr>
+          </a:lstStyle>
+          <a:p>
+            <a:pPr marL="0" indent="0">
+              <a:buNone/>
+            </a:pPr>
+            <a:r>
+              <a:rPr lang="en-US" sz="1400">
+                <a:latin typeface="Open Sans"/>
+                <a:ea typeface="Open Sans"/>
+                <a:cs typeface="Open Sans"/>
+              </a:rPr>
+              <a:t>This table summarizes the search options available to enhance user experience. It allows users to efficiently locate employee information with specific criteria.</a:t>
+            </a:r>
+            <a:endParaRPr lang="en-US" sz="1400" dirty="0">
+              <a:latin typeface="Open Sans"/>
+              <a:ea typeface="Open Sans"/>
+              <a:cs typeface="Open Sans"/>
+            </a:endParaRPr>
+          </a:p>
+        </p:txBody>
+      </p:sp>
       <p:sp>
         <p:nvSpPr>
           <p:cNvPr id="25" name="Slide Number Placeholder 0"/>
@@ -18258,7 +22974,7 @@
           </a:prstGeom>
           <a:extLst>
             <a:ext uri="{C572A759-6A51-4108-AA02-DFA0A04FC94B}">
-              <ma14:wrappingTextBoxFlag xmlns="" xmlns:ma14="http://schemas.microsoft.com/office/mac/drawingml/2011/main" val="0"/>
+              <ma14:wrappingTextBoxFlag xmlns:ma14="http://schemas.microsoft.com/office/mac/drawingml/2011/main" xmlns="" val="0"/>
             </a:ext>
           </a:extLst>
         </p:spPr>
@@ -18368,6 +23084,333 @@
                 <a:cs typeface="Open Sans"/>
               </a:rPr>
               <a:pPr algn="ctr"/>
+              <a:t>8</a:t>
+            </a:fld>
+            <a:endParaRPr lang="en-US" sz="1210">
+              <a:solidFill>
+                <a:srgbClr val="FFFFFF"/>
+              </a:solidFill>
+              <a:latin typeface="Open Sans"/>
+              <a:ea typeface="Open Sans"/>
+              <a:cs typeface="Open Sans"/>
+            </a:endParaRPr>
+          </a:p>
+        </p:txBody>
+      </p:sp>
+      <p:sp>
+        <p:nvSpPr>
+          <p:cNvPr id="6" name="Rectangle 5">
+            <a:extLst>
+              <a:ext uri="{FF2B5EF4-FFF2-40B4-BE49-F238E27FC236}">
+                <a16:creationId xmlns:a16="http://schemas.microsoft.com/office/drawing/2014/main" id="{6E7D4D2D-123F-8DBE-62E0-A26FB2E410F9}"/>
+              </a:ext>
+            </a:extLst>
+          </p:cNvPr>
+          <p:cNvSpPr/>
+          <p:nvPr/>
+        </p:nvSpPr>
+        <p:spPr>
+          <a:xfrm>
+            <a:off x="9000067" y="6350000"/>
+            <a:ext cx="2497666" cy="508000"/>
+          </a:xfrm>
+          <a:prstGeom prst="rect">
+            <a:avLst/>
+          </a:prstGeom>
+          <a:solidFill>
+            <a:schemeClr val="bg1"/>
+          </a:solidFill>
+          <a:ln>
+            <a:solidFill>
+              <a:schemeClr val="bg1"/>
+            </a:solidFill>
+          </a:ln>
+        </p:spPr>
+        <p:style>
+          <a:lnRef idx="2">
+            <a:schemeClr val="accent1">
+              <a:shade val="15000"/>
+            </a:schemeClr>
+          </a:lnRef>
+          <a:fillRef idx="1">
+            <a:schemeClr val="accent1"/>
+          </a:fillRef>
+          <a:effectRef idx="0">
+            <a:schemeClr val="accent1"/>
+          </a:effectRef>
+          <a:fontRef idx="minor">
+            <a:schemeClr val="lt1"/>
+          </a:fontRef>
+        </p:style>
+        <p:txBody>
+          <a:bodyPr rtlCol="0" anchor="ctr"/>
+          <a:lstStyle/>
+          <a:p>
+            <a:pPr algn="ctr"/>
+            <a:endParaRPr lang="en-IN"/>
+          </a:p>
+        </p:txBody>
+      </p:sp>
+    </p:spTree>
+    <p:extLst>
+      <p:ext uri="{BB962C8B-B14F-4D97-AF65-F5344CB8AC3E}">
+        <p14:creationId xmlns:p14="http://schemas.microsoft.com/office/powerpoint/2010/main" val="3033208314"/>
+      </p:ext>
+    </p:extLst>
+  </p:cSld>
+  <p:clrMapOvr>
+    <a:masterClrMapping/>
+  </p:clrMapOvr>
+  <mc:AlternateContent xmlns:mc="http://schemas.openxmlformats.org/markup-compatibility/2006" xmlns:p15="http://schemas.microsoft.com/office/powerpoint/2012/main">
+    <mc:Choice Requires="p15">
+      <p:transition xmlns:p14="http://schemas.microsoft.com/office/powerpoint/2010/main" spd="slow" p14:dur="1250">
+        <p15:prstTrans prst="peelOff"/>
+      </p:transition>
+    </mc:Choice>
+    <mc:Fallback xmlns="">
+      <p:transition spd="slow">
+        <p:fade/>
+      </p:transition>
+    </mc:Fallback>
+  </mc:AlternateContent>
+</p:sld>
+</file>
+
+<file path=ppt/slides/slide9.xml><?xml version="1.0" encoding="utf-8"?>
+<p:sld xmlns:a="http://schemas.openxmlformats.org/drawingml/2006/main" xmlns:r="http://schemas.openxmlformats.org/officeDocument/2006/relationships" xmlns:p="http://schemas.openxmlformats.org/presentationml/2006/main">
+  <p:cSld name="Slide 1">
+    <p:spTree>
+      <p:nvGrpSpPr>
+        <p:cNvPr id="1" name=""/>
+        <p:cNvGrpSpPr/>
+        <p:nvPr/>
+      </p:nvGrpSpPr>
+      <p:grpSpPr>
+        <a:xfrm>
+          <a:off x="0" y="0"/>
+          <a:ext cx="0" cy="0"/>
+          <a:chOff x="0" y="0"/>
+          <a:chExt cx="0" cy="0"/>
+        </a:xfrm>
+      </p:grpSpPr>
+      <p:graphicFrame>
+        <p:nvGraphicFramePr>
+          <p:cNvPr id="2" name="Chart 0"/>
+          <p:cNvGraphicFramePr/>
+          <p:nvPr>
+            <p:extLst>
+              <p:ext uri="{D42A27DB-BD31-4B8C-83A1-F6EECF244321}">
+                <p14:modId xmlns:p14="http://schemas.microsoft.com/office/powerpoint/2010/main" val="1904091150"/>
+              </p:ext>
+            </p:extLst>
+          </p:nvPr>
+        </p:nvGraphicFramePr>
+        <p:xfrm>
+          <a:off x="749300" y="1727200"/>
+          <a:ext cx="2032000" cy="1676400"/>
+        </p:xfrm>
+        <a:graphic>
+          <a:graphicData uri="http://schemas.openxmlformats.org/drawingml/2006/chart">
+            <c:chart xmlns:c="http://schemas.openxmlformats.org/drawingml/2006/chart" xmlns:r="http://schemas.openxmlformats.org/officeDocument/2006/relationships" r:id="rId3"/>
+          </a:graphicData>
+        </a:graphic>
+      </p:graphicFrame>
+      <p:graphicFrame>
+        <p:nvGraphicFramePr>
+          <p:cNvPr id="3" name="Chart 1"/>
+          <p:cNvGraphicFramePr/>
+          <p:nvPr>
+            <p:extLst>
+              <p:ext uri="{D42A27DB-BD31-4B8C-83A1-F6EECF244321}">
+                <p14:modId xmlns:p14="http://schemas.microsoft.com/office/powerpoint/2010/main" val="2800536879"/>
+              </p:ext>
+            </p:extLst>
+          </p:nvPr>
+        </p:nvGraphicFramePr>
+        <p:xfrm>
+          <a:off x="8724900" y="1739900"/>
+          <a:ext cx="2032000" cy="1676400"/>
+        </p:xfrm>
+        <a:graphic>
+          <a:graphicData uri="http://schemas.openxmlformats.org/drawingml/2006/chart">
+            <c:chart xmlns:c="http://schemas.openxmlformats.org/drawingml/2006/chart" xmlns:r="http://schemas.openxmlformats.org/officeDocument/2006/relationships" r:id="rId4"/>
+          </a:graphicData>
+        </a:graphic>
+      </p:graphicFrame>
+      <p:graphicFrame>
+        <p:nvGraphicFramePr>
+          <p:cNvPr id="4" name="Chart 2"/>
+          <p:cNvGraphicFramePr/>
+          <p:nvPr>
+            <p:extLst>
+              <p:ext uri="{D42A27DB-BD31-4B8C-83A1-F6EECF244321}">
+                <p14:modId xmlns:p14="http://schemas.microsoft.com/office/powerpoint/2010/main" val="1234362392"/>
+              </p:ext>
+            </p:extLst>
+          </p:nvPr>
+        </p:nvGraphicFramePr>
+        <p:xfrm>
+          <a:off x="3365500" y="1739900"/>
+          <a:ext cx="2032000" cy="1676400"/>
+        </p:xfrm>
+        <a:graphic>
+          <a:graphicData uri="http://schemas.openxmlformats.org/drawingml/2006/chart">
+            <c:chart xmlns:c="http://schemas.openxmlformats.org/drawingml/2006/chart" xmlns:r="http://schemas.openxmlformats.org/officeDocument/2006/relationships" r:id="rId5"/>
+          </a:graphicData>
+        </a:graphic>
+      </p:graphicFrame>
+      <p:graphicFrame>
+        <p:nvGraphicFramePr>
+          <p:cNvPr id="5" name="Chart 3"/>
+          <p:cNvGraphicFramePr/>
+          <p:nvPr>
+            <p:extLst>
+              <p:ext uri="{D42A27DB-BD31-4B8C-83A1-F6EECF244321}">
+                <p14:modId xmlns:p14="http://schemas.microsoft.com/office/powerpoint/2010/main" val="3725301785"/>
+              </p:ext>
+            </p:extLst>
+          </p:nvPr>
+        </p:nvGraphicFramePr>
+        <p:xfrm>
+          <a:off x="6146800" y="1739900"/>
+          <a:ext cx="2032000" cy="1676400"/>
+        </p:xfrm>
+        <a:graphic>
+          <a:graphicData uri="http://schemas.openxmlformats.org/drawingml/2006/chart">
+            <c:chart xmlns:c="http://schemas.openxmlformats.org/drawingml/2006/chart" xmlns:r="http://schemas.openxmlformats.org/officeDocument/2006/relationships" r:id="rId6"/>
+          </a:graphicData>
+        </a:graphic>
+      </p:graphicFrame>
+      <p:sp>
+        <p:nvSpPr>
+          <p:cNvPr id="25" name="Slide Number Placeholder 0"/>
+          <p:cNvSpPr>
+            <a:spLocks noGrp="1"/>
+          </p:cNvSpPr>
+          <p:nvPr>
+            <p:ph type="sldNum" sz="quarter" idx="4294967295"/>
+          </p:nvPr>
+        </p:nvSpPr>
+        <p:spPr>
+          <a:xfrm>
+            <a:off x="11569700" y="6350000"/>
+            <a:ext cx="609600" cy="355600"/>
+          </a:xfrm>
+          <a:prstGeom prst="rect">
+            <a:avLst/>
+          </a:prstGeom>
+          <a:extLst>
+            <a:ext uri="{C572A759-6A51-4108-AA02-DFA0A04FC94B}">
+              <ma14:wrappingTextBoxFlag xmlns:ma14="http://schemas.microsoft.com/office/mac/drawingml/2011/main" xmlns="" val="0"/>
+            </a:ext>
+          </a:extLst>
+        </p:spPr>
+        <p:txBody>
+          <a:bodyPr anchor="ctr" anchorCtr="0"/>
+          <a:lstStyle>
+            <a:lvl1pPr marL="0" algn="l" defTabSz="1625519" rtl="0" eaLnBrk="1" latinLnBrk="0" hangingPunct="1">
+              <a:defRPr sz="3200" kern="1200">
+                <a:solidFill>
+                  <a:schemeClr val="tx1"/>
+                </a:solidFill>
+                <a:latin typeface="+mn-lt"/>
+                <a:ea typeface="+mn-ea"/>
+                <a:cs typeface="+mn-cs"/>
+              </a:defRPr>
+            </a:lvl1pPr>
+            <a:lvl2pPr marL="812760" algn="l" defTabSz="1625519" rtl="0" eaLnBrk="1" latinLnBrk="0" hangingPunct="1">
+              <a:defRPr sz="3200" kern="1200">
+                <a:solidFill>
+                  <a:schemeClr val="tx1"/>
+                </a:solidFill>
+                <a:latin typeface="+mn-lt"/>
+                <a:ea typeface="+mn-ea"/>
+                <a:cs typeface="+mn-cs"/>
+              </a:defRPr>
+            </a:lvl2pPr>
+            <a:lvl3pPr marL="1625519" algn="l" defTabSz="1625519" rtl="0" eaLnBrk="1" latinLnBrk="0" hangingPunct="1">
+              <a:defRPr sz="3200" kern="1200">
+                <a:solidFill>
+                  <a:schemeClr val="tx1"/>
+                </a:solidFill>
+                <a:latin typeface="+mn-lt"/>
+                <a:ea typeface="+mn-ea"/>
+                <a:cs typeface="+mn-cs"/>
+              </a:defRPr>
+            </a:lvl3pPr>
+            <a:lvl4pPr marL="2438278" algn="l" defTabSz="1625519" rtl="0" eaLnBrk="1" latinLnBrk="0" hangingPunct="1">
+              <a:defRPr sz="3200" kern="1200">
+                <a:solidFill>
+                  <a:schemeClr val="tx1"/>
+                </a:solidFill>
+                <a:latin typeface="+mn-lt"/>
+                <a:ea typeface="+mn-ea"/>
+                <a:cs typeface="+mn-cs"/>
+              </a:defRPr>
+            </a:lvl4pPr>
+            <a:lvl5pPr marL="3251037" algn="l" defTabSz="1625519" rtl="0" eaLnBrk="1" latinLnBrk="0" hangingPunct="1">
+              <a:defRPr sz="3200" kern="1200">
+                <a:solidFill>
+                  <a:schemeClr val="tx1"/>
+                </a:solidFill>
+                <a:latin typeface="+mn-lt"/>
+                <a:ea typeface="+mn-ea"/>
+                <a:cs typeface="+mn-cs"/>
+              </a:defRPr>
+            </a:lvl5pPr>
+            <a:lvl6pPr marL="4063797" algn="l" defTabSz="1625519" rtl="0" eaLnBrk="1" latinLnBrk="0" hangingPunct="1">
+              <a:defRPr sz="3200" kern="1200">
+                <a:solidFill>
+                  <a:schemeClr val="tx1"/>
+                </a:solidFill>
+                <a:latin typeface="+mn-lt"/>
+                <a:ea typeface="+mn-ea"/>
+                <a:cs typeface="+mn-cs"/>
+              </a:defRPr>
+            </a:lvl6pPr>
+            <a:lvl7pPr marL="4876557" algn="l" defTabSz="1625519" rtl="0" eaLnBrk="1" latinLnBrk="0" hangingPunct="1">
+              <a:defRPr sz="3200" kern="1200">
+                <a:solidFill>
+                  <a:schemeClr val="tx1"/>
+                </a:solidFill>
+                <a:latin typeface="+mn-lt"/>
+                <a:ea typeface="+mn-ea"/>
+                <a:cs typeface="+mn-cs"/>
+              </a:defRPr>
+            </a:lvl7pPr>
+            <a:lvl8pPr marL="5689315" algn="l" defTabSz="1625519" rtl="0" eaLnBrk="1" latinLnBrk="0" hangingPunct="1">
+              <a:defRPr sz="3200" kern="1200">
+                <a:solidFill>
+                  <a:schemeClr val="tx1"/>
+                </a:solidFill>
+                <a:latin typeface="+mn-lt"/>
+                <a:ea typeface="+mn-ea"/>
+                <a:cs typeface="+mn-cs"/>
+              </a:defRPr>
+            </a:lvl8pPr>
+            <a:lvl9pPr marL="6502075" algn="l" defTabSz="1625519" rtl="0" eaLnBrk="1" latinLnBrk="0" hangingPunct="1">
+              <a:defRPr sz="3200" kern="1200">
+                <a:solidFill>
+                  <a:schemeClr val="tx1"/>
+                </a:solidFill>
+                <a:latin typeface="+mn-lt"/>
+                <a:ea typeface="+mn-ea"/>
+                <a:cs typeface="+mn-cs"/>
+              </a:defRPr>
+            </a:lvl9pPr>
+          </a:lstStyle>
+          <a:p>
+            <a:pPr algn="ctr"/>
+            <a:fld id="{F7021451-1387-4CA6-816F-3879F97B5CBC}" type="slidenum">
+              <a:rPr lang="en-US" sz="1210">
+                <a:solidFill>
+                  <a:srgbClr val="FFFFFF"/>
+                </a:solidFill>
+                <a:latin typeface="Open Sans"/>
+                <a:ea typeface="Open Sans"/>
+                <a:cs typeface="Open Sans"/>
+              </a:rPr>
+              <a:pPr algn="ctr"/>
               <a:t>9</a:t>
             </a:fld>
             <a:endParaRPr lang="en-US" sz="1210">
@@ -18879,6 +23922,60 @@
           </a:p>
         </p:txBody>
       </p:sp>
+      <p:sp>
+        <p:nvSpPr>
+          <p:cNvPr id="19" name="Rectangle 18">
+            <a:extLst>
+              <a:ext uri="{FF2B5EF4-FFF2-40B4-BE49-F238E27FC236}">
+                <a16:creationId xmlns:a16="http://schemas.microsoft.com/office/drawing/2014/main" id="{3E17C957-C4F1-FD34-CB49-C053581B7CC4}"/>
+              </a:ext>
+            </a:extLst>
+          </p:cNvPr>
+          <p:cNvSpPr/>
+          <p:nvPr/>
+        </p:nvSpPr>
+        <p:spPr>
+          <a:xfrm>
+            <a:off x="8949267" y="6409267"/>
+            <a:ext cx="2497666" cy="448733"/>
+          </a:xfrm>
+          <a:prstGeom prst="rect">
+            <a:avLst/>
+          </a:prstGeom>
+          <a:solidFill>
+            <a:schemeClr val="bg1"/>
+          </a:solidFill>
+          <a:ln>
+            <a:solidFill>
+              <a:schemeClr val="bg1"/>
+            </a:solidFill>
+          </a:ln>
+        </p:spPr>
+        <p:style>
+          <a:lnRef idx="2">
+            <a:schemeClr val="accent1">
+              <a:shade val="15000"/>
+            </a:schemeClr>
+          </a:lnRef>
+          <a:fillRef idx="1">
+            <a:schemeClr val="accent1"/>
+          </a:fillRef>
+          <a:effectRef idx="0">
+            <a:schemeClr val="accent1"/>
+          </a:effectRef>
+          <a:fontRef idx="minor">
+            <a:schemeClr val="lt1"/>
+          </a:fontRef>
+        </p:style>
+        <p:txBody>
+          <a:bodyPr rtlCol="0" anchor="ctr"/>
+          <a:lstStyle/>
+          <a:p>
+            <a:pPr algn="ctr"/>
+            <a:endParaRPr lang="en-IN"/>
+          </a:p>
+        </p:txBody>
+      </p:sp>
     </p:spTree>
     <p:extLst>
       <p:ext uri="{BB962C8B-B14F-4D97-AF65-F5344CB8AC3E}">
@@ -18889,13 +23986,13 @@
   <p:clrMapOvr>
     <a:masterClrMapping/>
   </p:clrMapOvr>
-  <mc:AlternateContent xmlns:mc="http://schemas.openxmlformats.org/markup-compatibility/2006">
-    <mc:Choice xmlns:p14="http://schemas.microsoft.com/office/powerpoint/2010/main" Requires="p14">
+  <mc:AlternateContent xmlns:mc="http://schemas.openxmlformats.org/markup-compatibility/2006" xmlns:p14="http://schemas.microsoft.com/office/powerpoint/2010/main">
+    <mc:Choice Requires="p14">
       <p:transition spd="slow" p14:dur="1200">
         <p14:prism/>
       </p:transition>
     </mc:Choice>
-    <mc:Fallback>
+    <mc:Fallback xmlns="">
       <p:transition spd="slow">
         <p:fade/>
       </p:transition>
